--- a/modules/MgmntAdaptive/PPT.pptx
+++ b/modules/MgmntAdaptive/PPT.pptx
@@ -5,18 +5,20 @@
     <p:sldMasterId id="2147483648" r:id="rId1"/>
   </p:sldMasterIdLst>
   <p:notesMasterIdLst>
-    <p:notesMasterId r:id="rId11"/>
+    <p:notesMasterId r:id="rId13"/>
   </p:notesMasterIdLst>
   <p:sldIdLst>
     <p:sldId id="256" r:id="rId2"/>
     <p:sldId id="293" r:id="rId3"/>
     <p:sldId id="265" r:id="rId4"/>
     <p:sldId id="283" r:id="rId5"/>
-    <p:sldId id="284" r:id="rId6"/>
-    <p:sldId id="287" r:id="rId7"/>
-    <p:sldId id="290" r:id="rId8"/>
-    <p:sldId id="289" r:id="rId9"/>
-    <p:sldId id="291" r:id="rId10"/>
+    <p:sldId id="295" r:id="rId6"/>
+    <p:sldId id="284" r:id="rId7"/>
+    <p:sldId id="287" r:id="rId8"/>
+    <p:sldId id="290" r:id="rId9"/>
+    <p:sldId id="289" r:id="rId10"/>
+    <p:sldId id="291" r:id="rId11"/>
+    <p:sldId id="296" r:id="rId12"/>
   </p:sldIdLst>
   <p:sldSz cx="9144000" cy="6858000" type="screen4x3"/>
   <p:notesSz cx="6858000" cy="9144000"/>
@@ -1075,7 +1077,7 @@
           <a:p>
             <a:fld id="{F925A5F2-6E39-4BCC-937B-630D87233522}" type="slidenum">
               <a:rPr lang="en-US" smtClean="0"/>
-              <a:t>5</a:t>
+              <a:t>6</a:t>
             </a:fld>
             <a:endParaRPr lang="en-US"/>
           </a:p>
@@ -1167,7 +1169,7 @@
           <a:p>
             <a:fld id="{F925A5F2-6E39-4BCC-937B-630D87233522}" type="slidenum">
               <a:rPr lang="en-US" smtClean="0"/>
-              <a:t>6</a:t>
+              <a:t>7</a:t>
             </a:fld>
             <a:endParaRPr lang="en-US"/>
           </a:p>
@@ -1259,7 +1261,7 @@
           <a:p>
             <a:fld id="{F925A5F2-6E39-4BCC-937B-630D87233522}" type="slidenum">
               <a:rPr lang="en-US" smtClean="0"/>
-              <a:t>8</a:t>
+              <a:t>9</a:t>
             </a:fld>
             <a:endParaRPr lang="en-US"/>
           </a:p>
@@ -1351,7 +1353,7 @@
           <a:p>
             <a:fld id="{F925A5F2-6E39-4BCC-937B-630D87233522}" type="slidenum">
               <a:rPr lang="en-US" smtClean="0"/>
-              <a:t>9</a:t>
+              <a:t>10</a:t>
             </a:fld>
             <a:endParaRPr lang="en-US"/>
           </a:p>
@@ -1361,6 +1363,110 @@
     <p:extLst>
       <p:ext uri="{BB962C8B-B14F-4D97-AF65-F5344CB8AC3E}">
         <p14:creationId xmlns:p14="http://schemas.microsoft.com/office/powerpoint/2010/main" val="4120890165"/>
+      </p:ext>
+    </p:extLst>
+  </p:cSld>
+  <p:clrMapOvr>
+    <a:masterClrMapping/>
+  </p:clrMapOvr>
+</p:notes>
+</file>
+
+<file path=ppt/notesSlides/notesSlide7.xml><?xml version="1.0" encoding="utf-8"?>
+<p:notes xmlns:a="http://schemas.openxmlformats.org/drawingml/2006/main" xmlns:r="http://schemas.openxmlformats.org/officeDocument/2006/relationships" xmlns:p="http://schemas.openxmlformats.org/presentationml/2006/main">
+  <p:cSld>
+    <p:spTree>
+      <p:nvGrpSpPr>
+        <p:cNvPr id="1" name=""/>
+        <p:cNvGrpSpPr/>
+        <p:nvPr/>
+      </p:nvGrpSpPr>
+      <p:grpSpPr>
+        <a:xfrm>
+          <a:off x="0" y="0"/>
+          <a:ext cx="0" cy="0"/>
+          <a:chOff x="0" y="0"/>
+          <a:chExt cx="0" cy="0"/>
+        </a:xfrm>
+      </p:grpSpPr>
+      <p:sp>
+        <p:nvSpPr>
+          <p:cNvPr id="2" name="Slide Image Placeholder 1"/>
+          <p:cNvSpPr>
+            <a:spLocks noGrp="1" noRot="1" noChangeAspect="1"/>
+          </p:cNvSpPr>
+          <p:nvPr>
+            <p:ph type="sldImg"/>
+          </p:nvPr>
+        </p:nvSpPr>
+        <p:spPr/>
+      </p:sp>
+      <p:sp>
+        <p:nvSpPr>
+          <p:cNvPr id="3" name="Notes Placeholder 2"/>
+          <p:cNvSpPr>
+            <a:spLocks noGrp="1"/>
+          </p:cNvSpPr>
+          <p:nvPr>
+            <p:ph type="body" idx="1"/>
+          </p:nvPr>
+        </p:nvSpPr>
+        <p:spPr/>
+        <p:txBody>
+          <a:bodyPr/>
+          <a:lstStyle/>
+          <a:p>
+            <a:pPr eaLnBrk="1" hangingPunct="1"/>
+            <a:r>
+              <a:rPr lang="en-US" altLang="en-US" dirty="0" smtClean="0"/>
+              <a:t>Point is – there are a lot of different cycles out there, but if you really look closely at them, they are conceptually very similar.  Once you learn one cycle, you probably know 90% of what you would see in any other cycle.</a:t>
+            </a:r>
+          </a:p>
+          <a:p>
+            <a:pPr eaLnBrk="1" hangingPunct="1"/>
+            <a:r>
+              <a:rPr lang="en-US" altLang="en-US" smtClean="0"/>
+              <a:t>It doesn’t matter which cycle you use – what’s important is that you follow a systematic process</a:t>
+            </a:r>
+          </a:p>
+          <a:p>
+            <a:endParaRPr lang="en-US"/>
+          </a:p>
+        </p:txBody>
+      </p:sp>
+      <p:sp>
+        <p:nvSpPr>
+          <p:cNvPr id="4" name="Slide Number Placeholder 3"/>
+          <p:cNvSpPr>
+            <a:spLocks noGrp="1"/>
+          </p:cNvSpPr>
+          <p:nvPr>
+            <p:ph type="sldNum" sz="quarter" idx="10"/>
+          </p:nvPr>
+        </p:nvSpPr>
+        <p:spPr/>
+        <p:txBody>
+          <a:bodyPr/>
+          <a:lstStyle/>
+          <a:p>
+            <a:pPr>
+              <a:defRPr/>
+            </a:pPr>
+            <a:fld id="{F0EDB3E7-DD78-4A95-B5AA-6C1EE68AF305}" type="slidenum">
+              <a:rPr lang="en-US" smtClean="0"/>
+              <a:pPr>
+                <a:defRPr/>
+              </a:pPr>
+              <a:t>11</a:t>
+            </a:fld>
+            <a:endParaRPr lang="en-US"/>
+          </a:p>
+        </p:txBody>
+      </p:sp>
+    </p:spTree>
+    <p:extLst>
+      <p:ext uri="{BB962C8B-B14F-4D97-AF65-F5344CB8AC3E}">
+        <p14:creationId xmlns:p14="http://schemas.microsoft.com/office/powerpoint/2010/main" val="78918543"/>
       </p:ext>
     </p:extLst>
   </p:cSld>
@@ -4500,7 +4606,6 @@
               <a:rPr lang="en-US" dirty="0" smtClean="0"/>
               <a:t>Adaptive Management</a:t>
             </a:r>
-            <a:endParaRPr lang="en-US" dirty="0" smtClean="0"/>
           </a:p>
         </p:txBody>
       </p:sp>
@@ -4516,6 +4621,3410 @@
       </p:par>
     </p:tnLst>
   </p:timing>
+</p:sld>
+</file>
+
+<file path=ppt/slides/slide10.xml><?xml version="1.0" encoding="utf-8"?>
+<p:sld xmlns:a="http://schemas.openxmlformats.org/drawingml/2006/main" xmlns:r="http://schemas.openxmlformats.org/officeDocument/2006/relationships" xmlns:p="http://schemas.openxmlformats.org/presentationml/2006/main">
+  <p:cSld>
+    <p:spTree>
+      <p:nvGrpSpPr>
+        <p:cNvPr id="1" name=""/>
+        <p:cNvGrpSpPr/>
+        <p:nvPr/>
+      </p:nvGrpSpPr>
+      <p:grpSpPr>
+        <a:xfrm>
+          <a:off x="0" y="0"/>
+          <a:ext cx="0" cy="0"/>
+          <a:chOff x="0" y="0"/>
+          <a:chExt cx="0" cy="0"/>
+        </a:xfrm>
+      </p:grpSpPr>
+      <p:sp>
+        <p:nvSpPr>
+          <p:cNvPr id="4" name="Rectangle 3"/>
+          <p:cNvSpPr/>
+          <p:nvPr/>
+        </p:nvSpPr>
+        <p:spPr>
+          <a:xfrm>
+            <a:off x="1524000" y="1524000"/>
+            <a:ext cx="6096000" cy="4572000"/>
+          </a:xfrm>
+          <a:prstGeom prst="rect">
+            <a:avLst/>
+          </a:prstGeom>
+          <a:noFill/>
+        </p:spPr>
+        <p:style>
+          <a:lnRef idx="2">
+            <a:schemeClr val="accent1">
+              <a:shade val="50000"/>
+            </a:schemeClr>
+          </a:lnRef>
+          <a:fillRef idx="1">
+            <a:schemeClr val="accent1"/>
+          </a:fillRef>
+          <a:effectRef idx="0">
+            <a:schemeClr val="accent1"/>
+          </a:effectRef>
+          <a:fontRef idx="minor">
+            <a:schemeClr val="lt1"/>
+          </a:fontRef>
+        </p:style>
+        <p:txBody>
+          <a:bodyPr rtlCol="0" anchor="ctr"/>
+          <a:lstStyle/>
+          <a:p>
+            <a:pPr algn="ctr"/>
+            <a:endParaRPr lang="en-US"/>
+          </a:p>
+        </p:txBody>
+      </p:sp>
+      <p:sp>
+        <p:nvSpPr>
+          <p:cNvPr id="5" name="Oval 4"/>
+          <p:cNvSpPr/>
+          <p:nvPr/>
+        </p:nvSpPr>
+        <p:spPr>
+          <a:xfrm>
+            <a:off x="1752600" y="2209800"/>
+            <a:ext cx="533400" cy="609600"/>
+          </a:xfrm>
+          <a:prstGeom prst="ellipse">
+            <a:avLst/>
+          </a:prstGeom>
+          <a:solidFill>
+            <a:srgbClr val="FFCC99"/>
+          </a:solidFill>
+        </p:spPr>
+        <p:style>
+          <a:lnRef idx="2">
+            <a:schemeClr val="accent1">
+              <a:shade val="50000"/>
+            </a:schemeClr>
+          </a:lnRef>
+          <a:fillRef idx="1">
+            <a:schemeClr val="accent1"/>
+          </a:fillRef>
+          <a:effectRef idx="0">
+            <a:schemeClr val="accent1"/>
+          </a:effectRef>
+          <a:fontRef idx="minor">
+            <a:schemeClr val="lt1"/>
+          </a:fontRef>
+        </p:style>
+        <p:txBody>
+          <a:bodyPr rtlCol="0" anchor="ctr"/>
+          <a:lstStyle/>
+          <a:p>
+            <a:pPr algn="ctr"/>
+            <a:endParaRPr lang="en-US"/>
+          </a:p>
+        </p:txBody>
+      </p:sp>
+      <p:sp>
+        <p:nvSpPr>
+          <p:cNvPr id="6" name="Oval 5"/>
+          <p:cNvSpPr/>
+          <p:nvPr/>
+        </p:nvSpPr>
+        <p:spPr>
+          <a:xfrm>
+            <a:off x="6096000" y="2514600"/>
+            <a:ext cx="838200" cy="762000"/>
+          </a:xfrm>
+          <a:prstGeom prst="ellipse">
+            <a:avLst/>
+          </a:prstGeom>
+          <a:solidFill>
+            <a:srgbClr val="4EB1BE"/>
+          </a:solidFill>
+        </p:spPr>
+        <p:style>
+          <a:lnRef idx="2">
+            <a:schemeClr val="accent1">
+              <a:shade val="50000"/>
+            </a:schemeClr>
+          </a:lnRef>
+          <a:fillRef idx="1">
+            <a:schemeClr val="accent1"/>
+          </a:fillRef>
+          <a:effectRef idx="0">
+            <a:schemeClr val="accent1"/>
+          </a:effectRef>
+          <a:fontRef idx="minor">
+            <a:schemeClr val="lt1"/>
+          </a:fontRef>
+        </p:style>
+        <p:txBody>
+          <a:bodyPr rtlCol="0" anchor="ctr"/>
+          <a:lstStyle/>
+          <a:p>
+            <a:pPr algn="ctr"/>
+            <a:endParaRPr lang="en-US"/>
+          </a:p>
+        </p:txBody>
+      </p:sp>
+      <p:sp>
+        <p:nvSpPr>
+          <p:cNvPr id="7" name="Oval 6"/>
+          <p:cNvSpPr/>
+          <p:nvPr/>
+        </p:nvSpPr>
+        <p:spPr>
+          <a:xfrm>
+            <a:off x="4419600" y="3962400"/>
+            <a:ext cx="304800" cy="381000"/>
+          </a:xfrm>
+          <a:prstGeom prst="ellipse">
+            <a:avLst/>
+          </a:prstGeom>
+          <a:solidFill>
+            <a:srgbClr val="FFCC99"/>
+          </a:solidFill>
+        </p:spPr>
+        <p:style>
+          <a:lnRef idx="2">
+            <a:schemeClr val="accent1">
+              <a:shade val="50000"/>
+            </a:schemeClr>
+          </a:lnRef>
+          <a:fillRef idx="1">
+            <a:schemeClr val="accent1"/>
+          </a:fillRef>
+          <a:effectRef idx="0">
+            <a:schemeClr val="accent1"/>
+          </a:effectRef>
+          <a:fontRef idx="minor">
+            <a:schemeClr val="lt1"/>
+          </a:fontRef>
+        </p:style>
+        <p:txBody>
+          <a:bodyPr rtlCol="0" anchor="ctr"/>
+          <a:lstStyle/>
+          <a:p>
+            <a:pPr algn="ctr"/>
+            <a:endParaRPr lang="en-US"/>
+          </a:p>
+        </p:txBody>
+      </p:sp>
+      <p:sp>
+        <p:nvSpPr>
+          <p:cNvPr id="8" name="Oval 7"/>
+          <p:cNvSpPr/>
+          <p:nvPr/>
+        </p:nvSpPr>
+        <p:spPr>
+          <a:xfrm>
+            <a:off x="4038600" y="1828800"/>
+            <a:ext cx="685800" cy="685800"/>
+          </a:xfrm>
+          <a:prstGeom prst="ellipse">
+            <a:avLst/>
+          </a:prstGeom>
+          <a:solidFill>
+            <a:srgbClr val="FFCC99"/>
+          </a:solidFill>
+        </p:spPr>
+        <p:style>
+          <a:lnRef idx="2">
+            <a:schemeClr val="accent1">
+              <a:shade val="50000"/>
+            </a:schemeClr>
+          </a:lnRef>
+          <a:fillRef idx="1">
+            <a:schemeClr val="accent1"/>
+          </a:fillRef>
+          <a:effectRef idx="0">
+            <a:schemeClr val="accent1"/>
+          </a:effectRef>
+          <a:fontRef idx="minor">
+            <a:schemeClr val="lt1"/>
+          </a:fontRef>
+        </p:style>
+        <p:txBody>
+          <a:bodyPr rtlCol="0" anchor="ctr"/>
+          <a:lstStyle/>
+          <a:p>
+            <a:pPr algn="ctr"/>
+            <a:endParaRPr lang="en-US"/>
+          </a:p>
+        </p:txBody>
+      </p:sp>
+      <p:sp>
+        <p:nvSpPr>
+          <p:cNvPr id="9" name="Oval 8"/>
+          <p:cNvSpPr/>
+          <p:nvPr/>
+        </p:nvSpPr>
+        <p:spPr>
+          <a:xfrm>
+            <a:off x="2019300" y="5029200"/>
+            <a:ext cx="342900" cy="533400"/>
+          </a:xfrm>
+          <a:prstGeom prst="ellipse">
+            <a:avLst/>
+          </a:prstGeom>
+          <a:solidFill>
+            <a:srgbClr val="4EB1BE"/>
+          </a:solidFill>
+        </p:spPr>
+        <p:style>
+          <a:lnRef idx="2">
+            <a:schemeClr val="accent1">
+              <a:shade val="50000"/>
+            </a:schemeClr>
+          </a:lnRef>
+          <a:fillRef idx="1">
+            <a:schemeClr val="accent1"/>
+          </a:fillRef>
+          <a:effectRef idx="0">
+            <a:schemeClr val="accent1"/>
+          </a:effectRef>
+          <a:fontRef idx="minor">
+            <a:schemeClr val="lt1"/>
+          </a:fontRef>
+        </p:style>
+        <p:txBody>
+          <a:bodyPr rtlCol="0" anchor="ctr"/>
+          <a:lstStyle/>
+          <a:p>
+            <a:pPr algn="ctr"/>
+            <a:endParaRPr lang="en-US"/>
+          </a:p>
+        </p:txBody>
+      </p:sp>
+      <p:sp>
+        <p:nvSpPr>
+          <p:cNvPr id="10" name="Oval 9"/>
+          <p:cNvSpPr/>
+          <p:nvPr/>
+        </p:nvSpPr>
+        <p:spPr>
+          <a:xfrm>
+            <a:off x="5943600" y="4724400"/>
+            <a:ext cx="571500" cy="838200"/>
+          </a:xfrm>
+          <a:prstGeom prst="ellipse">
+            <a:avLst/>
+          </a:prstGeom>
+          <a:solidFill>
+            <a:srgbClr val="FFCC99"/>
+          </a:solidFill>
+        </p:spPr>
+        <p:style>
+          <a:lnRef idx="2">
+            <a:schemeClr val="accent1">
+              <a:shade val="50000"/>
+            </a:schemeClr>
+          </a:lnRef>
+          <a:fillRef idx="1">
+            <a:schemeClr val="accent1"/>
+          </a:fillRef>
+          <a:effectRef idx="0">
+            <a:schemeClr val="accent1"/>
+          </a:effectRef>
+          <a:fontRef idx="minor">
+            <a:schemeClr val="lt1"/>
+          </a:fontRef>
+        </p:style>
+        <p:txBody>
+          <a:bodyPr rtlCol="0" anchor="ctr"/>
+          <a:lstStyle/>
+          <a:p>
+            <a:pPr algn="ctr"/>
+            <a:endParaRPr lang="en-US"/>
+          </a:p>
+        </p:txBody>
+      </p:sp>
+      <p:sp>
+        <p:nvSpPr>
+          <p:cNvPr id="11" name="Oval 10"/>
+          <p:cNvSpPr/>
+          <p:nvPr/>
+        </p:nvSpPr>
+        <p:spPr>
+          <a:xfrm>
+            <a:off x="3048000" y="3276600"/>
+            <a:ext cx="533400" cy="304800"/>
+          </a:xfrm>
+          <a:prstGeom prst="ellipse">
+            <a:avLst/>
+          </a:prstGeom>
+          <a:solidFill>
+            <a:srgbClr val="CCCC00"/>
+          </a:solidFill>
+        </p:spPr>
+        <p:style>
+          <a:lnRef idx="2">
+            <a:schemeClr val="accent1">
+              <a:shade val="50000"/>
+            </a:schemeClr>
+          </a:lnRef>
+          <a:fillRef idx="1">
+            <a:schemeClr val="accent1"/>
+          </a:fillRef>
+          <a:effectRef idx="0">
+            <a:schemeClr val="accent1"/>
+          </a:effectRef>
+          <a:fontRef idx="minor">
+            <a:schemeClr val="lt1"/>
+          </a:fontRef>
+        </p:style>
+        <p:txBody>
+          <a:bodyPr rtlCol="0" anchor="ctr"/>
+          <a:lstStyle/>
+          <a:p>
+            <a:pPr algn="ctr"/>
+            <a:endParaRPr lang="en-US"/>
+          </a:p>
+        </p:txBody>
+      </p:sp>
+      <p:sp>
+        <p:nvSpPr>
+          <p:cNvPr id="12" name="Oval 11"/>
+          <p:cNvSpPr/>
+          <p:nvPr/>
+        </p:nvSpPr>
+        <p:spPr>
+          <a:xfrm>
+            <a:off x="4381500" y="4724400"/>
+            <a:ext cx="190500" cy="533400"/>
+          </a:xfrm>
+          <a:prstGeom prst="ellipse">
+            <a:avLst/>
+          </a:prstGeom>
+          <a:solidFill>
+            <a:srgbClr val="4EB1BE"/>
+          </a:solidFill>
+        </p:spPr>
+        <p:style>
+          <a:lnRef idx="2">
+            <a:schemeClr val="accent1">
+              <a:shade val="50000"/>
+            </a:schemeClr>
+          </a:lnRef>
+          <a:fillRef idx="1">
+            <a:schemeClr val="accent1"/>
+          </a:fillRef>
+          <a:effectRef idx="0">
+            <a:schemeClr val="accent1"/>
+          </a:effectRef>
+          <a:fontRef idx="minor">
+            <a:schemeClr val="lt1"/>
+          </a:fontRef>
+        </p:style>
+        <p:txBody>
+          <a:bodyPr rtlCol="0" anchor="ctr"/>
+          <a:lstStyle/>
+          <a:p>
+            <a:pPr algn="ctr"/>
+            <a:endParaRPr lang="en-US"/>
+          </a:p>
+        </p:txBody>
+      </p:sp>
+      <p:sp>
+        <p:nvSpPr>
+          <p:cNvPr id="13" name="Oval 12"/>
+          <p:cNvSpPr/>
+          <p:nvPr/>
+        </p:nvSpPr>
+        <p:spPr>
+          <a:xfrm>
+            <a:off x="5410200" y="2895600"/>
+            <a:ext cx="152400" cy="381000"/>
+          </a:xfrm>
+          <a:prstGeom prst="ellipse">
+            <a:avLst/>
+          </a:prstGeom>
+          <a:solidFill>
+            <a:srgbClr val="CCCC00"/>
+          </a:solidFill>
+        </p:spPr>
+        <p:style>
+          <a:lnRef idx="2">
+            <a:schemeClr val="accent1">
+              <a:shade val="50000"/>
+            </a:schemeClr>
+          </a:lnRef>
+          <a:fillRef idx="1">
+            <a:schemeClr val="accent1"/>
+          </a:fillRef>
+          <a:effectRef idx="0">
+            <a:schemeClr val="accent1"/>
+          </a:effectRef>
+          <a:fontRef idx="minor">
+            <a:schemeClr val="lt1"/>
+          </a:fontRef>
+        </p:style>
+        <p:txBody>
+          <a:bodyPr rtlCol="0" anchor="ctr"/>
+          <a:lstStyle/>
+          <a:p>
+            <a:pPr algn="ctr"/>
+            <a:endParaRPr lang="en-US"/>
+          </a:p>
+        </p:txBody>
+      </p:sp>
+      <p:sp>
+        <p:nvSpPr>
+          <p:cNvPr id="14" name="Oval 13"/>
+          <p:cNvSpPr/>
+          <p:nvPr/>
+        </p:nvSpPr>
+        <p:spPr>
+          <a:xfrm>
+            <a:off x="2514600" y="4495800"/>
+            <a:ext cx="76200" cy="76200"/>
+          </a:xfrm>
+          <a:prstGeom prst="ellipse">
+            <a:avLst/>
+          </a:prstGeom>
+          <a:solidFill>
+            <a:srgbClr val="CCCC00"/>
+          </a:solidFill>
+        </p:spPr>
+        <p:style>
+          <a:lnRef idx="2">
+            <a:schemeClr val="accent1">
+              <a:shade val="50000"/>
+            </a:schemeClr>
+          </a:lnRef>
+          <a:fillRef idx="1">
+            <a:schemeClr val="accent1"/>
+          </a:fillRef>
+          <a:effectRef idx="0">
+            <a:schemeClr val="accent1"/>
+          </a:effectRef>
+          <a:fontRef idx="minor">
+            <a:schemeClr val="lt1"/>
+          </a:fontRef>
+        </p:style>
+        <p:txBody>
+          <a:bodyPr rtlCol="0" anchor="ctr"/>
+          <a:lstStyle/>
+          <a:p>
+            <a:pPr algn="ctr"/>
+            <a:endParaRPr lang="en-US"/>
+          </a:p>
+        </p:txBody>
+      </p:sp>
+      <p:sp>
+        <p:nvSpPr>
+          <p:cNvPr id="15" name="Oval 14"/>
+          <p:cNvSpPr/>
+          <p:nvPr/>
+        </p:nvSpPr>
+        <p:spPr>
+          <a:xfrm>
+            <a:off x="2895600" y="2171700"/>
+            <a:ext cx="533400" cy="342900"/>
+          </a:xfrm>
+          <a:prstGeom prst="ellipse">
+            <a:avLst/>
+          </a:prstGeom>
+          <a:solidFill>
+            <a:srgbClr val="4EB1BE"/>
+          </a:solidFill>
+        </p:spPr>
+        <p:style>
+          <a:lnRef idx="2">
+            <a:schemeClr val="accent1">
+              <a:shade val="50000"/>
+            </a:schemeClr>
+          </a:lnRef>
+          <a:fillRef idx="1">
+            <a:schemeClr val="accent1"/>
+          </a:fillRef>
+          <a:effectRef idx="0">
+            <a:schemeClr val="accent1"/>
+          </a:effectRef>
+          <a:fontRef idx="minor">
+            <a:schemeClr val="lt1"/>
+          </a:fontRef>
+        </p:style>
+        <p:txBody>
+          <a:bodyPr rtlCol="0" anchor="ctr"/>
+          <a:lstStyle/>
+          <a:p>
+            <a:pPr algn="ctr"/>
+            <a:endParaRPr lang="en-US"/>
+          </a:p>
+        </p:txBody>
+      </p:sp>
+      <p:sp>
+        <p:nvSpPr>
+          <p:cNvPr id="16" name="Oval 15"/>
+          <p:cNvSpPr/>
+          <p:nvPr/>
+        </p:nvSpPr>
+        <p:spPr>
+          <a:xfrm>
+            <a:off x="6515100" y="4152900"/>
+            <a:ext cx="419100" cy="381000"/>
+          </a:xfrm>
+          <a:prstGeom prst="ellipse">
+            <a:avLst/>
+          </a:prstGeom>
+          <a:solidFill>
+            <a:srgbClr val="CCCC00"/>
+          </a:solidFill>
+        </p:spPr>
+        <p:style>
+          <a:lnRef idx="2">
+            <a:schemeClr val="accent1">
+              <a:shade val="50000"/>
+            </a:schemeClr>
+          </a:lnRef>
+          <a:fillRef idx="1">
+            <a:schemeClr val="accent1"/>
+          </a:fillRef>
+          <a:effectRef idx="0">
+            <a:schemeClr val="accent1"/>
+          </a:effectRef>
+          <a:fontRef idx="minor">
+            <a:schemeClr val="lt1"/>
+          </a:fontRef>
+        </p:style>
+        <p:txBody>
+          <a:bodyPr rtlCol="0" anchor="ctr"/>
+          <a:lstStyle/>
+          <a:p>
+            <a:pPr algn="ctr"/>
+            <a:endParaRPr lang="en-US"/>
+          </a:p>
+        </p:txBody>
+      </p:sp>
+      <p:sp>
+        <p:nvSpPr>
+          <p:cNvPr id="17" name="Oval 16"/>
+          <p:cNvSpPr/>
+          <p:nvPr/>
+        </p:nvSpPr>
+        <p:spPr>
+          <a:xfrm>
+            <a:off x="3162300" y="4724400"/>
+            <a:ext cx="876300" cy="1066800"/>
+          </a:xfrm>
+          <a:prstGeom prst="ellipse">
+            <a:avLst/>
+          </a:prstGeom>
+          <a:solidFill>
+            <a:srgbClr val="CCCC00"/>
+          </a:solidFill>
+        </p:spPr>
+        <p:style>
+          <a:lnRef idx="2">
+            <a:schemeClr val="accent1">
+              <a:shade val="50000"/>
+            </a:schemeClr>
+          </a:lnRef>
+          <a:fillRef idx="1">
+            <a:schemeClr val="accent1"/>
+          </a:fillRef>
+          <a:effectRef idx="0">
+            <a:schemeClr val="accent1"/>
+          </a:effectRef>
+          <a:fontRef idx="minor">
+            <a:schemeClr val="lt1"/>
+          </a:fontRef>
+        </p:style>
+        <p:txBody>
+          <a:bodyPr rtlCol="0" anchor="ctr"/>
+          <a:lstStyle/>
+          <a:p>
+            <a:pPr algn="ctr"/>
+            <a:endParaRPr lang="en-US"/>
+          </a:p>
+        </p:txBody>
+      </p:sp>
+      <p:sp>
+        <p:nvSpPr>
+          <p:cNvPr id="18" name="Oval 17"/>
+          <p:cNvSpPr/>
+          <p:nvPr/>
+        </p:nvSpPr>
+        <p:spPr>
+          <a:xfrm>
+            <a:off x="4953000" y="4572000"/>
+            <a:ext cx="152400" cy="152400"/>
+          </a:xfrm>
+          <a:prstGeom prst="ellipse">
+            <a:avLst/>
+          </a:prstGeom>
+          <a:solidFill>
+            <a:srgbClr val="CCCC00"/>
+          </a:solidFill>
+        </p:spPr>
+        <p:style>
+          <a:lnRef idx="2">
+            <a:schemeClr val="accent1">
+              <a:shade val="50000"/>
+            </a:schemeClr>
+          </a:lnRef>
+          <a:fillRef idx="1">
+            <a:schemeClr val="accent1"/>
+          </a:fillRef>
+          <a:effectRef idx="0">
+            <a:schemeClr val="accent1"/>
+          </a:effectRef>
+          <a:fontRef idx="minor">
+            <a:schemeClr val="lt1"/>
+          </a:fontRef>
+        </p:style>
+        <p:txBody>
+          <a:bodyPr rtlCol="0" anchor="ctr"/>
+          <a:lstStyle/>
+          <a:p>
+            <a:pPr algn="ctr"/>
+            <a:endParaRPr lang="en-US"/>
+          </a:p>
+        </p:txBody>
+      </p:sp>
+      <p:sp>
+        <p:nvSpPr>
+          <p:cNvPr id="19" name="Oval 18"/>
+          <p:cNvSpPr/>
+          <p:nvPr/>
+        </p:nvSpPr>
+        <p:spPr>
+          <a:xfrm>
+            <a:off x="5562600" y="1676400"/>
+            <a:ext cx="152400" cy="152400"/>
+          </a:xfrm>
+          <a:prstGeom prst="ellipse">
+            <a:avLst/>
+          </a:prstGeom>
+          <a:solidFill>
+            <a:srgbClr val="CCCC00"/>
+          </a:solidFill>
+        </p:spPr>
+        <p:style>
+          <a:lnRef idx="2">
+            <a:schemeClr val="accent1">
+              <a:shade val="50000"/>
+            </a:schemeClr>
+          </a:lnRef>
+          <a:fillRef idx="1">
+            <a:schemeClr val="accent1"/>
+          </a:fillRef>
+          <a:effectRef idx="0">
+            <a:schemeClr val="accent1"/>
+          </a:effectRef>
+          <a:fontRef idx="minor">
+            <a:schemeClr val="lt1"/>
+          </a:fontRef>
+        </p:style>
+        <p:txBody>
+          <a:bodyPr rtlCol="0" anchor="ctr"/>
+          <a:lstStyle/>
+          <a:p>
+            <a:pPr algn="ctr"/>
+            <a:endParaRPr lang="en-US"/>
+          </a:p>
+        </p:txBody>
+      </p:sp>
+      <p:sp>
+        <p:nvSpPr>
+          <p:cNvPr id="20" name="Oval 19"/>
+          <p:cNvSpPr/>
+          <p:nvPr/>
+        </p:nvSpPr>
+        <p:spPr>
+          <a:xfrm>
+            <a:off x="2286000" y="1676400"/>
+            <a:ext cx="266700" cy="228600"/>
+          </a:xfrm>
+          <a:prstGeom prst="ellipse">
+            <a:avLst/>
+          </a:prstGeom>
+          <a:solidFill>
+            <a:srgbClr val="FFCC99"/>
+          </a:solidFill>
+        </p:spPr>
+        <p:style>
+          <a:lnRef idx="2">
+            <a:schemeClr val="accent1">
+              <a:shade val="50000"/>
+            </a:schemeClr>
+          </a:lnRef>
+          <a:fillRef idx="1">
+            <a:schemeClr val="accent1"/>
+          </a:fillRef>
+          <a:effectRef idx="0">
+            <a:schemeClr val="accent1"/>
+          </a:effectRef>
+          <a:fontRef idx="minor">
+            <a:schemeClr val="lt1"/>
+          </a:fontRef>
+        </p:style>
+        <p:txBody>
+          <a:bodyPr rtlCol="0" anchor="ctr"/>
+          <a:lstStyle/>
+          <a:p>
+            <a:pPr algn="ctr"/>
+            <a:endParaRPr lang="en-US"/>
+          </a:p>
+        </p:txBody>
+      </p:sp>
+      <p:sp>
+        <p:nvSpPr>
+          <p:cNvPr id="21" name="Oval 20"/>
+          <p:cNvSpPr/>
+          <p:nvPr/>
+        </p:nvSpPr>
+        <p:spPr>
+          <a:xfrm>
+            <a:off x="2019300" y="3086100"/>
+            <a:ext cx="171450" cy="342900"/>
+          </a:xfrm>
+          <a:prstGeom prst="ellipse">
+            <a:avLst/>
+          </a:prstGeom>
+          <a:solidFill>
+            <a:srgbClr val="CCCC00"/>
+          </a:solidFill>
+        </p:spPr>
+        <p:style>
+          <a:lnRef idx="2">
+            <a:schemeClr val="accent1">
+              <a:shade val="50000"/>
+            </a:schemeClr>
+          </a:lnRef>
+          <a:fillRef idx="1">
+            <a:schemeClr val="accent1"/>
+          </a:fillRef>
+          <a:effectRef idx="0">
+            <a:schemeClr val="accent1"/>
+          </a:effectRef>
+          <a:fontRef idx="minor">
+            <a:schemeClr val="lt1"/>
+          </a:fontRef>
+        </p:style>
+        <p:txBody>
+          <a:bodyPr rtlCol="0" anchor="ctr"/>
+          <a:lstStyle/>
+          <a:p>
+            <a:pPr algn="ctr"/>
+            <a:endParaRPr lang="en-US"/>
+          </a:p>
+        </p:txBody>
+      </p:sp>
+      <p:sp>
+        <p:nvSpPr>
+          <p:cNvPr id="22" name="Oval 21"/>
+          <p:cNvSpPr/>
+          <p:nvPr/>
+        </p:nvSpPr>
+        <p:spPr>
+          <a:xfrm>
+            <a:off x="2286000" y="4152900"/>
+            <a:ext cx="304800" cy="182879"/>
+          </a:xfrm>
+          <a:prstGeom prst="ellipse">
+            <a:avLst/>
+          </a:prstGeom>
+          <a:solidFill>
+            <a:srgbClr val="CCCC00"/>
+          </a:solidFill>
+        </p:spPr>
+        <p:style>
+          <a:lnRef idx="2">
+            <a:schemeClr val="accent1">
+              <a:shade val="50000"/>
+            </a:schemeClr>
+          </a:lnRef>
+          <a:fillRef idx="1">
+            <a:schemeClr val="accent1"/>
+          </a:fillRef>
+          <a:effectRef idx="0">
+            <a:schemeClr val="accent1"/>
+          </a:effectRef>
+          <a:fontRef idx="minor">
+            <a:schemeClr val="lt1"/>
+          </a:fontRef>
+        </p:style>
+        <p:txBody>
+          <a:bodyPr rtlCol="0" anchor="ctr"/>
+          <a:lstStyle/>
+          <a:p>
+            <a:pPr algn="ctr"/>
+            <a:endParaRPr lang="en-US"/>
+          </a:p>
+        </p:txBody>
+      </p:sp>
+      <p:sp>
+        <p:nvSpPr>
+          <p:cNvPr id="23" name="Oval 22"/>
+          <p:cNvSpPr/>
+          <p:nvPr/>
+        </p:nvSpPr>
+        <p:spPr>
+          <a:xfrm>
+            <a:off x="5257800" y="5562600"/>
+            <a:ext cx="381000" cy="228600"/>
+          </a:xfrm>
+          <a:prstGeom prst="ellipse">
+            <a:avLst/>
+          </a:prstGeom>
+          <a:solidFill>
+            <a:srgbClr val="4EB1BE"/>
+          </a:solidFill>
+        </p:spPr>
+        <p:style>
+          <a:lnRef idx="2">
+            <a:schemeClr val="accent1">
+              <a:shade val="50000"/>
+            </a:schemeClr>
+          </a:lnRef>
+          <a:fillRef idx="1">
+            <a:schemeClr val="accent1"/>
+          </a:fillRef>
+          <a:effectRef idx="0">
+            <a:schemeClr val="accent1"/>
+          </a:effectRef>
+          <a:fontRef idx="minor">
+            <a:schemeClr val="lt1"/>
+          </a:fontRef>
+        </p:style>
+        <p:txBody>
+          <a:bodyPr rtlCol="0" anchor="ctr"/>
+          <a:lstStyle/>
+          <a:p>
+            <a:pPr algn="ctr"/>
+            <a:endParaRPr lang="en-US"/>
+          </a:p>
+        </p:txBody>
+      </p:sp>
+      <p:sp>
+        <p:nvSpPr>
+          <p:cNvPr id="24" name="Oval 23"/>
+          <p:cNvSpPr/>
+          <p:nvPr/>
+        </p:nvSpPr>
+        <p:spPr>
+          <a:xfrm>
+            <a:off x="4267200" y="3257550"/>
+            <a:ext cx="685800" cy="552450"/>
+          </a:xfrm>
+          <a:prstGeom prst="ellipse">
+            <a:avLst/>
+          </a:prstGeom>
+          <a:solidFill>
+            <a:srgbClr val="4EB1BE"/>
+          </a:solidFill>
+        </p:spPr>
+        <p:style>
+          <a:lnRef idx="2">
+            <a:schemeClr val="accent1">
+              <a:shade val="50000"/>
+            </a:schemeClr>
+          </a:lnRef>
+          <a:fillRef idx="1">
+            <a:schemeClr val="accent1"/>
+          </a:fillRef>
+          <a:effectRef idx="0">
+            <a:schemeClr val="accent1"/>
+          </a:effectRef>
+          <a:fontRef idx="minor">
+            <a:schemeClr val="lt1"/>
+          </a:fontRef>
+        </p:style>
+        <p:txBody>
+          <a:bodyPr rtlCol="0" anchor="ctr"/>
+          <a:lstStyle/>
+          <a:p>
+            <a:pPr algn="ctr"/>
+            <a:endParaRPr lang="en-US"/>
+          </a:p>
+        </p:txBody>
+      </p:sp>
+      <p:sp>
+        <p:nvSpPr>
+          <p:cNvPr id="25" name="Oval 24"/>
+          <p:cNvSpPr/>
+          <p:nvPr/>
+        </p:nvSpPr>
+        <p:spPr>
+          <a:xfrm>
+            <a:off x="6724650" y="5791200"/>
+            <a:ext cx="209550" cy="152400"/>
+          </a:xfrm>
+          <a:prstGeom prst="ellipse">
+            <a:avLst/>
+          </a:prstGeom>
+          <a:solidFill>
+            <a:srgbClr val="CCCC00"/>
+          </a:solidFill>
+        </p:spPr>
+        <p:style>
+          <a:lnRef idx="2">
+            <a:schemeClr val="accent1">
+              <a:shade val="50000"/>
+            </a:schemeClr>
+          </a:lnRef>
+          <a:fillRef idx="1">
+            <a:schemeClr val="accent1"/>
+          </a:fillRef>
+          <a:effectRef idx="0">
+            <a:schemeClr val="accent1"/>
+          </a:effectRef>
+          <a:fontRef idx="minor">
+            <a:schemeClr val="lt1"/>
+          </a:fontRef>
+        </p:style>
+        <p:txBody>
+          <a:bodyPr rtlCol="0" anchor="ctr"/>
+          <a:lstStyle/>
+          <a:p>
+            <a:pPr algn="ctr"/>
+            <a:endParaRPr lang="en-US"/>
+          </a:p>
+        </p:txBody>
+      </p:sp>
+      <p:sp>
+        <p:nvSpPr>
+          <p:cNvPr id="26" name="Oval 25"/>
+          <p:cNvSpPr/>
+          <p:nvPr/>
+        </p:nvSpPr>
+        <p:spPr>
+          <a:xfrm>
+            <a:off x="7162800" y="5029200"/>
+            <a:ext cx="152400" cy="228600"/>
+          </a:xfrm>
+          <a:prstGeom prst="ellipse">
+            <a:avLst/>
+          </a:prstGeom>
+          <a:solidFill>
+            <a:srgbClr val="4EB1BE"/>
+          </a:solidFill>
+        </p:spPr>
+        <p:style>
+          <a:lnRef idx="2">
+            <a:schemeClr val="accent1">
+              <a:shade val="50000"/>
+            </a:schemeClr>
+          </a:lnRef>
+          <a:fillRef idx="1">
+            <a:schemeClr val="accent1"/>
+          </a:fillRef>
+          <a:effectRef idx="0">
+            <a:schemeClr val="accent1"/>
+          </a:effectRef>
+          <a:fontRef idx="minor">
+            <a:schemeClr val="lt1"/>
+          </a:fontRef>
+        </p:style>
+        <p:txBody>
+          <a:bodyPr rtlCol="0" anchor="ctr"/>
+          <a:lstStyle/>
+          <a:p>
+            <a:pPr algn="ctr"/>
+            <a:endParaRPr lang="en-US"/>
+          </a:p>
+        </p:txBody>
+      </p:sp>
+      <p:sp>
+        <p:nvSpPr>
+          <p:cNvPr id="27" name="Oval 26"/>
+          <p:cNvSpPr/>
+          <p:nvPr/>
+        </p:nvSpPr>
+        <p:spPr>
+          <a:xfrm>
+            <a:off x="6934200" y="1828800"/>
+            <a:ext cx="304800" cy="342900"/>
+          </a:xfrm>
+          <a:prstGeom prst="ellipse">
+            <a:avLst/>
+          </a:prstGeom>
+          <a:solidFill>
+            <a:srgbClr val="FFCC99"/>
+          </a:solidFill>
+        </p:spPr>
+        <p:style>
+          <a:lnRef idx="2">
+            <a:schemeClr val="accent1">
+              <a:shade val="50000"/>
+            </a:schemeClr>
+          </a:lnRef>
+          <a:fillRef idx="1">
+            <a:schemeClr val="accent1"/>
+          </a:fillRef>
+          <a:effectRef idx="0">
+            <a:schemeClr val="accent1"/>
+          </a:effectRef>
+          <a:fontRef idx="minor">
+            <a:schemeClr val="lt1"/>
+          </a:fontRef>
+        </p:style>
+        <p:txBody>
+          <a:bodyPr rtlCol="0" anchor="ctr"/>
+          <a:lstStyle/>
+          <a:p>
+            <a:pPr algn="ctr"/>
+            <a:endParaRPr lang="en-US"/>
+          </a:p>
+        </p:txBody>
+      </p:sp>
+      <p:sp>
+        <p:nvSpPr>
+          <p:cNvPr id="28" name="Oval 27"/>
+          <p:cNvSpPr/>
+          <p:nvPr/>
+        </p:nvSpPr>
+        <p:spPr>
+          <a:xfrm>
+            <a:off x="6724650" y="3429000"/>
+            <a:ext cx="104775" cy="152400"/>
+          </a:xfrm>
+          <a:prstGeom prst="ellipse">
+            <a:avLst/>
+          </a:prstGeom>
+          <a:solidFill>
+            <a:srgbClr val="CCCC00"/>
+          </a:solidFill>
+        </p:spPr>
+        <p:style>
+          <a:lnRef idx="2">
+            <a:schemeClr val="accent1">
+              <a:shade val="50000"/>
+            </a:schemeClr>
+          </a:lnRef>
+          <a:fillRef idx="1">
+            <a:schemeClr val="accent1"/>
+          </a:fillRef>
+          <a:effectRef idx="0">
+            <a:schemeClr val="accent1"/>
+          </a:effectRef>
+          <a:fontRef idx="minor">
+            <a:schemeClr val="lt1"/>
+          </a:fontRef>
+        </p:style>
+        <p:txBody>
+          <a:bodyPr rtlCol="0" anchor="ctr"/>
+          <a:lstStyle/>
+          <a:p>
+            <a:pPr algn="ctr"/>
+            <a:endParaRPr lang="en-US"/>
+          </a:p>
+        </p:txBody>
+      </p:sp>
+      <p:sp>
+        <p:nvSpPr>
+          <p:cNvPr id="29" name="Oval 28"/>
+          <p:cNvSpPr/>
+          <p:nvPr/>
+        </p:nvSpPr>
+        <p:spPr>
+          <a:xfrm>
+            <a:off x="5638800" y="3962400"/>
+            <a:ext cx="304800" cy="190500"/>
+          </a:xfrm>
+          <a:prstGeom prst="ellipse">
+            <a:avLst/>
+          </a:prstGeom>
+          <a:solidFill>
+            <a:srgbClr val="4EB1BE"/>
+          </a:solidFill>
+        </p:spPr>
+        <p:style>
+          <a:lnRef idx="2">
+            <a:schemeClr val="accent1">
+              <a:shade val="50000"/>
+            </a:schemeClr>
+          </a:lnRef>
+          <a:fillRef idx="1">
+            <a:schemeClr val="accent1"/>
+          </a:fillRef>
+          <a:effectRef idx="0">
+            <a:schemeClr val="accent1"/>
+          </a:effectRef>
+          <a:fontRef idx="minor">
+            <a:schemeClr val="lt1"/>
+          </a:fontRef>
+        </p:style>
+        <p:txBody>
+          <a:bodyPr rtlCol="0" anchor="ctr"/>
+          <a:lstStyle/>
+          <a:p>
+            <a:pPr algn="ctr"/>
+            <a:endParaRPr lang="en-US"/>
+          </a:p>
+        </p:txBody>
+      </p:sp>
+      <p:sp>
+        <p:nvSpPr>
+          <p:cNvPr id="30" name="Oval 29"/>
+          <p:cNvSpPr/>
+          <p:nvPr/>
+        </p:nvSpPr>
+        <p:spPr>
+          <a:xfrm>
+            <a:off x="3429000" y="4175759"/>
+            <a:ext cx="171450" cy="320041"/>
+          </a:xfrm>
+          <a:prstGeom prst="ellipse">
+            <a:avLst/>
+          </a:prstGeom>
+          <a:solidFill>
+            <a:srgbClr val="FFCC99"/>
+          </a:solidFill>
+        </p:spPr>
+        <p:style>
+          <a:lnRef idx="2">
+            <a:schemeClr val="accent1">
+              <a:shade val="50000"/>
+            </a:schemeClr>
+          </a:lnRef>
+          <a:fillRef idx="1">
+            <a:schemeClr val="accent1"/>
+          </a:fillRef>
+          <a:effectRef idx="0">
+            <a:schemeClr val="accent1"/>
+          </a:effectRef>
+          <a:fontRef idx="minor">
+            <a:schemeClr val="lt1"/>
+          </a:fontRef>
+        </p:style>
+        <p:txBody>
+          <a:bodyPr rtlCol="0" anchor="ctr"/>
+          <a:lstStyle/>
+          <a:p>
+            <a:pPr algn="ctr"/>
+            <a:endParaRPr lang="en-US"/>
+          </a:p>
+        </p:txBody>
+      </p:sp>
+      <p:sp>
+        <p:nvSpPr>
+          <p:cNvPr id="32" name="Title 1"/>
+          <p:cNvSpPr>
+            <a:spLocks noGrp="1"/>
+          </p:cNvSpPr>
+          <p:nvPr>
+            <p:ph type="title"/>
+          </p:nvPr>
+        </p:nvSpPr>
+        <p:spPr>
+          <a:xfrm>
+            <a:off x="0" y="274638"/>
+            <a:ext cx="9144000" cy="792162"/>
+          </a:xfrm>
+        </p:spPr>
+        <p:txBody>
+          <a:bodyPr>
+            <a:normAutofit fontScale="90000"/>
+          </a:bodyPr>
+          <a:lstStyle/>
+          <a:p>
+            <a:r>
+              <a:rPr lang="en-US" dirty="0" smtClean="0"/>
+              <a:t>Adaptive Management: Implementation</a:t>
+            </a:r>
+            <a:endParaRPr lang="en-US" dirty="0"/>
+          </a:p>
+        </p:txBody>
+      </p:sp>
+      <p:sp>
+        <p:nvSpPr>
+          <p:cNvPr id="34" name="Oval 33"/>
+          <p:cNvSpPr/>
+          <p:nvPr/>
+        </p:nvSpPr>
+        <p:spPr>
+          <a:xfrm>
+            <a:off x="3314700" y="2819400"/>
+            <a:ext cx="285750" cy="266700"/>
+          </a:xfrm>
+          <a:prstGeom prst="ellipse">
+            <a:avLst/>
+          </a:prstGeom>
+          <a:solidFill>
+            <a:srgbClr val="FFCC99"/>
+          </a:solidFill>
+        </p:spPr>
+        <p:style>
+          <a:lnRef idx="2">
+            <a:schemeClr val="accent1">
+              <a:shade val="50000"/>
+            </a:schemeClr>
+          </a:lnRef>
+          <a:fillRef idx="1">
+            <a:schemeClr val="accent1"/>
+          </a:fillRef>
+          <a:effectRef idx="0">
+            <a:schemeClr val="accent1"/>
+          </a:effectRef>
+          <a:fontRef idx="minor">
+            <a:schemeClr val="lt1"/>
+          </a:fontRef>
+        </p:style>
+        <p:txBody>
+          <a:bodyPr rtlCol="0" anchor="ctr"/>
+          <a:lstStyle/>
+          <a:p>
+            <a:pPr algn="ctr"/>
+            <a:endParaRPr lang="en-US"/>
+          </a:p>
+        </p:txBody>
+      </p:sp>
+      <p:sp>
+        <p:nvSpPr>
+          <p:cNvPr id="35" name="Oval 34"/>
+          <p:cNvSpPr/>
+          <p:nvPr/>
+        </p:nvSpPr>
+        <p:spPr>
+          <a:xfrm>
+            <a:off x="5410200" y="2000250"/>
+            <a:ext cx="685800" cy="819150"/>
+          </a:xfrm>
+          <a:prstGeom prst="ellipse">
+            <a:avLst/>
+          </a:prstGeom>
+          <a:solidFill>
+            <a:srgbClr val="FFCC99"/>
+          </a:solidFill>
+        </p:spPr>
+        <p:style>
+          <a:lnRef idx="2">
+            <a:schemeClr val="accent1">
+              <a:shade val="50000"/>
+            </a:schemeClr>
+          </a:lnRef>
+          <a:fillRef idx="1">
+            <a:schemeClr val="accent1"/>
+          </a:fillRef>
+          <a:effectRef idx="0">
+            <a:schemeClr val="accent1"/>
+          </a:effectRef>
+          <a:fontRef idx="minor">
+            <a:schemeClr val="lt1"/>
+          </a:fontRef>
+        </p:style>
+        <p:txBody>
+          <a:bodyPr rtlCol="0" anchor="ctr"/>
+          <a:lstStyle/>
+          <a:p>
+            <a:pPr algn="ctr"/>
+            <a:endParaRPr lang="en-US"/>
+          </a:p>
+        </p:txBody>
+      </p:sp>
+      <p:sp>
+        <p:nvSpPr>
+          <p:cNvPr id="36" name="Oval 35"/>
+          <p:cNvSpPr/>
+          <p:nvPr/>
+        </p:nvSpPr>
+        <p:spPr>
+          <a:xfrm>
+            <a:off x="5029200" y="1752600"/>
+            <a:ext cx="228600" cy="419100"/>
+          </a:xfrm>
+          <a:prstGeom prst="ellipse">
+            <a:avLst/>
+          </a:prstGeom>
+          <a:solidFill>
+            <a:srgbClr val="CCCC00"/>
+          </a:solidFill>
+        </p:spPr>
+        <p:style>
+          <a:lnRef idx="2">
+            <a:schemeClr val="accent1">
+              <a:shade val="50000"/>
+            </a:schemeClr>
+          </a:lnRef>
+          <a:fillRef idx="1">
+            <a:schemeClr val="accent1"/>
+          </a:fillRef>
+          <a:effectRef idx="0">
+            <a:schemeClr val="accent1"/>
+          </a:effectRef>
+          <a:fontRef idx="minor">
+            <a:schemeClr val="lt1"/>
+          </a:fontRef>
+        </p:style>
+        <p:txBody>
+          <a:bodyPr rtlCol="0" anchor="ctr"/>
+          <a:lstStyle/>
+          <a:p>
+            <a:pPr algn="ctr"/>
+            <a:endParaRPr lang="en-US"/>
+          </a:p>
+        </p:txBody>
+      </p:sp>
+      <p:sp>
+        <p:nvSpPr>
+          <p:cNvPr id="37" name="Oval 36"/>
+          <p:cNvSpPr/>
+          <p:nvPr/>
+        </p:nvSpPr>
+        <p:spPr>
+          <a:xfrm>
+            <a:off x="4038600" y="2667000"/>
+            <a:ext cx="45719" cy="152400"/>
+          </a:xfrm>
+          <a:prstGeom prst="ellipse">
+            <a:avLst/>
+          </a:prstGeom>
+          <a:solidFill>
+            <a:srgbClr val="CCCC00"/>
+          </a:solidFill>
+        </p:spPr>
+        <p:style>
+          <a:lnRef idx="2">
+            <a:schemeClr val="accent1">
+              <a:shade val="50000"/>
+            </a:schemeClr>
+          </a:lnRef>
+          <a:fillRef idx="1">
+            <a:schemeClr val="accent1"/>
+          </a:fillRef>
+          <a:effectRef idx="0">
+            <a:schemeClr val="accent1"/>
+          </a:effectRef>
+          <a:fontRef idx="minor">
+            <a:schemeClr val="lt1"/>
+          </a:fontRef>
+        </p:style>
+        <p:txBody>
+          <a:bodyPr rtlCol="0" anchor="ctr"/>
+          <a:lstStyle/>
+          <a:p>
+            <a:pPr algn="ctr"/>
+            <a:endParaRPr lang="en-US"/>
+          </a:p>
+        </p:txBody>
+      </p:sp>
+      <p:sp>
+        <p:nvSpPr>
+          <p:cNvPr id="38" name="Oval 37"/>
+          <p:cNvSpPr/>
+          <p:nvPr/>
+        </p:nvSpPr>
+        <p:spPr>
+          <a:xfrm>
+            <a:off x="3514725" y="1676400"/>
+            <a:ext cx="295275" cy="152400"/>
+          </a:xfrm>
+          <a:prstGeom prst="ellipse">
+            <a:avLst/>
+          </a:prstGeom>
+          <a:solidFill>
+            <a:srgbClr val="CCCC00"/>
+          </a:solidFill>
+        </p:spPr>
+        <p:style>
+          <a:lnRef idx="2">
+            <a:schemeClr val="accent1">
+              <a:shade val="50000"/>
+            </a:schemeClr>
+          </a:lnRef>
+          <a:fillRef idx="1">
+            <a:schemeClr val="accent1"/>
+          </a:fillRef>
+          <a:effectRef idx="0">
+            <a:schemeClr val="accent1"/>
+          </a:effectRef>
+          <a:fontRef idx="minor">
+            <a:schemeClr val="lt1"/>
+          </a:fontRef>
+        </p:style>
+        <p:txBody>
+          <a:bodyPr rtlCol="0" anchor="ctr"/>
+          <a:lstStyle/>
+          <a:p>
+            <a:pPr algn="ctr"/>
+            <a:endParaRPr lang="en-US"/>
+          </a:p>
+        </p:txBody>
+      </p:sp>
+      <p:sp>
+        <p:nvSpPr>
+          <p:cNvPr id="39" name="Oval 38"/>
+          <p:cNvSpPr/>
+          <p:nvPr/>
+        </p:nvSpPr>
+        <p:spPr>
+          <a:xfrm>
+            <a:off x="4381500" y="5791200"/>
+            <a:ext cx="228600" cy="152400"/>
+          </a:xfrm>
+          <a:prstGeom prst="ellipse">
+            <a:avLst/>
+          </a:prstGeom>
+          <a:solidFill>
+            <a:srgbClr val="CCCC00"/>
+          </a:solidFill>
+        </p:spPr>
+        <p:style>
+          <a:lnRef idx="2">
+            <a:schemeClr val="accent1">
+              <a:shade val="50000"/>
+            </a:schemeClr>
+          </a:lnRef>
+          <a:fillRef idx="1">
+            <a:schemeClr val="accent1"/>
+          </a:fillRef>
+          <a:effectRef idx="0">
+            <a:schemeClr val="accent1"/>
+          </a:effectRef>
+          <a:fontRef idx="minor">
+            <a:schemeClr val="lt1"/>
+          </a:fontRef>
+        </p:style>
+        <p:txBody>
+          <a:bodyPr rtlCol="0" anchor="ctr"/>
+          <a:lstStyle/>
+          <a:p>
+            <a:pPr algn="ctr"/>
+            <a:endParaRPr lang="en-US"/>
+          </a:p>
+        </p:txBody>
+      </p:sp>
+      <p:sp>
+        <p:nvSpPr>
+          <p:cNvPr id="40" name="Oval 39"/>
+          <p:cNvSpPr/>
+          <p:nvPr/>
+        </p:nvSpPr>
+        <p:spPr>
+          <a:xfrm>
+            <a:off x="1752600" y="3810000"/>
+            <a:ext cx="438150" cy="342900"/>
+          </a:xfrm>
+          <a:prstGeom prst="ellipse">
+            <a:avLst/>
+          </a:prstGeom>
+          <a:solidFill>
+            <a:srgbClr val="CCCC00"/>
+          </a:solidFill>
+        </p:spPr>
+        <p:style>
+          <a:lnRef idx="2">
+            <a:schemeClr val="accent1">
+              <a:shade val="50000"/>
+            </a:schemeClr>
+          </a:lnRef>
+          <a:fillRef idx="1">
+            <a:schemeClr val="accent1"/>
+          </a:fillRef>
+          <a:effectRef idx="0">
+            <a:schemeClr val="accent1"/>
+          </a:effectRef>
+          <a:fontRef idx="minor">
+            <a:schemeClr val="lt1"/>
+          </a:fontRef>
+        </p:style>
+        <p:txBody>
+          <a:bodyPr rtlCol="0" anchor="ctr"/>
+          <a:lstStyle/>
+          <a:p>
+            <a:pPr algn="ctr"/>
+            <a:endParaRPr lang="en-US"/>
+          </a:p>
+        </p:txBody>
+      </p:sp>
+      <p:sp>
+        <p:nvSpPr>
+          <p:cNvPr id="41" name="Oval 40"/>
+          <p:cNvSpPr/>
+          <p:nvPr/>
+        </p:nvSpPr>
+        <p:spPr>
+          <a:xfrm>
+            <a:off x="1752600" y="2209800"/>
+            <a:ext cx="533400" cy="609600"/>
+          </a:xfrm>
+          <a:prstGeom prst="ellipse">
+            <a:avLst/>
+          </a:prstGeom>
+          <a:solidFill>
+            <a:srgbClr val="C00000"/>
+          </a:solidFill>
+        </p:spPr>
+        <p:style>
+          <a:lnRef idx="2">
+            <a:schemeClr val="accent1">
+              <a:shade val="50000"/>
+            </a:schemeClr>
+          </a:lnRef>
+          <a:fillRef idx="1">
+            <a:schemeClr val="accent1"/>
+          </a:fillRef>
+          <a:effectRef idx="0">
+            <a:schemeClr val="accent1"/>
+          </a:effectRef>
+          <a:fontRef idx="minor">
+            <a:schemeClr val="lt1"/>
+          </a:fontRef>
+        </p:style>
+        <p:txBody>
+          <a:bodyPr rtlCol="0" anchor="ctr"/>
+          <a:lstStyle/>
+          <a:p>
+            <a:pPr algn="ctr"/>
+            <a:endParaRPr lang="en-US"/>
+          </a:p>
+        </p:txBody>
+      </p:sp>
+      <p:sp>
+        <p:nvSpPr>
+          <p:cNvPr id="42" name="Oval 41"/>
+          <p:cNvSpPr/>
+          <p:nvPr/>
+        </p:nvSpPr>
+        <p:spPr>
+          <a:xfrm>
+            <a:off x="2019300" y="5029200"/>
+            <a:ext cx="342900" cy="533400"/>
+          </a:xfrm>
+          <a:prstGeom prst="ellipse">
+            <a:avLst/>
+          </a:prstGeom>
+          <a:solidFill>
+            <a:srgbClr val="C00000"/>
+          </a:solidFill>
+        </p:spPr>
+        <p:style>
+          <a:lnRef idx="2">
+            <a:schemeClr val="accent1">
+              <a:shade val="50000"/>
+            </a:schemeClr>
+          </a:lnRef>
+          <a:fillRef idx="1">
+            <a:schemeClr val="accent1"/>
+          </a:fillRef>
+          <a:effectRef idx="0">
+            <a:schemeClr val="accent1"/>
+          </a:effectRef>
+          <a:fontRef idx="minor">
+            <a:schemeClr val="lt1"/>
+          </a:fontRef>
+        </p:style>
+        <p:txBody>
+          <a:bodyPr rtlCol="0" anchor="ctr"/>
+          <a:lstStyle/>
+          <a:p>
+            <a:pPr algn="ctr"/>
+            <a:endParaRPr lang="en-US"/>
+          </a:p>
+        </p:txBody>
+      </p:sp>
+      <p:sp>
+        <p:nvSpPr>
+          <p:cNvPr id="43" name="Oval 42"/>
+          <p:cNvSpPr/>
+          <p:nvPr/>
+        </p:nvSpPr>
+        <p:spPr>
+          <a:xfrm>
+            <a:off x="6515100" y="4152900"/>
+            <a:ext cx="419100" cy="381000"/>
+          </a:xfrm>
+          <a:prstGeom prst="ellipse">
+            <a:avLst/>
+          </a:prstGeom>
+          <a:solidFill>
+            <a:srgbClr val="C00000"/>
+          </a:solidFill>
+        </p:spPr>
+        <p:style>
+          <a:lnRef idx="2">
+            <a:schemeClr val="accent1">
+              <a:shade val="50000"/>
+            </a:schemeClr>
+          </a:lnRef>
+          <a:fillRef idx="1">
+            <a:schemeClr val="accent1"/>
+          </a:fillRef>
+          <a:effectRef idx="0">
+            <a:schemeClr val="accent1"/>
+          </a:effectRef>
+          <a:fontRef idx="minor">
+            <a:schemeClr val="lt1"/>
+          </a:fontRef>
+        </p:style>
+        <p:txBody>
+          <a:bodyPr rtlCol="0" anchor="ctr"/>
+          <a:lstStyle/>
+          <a:p>
+            <a:pPr algn="ctr"/>
+            <a:endParaRPr lang="en-US"/>
+          </a:p>
+        </p:txBody>
+      </p:sp>
+      <p:sp>
+        <p:nvSpPr>
+          <p:cNvPr id="44" name="Oval 43"/>
+          <p:cNvSpPr/>
+          <p:nvPr/>
+        </p:nvSpPr>
+        <p:spPr>
+          <a:xfrm>
+            <a:off x="4267200" y="3257550"/>
+            <a:ext cx="685800" cy="552450"/>
+          </a:xfrm>
+          <a:prstGeom prst="ellipse">
+            <a:avLst/>
+          </a:prstGeom>
+          <a:solidFill>
+            <a:srgbClr val="C00000"/>
+          </a:solidFill>
+        </p:spPr>
+        <p:style>
+          <a:lnRef idx="2">
+            <a:schemeClr val="accent1">
+              <a:shade val="50000"/>
+            </a:schemeClr>
+          </a:lnRef>
+          <a:fillRef idx="1">
+            <a:schemeClr val="accent1"/>
+          </a:fillRef>
+          <a:effectRef idx="0">
+            <a:schemeClr val="accent1"/>
+          </a:effectRef>
+          <a:fontRef idx="minor">
+            <a:schemeClr val="lt1"/>
+          </a:fontRef>
+        </p:style>
+        <p:txBody>
+          <a:bodyPr rtlCol="0" anchor="ctr"/>
+          <a:lstStyle/>
+          <a:p>
+            <a:pPr algn="ctr"/>
+            <a:endParaRPr lang="en-US"/>
+          </a:p>
+        </p:txBody>
+      </p:sp>
+      <p:sp>
+        <p:nvSpPr>
+          <p:cNvPr id="45" name="Oval 44"/>
+          <p:cNvSpPr/>
+          <p:nvPr/>
+        </p:nvSpPr>
+        <p:spPr>
+          <a:xfrm>
+            <a:off x="6934200" y="1828800"/>
+            <a:ext cx="304800" cy="342900"/>
+          </a:xfrm>
+          <a:prstGeom prst="ellipse">
+            <a:avLst/>
+          </a:prstGeom>
+          <a:solidFill>
+            <a:srgbClr val="C00000"/>
+          </a:solidFill>
+        </p:spPr>
+        <p:style>
+          <a:lnRef idx="2">
+            <a:schemeClr val="accent1">
+              <a:shade val="50000"/>
+            </a:schemeClr>
+          </a:lnRef>
+          <a:fillRef idx="1">
+            <a:schemeClr val="accent1"/>
+          </a:fillRef>
+          <a:effectRef idx="0">
+            <a:schemeClr val="accent1"/>
+          </a:effectRef>
+          <a:fontRef idx="minor">
+            <a:schemeClr val="lt1"/>
+          </a:fontRef>
+        </p:style>
+        <p:txBody>
+          <a:bodyPr rtlCol="0" anchor="ctr"/>
+          <a:lstStyle/>
+          <a:p>
+            <a:pPr algn="ctr"/>
+            <a:endParaRPr lang="en-US"/>
+          </a:p>
+        </p:txBody>
+      </p:sp>
+      <p:sp>
+        <p:nvSpPr>
+          <p:cNvPr id="46" name="Oval 45"/>
+          <p:cNvSpPr/>
+          <p:nvPr/>
+        </p:nvSpPr>
+        <p:spPr>
+          <a:xfrm>
+            <a:off x="5029200" y="1752600"/>
+            <a:ext cx="228600" cy="419100"/>
+          </a:xfrm>
+          <a:prstGeom prst="ellipse">
+            <a:avLst/>
+          </a:prstGeom>
+          <a:solidFill>
+            <a:srgbClr val="C00000"/>
+          </a:solidFill>
+        </p:spPr>
+        <p:style>
+          <a:lnRef idx="2">
+            <a:schemeClr val="accent1">
+              <a:shade val="50000"/>
+            </a:schemeClr>
+          </a:lnRef>
+          <a:fillRef idx="1">
+            <a:schemeClr val="accent1"/>
+          </a:fillRef>
+          <a:effectRef idx="0">
+            <a:schemeClr val="accent1"/>
+          </a:effectRef>
+          <a:fontRef idx="minor">
+            <a:schemeClr val="lt1"/>
+          </a:fontRef>
+        </p:style>
+        <p:txBody>
+          <a:bodyPr rtlCol="0" anchor="ctr"/>
+          <a:lstStyle/>
+          <a:p>
+            <a:pPr algn="ctr"/>
+            <a:endParaRPr lang="en-US"/>
+          </a:p>
+        </p:txBody>
+      </p:sp>
+      <p:sp>
+        <p:nvSpPr>
+          <p:cNvPr id="47" name="Oval 46"/>
+          <p:cNvSpPr/>
+          <p:nvPr/>
+        </p:nvSpPr>
+        <p:spPr>
+          <a:xfrm>
+            <a:off x="1752600" y="3810000"/>
+            <a:ext cx="438150" cy="342900"/>
+          </a:xfrm>
+          <a:prstGeom prst="ellipse">
+            <a:avLst/>
+          </a:prstGeom>
+          <a:solidFill>
+            <a:srgbClr val="C00000"/>
+          </a:solidFill>
+        </p:spPr>
+        <p:style>
+          <a:lnRef idx="2">
+            <a:schemeClr val="accent1">
+              <a:shade val="50000"/>
+            </a:schemeClr>
+          </a:lnRef>
+          <a:fillRef idx="1">
+            <a:schemeClr val="accent1"/>
+          </a:fillRef>
+          <a:effectRef idx="0">
+            <a:schemeClr val="accent1"/>
+          </a:effectRef>
+          <a:fontRef idx="minor">
+            <a:schemeClr val="lt1"/>
+          </a:fontRef>
+        </p:style>
+        <p:txBody>
+          <a:bodyPr rtlCol="0" anchor="ctr"/>
+          <a:lstStyle/>
+          <a:p>
+            <a:pPr algn="ctr"/>
+            <a:endParaRPr lang="en-US"/>
+          </a:p>
+        </p:txBody>
+      </p:sp>
+      <p:sp>
+        <p:nvSpPr>
+          <p:cNvPr id="48" name="TextBox 47"/>
+          <p:cNvSpPr txBox="1"/>
+          <p:nvPr/>
+        </p:nvSpPr>
+        <p:spPr>
+          <a:xfrm>
+            <a:off x="7772400" y="2751483"/>
+            <a:ext cx="1223412" cy="707886"/>
+          </a:xfrm>
+          <a:prstGeom prst="rect">
+            <a:avLst/>
+          </a:prstGeom>
+          <a:noFill/>
+        </p:spPr>
+        <p:txBody>
+          <a:bodyPr wrap="none" rtlCol="0">
+            <a:spAutoFit/>
+          </a:bodyPr>
+          <a:lstStyle/>
+          <a:p>
+            <a:r>
+              <a:rPr lang="en-US" sz="4000" dirty="0" smtClean="0">
+                <a:solidFill>
+                  <a:srgbClr val="C00000"/>
+                </a:solidFill>
+              </a:rPr>
+              <a:t>2013</a:t>
+            </a:r>
+            <a:endParaRPr lang="en-US" sz="4000" dirty="0">
+              <a:solidFill>
+                <a:srgbClr val="C00000"/>
+              </a:solidFill>
+            </a:endParaRPr>
+          </a:p>
+        </p:txBody>
+      </p:sp>
+      <p:sp>
+        <p:nvSpPr>
+          <p:cNvPr id="49" name="Oval 48"/>
+          <p:cNvSpPr/>
+          <p:nvPr/>
+        </p:nvSpPr>
+        <p:spPr>
+          <a:xfrm>
+            <a:off x="4419600" y="3962400"/>
+            <a:ext cx="304800" cy="381000"/>
+          </a:xfrm>
+          <a:prstGeom prst="ellipse">
+            <a:avLst/>
+          </a:prstGeom>
+          <a:solidFill>
+            <a:schemeClr val="accent2">
+              <a:lumMod val="60000"/>
+              <a:lumOff val="40000"/>
+            </a:schemeClr>
+          </a:solidFill>
+        </p:spPr>
+        <p:style>
+          <a:lnRef idx="2">
+            <a:schemeClr val="accent1">
+              <a:shade val="50000"/>
+            </a:schemeClr>
+          </a:lnRef>
+          <a:fillRef idx="1">
+            <a:schemeClr val="accent1"/>
+          </a:fillRef>
+          <a:effectRef idx="0">
+            <a:schemeClr val="accent1"/>
+          </a:effectRef>
+          <a:fontRef idx="minor">
+            <a:schemeClr val="lt1"/>
+          </a:fontRef>
+        </p:style>
+        <p:txBody>
+          <a:bodyPr rtlCol="0" anchor="ctr"/>
+          <a:lstStyle/>
+          <a:p>
+            <a:pPr algn="ctr"/>
+            <a:endParaRPr lang="en-US"/>
+          </a:p>
+        </p:txBody>
+      </p:sp>
+      <p:sp>
+        <p:nvSpPr>
+          <p:cNvPr id="50" name="Oval 49"/>
+          <p:cNvSpPr/>
+          <p:nvPr/>
+        </p:nvSpPr>
+        <p:spPr>
+          <a:xfrm>
+            <a:off x="4038600" y="1828800"/>
+            <a:ext cx="685800" cy="685800"/>
+          </a:xfrm>
+          <a:prstGeom prst="ellipse">
+            <a:avLst/>
+          </a:prstGeom>
+          <a:solidFill>
+            <a:schemeClr val="accent2">
+              <a:lumMod val="60000"/>
+              <a:lumOff val="40000"/>
+            </a:schemeClr>
+          </a:solidFill>
+        </p:spPr>
+        <p:style>
+          <a:lnRef idx="2">
+            <a:schemeClr val="accent1">
+              <a:shade val="50000"/>
+            </a:schemeClr>
+          </a:lnRef>
+          <a:fillRef idx="1">
+            <a:schemeClr val="accent1"/>
+          </a:fillRef>
+          <a:effectRef idx="0">
+            <a:schemeClr val="accent1"/>
+          </a:effectRef>
+          <a:fontRef idx="minor">
+            <a:schemeClr val="lt1"/>
+          </a:fontRef>
+        </p:style>
+        <p:txBody>
+          <a:bodyPr rtlCol="0" anchor="ctr"/>
+          <a:lstStyle/>
+          <a:p>
+            <a:pPr algn="ctr"/>
+            <a:endParaRPr lang="en-US"/>
+          </a:p>
+        </p:txBody>
+      </p:sp>
+      <p:sp>
+        <p:nvSpPr>
+          <p:cNvPr id="51" name="Oval 50"/>
+          <p:cNvSpPr/>
+          <p:nvPr/>
+        </p:nvSpPr>
+        <p:spPr>
+          <a:xfrm>
+            <a:off x="4381500" y="4724400"/>
+            <a:ext cx="190500" cy="533400"/>
+          </a:xfrm>
+          <a:prstGeom prst="ellipse">
+            <a:avLst/>
+          </a:prstGeom>
+          <a:solidFill>
+            <a:schemeClr val="accent2">
+              <a:lumMod val="60000"/>
+              <a:lumOff val="40000"/>
+            </a:schemeClr>
+          </a:solidFill>
+        </p:spPr>
+        <p:style>
+          <a:lnRef idx="2">
+            <a:schemeClr val="accent1">
+              <a:shade val="50000"/>
+            </a:schemeClr>
+          </a:lnRef>
+          <a:fillRef idx="1">
+            <a:schemeClr val="accent1"/>
+          </a:fillRef>
+          <a:effectRef idx="0">
+            <a:schemeClr val="accent1"/>
+          </a:effectRef>
+          <a:fontRef idx="minor">
+            <a:schemeClr val="lt1"/>
+          </a:fontRef>
+        </p:style>
+        <p:txBody>
+          <a:bodyPr rtlCol="0" anchor="ctr"/>
+          <a:lstStyle/>
+          <a:p>
+            <a:pPr algn="ctr"/>
+            <a:endParaRPr lang="en-US"/>
+          </a:p>
+        </p:txBody>
+      </p:sp>
+      <p:sp>
+        <p:nvSpPr>
+          <p:cNvPr id="52" name="Oval 51"/>
+          <p:cNvSpPr/>
+          <p:nvPr/>
+        </p:nvSpPr>
+        <p:spPr>
+          <a:xfrm>
+            <a:off x="2895600" y="2171700"/>
+            <a:ext cx="533400" cy="342900"/>
+          </a:xfrm>
+          <a:prstGeom prst="ellipse">
+            <a:avLst/>
+          </a:prstGeom>
+          <a:solidFill>
+            <a:schemeClr val="accent2">
+              <a:lumMod val="60000"/>
+              <a:lumOff val="40000"/>
+            </a:schemeClr>
+          </a:solidFill>
+        </p:spPr>
+        <p:style>
+          <a:lnRef idx="2">
+            <a:schemeClr val="accent1">
+              <a:shade val="50000"/>
+            </a:schemeClr>
+          </a:lnRef>
+          <a:fillRef idx="1">
+            <a:schemeClr val="accent1"/>
+          </a:fillRef>
+          <a:effectRef idx="0">
+            <a:schemeClr val="accent1"/>
+          </a:effectRef>
+          <a:fontRef idx="minor">
+            <a:schemeClr val="lt1"/>
+          </a:fontRef>
+        </p:style>
+        <p:txBody>
+          <a:bodyPr rtlCol="0" anchor="ctr"/>
+          <a:lstStyle/>
+          <a:p>
+            <a:pPr algn="ctr"/>
+            <a:endParaRPr lang="en-US"/>
+          </a:p>
+        </p:txBody>
+      </p:sp>
+      <p:sp>
+        <p:nvSpPr>
+          <p:cNvPr id="53" name="Oval 52"/>
+          <p:cNvSpPr/>
+          <p:nvPr/>
+        </p:nvSpPr>
+        <p:spPr>
+          <a:xfrm>
+            <a:off x="2286000" y="4152900"/>
+            <a:ext cx="304800" cy="182879"/>
+          </a:xfrm>
+          <a:prstGeom prst="ellipse">
+            <a:avLst/>
+          </a:prstGeom>
+          <a:solidFill>
+            <a:schemeClr val="accent2">
+              <a:lumMod val="60000"/>
+              <a:lumOff val="40000"/>
+            </a:schemeClr>
+          </a:solidFill>
+        </p:spPr>
+        <p:style>
+          <a:lnRef idx="2">
+            <a:schemeClr val="accent1">
+              <a:shade val="50000"/>
+            </a:schemeClr>
+          </a:lnRef>
+          <a:fillRef idx="1">
+            <a:schemeClr val="accent1"/>
+          </a:fillRef>
+          <a:effectRef idx="0">
+            <a:schemeClr val="accent1"/>
+          </a:effectRef>
+          <a:fontRef idx="minor">
+            <a:schemeClr val="lt1"/>
+          </a:fontRef>
+        </p:style>
+        <p:txBody>
+          <a:bodyPr rtlCol="0" anchor="ctr"/>
+          <a:lstStyle/>
+          <a:p>
+            <a:pPr algn="ctr"/>
+            <a:endParaRPr lang="en-US"/>
+          </a:p>
+        </p:txBody>
+      </p:sp>
+      <p:sp>
+        <p:nvSpPr>
+          <p:cNvPr id="54" name="Oval 53"/>
+          <p:cNvSpPr/>
+          <p:nvPr/>
+        </p:nvSpPr>
+        <p:spPr>
+          <a:xfrm>
+            <a:off x="6724650" y="5791200"/>
+            <a:ext cx="209550" cy="152400"/>
+          </a:xfrm>
+          <a:prstGeom prst="ellipse">
+            <a:avLst/>
+          </a:prstGeom>
+          <a:solidFill>
+            <a:schemeClr val="accent2">
+              <a:lumMod val="60000"/>
+              <a:lumOff val="40000"/>
+            </a:schemeClr>
+          </a:solidFill>
+        </p:spPr>
+        <p:style>
+          <a:lnRef idx="2">
+            <a:schemeClr val="accent1">
+              <a:shade val="50000"/>
+            </a:schemeClr>
+          </a:lnRef>
+          <a:fillRef idx="1">
+            <a:schemeClr val="accent1"/>
+          </a:fillRef>
+          <a:effectRef idx="0">
+            <a:schemeClr val="accent1"/>
+          </a:effectRef>
+          <a:fontRef idx="minor">
+            <a:schemeClr val="lt1"/>
+          </a:fontRef>
+        </p:style>
+        <p:txBody>
+          <a:bodyPr rtlCol="0" anchor="ctr"/>
+          <a:lstStyle/>
+          <a:p>
+            <a:pPr algn="ctr"/>
+            <a:endParaRPr lang="en-US"/>
+          </a:p>
+        </p:txBody>
+      </p:sp>
+      <p:sp>
+        <p:nvSpPr>
+          <p:cNvPr id="55" name="Oval 54"/>
+          <p:cNvSpPr/>
+          <p:nvPr/>
+        </p:nvSpPr>
+        <p:spPr>
+          <a:xfrm>
+            <a:off x="5638800" y="3962400"/>
+            <a:ext cx="304800" cy="190500"/>
+          </a:xfrm>
+          <a:prstGeom prst="ellipse">
+            <a:avLst/>
+          </a:prstGeom>
+          <a:solidFill>
+            <a:schemeClr val="accent2">
+              <a:lumMod val="60000"/>
+              <a:lumOff val="40000"/>
+            </a:schemeClr>
+          </a:solidFill>
+        </p:spPr>
+        <p:style>
+          <a:lnRef idx="2">
+            <a:schemeClr val="accent1">
+              <a:shade val="50000"/>
+            </a:schemeClr>
+          </a:lnRef>
+          <a:fillRef idx="1">
+            <a:schemeClr val="accent1"/>
+          </a:fillRef>
+          <a:effectRef idx="0">
+            <a:schemeClr val="accent1"/>
+          </a:effectRef>
+          <a:fontRef idx="minor">
+            <a:schemeClr val="lt1"/>
+          </a:fontRef>
+        </p:style>
+        <p:txBody>
+          <a:bodyPr rtlCol="0" anchor="ctr"/>
+          <a:lstStyle/>
+          <a:p>
+            <a:pPr algn="ctr"/>
+            <a:endParaRPr lang="en-US"/>
+          </a:p>
+        </p:txBody>
+      </p:sp>
+      <p:sp>
+        <p:nvSpPr>
+          <p:cNvPr id="56" name="TextBox 55"/>
+          <p:cNvSpPr txBox="1"/>
+          <p:nvPr/>
+        </p:nvSpPr>
+        <p:spPr>
+          <a:xfrm>
+            <a:off x="7772400" y="3377097"/>
+            <a:ext cx="1223412" cy="707886"/>
+          </a:xfrm>
+          <a:prstGeom prst="rect">
+            <a:avLst/>
+          </a:prstGeom>
+          <a:noFill/>
+        </p:spPr>
+        <p:txBody>
+          <a:bodyPr wrap="none" rtlCol="0">
+            <a:spAutoFit/>
+          </a:bodyPr>
+          <a:lstStyle/>
+          <a:p>
+            <a:r>
+              <a:rPr lang="en-US" sz="4000" dirty="0" smtClean="0">
+                <a:solidFill>
+                  <a:schemeClr val="accent2">
+                    <a:lumMod val="60000"/>
+                    <a:lumOff val="40000"/>
+                  </a:schemeClr>
+                </a:solidFill>
+              </a:rPr>
+              <a:t>2018</a:t>
+            </a:r>
+            <a:endParaRPr lang="en-US" sz="4000" dirty="0">
+              <a:solidFill>
+                <a:schemeClr val="accent2">
+                  <a:lumMod val="60000"/>
+                  <a:lumOff val="40000"/>
+                </a:schemeClr>
+              </a:solidFill>
+            </a:endParaRPr>
+          </a:p>
+        </p:txBody>
+      </p:sp>
+      <p:sp>
+        <p:nvSpPr>
+          <p:cNvPr id="2" name="Footer Placeholder 1"/>
+          <p:cNvSpPr>
+            <a:spLocks noGrp="1"/>
+          </p:cNvSpPr>
+          <p:nvPr>
+            <p:ph type="ftr" sz="quarter" idx="10"/>
+          </p:nvPr>
+        </p:nvSpPr>
+        <p:spPr/>
+        <p:txBody>
+          <a:bodyPr/>
+          <a:lstStyle/>
+          <a:p>
+            <a:pPr>
+              <a:defRPr/>
+            </a:pPr>
+            <a:r>
+              <a:rPr lang="en-US" smtClean="0"/>
+              <a:t>Adaptive Management</a:t>
+            </a:r>
+            <a:endParaRPr lang="en-US"/>
+          </a:p>
+        </p:txBody>
+      </p:sp>
+      <p:sp>
+        <p:nvSpPr>
+          <p:cNvPr id="3" name="Slide Number Placeholder 2"/>
+          <p:cNvSpPr>
+            <a:spLocks noGrp="1"/>
+          </p:cNvSpPr>
+          <p:nvPr>
+            <p:ph type="sldNum" sz="quarter" idx="11"/>
+          </p:nvPr>
+        </p:nvSpPr>
+        <p:spPr/>
+        <p:txBody>
+          <a:bodyPr/>
+          <a:lstStyle/>
+          <a:p>
+            <a:pPr>
+              <a:defRPr/>
+            </a:pPr>
+            <a:fld id="{C6A2F5B4-2197-4B8F-A126-FB2FF53A65C9}" type="slidenum">
+              <a:rPr lang="en-US" smtClean="0"/>
+              <a:pPr>
+                <a:defRPr/>
+              </a:pPr>
+              <a:t>10</a:t>
+            </a:fld>
+            <a:endParaRPr lang="en-US"/>
+          </a:p>
+        </p:txBody>
+      </p:sp>
+    </p:spTree>
+    <p:extLst>
+      <p:ext uri="{BB962C8B-B14F-4D97-AF65-F5344CB8AC3E}">
+        <p14:creationId xmlns:p14="http://schemas.microsoft.com/office/powerpoint/2010/main" val="2784835709"/>
+      </p:ext>
+    </p:extLst>
+  </p:cSld>
+  <p:clrMapOvr>
+    <a:masterClrMapping/>
+  </p:clrMapOvr>
+  <p:timing>
+    <p:tnLst>
+      <p:par>
+        <p:cTn id="1" dur="indefinite" restart="never" nodeType="tmRoot">
+          <p:childTnLst>
+            <p:seq concurrent="1" nextAc="seek">
+              <p:cTn id="2" dur="indefinite" nodeType="mainSeq">
+                <p:childTnLst>
+                  <p:par>
+                    <p:cTn id="3" fill="hold">
+                      <p:stCondLst>
+                        <p:cond delay="indefinite"/>
+                      </p:stCondLst>
+                      <p:childTnLst>
+                        <p:par>
+                          <p:cTn id="4" fill="hold">
+                            <p:stCondLst>
+                              <p:cond delay="0"/>
+                            </p:stCondLst>
+                            <p:childTnLst>
+                              <p:par>
+                                <p:cTn id="5" presetID="21" presetClass="entr" presetSubtype="1" fill="hold" grpId="0" nodeType="clickEffect">
+                                  <p:stCondLst>
+                                    <p:cond delay="0"/>
+                                  </p:stCondLst>
+                                  <p:childTnLst>
+                                    <p:set>
+                                      <p:cBhvr>
+                                        <p:cTn id="6" dur="1" fill="hold">
+                                          <p:stCondLst>
+                                            <p:cond delay="0"/>
+                                          </p:stCondLst>
+                                        </p:cTn>
+                                        <p:tgtEl>
+                                          <p:spTgt spid="41"/>
+                                        </p:tgtEl>
+                                        <p:attrNameLst>
+                                          <p:attrName>style.visibility</p:attrName>
+                                        </p:attrNameLst>
+                                      </p:cBhvr>
+                                      <p:to>
+                                        <p:strVal val="visible"/>
+                                      </p:to>
+                                    </p:set>
+                                    <p:animEffect transition="in" filter="wheel(1)">
+                                      <p:cBhvr>
+                                        <p:cTn id="7" dur="2000"/>
+                                        <p:tgtEl>
+                                          <p:spTgt spid="41"/>
+                                        </p:tgtEl>
+                                      </p:cBhvr>
+                                    </p:animEffect>
+                                  </p:childTnLst>
+                                </p:cTn>
+                              </p:par>
+                              <p:par>
+                                <p:cTn id="8" presetID="21" presetClass="entr" presetSubtype="1" fill="hold" grpId="0" nodeType="withEffect">
+                                  <p:stCondLst>
+                                    <p:cond delay="0"/>
+                                  </p:stCondLst>
+                                  <p:childTnLst>
+                                    <p:set>
+                                      <p:cBhvr>
+                                        <p:cTn id="9" dur="1" fill="hold">
+                                          <p:stCondLst>
+                                            <p:cond delay="0"/>
+                                          </p:stCondLst>
+                                        </p:cTn>
+                                        <p:tgtEl>
+                                          <p:spTgt spid="42"/>
+                                        </p:tgtEl>
+                                        <p:attrNameLst>
+                                          <p:attrName>style.visibility</p:attrName>
+                                        </p:attrNameLst>
+                                      </p:cBhvr>
+                                      <p:to>
+                                        <p:strVal val="visible"/>
+                                      </p:to>
+                                    </p:set>
+                                    <p:animEffect transition="in" filter="wheel(1)">
+                                      <p:cBhvr>
+                                        <p:cTn id="10" dur="2000"/>
+                                        <p:tgtEl>
+                                          <p:spTgt spid="42"/>
+                                        </p:tgtEl>
+                                      </p:cBhvr>
+                                    </p:animEffect>
+                                  </p:childTnLst>
+                                </p:cTn>
+                              </p:par>
+                              <p:par>
+                                <p:cTn id="11" presetID="21" presetClass="entr" presetSubtype="1" fill="hold" grpId="0" nodeType="withEffect">
+                                  <p:stCondLst>
+                                    <p:cond delay="0"/>
+                                  </p:stCondLst>
+                                  <p:childTnLst>
+                                    <p:set>
+                                      <p:cBhvr>
+                                        <p:cTn id="12" dur="1" fill="hold">
+                                          <p:stCondLst>
+                                            <p:cond delay="0"/>
+                                          </p:stCondLst>
+                                        </p:cTn>
+                                        <p:tgtEl>
+                                          <p:spTgt spid="43"/>
+                                        </p:tgtEl>
+                                        <p:attrNameLst>
+                                          <p:attrName>style.visibility</p:attrName>
+                                        </p:attrNameLst>
+                                      </p:cBhvr>
+                                      <p:to>
+                                        <p:strVal val="visible"/>
+                                      </p:to>
+                                    </p:set>
+                                    <p:animEffect transition="in" filter="wheel(1)">
+                                      <p:cBhvr>
+                                        <p:cTn id="13" dur="2000"/>
+                                        <p:tgtEl>
+                                          <p:spTgt spid="43"/>
+                                        </p:tgtEl>
+                                      </p:cBhvr>
+                                    </p:animEffect>
+                                  </p:childTnLst>
+                                </p:cTn>
+                              </p:par>
+                              <p:par>
+                                <p:cTn id="14" presetID="21" presetClass="entr" presetSubtype="1" fill="hold" grpId="0" nodeType="withEffect">
+                                  <p:stCondLst>
+                                    <p:cond delay="0"/>
+                                  </p:stCondLst>
+                                  <p:childTnLst>
+                                    <p:set>
+                                      <p:cBhvr>
+                                        <p:cTn id="15" dur="1" fill="hold">
+                                          <p:stCondLst>
+                                            <p:cond delay="0"/>
+                                          </p:stCondLst>
+                                        </p:cTn>
+                                        <p:tgtEl>
+                                          <p:spTgt spid="44"/>
+                                        </p:tgtEl>
+                                        <p:attrNameLst>
+                                          <p:attrName>style.visibility</p:attrName>
+                                        </p:attrNameLst>
+                                      </p:cBhvr>
+                                      <p:to>
+                                        <p:strVal val="visible"/>
+                                      </p:to>
+                                    </p:set>
+                                    <p:animEffect transition="in" filter="wheel(1)">
+                                      <p:cBhvr>
+                                        <p:cTn id="16" dur="2000"/>
+                                        <p:tgtEl>
+                                          <p:spTgt spid="44"/>
+                                        </p:tgtEl>
+                                      </p:cBhvr>
+                                    </p:animEffect>
+                                  </p:childTnLst>
+                                </p:cTn>
+                              </p:par>
+                              <p:par>
+                                <p:cTn id="17" presetID="21" presetClass="entr" presetSubtype="1" fill="hold" grpId="0" nodeType="withEffect">
+                                  <p:stCondLst>
+                                    <p:cond delay="0"/>
+                                  </p:stCondLst>
+                                  <p:childTnLst>
+                                    <p:set>
+                                      <p:cBhvr>
+                                        <p:cTn id="18" dur="1" fill="hold">
+                                          <p:stCondLst>
+                                            <p:cond delay="0"/>
+                                          </p:stCondLst>
+                                        </p:cTn>
+                                        <p:tgtEl>
+                                          <p:spTgt spid="45"/>
+                                        </p:tgtEl>
+                                        <p:attrNameLst>
+                                          <p:attrName>style.visibility</p:attrName>
+                                        </p:attrNameLst>
+                                      </p:cBhvr>
+                                      <p:to>
+                                        <p:strVal val="visible"/>
+                                      </p:to>
+                                    </p:set>
+                                    <p:animEffect transition="in" filter="wheel(1)">
+                                      <p:cBhvr>
+                                        <p:cTn id="19" dur="2000"/>
+                                        <p:tgtEl>
+                                          <p:spTgt spid="45"/>
+                                        </p:tgtEl>
+                                      </p:cBhvr>
+                                    </p:animEffect>
+                                  </p:childTnLst>
+                                </p:cTn>
+                              </p:par>
+                              <p:par>
+                                <p:cTn id="20" presetID="21" presetClass="entr" presetSubtype="1" fill="hold" grpId="0" nodeType="withEffect">
+                                  <p:stCondLst>
+                                    <p:cond delay="0"/>
+                                  </p:stCondLst>
+                                  <p:childTnLst>
+                                    <p:set>
+                                      <p:cBhvr>
+                                        <p:cTn id="21" dur="1" fill="hold">
+                                          <p:stCondLst>
+                                            <p:cond delay="0"/>
+                                          </p:stCondLst>
+                                        </p:cTn>
+                                        <p:tgtEl>
+                                          <p:spTgt spid="46"/>
+                                        </p:tgtEl>
+                                        <p:attrNameLst>
+                                          <p:attrName>style.visibility</p:attrName>
+                                        </p:attrNameLst>
+                                      </p:cBhvr>
+                                      <p:to>
+                                        <p:strVal val="visible"/>
+                                      </p:to>
+                                    </p:set>
+                                    <p:animEffect transition="in" filter="wheel(1)">
+                                      <p:cBhvr>
+                                        <p:cTn id="22" dur="2000"/>
+                                        <p:tgtEl>
+                                          <p:spTgt spid="46"/>
+                                        </p:tgtEl>
+                                      </p:cBhvr>
+                                    </p:animEffect>
+                                  </p:childTnLst>
+                                </p:cTn>
+                              </p:par>
+                              <p:par>
+                                <p:cTn id="23" presetID="21" presetClass="entr" presetSubtype="1" fill="hold" grpId="0" nodeType="withEffect">
+                                  <p:stCondLst>
+                                    <p:cond delay="0"/>
+                                  </p:stCondLst>
+                                  <p:childTnLst>
+                                    <p:set>
+                                      <p:cBhvr>
+                                        <p:cTn id="24" dur="1" fill="hold">
+                                          <p:stCondLst>
+                                            <p:cond delay="0"/>
+                                          </p:stCondLst>
+                                        </p:cTn>
+                                        <p:tgtEl>
+                                          <p:spTgt spid="47"/>
+                                        </p:tgtEl>
+                                        <p:attrNameLst>
+                                          <p:attrName>style.visibility</p:attrName>
+                                        </p:attrNameLst>
+                                      </p:cBhvr>
+                                      <p:to>
+                                        <p:strVal val="visible"/>
+                                      </p:to>
+                                    </p:set>
+                                    <p:animEffect transition="in" filter="wheel(1)">
+                                      <p:cBhvr>
+                                        <p:cTn id="25" dur="2000"/>
+                                        <p:tgtEl>
+                                          <p:spTgt spid="47"/>
+                                        </p:tgtEl>
+                                      </p:cBhvr>
+                                    </p:animEffect>
+                                  </p:childTnLst>
+                                </p:cTn>
+                              </p:par>
+                              <p:par>
+                                <p:cTn id="26" presetID="1" presetClass="entr" presetSubtype="0" fill="hold" grpId="0" nodeType="withEffect">
+                                  <p:stCondLst>
+                                    <p:cond delay="0"/>
+                                  </p:stCondLst>
+                                  <p:childTnLst>
+                                    <p:set>
+                                      <p:cBhvr>
+                                        <p:cTn id="27" dur="1" fill="hold">
+                                          <p:stCondLst>
+                                            <p:cond delay="0"/>
+                                          </p:stCondLst>
+                                        </p:cTn>
+                                        <p:tgtEl>
+                                          <p:spTgt spid="48"/>
+                                        </p:tgtEl>
+                                        <p:attrNameLst>
+                                          <p:attrName>style.visibility</p:attrName>
+                                        </p:attrNameLst>
+                                      </p:cBhvr>
+                                      <p:to>
+                                        <p:strVal val="visible"/>
+                                      </p:to>
+                                    </p:set>
+                                  </p:childTnLst>
+                                </p:cTn>
+                              </p:par>
+                            </p:childTnLst>
+                          </p:cTn>
+                        </p:par>
+                      </p:childTnLst>
+                    </p:cTn>
+                  </p:par>
+                  <p:par>
+                    <p:cTn id="28" fill="hold">
+                      <p:stCondLst>
+                        <p:cond delay="indefinite"/>
+                      </p:stCondLst>
+                      <p:childTnLst>
+                        <p:par>
+                          <p:cTn id="29" fill="hold">
+                            <p:stCondLst>
+                              <p:cond delay="0"/>
+                            </p:stCondLst>
+                            <p:childTnLst>
+                              <p:par>
+                                <p:cTn id="30" presetID="21" presetClass="entr" presetSubtype="2" fill="hold" grpId="0" nodeType="clickEffect">
+                                  <p:stCondLst>
+                                    <p:cond delay="0"/>
+                                  </p:stCondLst>
+                                  <p:childTnLst>
+                                    <p:set>
+                                      <p:cBhvr>
+                                        <p:cTn id="31" dur="1" fill="hold">
+                                          <p:stCondLst>
+                                            <p:cond delay="0"/>
+                                          </p:stCondLst>
+                                        </p:cTn>
+                                        <p:tgtEl>
+                                          <p:spTgt spid="49"/>
+                                        </p:tgtEl>
+                                        <p:attrNameLst>
+                                          <p:attrName>style.visibility</p:attrName>
+                                        </p:attrNameLst>
+                                      </p:cBhvr>
+                                      <p:to>
+                                        <p:strVal val="visible"/>
+                                      </p:to>
+                                    </p:set>
+                                    <p:animEffect transition="in" filter="wheel(2)">
+                                      <p:cBhvr>
+                                        <p:cTn id="32" dur="2000"/>
+                                        <p:tgtEl>
+                                          <p:spTgt spid="49"/>
+                                        </p:tgtEl>
+                                      </p:cBhvr>
+                                    </p:animEffect>
+                                  </p:childTnLst>
+                                </p:cTn>
+                              </p:par>
+                              <p:par>
+                                <p:cTn id="33" presetID="21" presetClass="entr" presetSubtype="2" fill="hold" grpId="0" nodeType="withEffect">
+                                  <p:stCondLst>
+                                    <p:cond delay="0"/>
+                                  </p:stCondLst>
+                                  <p:childTnLst>
+                                    <p:set>
+                                      <p:cBhvr>
+                                        <p:cTn id="34" dur="1" fill="hold">
+                                          <p:stCondLst>
+                                            <p:cond delay="0"/>
+                                          </p:stCondLst>
+                                        </p:cTn>
+                                        <p:tgtEl>
+                                          <p:spTgt spid="50"/>
+                                        </p:tgtEl>
+                                        <p:attrNameLst>
+                                          <p:attrName>style.visibility</p:attrName>
+                                        </p:attrNameLst>
+                                      </p:cBhvr>
+                                      <p:to>
+                                        <p:strVal val="visible"/>
+                                      </p:to>
+                                    </p:set>
+                                    <p:animEffect transition="in" filter="wheel(2)">
+                                      <p:cBhvr>
+                                        <p:cTn id="35" dur="2000"/>
+                                        <p:tgtEl>
+                                          <p:spTgt spid="50"/>
+                                        </p:tgtEl>
+                                      </p:cBhvr>
+                                    </p:animEffect>
+                                  </p:childTnLst>
+                                </p:cTn>
+                              </p:par>
+                              <p:par>
+                                <p:cTn id="36" presetID="21" presetClass="entr" presetSubtype="2" fill="hold" grpId="0" nodeType="withEffect">
+                                  <p:stCondLst>
+                                    <p:cond delay="0"/>
+                                  </p:stCondLst>
+                                  <p:childTnLst>
+                                    <p:set>
+                                      <p:cBhvr>
+                                        <p:cTn id="37" dur="1" fill="hold">
+                                          <p:stCondLst>
+                                            <p:cond delay="0"/>
+                                          </p:stCondLst>
+                                        </p:cTn>
+                                        <p:tgtEl>
+                                          <p:spTgt spid="51"/>
+                                        </p:tgtEl>
+                                        <p:attrNameLst>
+                                          <p:attrName>style.visibility</p:attrName>
+                                        </p:attrNameLst>
+                                      </p:cBhvr>
+                                      <p:to>
+                                        <p:strVal val="visible"/>
+                                      </p:to>
+                                    </p:set>
+                                    <p:animEffect transition="in" filter="wheel(2)">
+                                      <p:cBhvr>
+                                        <p:cTn id="38" dur="2000"/>
+                                        <p:tgtEl>
+                                          <p:spTgt spid="51"/>
+                                        </p:tgtEl>
+                                      </p:cBhvr>
+                                    </p:animEffect>
+                                  </p:childTnLst>
+                                </p:cTn>
+                              </p:par>
+                              <p:par>
+                                <p:cTn id="39" presetID="21" presetClass="entr" presetSubtype="2" fill="hold" grpId="0" nodeType="withEffect">
+                                  <p:stCondLst>
+                                    <p:cond delay="0"/>
+                                  </p:stCondLst>
+                                  <p:childTnLst>
+                                    <p:set>
+                                      <p:cBhvr>
+                                        <p:cTn id="40" dur="1" fill="hold">
+                                          <p:stCondLst>
+                                            <p:cond delay="0"/>
+                                          </p:stCondLst>
+                                        </p:cTn>
+                                        <p:tgtEl>
+                                          <p:spTgt spid="52"/>
+                                        </p:tgtEl>
+                                        <p:attrNameLst>
+                                          <p:attrName>style.visibility</p:attrName>
+                                        </p:attrNameLst>
+                                      </p:cBhvr>
+                                      <p:to>
+                                        <p:strVal val="visible"/>
+                                      </p:to>
+                                    </p:set>
+                                    <p:animEffect transition="in" filter="wheel(2)">
+                                      <p:cBhvr>
+                                        <p:cTn id="41" dur="2000"/>
+                                        <p:tgtEl>
+                                          <p:spTgt spid="52"/>
+                                        </p:tgtEl>
+                                      </p:cBhvr>
+                                    </p:animEffect>
+                                  </p:childTnLst>
+                                </p:cTn>
+                              </p:par>
+                              <p:par>
+                                <p:cTn id="42" presetID="21" presetClass="entr" presetSubtype="2" fill="hold" grpId="0" nodeType="withEffect">
+                                  <p:stCondLst>
+                                    <p:cond delay="0"/>
+                                  </p:stCondLst>
+                                  <p:childTnLst>
+                                    <p:set>
+                                      <p:cBhvr>
+                                        <p:cTn id="43" dur="1" fill="hold">
+                                          <p:stCondLst>
+                                            <p:cond delay="0"/>
+                                          </p:stCondLst>
+                                        </p:cTn>
+                                        <p:tgtEl>
+                                          <p:spTgt spid="53"/>
+                                        </p:tgtEl>
+                                        <p:attrNameLst>
+                                          <p:attrName>style.visibility</p:attrName>
+                                        </p:attrNameLst>
+                                      </p:cBhvr>
+                                      <p:to>
+                                        <p:strVal val="visible"/>
+                                      </p:to>
+                                    </p:set>
+                                    <p:animEffect transition="in" filter="wheel(2)">
+                                      <p:cBhvr>
+                                        <p:cTn id="44" dur="2000"/>
+                                        <p:tgtEl>
+                                          <p:spTgt spid="53"/>
+                                        </p:tgtEl>
+                                      </p:cBhvr>
+                                    </p:animEffect>
+                                  </p:childTnLst>
+                                </p:cTn>
+                              </p:par>
+                              <p:par>
+                                <p:cTn id="45" presetID="21" presetClass="entr" presetSubtype="2" fill="hold" grpId="0" nodeType="withEffect">
+                                  <p:stCondLst>
+                                    <p:cond delay="0"/>
+                                  </p:stCondLst>
+                                  <p:childTnLst>
+                                    <p:set>
+                                      <p:cBhvr>
+                                        <p:cTn id="46" dur="1" fill="hold">
+                                          <p:stCondLst>
+                                            <p:cond delay="0"/>
+                                          </p:stCondLst>
+                                        </p:cTn>
+                                        <p:tgtEl>
+                                          <p:spTgt spid="54"/>
+                                        </p:tgtEl>
+                                        <p:attrNameLst>
+                                          <p:attrName>style.visibility</p:attrName>
+                                        </p:attrNameLst>
+                                      </p:cBhvr>
+                                      <p:to>
+                                        <p:strVal val="visible"/>
+                                      </p:to>
+                                    </p:set>
+                                    <p:animEffect transition="in" filter="wheel(2)">
+                                      <p:cBhvr>
+                                        <p:cTn id="47" dur="2000"/>
+                                        <p:tgtEl>
+                                          <p:spTgt spid="54"/>
+                                        </p:tgtEl>
+                                      </p:cBhvr>
+                                    </p:animEffect>
+                                  </p:childTnLst>
+                                </p:cTn>
+                              </p:par>
+                              <p:par>
+                                <p:cTn id="48" presetID="21" presetClass="entr" presetSubtype="2" fill="hold" grpId="0" nodeType="withEffect">
+                                  <p:stCondLst>
+                                    <p:cond delay="0"/>
+                                  </p:stCondLst>
+                                  <p:childTnLst>
+                                    <p:set>
+                                      <p:cBhvr>
+                                        <p:cTn id="49" dur="1" fill="hold">
+                                          <p:stCondLst>
+                                            <p:cond delay="0"/>
+                                          </p:stCondLst>
+                                        </p:cTn>
+                                        <p:tgtEl>
+                                          <p:spTgt spid="55"/>
+                                        </p:tgtEl>
+                                        <p:attrNameLst>
+                                          <p:attrName>style.visibility</p:attrName>
+                                        </p:attrNameLst>
+                                      </p:cBhvr>
+                                      <p:to>
+                                        <p:strVal val="visible"/>
+                                      </p:to>
+                                    </p:set>
+                                    <p:animEffect transition="in" filter="wheel(2)">
+                                      <p:cBhvr>
+                                        <p:cTn id="50" dur="2000"/>
+                                        <p:tgtEl>
+                                          <p:spTgt spid="55"/>
+                                        </p:tgtEl>
+                                      </p:cBhvr>
+                                    </p:animEffect>
+                                  </p:childTnLst>
+                                </p:cTn>
+                              </p:par>
+                              <p:par>
+                                <p:cTn id="51" presetID="1" presetClass="entr" presetSubtype="0" fill="hold" grpId="0" nodeType="withEffect">
+                                  <p:stCondLst>
+                                    <p:cond delay="0"/>
+                                  </p:stCondLst>
+                                  <p:childTnLst>
+                                    <p:set>
+                                      <p:cBhvr>
+                                        <p:cTn id="52" dur="1" fill="hold">
+                                          <p:stCondLst>
+                                            <p:cond delay="0"/>
+                                          </p:stCondLst>
+                                        </p:cTn>
+                                        <p:tgtEl>
+                                          <p:spTgt spid="56"/>
+                                        </p:tgtEl>
+                                        <p:attrNameLst>
+                                          <p:attrName>style.visibility</p:attrName>
+                                        </p:attrNameLst>
+                                      </p:cBhvr>
+                                      <p:to>
+                                        <p:strVal val="visible"/>
+                                      </p:to>
+                                    </p:set>
+                                  </p:childTnLst>
+                                </p:cTn>
+                              </p:par>
+                            </p:childTnLst>
+                          </p:cTn>
+                        </p:par>
+                      </p:childTnLst>
+                    </p:cTn>
+                  </p:par>
+                </p:childTnLst>
+              </p:cTn>
+              <p:prevCondLst>
+                <p:cond evt="onPrev" delay="0">
+                  <p:tgtEl>
+                    <p:sldTgt/>
+                  </p:tgtEl>
+                </p:cond>
+              </p:prevCondLst>
+              <p:nextCondLst>
+                <p:cond evt="onNext" delay="0">
+                  <p:tgtEl>
+                    <p:sldTgt/>
+                  </p:tgtEl>
+                </p:cond>
+              </p:nextCondLst>
+            </p:seq>
+          </p:childTnLst>
+        </p:cTn>
+      </p:par>
+    </p:tnLst>
+    <p:bldLst>
+      <p:bldP spid="41" grpId="0" animBg="1"/>
+      <p:bldP spid="42" grpId="0" animBg="1"/>
+      <p:bldP spid="43" grpId="0" animBg="1"/>
+      <p:bldP spid="44" grpId="0" animBg="1"/>
+      <p:bldP spid="45" grpId="0" animBg="1"/>
+      <p:bldP spid="46" grpId="0" animBg="1"/>
+      <p:bldP spid="47" grpId="0" animBg="1"/>
+      <p:bldP spid="48" grpId="0"/>
+      <p:bldP spid="49" grpId="0" animBg="1"/>
+      <p:bldP spid="50" grpId="0" animBg="1"/>
+      <p:bldP spid="51" grpId="0" animBg="1"/>
+      <p:bldP spid="52" grpId="0" animBg="1"/>
+      <p:bldP spid="53" grpId="0" animBg="1"/>
+      <p:bldP spid="54" grpId="0" animBg="1"/>
+      <p:bldP spid="55" grpId="0" animBg="1"/>
+      <p:bldP spid="56" grpId="0"/>
+    </p:bldLst>
+  </p:timing>
+</p:sld>
+</file>
+
+<file path=ppt/slides/slide11.xml><?xml version="1.0" encoding="utf-8"?>
+<p:sld xmlns:a="http://schemas.openxmlformats.org/drawingml/2006/main" xmlns:r="http://schemas.openxmlformats.org/officeDocument/2006/relationships" xmlns:p="http://schemas.openxmlformats.org/presentationml/2006/main">
+  <p:cSld>
+    <p:spTree>
+      <p:nvGrpSpPr>
+        <p:cNvPr id="1" name=""/>
+        <p:cNvGrpSpPr/>
+        <p:nvPr/>
+      </p:nvGrpSpPr>
+      <p:grpSpPr>
+        <a:xfrm>
+          <a:off x="0" y="0"/>
+          <a:ext cx="0" cy="0"/>
+          <a:chOff x="0" y="0"/>
+          <a:chExt cx="0" cy="0"/>
+        </a:xfrm>
+      </p:grpSpPr>
+      <p:sp>
+        <p:nvSpPr>
+          <p:cNvPr id="2" name="Title 1"/>
+          <p:cNvSpPr>
+            <a:spLocks noGrp="1"/>
+          </p:cNvSpPr>
+          <p:nvPr>
+            <p:ph type="title"/>
+          </p:nvPr>
+        </p:nvSpPr>
+        <p:spPr/>
+        <p:txBody>
+          <a:bodyPr/>
+          <a:lstStyle/>
+          <a:p>
+            <a:r>
+              <a:rPr lang="en-US" dirty="0" smtClean="0"/>
+              <a:t>Adaptive Management Cycle</a:t>
+            </a:r>
+            <a:endParaRPr lang="en-US" dirty="0"/>
+          </a:p>
+        </p:txBody>
+      </p:sp>
+      <p:sp>
+        <p:nvSpPr>
+          <p:cNvPr id="4" name="Footer Placeholder 3"/>
+          <p:cNvSpPr>
+            <a:spLocks noGrp="1"/>
+          </p:cNvSpPr>
+          <p:nvPr>
+            <p:ph type="ftr" sz="quarter" idx="10"/>
+          </p:nvPr>
+        </p:nvSpPr>
+        <p:spPr/>
+        <p:txBody>
+          <a:bodyPr/>
+          <a:lstStyle/>
+          <a:p>
+            <a:pPr>
+              <a:defRPr/>
+            </a:pPr>
+            <a:r>
+              <a:rPr lang="en-US" smtClean="0"/>
+              <a:t>Adaptive Management</a:t>
+            </a:r>
+            <a:endParaRPr lang="en-US"/>
+          </a:p>
+        </p:txBody>
+      </p:sp>
+      <p:sp>
+        <p:nvSpPr>
+          <p:cNvPr id="5" name="Slide Number Placeholder 4"/>
+          <p:cNvSpPr>
+            <a:spLocks noGrp="1"/>
+          </p:cNvSpPr>
+          <p:nvPr>
+            <p:ph type="sldNum" sz="quarter" idx="11"/>
+          </p:nvPr>
+        </p:nvSpPr>
+        <p:spPr/>
+        <p:txBody>
+          <a:bodyPr/>
+          <a:lstStyle/>
+          <a:p>
+            <a:pPr>
+              <a:defRPr/>
+            </a:pPr>
+            <a:fld id="{C6A2F5B4-2197-4B8F-A126-FB2FF53A65C9}" type="slidenum">
+              <a:rPr lang="en-US" smtClean="0"/>
+              <a:pPr>
+                <a:defRPr/>
+              </a:pPr>
+              <a:t>11</a:t>
+            </a:fld>
+            <a:endParaRPr lang="en-US"/>
+          </a:p>
+        </p:txBody>
+      </p:sp>
+      <p:pic>
+        <p:nvPicPr>
+          <p:cNvPr id="6" name="Picture 5" descr="Project_Cycle"/>
+          <p:cNvPicPr>
+            <a:picLocks noChangeAspect="1" noChangeArrowheads="1"/>
+          </p:cNvPicPr>
+          <p:nvPr/>
+        </p:nvPicPr>
+        <p:blipFill>
+          <a:blip r:embed="rId3">
+            <a:extLst>
+              <a:ext uri="{28A0092B-C50C-407E-A947-70E740481C1C}">
+                <a14:useLocalDpi xmlns:a14="http://schemas.microsoft.com/office/drawing/2010/main" val="0"/>
+              </a:ext>
+            </a:extLst>
+          </a:blip>
+          <a:srcRect/>
+          <a:stretch>
+            <a:fillRect/>
+          </a:stretch>
+        </p:blipFill>
+        <p:spPr bwMode="auto">
+          <a:xfrm>
+            <a:off x="2814638" y="1468437"/>
+            <a:ext cx="2387600" cy="1931988"/>
+          </a:xfrm>
+          <a:prstGeom prst="rect">
+            <a:avLst/>
+          </a:prstGeom>
+          <a:noFill/>
+          <a:ln>
+            <a:noFill/>
+          </a:ln>
+          <a:extLst>
+            <a:ext uri="{909E8E84-426E-40DD-AFC4-6F175D3DCCD1}">
+              <a14:hiddenFill xmlns:a14="http://schemas.microsoft.com/office/drawing/2010/main">
+                <a:solidFill>
+                  <a:srgbClr val="FFFFFF"/>
+                </a:solidFill>
+              </a14:hiddenFill>
+            </a:ext>
+            <a:ext uri="{91240B29-F687-4F45-9708-019B960494DF}">
+              <a14:hiddenLine xmlns:a14="http://schemas.microsoft.com/office/drawing/2010/main" w="9525">
+                <a:solidFill>
+                  <a:srgbClr val="000000"/>
+                </a:solidFill>
+                <a:miter lim="800000"/>
+                <a:headEnd/>
+                <a:tailEnd/>
+              </a14:hiddenLine>
+            </a:ext>
+          </a:extLst>
+        </p:spPr>
+      </p:pic>
+      <p:pic>
+        <p:nvPicPr>
+          <p:cNvPr id="7" name="Picture 6" descr="90chart"/>
+          <p:cNvPicPr>
+            <a:picLocks noChangeAspect="1" noChangeArrowheads="1"/>
+          </p:cNvPicPr>
+          <p:nvPr/>
+        </p:nvPicPr>
+        <p:blipFill>
+          <a:blip r:embed="rId4">
+            <a:extLst>
+              <a:ext uri="{28A0092B-C50C-407E-A947-70E740481C1C}">
+                <a14:useLocalDpi xmlns:a14="http://schemas.microsoft.com/office/drawing/2010/main" val="0"/>
+              </a:ext>
+            </a:extLst>
+          </a:blip>
+          <a:srcRect/>
+          <a:stretch>
+            <a:fillRect/>
+          </a:stretch>
+        </p:blipFill>
+        <p:spPr bwMode="auto">
+          <a:xfrm>
+            <a:off x="7251700" y="2862262"/>
+            <a:ext cx="1625600" cy="1311275"/>
+          </a:xfrm>
+          <a:prstGeom prst="rect">
+            <a:avLst/>
+          </a:prstGeom>
+          <a:noFill/>
+          <a:ln>
+            <a:noFill/>
+          </a:ln>
+          <a:extLst>
+            <a:ext uri="{909E8E84-426E-40DD-AFC4-6F175D3DCCD1}">
+              <a14:hiddenFill xmlns:a14="http://schemas.microsoft.com/office/drawing/2010/main">
+                <a:solidFill>
+                  <a:srgbClr val="FFFFFF"/>
+                </a:solidFill>
+              </a14:hiddenFill>
+            </a:ext>
+            <a:ext uri="{91240B29-F687-4F45-9708-019B960494DF}">
+              <a14:hiddenLine xmlns:a14="http://schemas.microsoft.com/office/drawing/2010/main" w="9525">
+                <a:solidFill>
+                  <a:srgbClr val="000000"/>
+                </a:solidFill>
+                <a:miter lim="800000"/>
+                <a:headEnd/>
+                <a:tailEnd/>
+              </a14:hiddenLine>
+            </a:ext>
+          </a:extLst>
+        </p:spPr>
+      </p:pic>
+      <p:pic>
+        <p:nvPicPr>
+          <p:cNvPr id="8" name="Picture 7" descr="cycle"/>
+          <p:cNvPicPr>
+            <a:picLocks noChangeAspect="1" noChangeArrowheads="1"/>
+          </p:cNvPicPr>
+          <p:nvPr/>
+        </p:nvPicPr>
+        <p:blipFill>
+          <a:blip r:embed="rId5">
+            <a:extLst>
+              <a:ext uri="{28A0092B-C50C-407E-A947-70E740481C1C}">
+                <a14:useLocalDpi xmlns:a14="http://schemas.microsoft.com/office/drawing/2010/main" val="0"/>
+              </a:ext>
+            </a:extLst>
+          </a:blip>
+          <a:srcRect/>
+          <a:stretch>
+            <a:fillRect/>
+          </a:stretch>
+        </p:blipFill>
+        <p:spPr bwMode="auto">
+          <a:xfrm>
+            <a:off x="3162300" y="3738562"/>
+            <a:ext cx="2884488" cy="2362200"/>
+          </a:xfrm>
+          <a:prstGeom prst="rect">
+            <a:avLst/>
+          </a:prstGeom>
+          <a:noFill/>
+          <a:ln>
+            <a:noFill/>
+          </a:ln>
+          <a:extLst>
+            <a:ext uri="{909E8E84-426E-40DD-AFC4-6F175D3DCCD1}">
+              <a14:hiddenFill xmlns:a14="http://schemas.microsoft.com/office/drawing/2010/main">
+                <a:solidFill>
+                  <a:srgbClr val="FFFFFF"/>
+                </a:solidFill>
+              </a14:hiddenFill>
+            </a:ext>
+            <a:ext uri="{91240B29-F687-4F45-9708-019B960494DF}">
+              <a14:hiddenLine xmlns:a14="http://schemas.microsoft.com/office/drawing/2010/main" w="9525">
+                <a:solidFill>
+                  <a:srgbClr val="000000"/>
+                </a:solidFill>
+                <a:miter lim="800000"/>
+                <a:headEnd/>
+                <a:tailEnd/>
+              </a14:hiddenLine>
+            </a:ext>
+          </a:extLst>
+        </p:spPr>
+      </p:pic>
+      <p:pic>
+        <p:nvPicPr>
+          <p:cNvPr id="9" name="Picture 8" descr="diagram"/>
+          <p:cNvPicPr>
+            <a:picLocks noChangeAspect="1" noChangeArrowheads="1"/>
+          </p:cNvPicPr>
+          <p:nvPr/>
+        </p:nvPicPr>
+        <p:blipFill>
+          <a:blip r:embed="rId6">
+            <a:extLst>
+              <a:ext uri="{28A0092B-C50C-407E-A947-70E740481C1C}">
+                <a14:useLocalDpi xmlns:a14="http://schemas.microsoft.com/office/drawing/2010/main" val="0"/>
+              </a:ext>
+            </a:extLst>
+          </a:blip>
+          <a:srcRect/>
+          <a:stretch>
+            <a:fillRect/>
+          </a:stretch>
+        </p:blipFill>
+        <p:spPr bwMode="auto">
+          <a:xfrm>
+            <a:off x="5553075" y="1322387"/>
+            <a:ext cx="2309813" cy="1778000"/>
+          </a:xfrm>
+          <a:prstGeom prst="rect">
+            <a:avLst/>
+          </a:prstGeom>
+          <a:noFill/>
+          <a:ln>
+            <a:noFill/>
+          </a:ln>
+          <a:extLst>
+            <a:ext uri="{909E8E84-426E-40DD-AFC4-6F175D3DCCD1}">
+              <a14:hiddenFill xmlns:a14="http://schemas.microsoft.com/office/drawing/2010/main">
+                <a:solidFill>
+                  <a:srgbClr val="FFFFFF"/>
+                </a:solidFill>
+              </a14:hiddenFill>
+            </a:ext>
+            <a:ext uri="{91240B29-F687-4F45-9708-019B960494DF}">
+              <a14:hiddenLine xmlns:a14="http://schemas.microsoft.com/office/drawing/2010/main" w="9525">
+                <a:solidFill>
+                  <a:srgbClr val="000000"/>
+                </a:solidFill>
+                <a:miter lim="800000"/>
+                <a:headEnd/>
+                <a:tailEnd/>
+              </a14:hiddenLine>
+            </a:ext>
+          </a:extLst>
+        </p:spPr>
+      </p:pic>
+      <p:pic>
+        <p:nvPicPr>
+          <p:cNvPr id="10" name="Picture 9" descr="cycle"/>
+          <p:cNvPicPr>
+            <a:picLocks noChangeAspect="1" noChangeArrowheads="1"/>
+          </p:cNvPicPr>
+          <p:nvPr/>
+        </p:nvPicPr>
+        <p:blipFill>
+          <a:blip r:embed="rId7">
+            <a:extLst>
+              <a:ext uri="{28A0092B-C50C-407E-A947-70E740481C1C}">
+                <a14:useLocalDpi xmlns:a14="http://schemas.microsoft.com/office/drawing/2010/main" val="0"/>
+              </a:ext>
+            </a:extLst>
+          </a:blip>
+          <a:srcRect/>
+          <a:stretch>
+            <a:fillRect/>
+          </a:stretch>
+        </p:blipFill>
+        <p:spPr bwMode="auto">
+          <a:xfrm>
+            <a:off x="114300" y="1506537"/>
+            <a:ext cx="2554288" cy="2063750"/>
+          </a:xfrm>
+          <a:prstGeom prst="rect">
+            <a:avLst/>
+          </a:prstGeom>
+          <a:noFill/>
+          <a:ln>
+            <a:noFill/>
+          </a:ln>
+          <a:extLst>
+            <a:ext uri="{909E8E84-426E-40DD-AFC4-6F175D3DCCD1}">
+              <a14:hiddenFill xmlns:a14="http://schemas.microsoft.com/office/drawing/2010/main">
+                <a:solidFill>
+                  <a:srgbClr val="FFFFFF"/>
+                </a:solidFill>
+              </a14:hiddenFill>
+            </a:ext>
+            <a:ext uri="{91240B29-F687-4F45-9708-019B960494DF}">
+              <a14:hiddenLine xmlns:a14="http://schemas.microsoft.com/office/drawing/2010/main" w="9525">
+                <a:solidFill>
+                  <a:srgbClr val="000000"/>
+                </a:solidFill>
+                <a:miter lim="800000"/>
+                <a:headEnd/>
+                <a:tailEnd/>
+              </a14:hiddenLine>
+            </a:ext>
+          </a:extLst>
+        </p:spPr>
+      </p:pic>
+      <p:pic>
+        <p:nvPicPr>
+          <p:cNvPr id="11" name="Picture 10" descr="AMCycle"/>
+          <p:cNvPicPr>
+            <a:picLocks noChangeAspect="1" noChangeArrowheads="1"/>
+          </p:cNvPicPr>
+          <p:nvPr/>
+        </p:nvPicPr>
+        <p:blipFill>
+          <a:blip r:embed="rId8" cstate="print">
+            <a:extLst>
+              <a:ext uri="{28A0092B-C50C-407E-A947-70E740481C1C}">
+                <a14:useLocalDpi xmlns:a14="http://schemas.microsoft.com/office/drawing/2010/main" val="0"/>
+              </a:ext>
+            </a:extLst>
+          </a:blip>
+          <a:srcRect/>
+          <a:stretch>
+            <a:fillRect/>
+          </a:stretch>
+        </p:blipFill>
+        <p:spPr bwMode="auto">
+          <a:xfrm>
+            <a:off x="266700" y="3716337"/>
+            <a:ext cx="2543175" cy="2743200"/>
+          </a:xfrm>
+          <a:prstGeom prst="rect">
+            <a:avLst/>
+          </a:prstGeom>
+          <a:noFill/>
+          <a:ln>
+            <a:noFill/>
+          </a:ln>
+          <a:extLst>
+            <a:ext uri="{909E8E84-426E-40DD-AFC4-6F175D3DCCD1}">
+              <a14:hiddenFill xmlns:a14="http://schemas.microsoft.com/office/drawing/2010/main">
+                <a:solidFill>
+                  <a:srgbClr val="FFFFFF"/>
+                </a:solidFill>
+              </a14:hiddenFill>
+            </a:ext>
+            <a:ext uri="{91240B29-F687-4F45-9708-019B960494DF}">
+              <a14:hiddenLine xmlns:a14="http://schemas.microsoft.com/office/drawing/2010/main" w="9525">
+                <a:solidFill>
+                  <a:srgbClr val="000000"/>
+                </a:solidFill>
+                <a:miter lim="800000"/>
+                <a:headEnd/>
+                <a:tailEnd/>
+              </a14:hiddenLine>
+            </a:ext>
+          </a:extLst>
+        </p:spPr>
+      </p:pic>
+      <p:pic>
+        <p:nvPicPr>
+          <p:cNvPr id="12" name="Picture 11"/>
+          <p:cNvPicPr>
+            <a:picLocks noChangeAspect="1" noChangeArrowheads="1"/>
+          </p:cNvPicPr>
+          <p:nvPr/>
+        </p:nvPicPr>
+        <p:blipFill>
+          <a:blip r:embed="rId9" cstate="print">
+            <a:extLst>
+              <a:ext uri="{28A0092B-C50C-407E-A947-70E740481C1C}">
+                <a14:useLocalDpi xmlns:a14="http://schemas.microsoft.com/office/drawing/2010/main" val="0"/>
+              </a:ext>
+            </a:extLst>
+          </a:blip>
+          <a:srcRect/>
+          <a:stretch>
+            <a:fillRect/>
+          </a:stretch>
+        </p:blipFill>
+        <p:spPr bwMode="auto">
+          <a:xfrm>
+            <a:off x="6669088" y="4402137"/>
+            <a:ext cx="2360612" cy="2227263"/>
+          </a:xfrm>
+          <a:prstGeom prst="rect">
+            <a:avLst/>
+          </a:prstGeom>
+          <a:noFill/>
+          <a:ln>
+            <a:noFill/>
+          </a:ln>
+          <a:effectLst/>
+          <a:extLst>
+            <a:ext uri="{909E8E84-426E-40DD-AFC4-6F175D3DCCD1}">
+              <a14:hiddenFill xmlns:a14="http://schemas.microsoft.com/office/drawing/2010/main">
+                <a:solidFill>
+                  <a:schemeClr val="accent1"/>
+                </a:solidFill>
+              </a14:hiddenFill>
+            </a:ext>
+            <a:ext uri="{91240B29-F687-4F45-9708-019B960494DF}">
+              <a14:hiddenLine xmlns:a14="http://schemas.microsoft.com/office/drawing/2010/main" w="9525">
+                <a:solidFill>
+                  <a:schemeClr val="tx1"/>
+                </a:solidFill>
+                <a:miter lim="800000"/>
+                <a:headEnd/>
+                <a:tailEnd/>
+              </a14:hiddenLine>
+            </a:ext>
+            <a:ext uri="{AF507438-7753-43E0-B8FC-AC1667EBCBE1}">
+              <a14:hiddenEffects xmlns:a14="http://schemas.microsoft.com/office/drawing/2010/main">
+                <a:effectLst>
+                  <a:outerShdw dist="35921" dir="2700000" algn="ctr" rotWithShape="0">
+                    <a:schemeClr val="bg2"/>
+                  </a:outerShdw>
+                </a:effectLst>
+              </a14:hiddenEffects>
+            </a:ext>
+          </a:extLst>
+        </p:spPr>
+      </p:pic>
+    </p:spTree>
+    <p:extLst>
+      <p:ext uri="{BB962C8B-B14F-4D97-AF65-F5344CB8AC3E}">
+        <p14:creationId xmlns:p14="http://schemas.microsoft.com/office/powerpoint/2010/main" val="1065436440"/>
+      </p:ext>
+    </p:extLst>
+  </p:cSld>
+  <p:clrMapOvr>
+    <a:masterClrMapping/>
+  </p:clrMapOvr>
 </p:sld>
 </file>
 
@@ -4675,7 +8184,6 @@
               <a:rPr lang="en-US" altLang="en-US" smtClean="0"/>
               <a:t>Adaptive Management</a:t>
             </a:r>
-            <a:endParaRPr lang="en-US" altLang="en-US" smtClean="0"/>
           </a:p>
         </p:txBody>
       </p:sp>
@@ -10104,7 +13612,6 @@
               <a:rPr lang="en-US" smtClean="0"/>
               <a:t>Adaptive Management</a:t>
             </a:r>
-            <a:endParaRPr lang="en-US" smtClean="0"/>
           </a:p>
         </p:txBody>
       </p:sp>
@@ -11209,6 +14716,162 @@
           <a:chExt cx="0" cy="0"/>
         </a:xfrm>
       </p:grpSpPr>
+      <p:sp>
+        <p:nvSpPr>
+          <p:cNvPr id="2" name="Title 1"/>
+          <p:cNvSpPr>
+            <a:spLocks noGrp="1"/>
+          </p:cNvSpPr>
+          <p:nvPr>
+            <p:ph type="title"/>
+          </p:nvPr>
+        </p:nvSpPr>
+        <p:spPr/>
+        <p:txBody>
+          <a:bodyPr/>
+          <a:lstStyle/>
+          <a:p>
+            <a:r>
+              <a:rPr lang="en-US" dirty="0" smtClean="0"/>
+              <a:t>Adaptive Management</a:t>
+            </a:r>
+            <a:endParaRPr lang="en-US" dirty="0"/>
+          </a:p>
+        </p:txBody>
+      </p:sp>
+      <p:sp>
+        <p:nvSpPr>
+          <p:cNvPr id="4" name="Footer Placeholder 3"/>
+          <p:cNvSpPr>
+            <a:spLocks noGrp="1"/>
+          </p:cNvSpPr>
+          <p:nvPr>
+            <p:ph type="ftr" sz="quarter" idx="10"/>
+          </p:nvPr>
+        </p:nvSpPr>
+        <p:spPr/>
+        <p:txBody>
+          <a:bodyPr/>
+          <a:lstStyle/>
+          <a:p>
+            <a:pPr>
+              <a:defRPr/>
+            </a:pPr>
+            <a:r>
+              <a:rPr lang="en-US" smtClean="0"/>
+              <a:t>Adaptive Management</a:t>
+            </a:r>
+            <a:endParaRPr lang="en-US"/>
+          </a:p>
+        </p:txBody>
+      </p:sp>
+      <p:sp>
+        <p:nvSpPr>
+          <p:cNvPr id="5" name="Slide Number Placeholder 4"/>
+          <p:cNvSpPr>
+            <a:spLocks noGrp="1"/>
+          </p:cNvSpPr>
+          <p:nvPr>
+            <p:ph type="sldNum" sz="quarter" idx="11"/>
+          </p:nvPr>
+        </p:nvSpPr>
+        <p:spPr/>
+        <p:txBody>
+          <a:bodyPr/>
+          <a:lstStyle/>
+          <a:p>
+            <a:pPr>
+              <a:defRPr/>
+            </a:pPr>
+            <a:fld id="{C6A2F5B4-2197-4B8F-A126-FB2FF53A65C9}" type="slidenum">
+              <a:rPr lang="en-US" smtClean="0"/>
+              <a:pPr>
+                <a:defRPr/>
+              </a:pPr>
+              <a:t>5</a:t>
+            </a:fld>
+            <a:endParaRPr lang="en-US"/>
+          </a:p>
+        </p:txBody>
+      </p:sp>
+      <p:pic>
+        <p:nvPicPr>
+          <p:cNvPr id="7" name="Picture 2" descr="http://izquotes.com/quotes-pictures/quote-there-is-only-one-thing-more-painful-than-learning-from-experience-and-that-is-not-learning-from-archibald-mcleish-124610.jpg"/>
+          <p:cNvPicPr>
+            <a:picLocks noChangeAspect="1" noChangeArrowheads="1"/>
+          </p:cNvPicPr>
+          <p:nvPr/>
+        </p:nvPicPr>
+        <p:blipFill>
+          <a:blip r:embed="rId2">
+            <a:extLst>
+              <a:ext uri="{28A0092B-C50C-407E-A947-70E740481C1C}">
+                <a14:useLocalDpi xmlns:a14="http://schemas.microsoft.com/office/drawing/2010/main" val="0"/>
+              </a:ext>
+            </a:extLst>
+          </a:blip>
+          <a:srcRect/>
+          <a:stretch>
+            <a:fillRect/>
+          </a:stretch>
+        </p:blipFill>
+        <p:spPr bwMode="auto">
+          <a:xfrm>
+            <a:off x="152400" y="1524000"/>
+            <a:ext cx="8747917" cy="4114800"/>
+          </a:xfrm>
+          <a:prstGeom prst="rect">
+            <a:avLst/>
+          </a:prstGeom>
+          <a:noFill/>
+          <a:extLst>
+            <a:ext uri="{909E8E84-426E-40DD-AFC4-6F175D3DCCD1}">
+              <a14:hiddenFill xmlns:a14="http://schemas.microsoft.com/office/drawing/2010/main">
+                <a:solidFill>
+                  <a:srgbClr val="FFFFFF"/>
+                </a:solidFill>
+              </a14:hiddenFill>
+            </a:ext>
+          </a:extLst>
+        </p:spPr>
+      </p:pic>
+    </p:spTree>
+    <p:extLst>
+      <p:ext uri="{BB962C8B-B14F-4D97-AF65-F5344CB8AC3E}">
+        <p14:creationId xmlns:p14="http://schemas.microsoft.com/office/powerpoint/2010/main" val="753681888"/>
+      </p:ext>
+    </p:extLst>
+  </p:cSld>
+  <p:clrMapOvr>
+    <a:masterClrMapping/>
+  </p:clrMapOvr>
+  <p:timing>
+    <p:tnLst>
+      <p:par>
+        <p:cTn id="1" dur="indefinite" restart="never" nodeType="tmRoot"/>
+      </p:par>
+    </p:tnLst>
+  </p:timing>
+</p:sld>
+</file>
+
+<file path=ppt/slides/slide6.xml><?xml version="1.0" encoding="utf-8"?>
+<p:sld xmlns:a="http://schemas.openxmlformats.org/drawingml/2006/main" xmlns:r="http://schemas.openxmlformats.org/officeDocument/2006/relationships" xmlns:p="http://schemas.openxmlformats.org/presentationml/2006/main">
+  <p:cSld>
+    <p:spTree>
+      <p:nvGrpSpPr>
+        <p:cNvPr id="1" name=""/>
+        <p:cNvGrpSpPr/>
+        <p:nvPr/>
+      </p:nvGrpSpPr>
+      <p:grpSpPr>
+        <a:xfrm>
+          <a:off x="0" y="0"/>
+          <a:ext cx="0" cy="0"/>
+          <a:chOff x="0" y="0"/>
+          <a:chExt cx="0" cy="0"/>
+        </a:xfrm>
+      </p:grpSpPr>
       <p:pic>
         <p:nvPicPr>
           <p:cNvPr id="5" name="Picture 4"/>
@@ -11894,7 +15557,7 @@
               <a:pPr>
                 <a:defRPr/>
               </a:pPr>
-              <a:t>5</a:t>
+              <a:t>6</a:t>
             </a:fld>
             <a:endParaRPr lang="en-US"/>
           </a:p>
@@ -11920,7 +15583,7 @@
 </p:sld>
 </file>
 
-<file path=ppt/slides/slide6.xml><?xml version="1.0" encoding="utf-8"?>
+<file path=ppt/slides/slide7.xml><?xml version="1.0" encoding="utf-8"?>
 <p:sld xmlns:a="http://schemas.openxmlformats.org/drawingml/2006/main" xmlns:r="http://schemas.openxmlformats.org/officeDocument/2006/relationships" xmlns:p="http://schemas.openxmlformats.org/presentationml/2006/main">
   <p:cSld>
     <p:spTree>
@@ -15411,7 +19074,7 @@
               <a:pPr>
                 <a:defRPr/>
               </a:pPr>
-              <a:t>6</a:t>
+              <a:t>7</a:t>
             </a:fld>
             <a:endParaRPr lang="en-US"/>
           </a:p>
@@ -19094,7 +22757,7 @@
 </p:sld>
 </file>
 
-<file path=ppt/slides/slide7.xml><?xml version="1.0" encoding="utf-8"?>
+<file path=ppt/slides/slide8.xml><?xml version="1.0" encoding="utf-8"?>
 <p:sld xmlns:a="http://schemas.openxmlformats.org/drawingml/2006/main" xmlns:r="http://schemas.openxmlformats.org/officeDocument/2006/relationships" xmlns:p="http://schemas.openxmlformats.org/presentationml/2006/main">
   <p:cSld>
     <p:spTree>
@@ -19250,7 +22913,6 @@
               <a:rPr lang="en-US" smtClean="0"/>
               <a:t>Adaptive Management</a:t>
             </a:r>
-            <a:endParaRPr lang="en-US" smtClean="0"/>
           </a:p>
         </p:txBody>
       </p:sp>
@@ -19392,7 +23054,7 @@
             <a:fld id="{815A897B-2BDE-4141-908B-F0568360B39B}" type="slidenum">
               <a:rPr lang="en-US" smtClean="0"/>
               <a:pPr eaLnBrk="1" hangingPunct="1"/>
-              <a:t>7</a:t>
+              <a:t>8</a:t>
             </a:fld>
             <a:endParaRPr lang="en-US" smtClean="0"/>
           </a:p>
@@ -20464,7 +24126,7 @@
 </p:sld>
 </file>
 
-<file path=ppt/slides/slide8.xml><?xml version="1.0" encoding="utf-8"?>
+<file path=ppt/slides/slide9.xml><?xml version="1.0" encoding="utf-8"?>
 <p:sld xmlns:a="http://schemas.openxmlformats.org/drawingml/2006/main" xmlns:r="http://schemas.openxmlformats.org/officeDocument/2006/relationships" xmlns:p="http://schemas.openxmlformats.org/presentationml/2006/main">
   <p:cSld>
     <p:spTree>
@@ -20736,7 +24398,7 @@
               <a:pPr>
                 <a:defRPr/>
               </a:pPr>
-              <a:t>8</a:t>
+              <a:t>9</a:t>
             </a:fld>
             <a:endParaRPr lang="en-US"/>
           </a:p>
@@ -21236,2914 +24898,6 @@
     </p:tnLst>
     <p:bldLst>
       <p:bldP spid="3" grpId="0" uiExpand="1" build="p"/>
-    </p:bldLst>
-  </p:timing>
-</p:sld>
-</file>
-
-<file path=ppt/slides/slide9.xml><?xml version="1.0" encoding="utf-8"?>
-<p:sld xmlns:a="http://schemas.openxmlformats.org/drawingml/2006/main" xmlns:r="http://schemas.openxmlformats.org/officeDocument/2006/relationships" xmlns:p="http://schemas.openxmlformats.org/presentationml/2006/main">
-  <p:cSld>
-    <p:spTree>
-      <p:nvGrpSpPr>
-        <p:cNvPr id="1" name=""/>
-        <p:cNvGrpSpPr/>
-        <p:nvPr/>
-      </p:nvGrpSpPr>
-      <p:grpSpPr>
-        <a:xfrm>
-          <a:off x="0" y="0"/>
-          <a:ext cx="0" cy="0"/>
-          <a:chOff x="0" y="0"/>
-          <a:chExt cx="0" cy="0"/>
-        </a:xfrm>
-      </p:grpSpPr>
-      <p:sp>
-        <p:nvSpPr>
-          <p:cNvPr id="4" name="Rectangle 3"/>
-          <p:cNvSpPr/>
-          <p:nvPr/>
-        </p:nvSpPr>
-        <p:spPr>
-          <a:xfrm>
-            <a:off x="1524000" y="1524000"/>
-            <a:ext cx="6096000" cy="4572000"/>
-          </a:xfrm>
-          <a:prstGeom prst="rect">
-            <a:avLst/>
-          </a:prstGeom>
-          <a:noFill/>
-        </p:spPr>
-        <p:style>
-          <a:lnRef idx="2">
-            <a:schemeClr val="accent1">
-              <a:shade val="50000"/>
-            </a:schemeClr>
-          </a:lnRef>
-          <a:fillRef idx="1">
-            <a:schemeClr val="accent1"/>
-          </a:fillRef>
-          <a:effectRef idx="0">
-            <a:schemeClr val="accent1"/>
-          </a:effectRef>
-          <a:fontRef idx="minor">
-            <a:schemeClr val="lt1"/>
-          </a:fontRef>
-        </p:style>
-        <p:txBody>
-          <a:bodyPr rtlCol="0" anchor="ctr"/>
-          <a:lstStyle/>
-          <a:p>
-            <a:pPr algn="ctr"/>
-            <a:endParaRPr lang="en-US"/>
-          </a:p>
-        </p:txBody>
-      </p:sp>
-      <p:sp>
-        <p:nvSpPr>
-          <p:cNvPr id="5" name="Oval 4"/>
-          <p:cNvSpPr/>
-          <p:nvPr/>
-        </p:nvSpPr>
-        <p:spPr>
-          <a:xfrm>
-            <a:off x="1752600" y="2209800"/>
-            <a:ext cx="533400" cy="609600"/>
-          </a:xfrm>
-          <a:prstGeom prst="ellipse">
-            <a:avLst/>
-          </a:prstGeom>
-          <a:solidFill>
-            <a:srgbClr val="FFCC99"/>
-          </a:solidFill>
-        </p:spPr>
-        <p:style>
-          <a:lnRef idx="2">
-            <a:schemeClr val="accent1">
-              <a:shade val="50000"/>
-            </a:schemeClr>
-          </a:lnRef>
-          <a:fillRef idx="1">
-            <a:schemeClr val="accent1"/>
-          </a:fillRef>
-          <a:effectRef idx="0">
-            <a:schemeClr val="accent1"/>
-          </a:effectRef>
-          <a:fontRef idx="minor">
-            <a:schemeClr val="lt1"/>
-          </a:fontRef>
-        </p:style>
-        <p:txBody>
-          <a:bodyPr rtlCol="0" anchor="ctr"/>
-          <a:lstStyle/>
-          <a:p>
-            <a:pPr algn="ctr"/>
-            <a:endParaRPr lang="en-US"/>
-          </a:p>
-        </p:txBody>
-      </p:sp>
-      <p:sp>
-        <p:nvSpPr>
-          <p:cNvPr id="6" name="Oval 5"/>
-          <p:cNvSpPr/>
-          <p:nvPr/>
-        </p:nvSpPr>
-        <p:spPr>
-          <a:xfrm>
-            <a:off x="6096000" y="2514600"/>
-            <a:ext cx="838200" cy="762000"/>
-          </a:xfrm>
-          <a:prstGeom prst="ellipse">
-            <a:avLst/>
-          </a:prstGeom>
-          <a:solidFill>
-            <a:srgbClr val="4EB1BE"/>
-          </a:solidFill>
-        </p:spPr>
-        <p:style>
-          <a:lnRef idx="2">
-            <a:schemeClr val="accent1">
-              <a:shade val="50000"/>
-            </a:schemeClr>
-          </a:lnRef>
-          <a:fillRef idx="1">
-            <a:schemeClr val="accent1"/>
-          </a:fillRef>
-          <a:effectRef idx="0">
-            <a:schemeClr val="accent1"/>
-          </a:effectRef>
-          <a:fontRef idx="minor">
-            <a:schemeClr val="lt1"/>
-          </a:fontRef>
-        </p:style>
-        <p:txBody>
-          <a:bodyPr rtlCol="0" anchor="ctr"/>
-          <a:lstStyle/>
-          <a:p>
-            <a:pPr algn="ctr"/>
-            <a:endParaRPr lang="en-US"/>
-          </a:p>
-        </p:txBody>
-      </p:sp>
-      <p:sp>
-        <p:nvSpPr>
-          <p:cNvPr id="7" name="Oval 6"/>
-          <p:cNvSpPr/>
-          <p:nvPr/>
-        </p:nvSpPr>
-        <p:spPr>
-          <a:xfrm>
-            <a:off x="4419600" y="3962400"/>
-            <a:ext cx="304800" cy="381000"/>
-          </a:xfrm>
-          <a:prstGeom prst="ellipse">
-            <a:avLst/>
-          </a:prstGeom>
-          <a:solidFill>
-            <a:srgbClr val="FFCC99"/>
-          </a:solidFill>
-        </p:spPr>
-        <p:style>
-          <a:lnRef idx="2">
-            <a:schemeClr val="accent1">
-              <a:shade val="50000"/>
-            </a:schemeClr>
-          </a:lnRef>
-          <a:fillRef idx="1">
-            <a:schemeClr val="accent1"/>
-          </a:fillRef>
-          <a:effectRef idx="0">
-            <a:schemeClr val="accent1"/>
-          </a:effectRef>
-          <a:fontRef idx="minor">
-            <a:schemeClr val="lt1"/>
-          </a:fontRef>
-        </p:style>
-        <p:txBody>
-          <a:bodyPr rtlCol="0" anchor="ctr"/>
-          <a:lstStyle/>
-          <a:p>
-            <a:pPr algn="ctr"/>
-            <a:endParaRPr lang="en-US"/>
-          </a:p>
-        </p:txBody>
-      </p:sp>
-      <p:sp>
-        <p:nvSpPr>
-          <p:cNvPr id="8" name="Oval 7"/>
-          <p:cNvSpPr/>
-          <p:nvPr/>
-        </p:nvSpPr>
-        <p:spPr>
-          <a:xfrm>
-            <a:off x="4038600" y="1828800"/>
-            <a:ext cx="685800" cy="685800"/>
-          </a:xfrm>
-          <a:prstGeom prst="ellipse">
-            <a:avLst/>
-          </a:prstGeom>
-          <a:solidFill>
-            <a:srgbClr val="FFCC99"/>
-          </a:solidFill>
-        </p:spPr>
-        <p:style>
-          <a:lnRef idx="2">
-            <a:schemeClr val="accent1">
-              <a:shade val="50000"/>
-            </a:schemeClr>
-          </a:lnRef>
-          <a:fillRef idx="1">
-            <a:schemeClr val="accent1"/>
-          </a:fillRef>
-          <a:effectRef idx="0">
-            <a:schemeClr val="accent1"/>
-          </a:effectRef>
-          <a:fontRef idx="minor">
-            <a:schemeClr val="lt1"/>
-          </a:fontRef>
-        </p:style>
-        <p:txBody>
-          <a:bodyPr rtlCol="0" anchor="ctr"/>
-          <a:lstStyle/>
-          <a:p>
-            <a:pPr algn="ctr"/>
-            <a:endParaRPr lang="en-US"/>
-          </a:p>
-        </p:txBody>
-      </p:sp>
-      <p:sp>
-        <p:nvSpPr>
-          <p:cNvPr id="9" name="Oval 8"/>
-          <p:cNvSpPr/>
-          <p:nvPr/>
-        </p:nvSpPr>
-        <p:spPr>
-          <a:xfrm>
-            <a:off x="2019300" y="5029200"/>
-            <a:ext cx="342900" cy="533400"/>
-          </a:xfrm>
-          <a:prstGeom prst="ellipse">
-            <a:avLst/>
-          </a:prstGeom>
-          <a:solidFill>
-            <a:srgbClr val="4EB1BE"/>
-          </a:solidFill>
-        </p:spPr>
-        <p:style>
-          <a:lnRef idx="2">
-            <a:schemeClr val="accent1">
-              <a:shade val="50000"/>
-            </a:schemeClr>
-          </a:lnRef>
-          <a:fillRef idx="1">
-            <a:schemeClr val="accent1"/>
-          </a:fillRef>
-          <a:effectRef idx="0">
-            <a:schemeClr val="accent1"/>
-          </a:effectRef>
-          <a:fontRef idx="minor">
-            <a:schemeClr val="lt1"/>
-          </a:fontRef>
-        </p:style>
-        <p:txBody>
-          <a:bodyPr rtlCol="0" anchor="ctr"/>
-          <a:lstStyle/>
-          <a:p>
-            <a:pPr algn="ctr"/>
-            <a:endParaRPr lang="en-US"/>
-          </a:p>
-        </p:txBody>
-      </p:sp>
-      <p:sp>
-        <p:nvSpPr>
-          <p:cNvPr id="10" name="Oval 9"/>
-          <p:cNvSpPr/>
-          <p:nvPr/>
-        </p:nvSpPr>
-        <p:spPr>
-          <a:xfrm>
-            <a:off x="5943600" y="4724400"/>
-            <a:ext cx="571500" cy="838200"/>
-          </a:xfrm>
-          <a:prstGeom prst="ellipse">
-            <a:avLst/>
-          </a:prstGeom>
-          <a:solidFill>
-            <a:srgbClr val="FFCC99"/>
-          </a:solidFill>
-        </p:spPr>
-        <p:style>
-          <a:lnRef idx="2">
-            <a:schemeClr val="accent1">
-              <a:shade val="50000"/>
-            </a:schemeClr>
-          </a:lnRef>
-          <a:fillRef idx="1">
-            <a:schemeClr val="accent1"/>
-          </a:fillRef>
-          <a:effectRef idx="0">
-            <a:schemeClr val="accent1"/>
-          </a:effectRef>
-          <a:fontRef idx="minor">
-            <a:schemeClr val="lt1"/>
-          </a:fontRef>
-        </p:style>
-        <p:txBody>
-          <a:bodyPr rtlCol="0" anchor="ctr"/>
-          <a:lstStyle/>
-          <a:p>
-            <a:pPr algn="ctr"/>
-            <a:endParaRPr lang="en-US"/>
-          </a:p>
-        </p:txBody>
-      </p:sp>
-      <p:sp>
-        <p:nvSpPr>
-          <p:cNvPr id="11" name="Oval 10"/>
-          <p:cNvSpPr/>
-          <p:nvPr/>
-        </p:nvSpPr>
-        <p:spPr>
-          <a:xfrm>
-            <a:off x="3048000" y="3276600"/>
-            <a:ext cx="533400" cy="304800"/>
-          </a:xfrm>
-          <a:prstGeom prst="ellipse">
-            <a:avLst/>
-          </a:prstGeom>
-          <a:solidFill>
-            <a:srgbClr val="CCCC00"/>
-          </a:solidFill>
-        </p:spPr>
-        <p:style>
-          <a:lnRef idx="2">
-            <a:schemeClr val="accent1">
-              <a:shade val="50000"/>
-            </a:schemeClr>
-          </a:lnRef>
-          <a:fillRef idx="1">
-            <a:schemeClr val="accent1"/>
-          </a:fillRef>
-          <a:effectRef idx="0">
-            <a:schemeClr val="accent1"/>
-          </a:effectRef>
-          <a:fontRef idx="minor">
-            <a:schemeClr val="lt1"/>
-          </a:fontRef>
-        </p:style>
-        <p:txBody>
-          <a:bodyPr rtlCol="0" anchor="ctr"/>
-          <a:lstStyle/>
-          <a:p>
-            <a:pPr algn="ctr"/>
-            <a:endParaRPr lang="en-US"/>
-          </a:p>
-        </p:txBody>
-      </p:sp>
-      <p:sp>
-        <p:nvSpPr>
-          <p:cNvPr id="12" name="Oval 11"/>
-          <p:cNvSpPr/>
-          <p:nvPr/>
-        </p:nvSpPr>
-        <p:spPr>
-          <a:xfrm>
-            <a:off x="4381500" y="4724400"/>
-            <a:ext cx="190500" cy="533400"/>
-          </a:xfrm>
-          <a:prstGeom prst="ellipse">
-            <a:avLst/>
-          </a:prstGeom>
-          <a:solidFill>
-            <a:srgbClr val="4EB1BE"/>
-          </a:solidFill>
-        </p:spPr>
-        <p:style>
-          <a:lnRef idx="2">
-            <a:schemeClr val="accent1">
-              <a:shade val="50000"/>
-            </a:schemeClr>
-          </a:lnRef>
-          <a:fillRef idx="1">
-            <a:schemeClr val="accent1"/>
-          </a:fillRef>
-          <a:effectRef idx="0">
-            <a:schemeClr val="accent1"/>
-          </a:effectRef>
-          <a:fontRef idx="minor">
-            <a:schemeClr val="lt1"/>
-          </a:fontRef>
-        </p:style>
-        <p:txBody>
-          <a:bodyPr rtlCol="0" anchor="ctr"/>
-          <a:lstStyle/>
-          <a:p>
-            <a:pPr algn="ctr"/>
-            <a:endParaRPr lang="en-US"/>
-          </a:p>
-        </p:txBody>
-      </p:sp>
-      <p:sp>
-        <p:nvSpPr>
-          <p:cNvPr id="13" name="Oval 12"/>
-          <p:cNvSpPr/>
-          <p:nvPr/>
-        </p:nvSpPr>
-        <p:spPr>
-          <a:xfrm>
-            <a:off x="5410200" y="2895600"/>
-            <a:ext cx="152400" cy="381000"/>
-          </a:xfrm>
-          <a:prstGeom prst="ellipse">
-            <a:avLst/>
-          </a:prstGeom>
-          <a:solidFill>
-            <a:srgbClr val="CCCC00"/>
-          </a:solidFill>
-        </p:spPr>
-        <p:style>
-          <a:lnRef idx="2">
-            <a:schemeClr val="accent1">
-              <a:shade val="50000"/>
-            </a:schemeClr>
-          </a:lnRef>
-          <a:fillRef idx="1">
-            <a:schemeClr val="accent1"/>
-          </a:fillRef>
-          <a:effectRef idx="0">
-            <a:schemeClr val="accent1"/>
-          </a:effectRef>
-          <a:fontRef idx="minor">
-            <a:schemeClr val="lt1"/>
-          </a:fontRef>
-        </p:style>
-        <p:txBody>
-          <a:bodyPr rtlCol="0" anchor="ctr"/>
-          <a:lstStyle/>
-          <a:p>
-            <a:pPr algn="ctr"/>
-            <a:endParaRPr lang="en-US"/>
-          </a:p>
-        </p:txBody>
-      </p:sp>
-      <p:sp>
-        <p:nvSpPr>
-          <p:cNvPr id="14" name="Oval 13"/>
-          <p:cNvSpPr/>
-          <p:nvPr/>
-        </p:nvSpPr>
-        <p:spPr>
-          <a:xfrm>
-            <a:off x="2514600" y="4495800"/>
-            <a:ext cx="76200" cy="76200"/>
-          </a:xfrm>
-          <a:prstGeom prst="ellipse">
-            <a:avLst/>
-          </a:prstGeom>
-          <a:solidFill>
-            <a:srgbClr val="CCCC00"/>
-          </a:solidFill>
-        </p:spPr>
-        <p:style>
-          <a:lnRef idx="2">
-            <a:schemeClr val="accent1">
-              <a:shade val="50000"/>
-            </a:schemeClr>
-          </a:lnRef>
-          <a:fillRef idx="1">
-            <a:schemeClr val="accent1"/>
-          </a:fillRef>
-          <a:effectRef idx="0">
-            <a:schemeClr val="accent1"/>
-          </a:effectRef>
-          <a:fontRef idx="minor">
-            <a:schemeClr val="lt1"/>
-          </a:fontRef>
-        </p:style>
-        <p:txBody>
-          <a:bodyPr rtlCol="0" anchor="ctr"/>
-          <a:lstStyle/>
-          <a:p>
-            <a:pPr algn="ctr"/>
-            <a:endParaRPr lang="en-US"/>
-          </a:p>
-        </p:txBody>
-      </p:sp>
-      <p:sp>
-        <p:nvSpPr>
-          <p:cNvPr id="15" name="Oval 14"/>
-          <p:cNvSpPr/>
-          <p:nvPr/>
-        </p:nvSpPr>
-        <p:spPr>
-          <a:xfrm>
-            <a:off x="2895600" y="2171700"/>
-            <a:ext cx="533400" cy="342900"/>
-          </a:xfrm>
-          <a:prstGeom prst="ellipse">
-            <a:avLst/>
-          </a:prstGeom>
-          <a:solidFill>
-            <a:srgbClr val="4EB1BE"/>
-          </a:solidFill>
-        </p:spPr>
-        <p:style>
-          <a:lnRef idx="2">
-            <a:schemeClr val="accent1">
-              <a:shade val="50000"/>
-            </a:schemeClr>
-          </a:lnRef>
-          <a:fillRef idx="1">
-            <a:schemeClr val="accent1"/>
-          </a:fillRef>
-          <a:effectRef idx="0">
-            <a:schemeClr val="accent1"/>
-          </a:effectRef>
-          <a:fontRef idx="minor">
-            <a:schemeClr val="lt1"/>
-          </a:fontRef>
-        </p:style>
-        <p:txBody>
-          <a:bodyPr rtlCol="0" anchor="ctr"/>
-          <a:lstStyle/>
-          <a:p>
-            <a:pPr algn="ctr"/>
-            <a:endParaRPr lang="en-US"/>
-          </a:p>
-        </p:txBody>
-      </p:sp>
-      <p:sp>
-        <p:nvSpPr>
-          <p:cNvPr id="16" name="Oval 15"/>
-          <p:cNvSpPr/>
-          <p:nvPr/>
-        </p:nvSpPr>
-        <p:spPr>
-          <a:xfrm>
-            <a:off x="6515100" y="4152900"/>
-            <a:ext cx="419100" cy="381000"/>
-          </a:xfrm>
-          <a:prstGeom prst="ellipse">
-            <a:avLst/>
-          </a:prstGeom>
-          <a:solidFill>
-            <a:srgbClr val="CCCC00"/>
-          </a:solidFill>
-        </p:spPr>
-        <p:style>
-          <a:lnRef idx="2">
-            <a:schemeClr val="accent1">
-              <a:shade val="50000"/>
-            </a:schemeClr>
-          </a:lnRef>
-          <a:fillRef idx="1">
-            <a:schemeClr val="accent1"/>
-          </a:fillRef>
-          <a:effectRef idx="0">
-            <a:schemeClr val="accent1"/>
-          </a:effectRef>
-          <a:fontRef idx="minor">
-            <a:schemeClr val="lt1"/>
-          </a:fontRef>
-        </p:style>
-        <p:txBody>
-          <a:bodyPr rtlCol="0" anchor="ctr"/>
-          <a:lstStyle/>
-          <a:p>
-            <a:pPr algn="ctr"/>
-            <a:endParaRPr lang="en-US"/>
-          </a:p>
-        </p:txBody>
-      </p:sp>
-      <p:sp>
-        <p:nvSpPr>
-          <p:cNvPr id="17" name="Oval 16"/>
-          <p:cNvSpPr/>
-          <p:nvPr/>
-        </p:nvSpPr>
-        <p:spPr>
-          <a:xfrm>
-            <a:off x="3162300" y="4724400"/>
-            <a:ext cx="876300" cy="1066800"/>
-          </a:xfrm>
-          <a:prstGeom prst="ellipse">
-            <a:avLst/>
-          </a:prstGeom>
-          <a:solidFill>
-            <a:srgbClr val="CCCC00"/>
-          </a:solidFill>
-        </p:spPr>
-        <p:style>
-          <a:lnRef idx="2">
-            <a:schemeClr val="accent1">
-              <a:shade val="50000"/>
-            </a:schemeClr>
-          </a:lnRef>
-          <a:fillRef idx="1">
-            <a:schemeClr val="accent1"/>
-          </a:fillRef>
-          <a:effectRef idx="0">
-            <a:schemeClr val="accent1"/>
-          </a:effectRef>
-          <a:fontRef idx="minor">
-            <a:schemeClr val="lt1"/>
-          </a:fontRef>
-        </p:style>
-        <p:txBody>
-          <a:bodyPr rtlCol="0" anchor="ctr"/>
-          <a:lstStyle/>
-          <a:p>
-            <a:pPr algn="ctr"/>
-            <a:endParaRPr lang="en-US"/>
-          </a:p>
-        </p:txBody>
-      </p:sp>
-      <p:sp>
-        <p:nvSpPr>
-          <p:cNvPr id="18" name="Oval 17"/>
-          <p:cNvSpPr/>
-          <p:nvPr/>
-        </p:nvSpPr>
-        <p:spPr>
-          <a:xfrm>
-            <a:off x="4953000" y="4572000"/>
-            <a:ext cx="152400" cy="152400"/>
-          </a:xfrm>
-          <a:prstGeom prst="ellipse">
-            <a:avLst/>
-          </a:prstGeom>
-          <a:solidFill>
-            <a:srgbClr val="CCCC00"/>
-          </a:solidFill>
-        </p:spPr>
-        <p:style>
-          <a:lnRef idx="2">
-            <a:schemeClr val="accent1">
-              <a:shade val="50000"/>
-            </a:schemeClr>
-          </a:lnRef>
-          <a:fillRef idx="1">
-            <a:schemeClr val="accent1"/>
-          </a:fillRef>
-          <a:effectRef idx="0">
-            <a:schemeClr val="accent1"/>
-          </a:effectRef>
-          <a:fontRef idx="minor">
-            <a:schemeClr val="lt1"/>
-          </a:fontRef>
-        </p:style>
-        <p:txBody>
-          <a:bodyPr rtlCol="0" anchor="ctr"/>
-          <a:lstStyle/>
-          <a:p>
-            <a:pPr algn="ctr"/>
-            <a:endParaRPr lang="en-US"/>
-          </a:p>
-        </p:txBody>
-      </p:sp>
-      <p:sp>
-        <p:nvSpPr>
-          <p:cNvPr id="19" name="Oval 18"/>
-          <p:cNvSpPr/>
-          <p:nvPr/>
-        </p:nvSpPr>
-        <p:spPr>
-          <a:xfrm>
-            <a:off x="5562600" y="1676400"/>
-            <a:ext cx="152400" cy="152400"/>
-          </a:xfrm>
-          <a:prstGeom prst="ellipse">
-            <a:avLst/>
-          </a:prstGeom>
-          <a:solidFill>
-            <a:srgbClr val="CCCC00"/>
-          </a:solidFill>
-        </p:spPr>
-        <p:style>
-          <a:lnRef idx="2">
-            <a:schemeClr val="accent1">
-              <a:shade val="50000"/>
-            </a:schemeClr>
-          </a:lnRef>
-          <a:fillRef idx="1">
-            <a:schemeClr val="accent1"/>
-          </a:fillRef>
-          <a:effectRef idx="0">
-            <a:schemeClr val="accent1"/>
-          </a:effectRef>
-          <a:fontRef idx="minor">
-            <a:schemeClr val="lt1"/>
-          </a:fontRef>
-        </p:style>
-        <p:txBody>
-          <a:bodyPr rtlCol="0" anchor="ctr"/>
-          <a:lstStyle/>
-          <a:p>
-            <a:pPr algn="ctr"/>
-            <a:endParaRPr lang="en-US"/>
-          </a:p>
-        </p:txBody>
-      </p:sp>
-      <p:sp>
-        <p:nvSpPr>
-          <p:cNvPr id="20" name="Oval 19"/>
-          <p:cNvSpPr/>
-          <p:nvPr/>
-        </p:nvSpPr>
-        <p:spPr>
-          <a:xfrm>
-            <a:off x="2286000" y="1676400"/>
-            <a:ext cx="266700" cy="228600"/>
-          </a:xfrm>
-          <a:prstGeom prst="ellipse">
-            <a:avLst/>
-          </a:prstGeom>
-          <a:solidFill>
-            <a:srgbClr val="FFCC99"/>
-          </a:solidFill>
-        </p:spPr>
-        <p:style>
-          <a:lnRef idx="2">
-            <a:schemeClr val="accent1">
-              <a:shade val="50000"/>
-            </a:schemeClr>
-          </a:lnRef>
-          <a:fillRef idx="1">
-            <a:schemeClr val="accent1"/>
-          </a:fillRef>
-          <a:effectRef idx="0">
-            <a:schemeClr val="accent1"/>
-          </a:effectRef>
-          <a:fontRef idx="minor">
-            <a:schemeClr val="lt1"/>
-          </a:fontRef>
-        </p:style>
-        <p:txBody>
-          <a:bodyPr rtlCol="0" anchor="ctr"/>
-          <a:lstStyle/>
-          <a:p>
-            <a:pPr algn="ctr"/>
-            <a:endParaRPr lang="en-US"/>
-          </a:p>
-        </p:txBody>
-      </p:sp>
-      <p:sp>
-        <p:nvSpPr>
-          <p:cNvPr id="21" name="Oval 20"/>
-          <p:cNvSpPr/>
-          <p:nvPr/>
-        </p:nvSpPr>
-        <p:spPr>
-          <a:xfrm>
-            <a:off x="2019300" y="3086100"/>
-            <a:ext cx="171450" cy="342900"/>
-          </a:xfrm>
-          <a:prstGeom prst="ellipse">
-            <a:avLst/>
-          </a:prstGeom>
-          <a:solidFill>
-            <a:srgbClr val="CCCC00"/>
-          </a:solidFill>
-        </p:spPr>
-        <p:style>
-          <a:lnRef idx="2">
-            <a:schemeClr val="accent1">
-              <a:shade val="50000"/>
-            </a:schemeClr>
-          </a:lnRef>
-          <a:fillRef idx="1">
-            <a:schemeClr val="accent1"/>
-          </a:fillRef>
-          <a:effectRef idx="0">
-            <a:schemeClr val="accent1"/>
-          </a:effectRef>
-          <a:fontRef idx="minor">
-            <a:schemeClr val="lt1"/>
-          </a:fontRef>
-        </p:style>
-        <p:txBody>
-          <a:bodyPr rtlCol="0" anchor="ctr"/>
-          <a:lstStyle/>
-          <a:p>
-            <a:pPr algn="ctr"/>
-            <a:endParaRPr lang="en-US"/>
-          </a:p>
-        </p:txBody>
-      </p:sp>
-      <p:sp>
-        <p:nvSpPr>
-          <p:cNvPr id="22" name="Oval 21"/>
-          <p:cNvSpPr/>
-          <p:nvPr/>
-        </p:nvSpPr>
-        <p:spPr>
-          <a:xfrm>
-            <a:off x="2286000" y="4152900"/>
-            <a:ext cx="304800" cy="182879"/>
-          </a:xfrm>
-          <a:prstGeom prst="ellipse">
-            <a:avLst/>
-          </a:prstGeom>
-          <a:solidFill>
-            <a:srgbClr val="CCCC00"/>
-          </a:solidFill>
-        </p:spPr>
-        <p:style>
-          <a:lnRef idx="2">
-            <a:schemeClr val="accent1">
-              <a:shade val="50000"/>
-            </a:schemeClr>
-          </a:lnRef>
-          <a:fillRef idx="1">
-            <a:schemeClr val="accent1"/>
-          </a:fillRef>
-          <a:effectRef idx="0">
-            <a:schemeClr val="accent1"/>
-          </a:effectRef>
-          <a:fontRef idx="minor">
-            <a:schemeClr val="lt1"/>
-          </a:fontRef>
-        </p:style>
-        <p:txBody>
-          <a:bodyPr rtlCol="0" anchor="ctr"/>
-          <a:lstStyle/>
-          <a:p>
-            <a:pPr algn="ctr"/>
-            <a:endParaRPr lang="en-US"/>
-          </a:p>
-        </p:txBody>
-      </p:sp>
-      <p:sp>
-        <p:nvSpPr>
-          <p:cNvPr id="23" name="Oval 22"/>
-          <p:cNvSpPr/>
-          <p:nvPr/>
-        </p:nvSpPr>
-        <p:spPr>
-          <a:xfrm>
-            <a:off x="5257800" y="5562600"/>
-            <a:ext cx="381000" cy="228600"/>
-          </a:xfrm>
-          <a:prstGeom prst="ellipse">
-            <a:avLst/>
-          </a:prstGeom>
-          <a:solidFill>
-            <a:srgbClr val="4EB1BE"/>
-          </a:solidFill>
-        </p:spPr>
-        <p:style>
-          <a:lnRef idx="2">
-            <a:schemeClr val="accent1">
-              <a:shade val="50000"/>
-            </a:schemeClr>
-          </a:lnRef>
-          <a:fillRef idx="1">
-            <a:schemeClr val="accent1"/>
-          </a:fillRef>
-          <a:effectRef idx="0">
-            <a:schemeClr val="accent1"/>
-          </a:effectRef>
-          <a:fontRef idx="minor">
-            <a:schemeClr val="lt1"/>
-          </a:fontRef>
-        </p:style>
-        <p:txBody>
-          <a:bodyPr rtlCol="0" anchor="ctr"/>
-          <a:lstStyle/>
-          <a:p>
-            <a:pPr algn="ctr"/>
-            <a:endParaRPr lang="en-US"/>
-          </a:p>
-        </p:txBody>
-      </p:sp>
-      <p:sp>
-        <p:nvSpPr>
-          <p:cNvPr id="24" name="Oval 23"/>
-          <p:cNvSpPr/>
-          <p:nvPr/>
-        </p:nvSpPr>
-        <p:spPr>
-          <a:xfrm>
-            <a:off x="4267200" y="3257550"/>
-            <a:ext cx="685800" cy="552450"/>
-          </a:xfrm>
-          <a:prstGeom prst="ellipse">
-            <a:avLst/>
-          </a:prstGeom>
-          <a:solidFill>
-            <a:srgbClr val="4EB1BE"/>
-          </a:solidFill>
-        </p:spPr>
-        <p:style>
-          <a:lnRef idx="2">
-            <a:schemeClr val="accent1">
-              <a:shade val="50000"/>
-            </a:schemeClr>
-          </a:lnRef>
-          <a:fillRef idx="1">
-            <a:schemeClr val="accent1"/>
-          </a:fillRef>
-          <a:effectRef idx="0">
-            <a:schemeClr val="accent1"/>
-          </a:effectRef>
-          <a:fontRef idx="minor">
-            <a:schemeClr val="lt1"/>
-          </a:fontRef>
-        </p:style>
-        <p:txBody>
-          <a:bodyPr rtlCol="0" anchor="ctr"/>
-          <a:lstStyle/>
-          <a:p>
-            <a:pPr algn="ctr"/>
-            <a:endParaRPr lang="en-US"/>
-          </a:p>
-        </p:txBody>
-      </p:sp>
-      <p:sp>
-        <p:nvSpPr>
-          <p:cNvPr id="25" name="Oval 24"/>
-          <p:cNvSpPr/>
-          <p:nvPr/>
-        </p:nvSpPr>
-        <p:spPr>
-          <a:xfrm>
-            <a:off x="6724650" y="5791200"/>
-            <a:ext cx="209550" cy="152400"/>
-          </a:xfrm>
-          <a:prstGeom prst="ellipse">
-            <a:avLst/>
-          </a:prstGeom>
-          <a:solidFill>
-            <a:srgbClr val="CCCC00"/>
-          </a:solidFill>
-        </p:spPr>
-        <p:style>
-          <a:lnRef idx="2">
-            <a:schemeClr val="accent1">
-              <a:shade val="50000"/>
-            </a:schemeClr>
-          </a:lnRef>
-          <a:fillRef idx="1">
-            <a:schemeClr val="accent1"/>
-          </a:fillRef>
-          <a:effectRef idx="0">
-            <a:schemeClr val="accent1"/>
-          </a:effectRef>
-          <a:fontRef idx="minor">
-            <a:schemeClr val="lt1"/>
-          </a:fontRef>
-        </p:style>
-        <p:txBody>
-          <a:bodyPr rtlCol="0" anchor="ctr"/>
-          <a:lstStyle/>
-          <a:p>
-            <a:pPr algn="ctr"/>
-            <a:endParaRPr lang="en-US"/>
-          </a:p>
-        </p:txBody>
-      </p:sp>
-      <p:sp>
-        <p:nvSpPr>
-          <p:cNvPr id="26" name="Oval 25"/>
-          <p:cNvSpPr/>
-          <p:nvPr/>
-        </p:nvSpPr>
-        <p:spPr>
-          <a:xfrm>
-            <a:off x="7162800" y="5029200"/>
-            <a:ext cx="152400" cy="228600"/>
-          </a:xfrm>
-          <a:prstGeom prst="ellipse">
-            <a:avLst/>
-          </a:prstGeom>
-          <a:solidFill>
-            <a:srgbClr val="4EB1BE"/>
-          </a:solidFill>
-        </p:spPr>
-        <p:style>
-          <a:lnRef idx="2">
-            <a:schemeClr val="accent1">
-              <a:shade val="50000"/>
-            </a:schemeClr>
-          </a:lnRef>
-          <a:fillRef idx="1">
-            <a:schemeClr val="accent1"/>
-          </a:fillRef>
-          <a:effectRef idx="0">
-            <a:schemeClr val="accent1"/>
-          </a:effectRef>
-          <a:fontRef idx="minor">
-            <a:schemeClr val="lt1"/>
-          </a:fontRef>
-        </p:style>
-        <p:txBody>
-          <a:bodyPr rtlCol="0" anchor="ctr"/>
-          <a:lstStyle/>
-          <a:p>
-            <a:pPr algn="ctr"/>
-            <a:endParaRPr lang="en-US"/>
-          </a:p>
-        </p:txBody>
-      </p:sp>
-      <p:sp>
-        <p:nvSpPr>
-          <p:cNvPr id="27" name="Oval 26"/>
-          <p:cNvSpPr/>
-          <p:nvPr/>
-        </p:nvSpPr>
-        <p:spPr>
-          <a:xfrm>
-            <a:off x="6934200" y="1828800"/>
-            <a:ext cx="304800" cy="342900"/>
-          </a:xfrm>
-          <a:prstGeom prst="ellipse">
-            <a:avLst/>
-          </a:prstGeom>
-          <a:solidFill>
-            <a:srgbClr val="FFCC99"/>
-          </a:solidFill>
-        </p:spPr>
-        <p:style>
-          <a:lnRef idx="2">
-            <a:schemeClr val="accent1">
-              <a:shade val="50000"/>
-            </a:schemeClr>
-          </a:lnRef>
-          <a:fillRef idx="1">
-            <a:schemeClr val="accent1"/>
-          </a:fillRef>
-          <a:effectRef idx="0">
-            <a:schemeClr val="accent1"/>
-          </a:effectRef>
-          <a:fontRef idx="minor">
-            <a:schemeClr val="lt1"/>
-          </a:fontRef>
-        </p:style>
-        <p:txBody>
-          <a:bodyPr rtlCol="0" anchor="ctr"/>
-          <a:lstStyle/>
-          <a:p>
-            <a:pPr algn="ctr"/>
-            <a:endParaRPr lang="en-US"/>
-          </a:p>
-        </p:txBody>
-      </p:sp>
-      <p:sp>
-        <p:nvSpPr>
-          <p:cNvPr id="28" name="Oval 27"/>
-          <p:cNvSpPr/>
-          <p:nvPr/>
-        </p:nvSpPr>
-        <p:spPr>
-          <a:xfrm>
-            <a:off x="6724650" y="3429000"/>
-            <a:ext cx="104775" cy="152400"/>
-          </a:xfrm>
-          <a:prstGeom prst="ellipse">
-            <a:avLst/>
-          </a:prstGeom>
-          <a:solidFill>
-            <a:srgbClr val="CCCC00"/>
-          </a:solidFill>
-        </p:spPr>
-        <p:style>
-          <a:lnRef idx="2">
-            <a:schemeClr val="accent1">
-              <a:shade val="50000"/>
-            </a:schemeClr>
-          </a:lnRef>
-          <a:fillRef idx="1">
-            <a:schemeClr val="accent1"/>
-          </a:fillRef>
-          <a:effectRef idx="0">
-            <a:schemeClr val="accent1"/>
-          </a:effectRef>
-          <a:fontRef idx="minor">
-            <a:schemeClr val="lt1"/>
-          </a:fontRef>
-        </p:style>
-        <p:txBody>
-          <a:bodyPr rtlCol="0" anchor="ctr"/>
-          <a:lstStyle/>
-          <a:p>
-            <a:pPr algn="ctr"/>
-            <a:endParaRPr lang="en-US"/>
-          </a:p>
-        </p:txBody>
-      </p:sp>
-      <p:sp>
-        <p:nvSpPr>
-          <p:cNvPr id="29" name="Oval 28"/>
-          <p:cNvSpPr/>
-          <p:nvPr/>
-        </p:nvSpPr>
-        <p:spPr>
-          <a:xfrm>
-            <a:off x="5638800" y="3962400"/>
-            <a:ext cx="304800" cy="190500"/>
-          </a:xfrm>
-          <a:prstGeom prst="ellipse">
-            <a:avLst/>
-          </a:prstGeom>
-          <a:solidFill>
-            <a:srgbClr val="4EB1BE"/>
-          </a:solidFill>
-        </p:spPr>
-        <p:style>
-          <a:lnRef idx="2">
-            <a:schemeClr val="accent1">
-              <a:shade val="50000"/>
-            </a:schemeClr>
-          </a:lnRef>
-          <a:fillRef idx="1">
-            <a:schemeClr val="accent1"/>
-          </a:fillRef>
-          <a:effectRef idx="0">
-            <a:schemeClr val="accent1"/>
-          </a:effectRef>
-          <a:fontRef idx="minor">
-            <a:schemeClr val="lt1"/>
-          </a:fontRef>
-        </p:style>
-        <p:txBody>
-          <a:bodyPr rtlCol="0" anchor="ctr"/>
-          <a:lstStyle/>
-          <a:p>
-            <a:pPr algn="ctr"/>
-            <a:endParaRPr lang="en-US"/>
-          </a:p>
-        </p:txBody>
-      </p:sp>
-      <p:sp>
-        <p:nvSpPr>
-          <p:cNvPr id="30" name="Oval 29"/>
-          <p:cNvSpPr/>
-          <p:nvPr/>
-        </p:nvSpPr>
-        <p:spPr>
-          <a:xfrm>
-            <a:off x="3429000" y="4175759"/>
-            <a:ext cx="171450" cy="320041"/>
-          </a:xfrm>
-          <a:prstGeom prst="ellipse">
-            <a:avLst/>
-          </a:prstGeom>
-          <a:solidFill>
-            <a:srgbClr val="FFCC99"/>
-          </a:solidFill>
-        </p:spPr>
-        <p:style>
-          <a:lnRef idx="2">
-            <a:schemeClr val="accent1">
-              <a:shade val="50000"/>
-            </a:schemeClr>
-          </a:lnRef>
-          <a:fillRef idx="1">
-            <a:schemeClr val="accent1"/>
-          </a:fillRef>
-          <a:effectRef idx="0">
-            <a:schemeClr val="accent1"/>
-          </a:effectRef>
-          <a:fontRef idx="minor">
-            <a:schemeClr val="lt1"/>
-          </a:fontRef>
-        </p:style>
-        <p:txBody>
-          <a:bodyPr rtlCol="0" anchor="ctr"/>
-          <a:lstStyle/>
-          <a:p>
-            <a:pPr algn="ctr"/>
-            <a:endParaRPr lang="en-US"/>
-          </a:p>
-        </p:txBody>
-      </p:sp>
-      <p:sp>
-        <p:nvSpPr>
-          <p:cNvPr id="32" name="Title 1"/>
-          <p:cNvSpPr>
-            <a:spLocks noGrp="1"/>
-          </p:cNvSpPr>
-          <p:nvPr>
-            <p:ph type="title"/>
-          </p:nvPr>
-        </p:nvSpPr>
-        <p:spPr>
-          <a:xfrm>
-            <a:off x="0" y="274638"/>
-            <a:ext cx="9144000" cy="792162"/>
-          </a:xfrm>
-        </p:spPr>
-        <p:txBody>
-          <a:bodyPr>
-            <a:normAutofit fontScale="90000"/>
-          </a:bodyPr>
-          <a:lstStyle/>
-          <a:p>
-            <a:r>
-              <a:rPr lang="en-US" dirty="0" smtClean="0"/>
-              <a:t>Adaptive Management: Implementation</a:t>
-            </a:r>
-            <a:endParaRPr lang="en-US" dirty="0"/>
-          </a:p>
-        </p:txBody>
-      </p:sp>
-      <p:sp>
-        <p:nvSpPr>
-          <p:cNvPr id="34" name="Oval 33"/>
-          <p:cNvSpPr/>
-          <p:nvPr/>
-        </p:nvSpPr>
-        <p:spPr>
-          <a:xfrm>
-            <a:off x="3314700" y="2819400"/>
-            <a:ext cx="285750" cy="266700"/>
-          </a:xfrm>
-          <a:prstGeom prst="ellipse">
-            <a:avLst/>
-          </a:prstGeom>
-          <a:solidFill>
-            <a:srgbClr val="FFCC99"/>
-          </a:solidFill>
-        </p:spPr>
-        <p:style>
-          <a:lnRef idx="2">
-            <a:schemeClr val="accent1">
-              <a:shade val="50000"/>
-            </a:schemeClr>
-          </a:lnRef>
-          <a:fillRef idx="1">
-            <a:schemeClr val="accent1"/>
-          </a:fillRef>
-          <a:effectRef idx="0">
-            <a:schemeClr val="accent1"/>
-          </a:effectRef>
-          <a:fontRef idx="minor">
-            <a:schemeClr val="lt1"/>
-          </a:fontRef>
-        </p:style>
-        <p:txBody>
-          <a:bodyPr rtlCol="0" anchor="ctr"/>
-          <a:lstStyle/>
-          <a:p>
-            <a:pPr algn="ctr"/>
-            <a:endParaRPr lang="en-US"/>
-          </a:p>
-        </p:txBody>
-      </p:sp>
-      <p:sp>
-        <p:nvSpPr>
-          <p:cNvPr id="35" name="Oval 34"/>
-          <p:cNvSpPr/>
-          <p:nvPr/>
-        </p:nvSpPr>
-        <p:spPr>
-          <a:xfrm>
-            <a:off x="5410200" y="2000250"/>
-            <a:ext cx="685800" cy="819150"/>
-          </a:xfrm>
-          <a:prstGeom prst="ellipse">
-            <a:avLst/>
-          </a:prstGeom>
-          <a:solidFill>
-            <a:srgbClr val="FFCC99"/>
-          </a:solidFill>
-        </p:spPr>
-        <p:style>
-          <a:lnRef idx="2">
-            <a:schemeClr val="accent1">
-              <a:shade val="50000"/>
-            </a:schemeClr>
-          </a:lnRef>
-          <a:fillRef idx="1">
-            <a:schemeClr val="accent1"/>
-          </a:fillRef>
-          <a:effectRef idx="0">
-            <a:schemeClr val="accent1"/>
-          </a:effectRef>
-          <a:fontRef idx="minor">
-            <a:schemeClr val="lt1"/>
-          </a:fontRef>
-        </p:style>
-        <p:txBody>
-          <a:bodyPr rtlCol="0" anchor="ctr"/>
-          <a:lstStyle/>
-          <a:p>
-            <a:pPr algn="ctr"/>
-            <a:endParaRPr lang="en-US"/>
-          </a:p>
-        </p:txBody>
-      </p:sp>
-      <p:sp>
-        <p:nvSpPr>
-          <p:cNvPr id="36" name="Oval 35"/>
-          <p:cNvSpPr/>
-          <p:nvPr/>
-        </p:nvSpPr>
-        <p:spPr>
-          <a:xfrm>
-            <a:off x="5029200" y="1752600"/>
-            <a:ext cx="228600" cy="419100"/>
-          </a:xfrm>
-          <a:prstGeom prst="ellipse">
-            <a:avLst/>
-          </a:prstGeom>
-          <a:solidFill>
-            <a:srgbClr val="CCCC00"/>
-          </a:solidFill>
-        </p:spPr>
-        <p:style>
-          <a:lnRef idx="2">
-            <a:schemeClr val="accent1">
-              <a:shade val="50000"/>
-            </a:schemeClr>
-          </a:lnRef>
-          <a:fillRef idx="1">
-            <a:schemeClr val="accent1"/>
-          </a:fillRef>
-          <a:effectRef idx="0">
-            <a:schemeClr val="accent1"/>
-          </a:effectRef>
-          <a:fontRef idx="minor">
-            <a:schemeClr val="lt1"/>
-          </a:fontRef>
-        </p:style>
-        <p:txBody>
-          <a:bodyPr rtlCol="0" anchor="ctr"/>
-          <a:lstStyle/>
-          <a:p>
-            <a:pPr algn="ctr"/>
-            <a:endParaRPr lang="en-US"/>
-          </a:p>
-        </p:txBody>
-      </p:sp>
-      <p:sp>
-        <p:nvSpPr>
-          <p:cNvPr id="37" name="Oval 36"/>
-          <p:cNvSpPr/>
-          <p:nvPr/>
-        </p:nvSpPr>
-        <p:spPr>
-          <a:xfrm>
-            <a:off x="4038600" y="2667000"/>
-            <a:ext cx="45719" cy="152400"/>
-          </a:xfrm>
-          <a:prstGeom prst="ellipse">
-            <a:avLst/>
-          </a:prstGeom>
-          <a:solidFill>
-            <a:srgbClr val="CCCC00"/>
-          </a:solidFill>
-        </p:spPr>
-        <p:style>
-          <a:lnRef idx="2">
-            <a:schemeClr val="accent1">
-              <a:shade val="50000"/>
-            </a:schemeClr>
-          </a:lnRef>
-          <a:fillRef idx="1">
-            <a:schemeClr val="accent1"/>
-          </a:fillRef>
-          <a:effectRef idx="0">
-            <a:schemeClr val="accent1"/>
-          </a:effectRef>
-          <a:fontRef idx="minor">
-            <a:schemeClr val="lt1"/>
-          </a:fontRef>
-        </p:style>
-        <p:txBody>
-          <a:bodyPr rtlCol="0" anchor="ctr"/>
-          <a:lstStyle/>
-          <a:p>
-            <a:pPr algn="ctr"/>
-            <a:endParaRPr lang="en-US"/>
-          </a:p>
-        </p:txBody>
-      </p:sp>
-      <p:sp>
-        <p:nvSpPr>
-          <p:cNvPr id="38" name="Oval 37"/>
-          <p:cNvSpPr/>
-          <p:nvPr/>
-        </p:nvSpPr>
-        <p:spPr>
-          <a:xfrm>
-            <a:off x="3514725" y="1676400"/>
-            <a:ext cx="295275" cy="152400"/>
-          </a:xfrm>
-          <a:prstGeom prst="ellipse">
-            <a:avLst/>
-          </a:prstGeom>
-          <a:solidFill>
-            <a:srgbClr val="CCCC00"/>
-          </a:solidFill>
-        </p:spPr>
-        <p:style>
-          <a:lnRef idx="2">
-            <a:schemeClr val="accent1">
-              <a:shade val="50000"/>
-            </a:schemeClr>
-          </a:lnRef>
-          <a:fillRef idx="1">
-            <a:schemeClr val="accent1"/>
-          </a:fillRef>
-          <a:effectRef idx="0">
-            <a:schemeClr val="accent1"/>
-          </a:effectRef>
-          <a:fontRef idx="minor">
-            <a:schemeClr val="lt1"/>
-          </a:fontRef>
-        </p:style>
-        <p:txBody>
-          <a:bodyPr rtlCol="0" anchor="ctr"/>
-          <a:lstStyle/>
-          <a:p>
-            <a:pPr algn="ctr"/>
-            <a:endParaRPr lang="en-US"/>
-          </a:p>
-        </p:txBody>
-      </p:sp>
-      <p:sp>
-        <p:nvSpPr>
-          <p:cNvPr id="39" name="Oval 38"/>
-          <p:cNvSpPr/>
-          <p:nvPr/>
-        </p:nvSpPr>
-        <p:spPr>
-          <a:xfrm>
-            <a:off x="4381500" y="5791200"/>
-            <a:ext cx="228600" cy="152400"/>
-          </a:xfrm>
-          <a:prstGeom prst="ellipse">
-            <a:avLst/>
-          </a:prstGeom>
-          <a:solidFill>
-            <a:srgbClr val="CCCC00"/>
-          </a:solidFill>
-        </p:spPr>
-        <p:style>
-          <a:lnRef idx="2">
-            <a:schemeClr val="accent1">
-              <a:shade val="50000"/>
-            </a:schemeClr>
-          </a:lnRef>
-          <a:fillRef idx="1">
-            <a:schemeClr val="accent1"/>
-          </a:fillRef>
-          <a:effectRef idx="0">
-            <a:schemeClr val="accent1"/>
-          </a:effectRef>
-          <a:fontRef idx="minor">
-            <a:schemeClr val="lt1"/>
-          </a:fontRef>
-        </p:style>
-        <p:txBody>
-          <a:bodyPr rtlCol="0" anchor="ctr"/>
-          <a:lstStyle/>
-          <a:p>
-            <a:pPr algn="ctr"/>
-            <a:endParaRPr lang="en-US"/>
-          </a:p>
-        </p:txBody>
-      </p:sp>
-      <p:sp>
-        <p:nvSpPr>
-          <p:cNvPr id="40" name="Oval 39"/>
-          <p:cNvSpPr/>
-          <p:nvPr/>
-        </p:nvSpPr>
-        <p:spPr>
-          <a:xfrm>
-            <a:off x="1752600" y="3810000"/>
-            <a:ext cx="438150" cy="342900"/>
-          </a:xfrm>
-          <a:prstGeom prst="ellipse">
-            <a:avLst/>
-          </a:prstGeom>
-          <a:solidFill>
-            <a:srgbClr val="CCCC00"/>
-          </a:solidFill>
-        </p:spPr>
-        <p:style>
-          <a:lnRef idx="2">
-            <a:schemeClr val="accent1">
-              <a:shade val="50000"/>
-            </a:schemeClr>
-          </a:lnRef>
-          <a:fillRef idx="1">
-            <a:schemeClr val="accent1"/>
-          </a:fillRef>
-          <a:effectRef idx="0">
-            <a:schemeClr val="accent1"/>
-          </a:effectRef>
-          <a:fontRef idx="minor">
-            <a:schemeClr val="lt1"/>
-          </a:fontRef>
-        </p:style>
-        <p:txBody>
-          <a:bodyPr rtlCol="0" anchor="ctr"/>
-          <a:lstStyle/>
-          <a:p>
-            <a:pPr algn="ctr"/>
-            <a:endParaRPr lang="en-US"/>
-          </a:p>
-        </p:txBody>
-      </p:sp>
-      <p:sp>
-        <p:nvSpPr>
-          <p:cNvPr id="41" name="Oval 40"/>
-          <p:cNvSpPr/>
-          <p:nvPr/>
-        </p:nvSpPr>
-        <p:spPr>
-          <a:xfrm>
-            <a:off x="1752600" y="2209800"/>
-            <a:ext cx="533400" cy="609600"/>
-          </a:xfrm>
-          <a:prstGeom prst="ellipse">
-            <a:avLst/>
-          </a:prstGeom>
-          <a:solidFill>
-            <a:srgbClr val="C00000"/>
-          </a:solidFill>
-        </p:spPr>
-        <p:style>
-          <a:lnRef idx="2">
-            <a:schemeClr val="accent1">
-              <a:shade val="50000"/>
-            </a:schemeClr>
-          </a:lnRef>
-          <a:fillRef idx="1">
-            <a:schemeClr val="accent1"/>
-          </a:fillRef>
-          <a:effectRef idx="0">
-            <a:schemeClr val="accent1"/>
-          </a:effectRef>
-          <a:fontRef idx="minor">
-            <a:schemeClr val="lt1"/>
-          </a:fontRef>
-        </p:style>
-        <p:txBody>
-          <a:bodyPr rtlCol="0" anchor="ctr"/>
-          <a:lstStyle/>
-          <a:p>
-            <a:pPr algn="ctr"/>
-            <a:endParaRPr lang="en-US"/>
-          </a:p>
-        </p:txBody>
-      </p:sp>
-      <p:sp>
-        <p:nvSpPr>
-          <p:cNvPr id="42" name="Oval 41"/>
-          <p:cNvSpPr/>
-          <p:nvPr/>
-        </p:nvSpPr>
-        <p:spPr>
-          <a:xfrm>
-            <a:off x="2019300" y="5029200"/>
-            <a:ext cx="342900" cy="533400"/>
-          </a:xfrm>
-          <a:prstGeom prst="ellipse">
-            <a:avLst/>
-          </a:prstGeom>
-          <a:solidFill>
-            <a:srgbClr val="C00000"/>
-          </a:solidFill>
-        </p:spPr>
-        <p:style>
-          <a:lnRef idx="2">
-            <a:schemeClr val="accent1">
-              <a:shade val="50000"/>
-            </a:schemeClr>
-          </a:lnRef>
-          <a:fillRef idx="1">
-            <a:schemeClr val="accent1"/>
-          </a:fillRef>
-          <a:effectRef idx="0">
-            <a:schemeClr val="accent1"/>
-          </a:effectRef>
-          <a:fontRef idx="minor">
-            <a:schemeClr val="lt1"/>
-          </a:fontRef>
-        </p:style>
-        <p:txBody>
-          <a:bodyPr rtlCol="0" anchor="ctr"/>
-          <a:lstStyle/>
-          <a:p>
-            <a:pPr algn="ctr"/>
-            <a:endParaRPr lang="en-US"/>
-          </a:p>
-        </p:txBody>
-      </p:sp>
-      <p:sp>
-        <p:nvSpPr>
-          <p:cNvPr id="43" name="Oval 42"/>
-          <p:cNvSpPr/>
-          <p:nvPr/>
-        </p:nvSpPr>
-        <p:spPr>
-          <a:xfrm>
-            <a:off x="6515100" y="4152900"/>
-            <a:ext cx="419100" cy="381000"/>
-          </a:xfrm>
-          <a:prstGeom prst="ellipse">
-            <a:avLst/>
-          </a:prstGeom>
-          <a:solidFill>
-            <a:srgbClr val="C00000"/>
-          </a:solidFill>
-        </p:spPr>
-        <p:style>
-          <a:lnRef idx="2">
-            <a:schemeClr val="accent1">
-              <a:shade val="50000"/>
-            </a:schemeClr>
-          </a:lnRef>
-          <a:fillRef idx="1">
-            <a:schemeClr val="accent1"/>
-          </a:fillRef>
-          <a:effectRef idx="0">
-            <a:schemeClr val="accent1"/>
-          </a:effectRef>
-          <a:fontRef idx="minor">
-            <a:schemeClr val="lt1"/>
-          </a:fontRef>
-        </p:style>
-        <p:txBody>
-          <a:bodyPr rtlCol="0" anchor="ctr"/>
-          <a:lstStyle/>
-          <a:p>
-            <a:pPr algn="ctr"/>
-            <a:endParaRPr lang="en-US"/>
-          </a:p>
-        </p:txBody>
-      </p:sp>
-      <p:sp>
-        <p:nvSpPr>
-          <p:cNvPr id="44" name="Oval 43"/>
-          <p:cNvSpPr/>
-          <p:nvPr/>
-        </p:nvSpPr>
-        <p:spPr>
-          <a:xfrm>
-            <a:off x="4267200" y="3257550"/>
-            <a:ext cx="685800" cy="552450"/>
-          </a:xfrm>
-          <a:prstGeom prst="ellipse">
-            <a:avLst/>
-          </a:prstGeom>
-          <a:solidFill>
-            <a:srgbClr val="C00000"/>
-          </a:solidFill>
-        </p:spPr>
-        <p:style>
-          <a:lnRef idx="2">
-            <a:schemeClr val="accent1">
-              <a:shade val="50000"/>
-            </a:schemeClr>
-          </a:lnRef>
-          <a:fillRef idx="1">
-            <a:schemeClr val="accent1"/>
-          </a:fillRef>
-          <a:effectRef idx="0">
-            <a:schemeClr val="accent1"/>
-          </a:effectRef>
-          <a:fontRef idx="minor">
-            <a:schemeClr val="lt1"/>
-          </a:fontRef>
-        </p:style>
-        <p:txBody>
-          <a:bodyPr rtlCol="0" anchor="ctr"/>
-          <a:lstStyle/>
-          <a:p>
-            <a:pPr algn="ctr"/>
-            <a:endParaRPr lang="en-US"/>
-          </a:p>
-        </p:txBody>
-      </p:sp>
-      <p:sp>
-        <p:nvSpPr>
-          <p:cNvPr id="45" name="Oval 44"/>
-          <p:cNvSpPr/>
-          <p:nvPr/>
-        </p:nvSpPr>
-        <p:spPr>
-          <a:xfrm>
-            <a:off x="6934200" y="1828800"/>
-            <a:ext cx="304800" cy="342900"/>
-          </a:xfrm>
-          <a:prstGeom prst="ellipse">
-            <a:avLst/>
-          </a:prstGeom>
-          <a:solidFill>
-            <a:srgbClr val="C00000"/>
-          </a:solidFill>
-        </p:spPr>
-        <p:style>
-          <a:lnRef idx="2">
-            <a:schemeClr val="accent1">
-              <a:shade val="50000"/>
-            </a:schemeClr>
-          </a:lnRef>
-          <a:fillRef idx="1">
-            <a:schemeClr val="accent1"/>
-          </a:fillRef>
-          <a:effectRef idx="0">
-            <a:schemeClr val="accent1"/>
-          </a:effectRef>
-          <a:fontRef idx="minor">
-            <a:schemeClr val="lt1"/>
-          </a:fontRef>
-        </p:style>
-        <p:txBody>
-          <a:bodyPr rtlCol="0" anchor="ctr"/>
-          <a:lstStyle/>
-          <a:p>
-            <a:pPr algn="ctr"/>
-            <a:endParaRPr lang="en-US"/>
-          </a:p>
-        </p:txBody>
-      </p:sp>
-      <p:sp>
-        <p:nvSpPr>
-          <p:cNvPr id="46" name="Oval 45"/>
-          <p:cNvSpPr/>
-          <p:nvPr/>
-        </p:nvSpPr>
-        <p:spPr>
-          <a:xfrm>
-            <a:off x="5029200" y="1752600"/>
-            <a:ext cx="228600" cy="419100"/>
-          </a:xfrm>
-          <a:prstGeom prst="ellipse">
-            <a:avLst/>
-          </a:prstGeom>
-          <a:solidFill>
-            <a:srgbClr val="C00000"/>
-          </a:solidFill>
-        </p:spPr>
-        <p:style>
-          <a:lnRef idx="2">
-            <a:schemeClr val="accent1">
-              <a:shade val="50000"/>
-            </a:schemeClr>
-          </a:lnRef>
-          <a:fillRef idx="1">
-            <a:schemeClr val="accent1"/>
-          </a:fillRef>
-          <a:effectRef idx="0">
-            <a:schemeClr val="accent1"/>
-          </a:effectRef>
-          <a:fontRef idx="minor">
-            <a:schemeClr val="lt1"/>
-          </a:fontRef>
-        </p:style>
-        <p:txBody>
-          <a:bodyPr rtlCol="0" anchor="ctr"/>
-          <a:lstStyle/>
-          <a:p>
-            <a:pPr algn="ctr"/>
-            <a:endParaRPr lang="en-US"/>
-          </a:p>
-        </p:txBody>
-      </p:sp>
-      <p:sp>
-        <p:nvSpPr>
-          <p:cNvPr id="47" name="Oval 46"/>
-          <p:cNvSpPr/>
-          <p:nvPr/>
-        </p:nvSpPr>
-        <p:spPr>
-          <a:xfrm>
-            <a:off x="1752600" y="3810000"/>
-            <a:ext cx="438150" cy="342900"/>
-          </a:xfrm>
-          <a:prstGeom prst="ellipse">
-            <a:avLst/>
-          </a:prstGeom>
-          <a:solidFill>
-            <a:srgbClr val="C00000"/>
-          </a:solidFill>
-        </p:spPr>
-        <p:style>
-          <a:lnRef idx="2">
-            <a:schemeClr val="accent1">
-              <a:shade val="50000"/>
-            </a:schemeClr>
-          </a:lnRef>
-          <a:fillRef idx="1">
-            <a:schemeClr val="accent1"/>
-          </a:fillRef>
-          <a:effectRef idx="0">
-            <a:schemeClr val="accent1"/>
-          </a:effectRef>
-          <a:fontRef idx="minor">
-            <a:schemeClr val="lt1"/>
-          </a:fontRef>
-        </p:style>
-        <p:txBody>
-          <a:bodyPr rtlCol="0" anchor="ctr"/>
-          <a:lstStyle/>
-          <a:p>
-            <a:pPr algn="ctr"/>
-            <a:endParaRPr lang="en-US"/>
-          </a:p>
-        </p:txBody>
-      </p:sp>
-      <p:sp>
-        <p:nvSpPr>
-          <p:cNvPr id="48" name="TextBox 47"/>
-          <p:cNvSpPr txBox="1"/>
-          <p:nvPr/>
-        </p:nvSpPr>
-        <p:spPr>
-          <a:xfrm>
-            <a:off x="7772400" y="2751483"/>
-            <a:ext cx="1223412" cy="707886"/>
-          </a:xfrm>
-          <a:prstGeom prst="rect">
-            <a:avLst/>
-          </a:prstGeom>
-          <a:noFill/>
-        </p:spPr>
-        <p:txBody>
-          <a:bodyPr wrap="none" rtlCol="0">
-            <a:spAutoFit/>
-          </a:bodyPr>
-          <a:lstStyle/>
-          <a:p>
-            <a:r>
-              <a:rPr lang="en-US" sz="4000" dirty="0" smtClean="0">
-                <a:solidFill>
-                  <a:srgbClr val="C00000"/>
-                </a:solidFill>
-              </a:rPr>
-              <a:t>2013</a:t>
-            </a:r>
-            <a:endParaRPr lang="en-US" sz="4000" dirty="0">
-              <a:solidFill>
-                <a:srgbClr val="C00000"/>
-              </a:solidFill>
-            </a:endParaRPr>
-          </a:p>
-        </p:txBody>
-      </p:sp>
-      <p:sp>
-        <p:nvSpPr>
-          <p:cNvPr id="49" name="Oval 48"/>
-          <p:cNvSpPr/>
-          <p:nvPr/>
-        </p:nvSpPr>
-        <p:spPr>
-          <a:xfrm>
-            <a:off x="4419600" y="3962400"/>
-            <a:ext cx="304800" cy="381000"/>
-          </a:xfrm>
-          <a:prstGeom prst="ellipse">
-            <a:avLst/>
-          </a:prstGeom>
-          <a:solidFill>
-            <a:schemeClr val="accent2">
-              <a:lumMod val="60000"/>
-              <a:lumOff val="40000"/>
-            </a:schemeClr>
-          </a:solidFill>
-        </p:spPr>
-        <p:style>
-          <a:lnRef idx="2">
-            <a:schemeClr val="accent1">
-              <a:shade val="50000"/>
-            </a:schemeClr>
-          </a:lnRef>
-          <a:fillRef idx="1">
-            <a:schemeClr val="accent1"/>
-          </a:fillRef>
-          <a:effectRef idx="0">
-            <a:schemeClr val="accent1"/>
-          </a:effectRef>
-          <a:fontRef idx="minor">
-            <a:schemeClr val="lt1"/>
-          </a:fontRef>
-        </p:style>
-        <p:txBody>
-          <a:bodyPr rtlCol="0" anchor="ctr"/>
-          <a:lstStyle/>
-          <a:p>
-            <a:pPr algn="ctr"/>
-            <a:endParaRPr lang="en-US"/>
-          </a:p>
-        </p:txBody>
-      </p:sp>
-      <p:sp>
-        <p:nvSpPr>
-          <p:cNvPr id="50" name="Oval 49"/>
-          <p:cNvSpPr/>
-          <p:nvPr/>
-        </p:nvSpPr>
-        <p:spPr>
-          <a:xfrm>
-            <a:off x="4038600" y="1828800"/>
-            <a:ext cx="685800" cy="685800"/>
-          </a:xfrm>
-          <a:prstGeom prst="ellipse">
-            <a:avLst/>
-          </a:prstGeom>
-          <a:solidFill>
-            <a:schemeClr val="accent2">
-              <a:lumMod val="60000"/>
-              <a:lumOff val="40000"/>
-            </a:schemeClr>
-          </a:solidFill>
-        </p:spPr>
-        <p:style>
-          <a:lnRef idx="2">
-            <a:schemeClr val="accent1">
-              <a:shade val="50000"/>
-            </a:schemeClr>
-          </a:lnRef>
-          <a:fillRef idx="1">
-            <a:schemeClr val="accent1"/>
-          </a:fillRef>
-          <a:effectRef idx="0">
-            <a:schemeClr val="accent1"/>
-          </a:effectRef>
-          <a:fontRef idx="minor">
-            <a:schemeClr val="lt1"/>
-          </a:fontRef>
-        </p:style>
-        <p:txBody>
-          <a:bodyPr rtlCol="0" anchor="ctr"/>
-          <a:lstStyle/>
-          <a:p>
-            <a:pPr algn="ctr"/>
-            <a:endParaRPr lang="en-US"/>
-          </a:p>
-        </p:txBody>
-      </p:sp>
-      <p:sp>
-        <p:nvSpPr>
-          <p:cNvPr id="51" name="Oval 50"/>
-          <p:cNvSpPr/>
-          <p:nvPr/>
-        </p:nvSpPr>
-        <p:spPr>
-          <a:xfrm>
-            <a:off x="4381500" y="4724400"/>
-            <a:ext cx="190500" cy="533400"/>
-          </a:xfrm>
-          <a:prstGeom prst="ellipse">
-            <a:avLst/>
-          </a:prstGeom>
-          <a:solidFill>
-            <a:schemeClr val="accent2">
-              <a:lumMod val="60000"/>
-              <a:lumOff val="40000"/>
-            </a:schemeClr>
-          </a:solidFill>
-        </p:spPr>
-        <p:style>
-          <a:lnRef idx="2">
-            <a:schemeClr val="accent1">
-              <a:shade val="50000"/>
-            </a:schemeClr>
-          </a:lnRef>
-          <a:fillRef idx="1">
-            <a:schemeClr val="accent1"/>
-          </a:fillRef>
-          <a:effectRef idx="0">
-            <a:schemeClr val="accent1"/>
-          </a:effectRef>
-          <a:fontRef idx="minor">
-            <a:schemeClr val="lt1"/>
-          </a:fontRef>
-        </p:style>
-        <p:txBody>
-          <a:bodyPr rtlCol="0" anchor="ctr"/>
-          <a:lstStyle/>
-          <a:p>
-            <a:pPr algn="ctr"/>
-            <a:endParaRPr lang="en-US"/>
-          </a:p>
-        </p:txBody>
-      </p:sp>
-      <p:sp>
-        <p:nvSpPr>
-          <p:cNvPr id="52" name="Oval 51"/>
-          <p:cNvSpPr/>
-          <p:nvPr/>
-        </p:nvSpPr>
-        <p:spPr>
-          <a:xfrm>
-            <a:off x="2895600" y="2171700"/>
-            <a:ext cx="533400" cy="342900"/>
-          </a:xfrm>
-          <a:prstGeom prst="ellipse">
-            <a:avLst/>
-          </a:prstGeom>
-          <a:solidFill>
-            <a:schemeClr val="accent2">
-              <a:lumMod val="60000"/>
-              <a:lumOff val="40000"/>
-            </a:schemeClr>
-          </a:solidFill>
-        </p:spPr>
-        <p:style>
-          <a:lnRef idx="2">
-            <a:schemeClr val="accent1">
-              <a:shade val="50000"/>
-            </a:schemeClr>
-          </a:lnRef>
-          <a:fillRef idx="1">
-            <a:schemeClr val="accent1"/>
-          </a:fillRef>
-          <a:effectRef idx="0">
-            <a:schemeClr val="accent1"/>
-          </a:effectRef>
-          <a:fontRef idx="minor">
-            <a:schemeClr val="lt1"/>
-          </a:fontRef>
-        </p:style>
-        <p:txBody>
-          <a:bodyPr rtlCol="0" anchor="ctr"/>
-          <a:lstStyle/>
-          <a:p>
-            <a:pPr algn="ctr"/>
-            <a:endParaRPr lang="en-US"/>
-          </a:p>
-        </p:txBody>
-      </p:sp>
-      <p:sp>
-        <p:nvSpPr>
-          <p:cNvPr id="53" name="Oval 52"/>
-          <p:cNvSpPr/>
-          <p:nvPr/>
-        </p:nvSpPr>
-        <p:spPr>
-          <a:xfrm>
-            <a:off x="2286000" y="4152900"/>
-            <a:ext cx="304800" cy="182879"/>
-          </a:xfrm>
-          <a:prstGeom prst="ellipse">
-            <a:avLst/>
-          </a:prstGeom>
-          <a:solidFill>
-            <a:schemeClr val="accent2">
-              <a:lumMod val="60000"/>
-              <a:lumOff val="40000"/>
-            </a:schemeClr>
-          </a:solidFill>
-        </p:spPr>
-        <p:style>
-          <a:lnRef idx="2">
-            <a:schemeClr val="accent1">
-              <a:shade val="50000"/>
-            </a:schemeClr>
-          </a:lnRef>
-          <a:fillRef idx="1">
-            <a:schemeClr val="accent1"/>
-          </a:fillRef>
-          <a:effectRef idx="0">
-            <a:schemeClr val="accent1"/>
-          </a:effectRef>
-          <a:fontRef idx="minor">
-            <a:schemeClr val="lt1"/>
-          </a:fontRef>
-        </p:style>
-        <p:txBody>
-          <a:bodyPr rtlCol="0" anchor="ctr"/>
-          <a:lstStyle/>
-          <a:p>
-            <a:pPr algn="ctr"/>
-            <a:endParaRPr lang="en-US"/>
-          </a:p>
-        </p:txBody>
-      </p:sp>
-      <p:sp>
-        <p:nvSpPr>
-          <p:cNvPr id="54" name="Oval 53"/>
-          <p:cNvSpPr/>
-          <p:nvPr/>
-        </p:nvSpPr>
-        <p:spPr>
-          <a:xfrm>
-            <a:off x="6724650" y="5791200"/>
-            <a:ext cx="209550" cy="152400"/>
-          </a:xfrm>
-          <a:prstGeom prst="ellipse">
-            <a:avLst/>
-          </a:prstGeom>
-          <a:solidFill>
-            <a:schemeClr val="accent2">
-              <a:lumMod val="60000"/>
-              <a:lumOff val="40000"/>
-            </a:schemeClr>
-          </a:solidFill>
-        </p:spPr>
-        <p:style>
-          <a:lnRef idx="2">
-            <a:schemeClr val="accent1">
-              <a:shade val="50000"/>
-            </a:schemeClr>
-          </a:lnRef>
-          <a:fillRef idx="1">
-            <a:schemeClr val="accent1"/>
-          </a:fillRef>
-          <a:effectRef idx="0">
-            <a:schemeClr val="accent1"/>
-          </a:effectRef>
-          <a:fontRef idx="minor">
-            <a:schemeClr val="lt1"/>
-          </a:fontRef>
-        </p:style>
-        <p:txBody>
-          <a:bodyPr rtlCol="0" anchor="ctr"/>
-          <a:lstStyle/>
-          <a:p>
-            <a:pPr algn="ctr"/>
-            <a:endParaRPr lang="en-US"/>
-          </a:p>
-        </p:txBody>
-      </p:sp>
-      <p:sp>
-        <p:nvSpPr>
-          <p:cNvPr id="55" name="Oval 54"/>
-          <p:cNvSpPr/>
-          <p:nvPr/>
-        </p:nvSpPr>
-        <p:spPr>
-          <a:xfrm>
-            <a:off x="5638800" y="3962400"/>
-            <a:ext cx="304800" cy="190500"/>
-          </a:xfrm>
-          <a:prstGeom prst="ellipse">
-            <a:avLst/>
-          </a:prstGeom>
-          <a:solidFill>
-            <a:schemeClr val="accent2">
-              <a:lumMod val="60000"/>
-              <a:lumOff val="40000"/>
-            </a:schemeClr>
-          </a:solidFill>
-        </p:spPr>
-        <p:style>
-          <a:lnRef idx="2">
-            <a:schemeClr val="accent1">
-              <a:shade val="50000"/>
-            </a:schemeClr>
-          </a:lnRef>
-          <a:fillRef idx="1">
-            <a:schemeClr val="accent1"/>
-          </a:fillRef>
-          <a:effectRef idx="0">
-            <a:schemeClr val="accent1"/>
-          </a:effectRef>
-          <a:fontRef idx="minor">
-            <a:schemeClr val="lt1"/>
-          </a:fontRef>
-        </p:style>
-        <p:txBody>
-          <a:bodyPr rtlCol="0" anchor="ctr"/>
-          <a:lstStyle/>
-          <a:p>
-            <a:pPr algn="ctr"/>
-            <a:endParaRPr lang="en-US"/>
-          </a:p>
-        </p:txBody>
-      </p:sp>
-      <p:sp>
-        <p:nvSpPr>
-          <p:cNvPr id="56" name="TextBox 55"/>
-          <p:cNvSpPr txBox="1"/>
-          <p:nvPr/>
-        </p:nvSpPr>
-        <p:spPr>
-          <a:xfrm>
-            <a:off x="7772400" y="3377097"/>
-            <a:ext cx="1223412" cy="707886"/>
-          </a:xfrm>
-          <a:prstGeom prst="rect">
-            <a:avLst/>
-          </a:prstGeom>
-          <a:noFill/>
-        </p:spPr>
-        <p:txBody>
-          <a:bodyPr wrap="none" rtlCol="0">
-            <a:spAutoFit/>
-          </a:bodyPr>
-          <a:lstStyle/>
-          <a:p>
-            <a:r>
-              <a:rPr lang="en-US" sz="4000" dirty="0" smtClean="0">
-                <a:solidFill>
-                  <a:schemeClr val="accent2">
-                    <a:lumMod val="60000"/>
-                    <a:lumOff val="40000"/>
-                  </a:schemeClr>
-                </a:solidFill>
-              </a:rPr>
-              <a:t>2018</a:t>
-            </a:r>
-            <a:endParaRPr lang="en-US" sz="4000" dirty="0">
-              <a:solidFill>
-                <a:schemeClr val="accent2">
-                  <a:lumMod val="60000"/>
-                  <a:lumOff val="40000"/>
-                </a:schemeClr>
-              </a:solidFill>
-            </a:endParaRPr>
-          </a:p>
-        </p:txBody>
-      </p:sp>
-      <p:sp>
-        <p:nvSpPr>
-          <p:cNvPr id="2" name="Footer Placeholder 1"/>
-          <p:cNvSpPr>
-            <a:spLocks noGrp="1"/>
-          </p:cNvSpPr>
-          <p:nvPr>
-            <p:ph type="ftr" sz="quarter" idx="10"/>
-          </p:nvPr>
-        </p:nvSpPr>
-        <p:spPr/>
-        <p:txBody>
-          <a:bodyPr/>
-          <a:lstStyle/>
-          <a:p>
-            <a:pPr>
-              <a:defRPr/>
-            </a:pPr>
-            <a:r>
-              <a:rPr lang="en-US" smtClean="0"/>
-              <a:t>Adaptive Management</a:t>
-            </a:r>
-            <a:endParaRPr lang="en-US"/>
-          </a:p>
-        </p:txBody>
-      </p:sp>
-      <p:sp>
-        <p:nvSpPr>
-          <p:cNvPr id="3" name="Slide Number Placeholder 2"/>
-          <p:cNvSpPr>
-            <a:spLocks noGrp="1"/>
-          </p:cNvSpPr>
-          <p:nvPr>
-            <p:ph type="sldNum" sz="quarter" idx="11"/>
-          </p:nvPr>
-        </p:nvSpPr>
-        <p:spPr/>
-        <p:txBody>
-          <a:bodyPr/>
-          <a:lstStyle/>
-          <a:p>
-            <a:pPr>
-              <a:defRPr/>
-            </a:pPr>
-            <a:fld id="{C6A2F5B4-2197-4B8F-A126-FB2FF53A65C9}" type="slidenum">
-              <a:rPr lang="en-US" smtClean="0"/>
-              <a:pPr>
-                <a:defRPr/>
-              </a:pPr>
-              <a:t>9</a:t>
-            </a:fld>
-            <a:endParaRPr lang="en-US"/>
-          </a:p>
-        </p:txBody>
-      </p:sp>
-    </p:spTree>
-    <p:extLst>
-      <p:ext uri="{BB962C8B-B14F-4D97-AF65-F5344CB8AC3E}">
-        <p14:creationId xmlns:p14="http://schemas.microsoft.com/office/powerpoint/2010/main" val="2784835709"/>
-      </p:ext>
-    </p:extLst>
-  </p:cSld>
-  <p:clrMapOvr>
-    <a:masterClrMapping/>
-  </p:clrMapOvr>
-  <p:timing>
-    <p:tnLst>
-      <p:par>
-        <p:cTn id="1" dur="indefinite" restart="never" nodeType="tmRoot">
-          <p:childTnLst>
-            <p:seq concurrent="1" nextAc="seek">
-              <p:cTn id="2" dur="indefinite" nodeType="mainSeq">
-                <p:childTnLst>
-                  <p:par>
-                    <p:cTn id="3" fill="hold">
-                      <p:stCondLst>
-                        <p:cond delay="indefinite"/>
-                      </p:stCondLst>
-                      <p:childTnLst>
-                        <p:par>
-                          <p:cTn id="4" fill="hold">
-                            <p:stCondLst>
-                              <p:cond delay="0"/>
-                            </p:stCondLst>
-                            <p:childTnLst>
-                              <p:par>
-                                <p:cTn id="5" presetID="21" presetClass="entr" presetSubtype="1" fill="hold" grpId="0" nodeType="clickEffect">
-                                  <p:stCondLst>
-                                    <p:cond delay="0"/>
-                                  </p:stCondLst>
-                                  <p:childTnLst>
-                                    <p:set>
-                                      <p:cBhvr>
-                                        <p:cTn id="6" dur="1" fill="hold">
-                                          <p:stCondLst>
-                                            <p:cond delay="0"/>
-                                          </p:stCondLst>
-                                        </p:cTn>
-                                        <p:tgtEl>
-                                          <p:spTgt spid="41"/>
-                                        </p:tgtEl>
-                                        <p:attrNameLst>
-                                          <p:attrName>style.visibility</p:attrName>
-                                        </p:attrNameLst>
-                                      </p:cBhvr>
-                                      <p:to>
-                                        <p:strVal val="visible"/>
-                                      </p:to>
-                                    </p:set>
-                                    <p:animEffect transition="in" filter="wheel(1)">
-                                      <p:cBhvr>
-                                        <p:cTn id="7" dur="2000"/>
-                                        <p:tgtEl>
-                                          <p:spTgt spid="41"/>
-                                        </p:tgtEl>
-                                      </p:cBhvr>
-                                    </p:animEffect>
-                                  </p:childTnLst>
-                                </p:cTn>
-                              </p:par>
-                              <p:par>
-                                <p:cTn id="8" presetID="21" presetClass="entr" presetSubtype="1" fill="hold" grpId="0" nodeType="withEffect">
-                                  <p:stCondLst>
-                                    <p:cond delay="0"/>
-                                  </p:stCondLst>
-                                  <p:childTnLst>
-                                    <p:set>
-                                      <p:cBhvr>
-                                        <p:cTn id="9" dur="1" fill="hold">
-                                          <p:stCondLst>
-                                            <p:cond delay="0"/>
-                                          </p:stCondLst>
-                                        </p:cTn>
-                                        <p:tgtEl>
-                                          <p:spTgt spid="42"/>
-                                        </p:tgtEl>
-                                        <p:attrNameLst>
-                                          <p:attrName>style.visibility</p:attrName>
-                                        </p:attrNameLst>
-                                      </p:cBhvr>
-                                      <p:to>
-                                        <p:strVal val="visible"/>
-                                      </p:to>
-                                    </p:set>
-                                    <p:animEffect transition="in" filter="wheel(1)">
-                                      <p:cBhvr>
-                                        <p:cTn id="10" dur="2000"/>
-                                        <p:tgtEl>
-                                          <p:spTgt spid="42"/>
-                                        </p:tgtEl>
-                                      </p:cBhvr>
-                                    </p:animEffect>
-                                  </p:childTnLst>
-                                </p:cTn>
-                              </p:par>
-                              <p:par>
-                                <p:cTn id="11" presetID="21" presetClass="entr" presetSubtype="1" fill="hold" grpId="0" nodeType="withEffect">
-                                  <p:stCondLst>
-                                    <p:cond delay="0"/>
-                                  </p:stCondLst>
-                                  <p:childTnLst>
-                                    <p:set>
-                                      <p:cBhvr>
-                                        <p:cTn id="12" dur="1" fill="hold">
-                                          <p:stCondLst>
-                                            <p:cond delay="0"/>
-                                          </p:stCondLst>
-                                        </p:cTn>
-                                        <p:tgtEl>
-                                          <p:spTgt spid="43"/>
-                                        </p:tgtEl>
-                                        <p:attrNameLst>
-                                          <p:attrName>style.visibility</p:attrName>
-                                        </p:attrNameLst>
-                                      </p:cBhvr>
-                                      <p:to>
-                                        <p:strVal val="visible"/>
-                                      </p:to>
-                                    </p:set>
-                                    <p:animEffect transition="in" filter="wheel(1)">
-                                      <p:cBhvr>
-                                        <p:cTn id="13" dur="2000"/>
-                                        <p:tgtEl>
-                                          <p:spTgt spid="43"/>
-                                        </p:tgtEl>
-                                      </p:cBhvr>
-                                    </p:animEffect>
-                                  </p:childTnLst>
-                                </p:cTn>
-                              </p:par>
-                              <p:par>
-                                <p:cTn id="14" presetID="21" presetClass="entr" presetSubtype="1" fill="hold" grpId="0" nodeType="withEffect">
-                                  <p:stCondLst>
-                                    <p:cond delay="0"/>
-                                  </p:stCondLst>
-                                  <p:childTnLst>
-                                    <p:set>
-                                      <p:cBhvr>
-                                        <p:cTn id="15" dur="1" fill="hold">
-                                          <p:stCondLst>
-                                            <p:cond delay="0"/>
-                                          </p:stCondLst>
-                                        </p:cTn>
-                                        <p:tgtEl>
-                                          <p:spTgt spid="44"/>
-                                        </p:tgtEl>
-                                        <p:attrNameLst>
-                                          <p:attrName>style.visibility</p:attrName>
-                                        </p:attrNameLst>
-                                      </p:cBhvr>
-                                      <p:to>
-                                        <p:strVal val="visible"/>
-                                      </p:to>
-                                    </p:set>
-                                    <p:animEffect transition="in" filter="wheel(1)">
-                                      <p:cBhvr>
-                                        <p:cTn id="16" dur="2000"/>
-                                        <p:tgtEl>
-                                          <p:spTgt spid="44"/>
-                                        </p:tgtEl>
-                                      </p:cBhvr>
-                                    </p:animEffect>
-                                  </p:childTnLst>
-                                </p:cTn>
-                              </p:par>
-                              <p:par>
-                                <p:cTn id="17" presetID="21" presetClass="entr" presetSubtype="1" fill="hold" grpId="0" nodeType="withEffect">
-                                  <p:stCondLst>
-                                    <p:cond delay="0"/>
-                                  </p:stCondLst>
-                                  <p:childTnLst>
-                                    <p:set>
-                                      <p:cBhvr>
-                                        <p:cTn id="18" dur="1" fill="hold">
-                                          <p:stCondLst>
-                                            <p:cond delay="0"/>
-                                          </p:stCondLst>
-                                        </p:cTn>
-                                        <p:tgtEl>
-                                          <p:spTgt spid="45"/>
-                                        </p:tgtEl>
-                                        <p:attrNameLst>
-                                          <p:attrName>style.visibility</p:attrName>
-                                        </p:attrNameLst>
-                                      </p:cBhvr>
-                                      <p:to>
-                                        <p:strVal val="visible"/>
-                                      </p:to>
-                                    </p:set>
-                                    <p:animEffect transition="in" filter="wheel(1)">
-                                      <p:cBhvr>
-                                        <p:cTn id="19" dur="2000"/>
-                                        <p:tgtEl>
-                                          <p:spTgt spid="45"/>
-                                        </p:tgtEl>
-                                      </p:cBhvr>
-                                    </p:animEffect>
-                                  </p:childTnLst>
-                                </p:cTn>
-                              </p:par>
-                              <p:par>
-                                <p:cTn id="20" presetID="21" presetClass="entr" presetSubtype="1" fill="hold" grpId="0" nodeType="withEffect">
-                                  <p:stCondLst>
-                                    <p:cond delay="0"/>
-                                  </p:stCondLst>
-                                  <p:childTnLst>
-                                    <p:set>
-                                      <p:cBhvr>
-                                        <p:cTn id="21" dur="1" fill="hold">
-                                          <p:stCondLst>
-                                            <p:cond delay="0"/>
-                                          </p:stCondLst>
-                                        </p:cTn>
-                                        <p:tgtEl>
-                                          <p:spTgt spid="46"/>
-                                        </p:tgtEl>
-                                        <p:attrNameLst>
-                                          <p:attrName>style.visibility</p:attrName>
-                                        </p:attrNameLst>
-                                      </p:cBhvr>
-                                      <p:to>
-                                        <p:strVal val="visible"/>
-                                      </p:to>
-                                    </p:set>
-                                    <p:animEffect transition="in" filter="wheel(1)">
-                                      <p:cBhvr>
-                                        <p:cTn id="22" dur="2000"/>
-                                        <p:tgtEl>
-                                          <p:spTgt spid="46"/>
-                                        </p:tgtEl>
-                                      </p:cBhvr>
-                                    </p:animEffect>
-                                  </p:childTnLst>
-                                </p:cTn>
-                              </p:par>
-                              <p:par>
-                                <p:cTn id="23" presetID="21" presetClass="entr" presetSubtype="1" fill="hold" grpId="0" nodeType="withEffect">
-                                  <p:stCondLst>
-                                    <p:cond delay="0"/>
-                                  </p:stCondLst>
-                                  <p:childTnLst>
-                                    <p:set>
-                                      <p:cBhvr>
-                                        <p:cTn id="24" dur="1" fill="hold">
-                                          <p:stCondLst>
-                                            <p:cond delay="0"/>
-                                          </p:stCondLst>
-                                        </p:cTn>
-                                        <p:tgtEl>
-                                          <p:spTgt spid="47"/>
-                                        </p:tgtEl>
-                                        <p:attrNameLst>
-                                          <p:attrName>style.visibility</p:attrName>
-                                        </p:attrNameLst>
-                                      </p:cBhvr>
-                                      <p:to>
-                                        <p:strVal val="visible"/>
-                                      </p:to>
-                                    </p:set>
-                                    <p:animEffect transition="in" filter="wheel(1)">
-                                      <p:cBhvr>
-                                        <p:cTn id="25" dur="2000"/>
-                                        <p:tgtEl>
-                                          <p:spTgt spid="47"/>
-                                        </p:tgtEl>
-                                      </p:cBhvr>
-                                    </p:animEffect>
-                                  </p:childTnLst>
-                                </p:cTn>
-                              </p:par>
-                              <p:par>
-                                <p:cTn id="26" presetID="1" presetClass="entr" presetSubtype="0" fill="hold" grpId="0" nodeType="withEffect">
-                                  <p:stCondLst>
-                                    <p:cond delay="0"/>
-                                  </p:stCondLst>
-                                  <p:childTnLst>
-                                    <p:set>
-                                      <p:cBhvr>
-                                        <p:cTn id="27" dur="1" fill="hold">
-                                          <p:stCondLst>
-                                            <p:cond delay="0"/>
-                                          </p:stCondLst>
-                                        </p:cTn>
-                                        <p:tgtEl>
-                                          <p:spTgt spid="48"/>
-                                        </p:tgtEl>
-                                        <p:attrNameLst>
-                                          <p:attrName>style.visibility</p:attrName>
-                                        </p:attrNameLst>
-                                      </p:cBhvr>
-                                      <p:to>
-                                        <p:strVal val="visible"/>
-                                      </p:to>
-                                    </p:set>
-                                  </p:childTnLst>
-                                </p:cTn>
-                              </p:par>
-                            </p:childTnLst>
-                          </p:cTn>
-                        </p:par>
-                      </p:childTnLst>
-                    </p:cTn>
-                  </p:par>
-                  <p:par>
-                    <p:cTn id="28" fill="hold">
-                      <p:stCondLst>
-                        <p:cond delay="indefinite"/>
-                      </p:stCondLst>
-                      <p:childTnLst>
-                        <p:par>
-                          <p:cTn id="29" fill="hold">
-                            <p:stCondLst>
-                              <p:cond delay="0"/>
-                            </p:stCondLst>
-                            <p:childTnLst>
-                              <p:par>
-                                <p:cTn id="30" presetID="21" presetClass="entr" presetSubtype="2" fill="hold" grpId="0" nodeType="clickEffect">
-                                  <p:stCondLst>
-                                    <p:cond delay="0"/>
-                                  </p:stCondLst>
-                                  <p:childTnLst>
-                                    <p:set>
-                                      <p:cBhvr>
-                                        <p:cTn id="31" dur="1" fill="hold">
-                                          <p:stCondLst>
-                                            <p:cond delay="0"/>
-                                          </p:stCondLst>
-                                        </p:cTn>
-                                        <p:tgtEl>
-                                          <p:spTgt spid="49"/>
-                                        </p:tgtEl>
-                                        <p:attrNameLst>
-                                          <p:attrName>style.visibility</p:attrName>
-                                        </p:attrNameLst>
-                                      </p:cBhvr>
-                                      <p:to>
-                                        <p:strVal val="visible"/>
-                                      </p:to>
-                                    </p:set>
-                                    <p:animEffect transition="in" filter="wheel(2)">
-                                      <p:cBhvr>
-                                        <p:cTn id="32" dur="2000"/>
-                                        <p:tgtEl>
-                                          <p:spTgt spid="49"/>
-                                        </p:tgtEl>
-                                      </p:cBhvr>
-                                    </p:animEffect>
-                                  </p:childTnLst>
-                                </p:cTn>
-                              </p:par>
-                              <p:par>
-                                <p:cTn id="33" presetID="21" presetClass="entr" presetSubtype="2" fill="hold" grpId="0" nodeType="withEffect">
-                                  <p:stCondLst>
-                                    <p:cond delay="0"/>
-                                  </p:stCondLst>
-                                  <p:childTnLst>
-                                    <p:set>
-                                      <p:cBhvr>
-                                        <p:cTn id="34" dur="1" fill="hold">
-                                          <p:stCondLst>
-                                            <p:cond delay="0"/>
-                                          </p:stCondLst>
-                                        </p:cTn>
-                                        <p:tgtEl>
-                                          <p:spTgt spid="50"/>
-                                        </p:tgtEl>
-                                        <p:attrNameLst>
-                                          <p:attrName>style.visibility</p:attrName>
-                                        </p:attrNameLst>
-                                      </p:cBhvr>
-                                      <p:to>
-                                        <p:strVal val="visible"/>
-                                      </p:to>
-                                    </p:set>
-                                    <p:animEffect transition="in" filter="wheel(2)">
-                                      <p:cBhvr>
-                                        <p:cTn id="35" dur="2000"/>
-                                        <p:tgtEl>
-                                          <p:spTgt spid="50"/>
-                                        </p:tgtEl>
-                                      </p:cBhvr>
-                                    </p:animEffect>
-                                  </p:childTnLst>
-                                </p:cTn>
-                              </p:par>
-                              <p:par>
-                                <p:cTn id="36" presetID="21" presetClass="entr" presetSubtype="2" fill="hold" grpId="0" nodeType="withEffect">
-                                  <p:stCondLst>
-                                    <p:cond delay="0"/>
-                                  </p:stCondLst>
-                                  <p:childTnLst>
-                                    <p:set>
-                                      <p:cBhvr>
-                                        <p:cTn id="37" dur="1" fill="hold">
-                                          <p:stCondLst>
-                                            <p:cond delay="0"/>
-                                          </p:stCondLst>
-                                        </p:cTn>
-                                        <p:tgtEl>
-                                          <p:spTgt spid="51"/>
-                                        </p:tgtEl>
-                                        <p:attrNameLst>
-                                          <p:attrName>style.visibility</p:attrName>
-                                        </p:attrNameLst>
-                                      </p:cBhvr>
-                                      <p:to>
-                                        <p:strVal val="visible"/>
-                                      </p:to>
-                                    </p:set>
-                                    <p:animEffect transition="in" filter="wheel(2)">
-                                      <p:cBhvr>
-                                        <p:cTn id="38" dur="2000"/>
-                                        <p:tgtEl>
-                                          <p:spTgt spid="51"/>
-                                        </p:tgtEl>
-                                      </p:cBhvr>
-                                    </p:animEffect>
-                                  </p:childTnLst>
-                                </p:cTn>
-                              </p:par>
-                              <p:par>
-                                <p:cTn id="39" presetID="21" presetClass="entr" presetSubtype="2" fill="hold" grpId="0" nodeType="withEffect">
-                                  <p:stCondLst>
-                                    <p:cond delay="0"/>
-                                  </p:stCondLst>
-                                  <p:childTnLst>
-                                    <p:set>
-                                      <p:cBhvr>
-                                        <p:cTn id="40" dur="1" fill="hold">
-                                          <p:stCondLst>
-                                            <p:cond delay="0"/>
-                                          </p:stCondLst>
-                                        </p:cTn>
-                                        <p:tgtEl>
-                                          <p:spTgt spid="52"/>
-                                        </p:tgtEl>
-                                        <p:attrNameLst>
-                                          <p:attrName>style.visibility</p:attrName>
-                                        </p:attrNameLst>
-                                      </p:cBhvr>
-                                      <p:to>
-                                        <p:strVal val="visible"/>
-                                      </p:to>
-                                    </p:set>
-                                    <p:animEffect transition="in" filter="wheel(2)">
-                                      <p:cBhvr>
-                                        <p:cTn id="41" dur="2000"/>
-                                        <p:tgtEl>
-                                          <p:spTgt spid="52"/>
-                                        </p:tgtEl>
-                                      </p:cBhvr>
-                                    </p:animEffect>
-                                  </p:childTnLst>
-                                </p:cTn>
-                              </p:par>
-                              <p:par>
-                                <p:cTn id="42" presetID="21" presetClass="entr" presetSubtype="2" fill="hold" grpId="0" nodeType="withEffect">
-                                  <p:stCondLst>
-                                    <p:cond delay="0"/>
-                                  </p:stCondLst>
-                                  <p:childTnLst>
-                                    <p:set>
-                                      <p:cBhvr>
-                                        <p:cTn id="43" dur="1" fill="hold">
-                                          <p:stCondLst>
-                                            <p:cond delay="0"/>
-                                          </p:stCondLst>
-                                        </p:cTn>
-                                        <p:tgtEl>
-                                          <p:spTgt spid="53"/>
-                                        </p:tgtEl>
-                                        <p:attrNameLst>
-                                          <p:attrName>style.visibility</p:attrName>
-                                        </p:attrNameLst>
-                                      </p:cBhvr>
-                                      <p:to>
-                                        <p:strVal val="visible"/>
-                                      </p:to>
-                                    </p:set>
-                                    <p:animEffect transition="in" filter="wheel(2)">
-                                      <p:cBhvr>
-                                        <p:cTn id="44" dur="2000"/>
-                                        <p:tgtEl>
-                                          <p:spTgt spid="53"/>
-                                        </p:tgtEl>
-                                      </p:cBhvr>
-                                    </p:animEffect>
-                                  </p:childTnLst>
-                                </p:cTn>
-                              </p:par>
-                              <p:par>
-                                <p:cTn id="45" presetID="21" presetClass="entr" presetSubtype="2" fill="hold" grpId="0" nodeType="withEffect">
-                                  <p:stCondLst>
-                                    <p:cond delay="0"/>
-                                  </p:stCondLst>
-                                  <p:childTnLst>
-                                    <p:set>
-                                      <p:cBhvr>
-                                        <p:cTn id="46" dur="1" fill="hold">
-                                          <p:stCondLst>
-                                            <p:cond delay="0"/>
-                                          </p:stCondLst>
-                                        </p:cTn>
-                                        <p:tgtEl>
-                                          <p:spTgt spid="54"/>
-                                        </p:tgtEl>
-                                        <p:attrNameLst>
-                                          <p:attrName>style.visibility</p:attrName>
-                                        </p:attrNameLst>
-                                      </p:cBhvr>
-                                      <p:to>
-                                        <p:strVal val="visible"/>
-                                      </p:to>
-                                    </p:set>
-                                    <p:animEffect transition="in" filter="wheel(2)">
-                                      <p:cBhvr>
-                                        <p:cTn id="47" dur="2000"/>
-                                        <p:tgtEl>
-                                          <p:spTgt spid="54"/>
-                                        </p:tgtEl>
-                                      </p:cBhvr>
-                                    </p:animEffect>
-                                  </p:childTnLst>
-                                </p:cTn>
-                              </p:par>
-                              <p:par>
-                                <p:cTn id="48" presetID="21" presetClass="entr" presetSubtype="2" fill="hold" grpId="0" nodeType="withEffect">
-                                  <p:stCondLst>
-                                    <p:cond delay="0"/>
-                                  </p:stCondLst>
-                                  <p:childTnLst>
-                                    <p:set>
-                                      <p:cBhvr>
-                                        <p:cTn id="49" dur="1" fill="hold">
-                                          <p:stCondLst>
-                                            <p:cond delay="0"/>
-                                          </p:stCondLst>
-                                        </p:cTn>
-                                        <p:tgtEl>
-                                          <p:spTgt spid="55"/>
-                                        </p:tgtEl>
-                                        <p:attrNameLst>
-                                          <p:attrName>style.visibility</p:attrName>
-                                        </p:attrNameLst>
-                                      </p:cBhvr>
-                                      <p:to>
-                                        <p:strVal val="visible"/>
-                                      </p:to>
-                                    </p:set>
-                                    <p:animEffect transition="in" filter="wheel(2)">
-                                      <p:cBhvr>
-                                        <p:cTn id="50" dur="2000"/>
-                                        <p:tgtEl>
-                                          <p:spTgt spid="55"/>
-                                        </p:tgtEl>
-                                      </p:cBhvr>
-                                    </p:animEffect>
-                                  </p:childTnLst>
-                                </p:cTn>
-                              </p:par>
-                              <p:par>
-                                <p:cTn id="51" presetID="1" presetClass="entr" presetSubtype="0" fill="hold" grpId="0" nodeType="withEffect">
-                                  <p:stCondLst>
-                                    <p:cond delay="0"/>
-                                  </p:stCondLst>
-                                  <p:childTnLst>
-                                    <p:set>
-                                      <p:cBhvr>
-                                        <p:cTn id="52" dur="1" fill="hold">
-                                          <p:stCondLst>
-                                            <p:cond delay="0"/>
-                                          </p:stCondLst>
-                                        </p:cTn>
-                                        <p:tgtEl>
-                                          <p:spTgt spid="56"/>
-                                        </p:tgtEl>
-                                        <p:attrNameLst>
-                                          <p:attrName>style.visibility</p:attrName>
-                                        </p:attrNameLst>
-                                      </p:cBhvr>
-                                      <p:to>
-                                        <p:strVal val="visible"/>
-                                      </p:to>
-                                    </p:set>
-                                  </p:childTnLst>
-                                </p:cTn>
-                              </p:par>
-                            </p:childTnLst>
-                          </p:cTn>
-                        </p:par>
-                      </p:childTnLst>
-                    </p:cTn>
-                  </p:par>
-                </p:childTnLst>
-              </p:cTn>
-              <p:prevCondLst>
-                <p:cond evt="onPrev" delay="0">
-                  <p:tgtEl>
-                    <p:sldTgt/>
-                  </p:tgtEl>
-                </p:cond>
-              </p:prevCondLst>
-              <p:nextCondLst>
-                <p:cond evt="onNext" delay="0">
-                  <p:tgtEl>
-                    <p:sldTgt/>
-                  </p:tgtEl>
-                </p:cond>
-              </p:nextCondLst>
-            </p:seq>
-          </p:childTnLst>
-        </p:cTn>
-      </p:par>
-    </p:tnLst>
-    <p:bldLst>
-      <p:bldP spid="41" grpId="0" animBg="1"/>
-      <p:bldP spid="42" grpId="0" animBg="1"/>
-      <p:bldP spid="43" grpId="0" animBg="1"/>
-      <p:bldP spid="44" grpId="0" animBg="1"/>
-      <p:bldP spid="45" grpId="0" animBg="1"/>
-      <p:bldP spid="46" grpId="0" animBg="1"/>
-      <p:bldP spid="47" grpId="0" animBg="1"/>
-      <p:bldP spid="48" grpId="0"/>
-      <p:bldP spid="49" grpId="0" animBg="1"/>
-      <p:bldP spid="50" grpId="0" animBg="1"/>
-      <p:bldP spid="51" grpId="0" animBg="1"/>
-      <p:bldP spid="52" grpId="0" animBg="1"/>
-      <p:bldP spid="53" grpId="0" animBg="1"/>
-      <p:bldP spid="54" grpId="0" animBg="1"/>
-      <p:bldP spid="55" grpId="0" animBg="1"/>
-      <p:bldP spid="56" grpId="0"/>
     </p:bldLst>
   </p:timing>
 </p:sld>

--- a/modules/MgmntAdaptive/PPT.pptx
+++ b/modules/MgmntAdaptive/PPT.pptx
@@ -5,20 +5,24 @@
     <p:sldMasterId id="2147483648" r:id="rId1"/>
   </p:sldMasterIdLst>
   <p:notesMasterIdLst>
-    <p:notesMasterId r:id="rId13"/>
+    <p:notesMasterId r:id="rId17"/>
   </p:notesMasterIdLst>
   <p:sldIdLst>
     <p:sldId id="256" r:id="rId2"/>
     <p:sldId id="293" r:id="rId3"/>
     <p:sldId id="265" r:id="rId4"/>
-    <p:sldId id="283" r:id="rId5"/>
-    <p:sldId id="295" r:id="rId6"/>
-    <p:sldId id="284" r:id="rId7"/>
-    <p:sldId id="287" r:id="rId8"/>
-    <p:sldId id="290" r:id="rId9"/>
-    <p:sldId id="289" r:id="rId10"/>
-    <p:sldId id="291" r:id="rId11"/>
-    <p:sldId id="296" r:id="rId12"/>
+    <p:sldId id="297" r:id="rId5"/>
+    <p:sldId id="283" r:id="rId6"/>
+    <p:sldId id="295" r:id="rId7"/>
+    <p:sldId id="298" r:id="rId8"/>
+    <p:sldId id="284" r:id="rId9"/>
+    <p:sldId id="287" r:id="rId10"/>
+    <p:sldId id="290" r:id="rId11"/>
+    <p:sldId id="289" r:id="rId12"/>
+    <p:sldId id="291" r:id="rId13"/>
+    <p:sldId id="299" r:id="rId14"/>
+    <p:sldId id="300" r:id="rId15"/>
+    <p:sldId id="296" r:id="rId16"/>
   </p:sldIdLst>
   <p:sldSz cx="9144000" cy="6858000" type="screen4x3"/>
   <p:notesSz cx="6858000" cy="9144000"/>
@@ -714,6 +718,416 @@
 </p:notes>
 </file>
 
+<file path=ppt/notesSlides/notesSlide10.xml><?xml version="1.0" encoding="utf-8"?>
+<p:notes xmlns:a="http://schemas.openxmlformats.org/drawingml/2006/main" xmlns:r="http://schemas.openxmlformats.org/officeDocument/2006/relationships" xmlns:p="http://schemas.openxmlformats.org/presentationml/2006/main">
+  <p:cSld>
+    <p:spTree>
+      <p:nvGrpSpPr>
+        <p:cNvPr id="1" name=""/>
+        <p:cNvGrpSpPr/>
+        <p:nvPr/>
+      </p:nvGrpSpPr>
+      <p:grpSpPr>
+        <a:xfrm>
+          <a:off x="0" y="0"/>
+          <a:ext cx="0" cy="0"/>
+          <a:chOff x="0" y="0"/>
+          <a:chExt cx="0" cy="0"/>
+        </a:xfrm>
+      </p:grpSpPr>
+      <p:sp>
+        <p:nvSpPr>
+          <p:cNvPr id="2" name="Slide Image Placeholder 1"/>
+          <p:cNvSpPr>
+            <a:spLocks noGrp="1" noRot="1" noChangeAspect="1"/>
+          </p:cNvSpPr>
+          <p:nvPr>
+            <p:ph type="sldImg"/>
+          </p:nvPr>
+        </p:nvSpPr>
+        <p:spPr/>
+      </p:sp>
+      <p:sp>
+        <p:nvSpPr>
+          <p:cNvPr id="3" name="Notes Placeholder 2"/>
+          <p:cNvSpPr>
+            <a:spLocks noGrp="1"/>
+          </p:cNvSpPr>
+          <p:nvPr>
+            <p:ph type="body" idx="1"/>
+          </p:nvPr>
+        </p:nvSpPr>
+        <p:spPr/>
+        <p:txBody>
+          <a:bodyPr/>
+          <a:lstStyle/>
+          <a:p>
+            <a:r>
+              <a:rPr lang="en-US" dirty="0" smtClean="0"/>
+              <a:t>Identify </a:t>
+            </a:r>
+            <a:r>
+              <a:rPr lang="en-US" baseline="0" dirty="0" smtClean="0"/>
+              <a:t>environmental/biological gradient in your lakes, implement regulation on SOME lakes in 2013 but leave others as a control, implement regulation on more lakes in 2018 to provide replication across time.  Monitor lakes with regard to objectives.  Document results for future use, make conclusions about actions taken.</a:t>
+            </a:r>
+            <a:endParaRPr lang="en-US" dirty="0"/>
+          </a:p>
+        </p:txBody>
+      </p:sp>
+      <p:sp>
+        <p:nvSpPr>
+          <p:cNvPr id="4" name="Slide Number Placeholder 3"/>
+          <p:cNvSpPr>
+            <a:spLocks noGrp="1"/>
+          </p:cNvSpPr>
+          <p:nvPr>
+            <p:ph type="sldNum" sz="quarter" idx="10"/>
+          </p:nvPr>
+        </p:nvSpPr>
+        <p:spPr/>
+        <p:txBody>
+          <a:bodyPr/>
+          <a:lstStyle/>
+          <a:p>
+            <a:fld id="{F925A5F2-6E39-4BCC-937B-630D87233522}" type="slidenum">
+              <a:rPr lang="en-US" smtClean="0"/>
+              <a:t>12</a:t>
+            </a:fld>
+            <a:endParaRPr lang="en-US"/>
+          </a:p>
+        </p:txBody>
+      </p:sp>
+    </p:spTree>
+    <p:extLst>
+      <p:ext uri="{BB962C8B-B14F-4D97-AF65-F5344CB8AC3E}">
+        <p14:creationId xmlns:p14="http://schemas.microsoft.com/office/powerpoint/2010/main" val="4120890165"/>
+      </p:ext>
+    </p:extLst>
+  </p:cSld>
+  <p:clrMapOvr>
+    <a:masterClrMapping/>
+  </p:clrMapOvr>
+</p:notes>
+</file>
+
+<file path=ppt/notesSlides/notesSlide11.xml><?xml version="1.0" encoding="utf-8"?>
+<p:notes xmlns:a="http://schemas.openxmlformats.org/drawingml/2006/main" xmlns:r="http://schemas.openxmlformats.org/officeDocument/2006/relationships" xmlns:p="http://schemas.openxmlformats.org/presentationml/2006/main">
+  <p:cSld>
+    <p:spTree>
+      <p:nvGrpSpPr>
+        <p:cNvPr id="1" name=""/>
+        <p:cNvGrpSpPr/>
+        <p:nvPr/>
+      </p:nvGrpSpPr>
+      <p:grpSpPr>
+        <a:xfrm>
+          <a:off x="0" y="0"/>
+          <a:ext cx="0" cy="0"/>
+          <a:chOff x="0" y="0"/>
+          <a:chExt cx="0" cy="0"/>
+        </a:xfrm>
+      </p:grpSpPr>
+      <p:sp>
+        <p:nvSpPr>
+          <p:cNvPr id="2" name="Slide Image Placeholder 1"/>
+          <p:cNvSpPr>
+            <a:spLocks noGrp="1" noRot="1" noChangeAspect="1"/>
+          </p:cNvSpPr>
+          <p:nvPr>
+            <p:ph type="sldImg"/>
+          </p:nvPr>
+        </p:nvSpPr>
+        <p:spPr/>
+      </p:sp>
+      <p:sp>
+        <p:nvSpPr>
+          <p:cNvPr id="3" name="Notes Placeholder 2"/>
+          <p:cNvSpPr>
+            <a:spLocks noGrp="1"/>
+          </p:cNvSpPr>
+          <p:nvPr>
+            <p:ph type="body" idx="1"/>
+          </p:nvPr>
+        </p:nvSpPr>
+        <p:spPr/>
+        <p:txBody>
+          <a:bodyPr/>
+          <a:lstStyle/>
+          <a:p>
+            <a:r>
+              <a:rPr lang="en-US" dirty="0" smtClean="0"/>
+              <a:t>Bycatch</a:t>
+            </a:r>
+            <a:r>
+              <a:rPr lang="en-US" baseline="0" dirty="0" smtClean="0"/>
+              <a:t> reduction devices intuitively will save Snappers, however models suggest that compensatory mortality may mitigate the young saved</a:t>
+            </a:r>
+          </a:p>
+          <a:p>
+            <a:endParaRPr lang="en-US" baseline="0" dirty="0" smtClean="0"/>
+          </a:p>
+          <a:p>
+            <a:r>
+              <a:rPr lang="en-US" baseline="0" dirty="0" smtClean="0"/>
+              <a:t>People must acknowledge the complexity and that intuitive answers may not be correct.</a:t>
+            </a:r>
+            <a:endParaRPr lang="en-US" dirty="0"/>
+          </a:p>
+        </p:txBody>
+      </p:sp>
+      <p:sp>
+        <p:nvSpPr>
+          <p:cNvPr id="4" name="Slide Number Placeholder 3"/>
+          <p:cNvSpPr>
+            <a:spLocks noGrp="1"/>
+          </p:cNvSpPr>
+          <p:nvPr>
+            <p:ph type="sldNum" sz="quarter" idx="10"/>
+          </p:nvPr>
+        </p:nvSpPr>
+        <p:spPr/>
+        <p:txBody>
+          <a:bodyPr/>
+          <a:lstStyle/>
+          <a:p>
+            <a:pPr>
+              <a:defRPr/>
+            </a:pPr>
+            <a:fld id="{F0EDB3E7-DD78-4A95-B5AA-6C1EE68AF305}" type="slidenum">
+              <a:rPr lang="en-US" smtClean="0"/>
+              <a:pPr>
+                <a:defRPr/>
+              </a:pPr>
+              <a:t>13</a:t>
+            </a:fld>
+            <a:endParaRPr lang="en-US"/>
+          </a:p>
+        </p:txBody>
+      </p:sp>
+    </p:spTree>
+    <p:extLst>
+      <p:ext uri="{BB962C8B-B14F-4D97-AF65-F5344CB8AC3E}">
+        <p14:creationId xmlns:p14="http://schemas.microsoft.com/office/powerpoint/2010/main" val="630353165"/>
+      </p:ext>
+    </p:extLst>
+  </p:cSld>
+  <p:clrMapOvr>
+    <a:masterClrMapping/>
+  </p:clrMapOvr>
+</p:notes>
+</file>
+
+<file path=ppt/notesSlides/notesSlide12.xml><?xml version="1.0" encoding="utf-8"?>
+<p:notes xmlns:a="http://schemas.openxmlformats.org/drawingml/2006/main" xmlns:r="http://schemas.openxmlformats.org/officeDocument/2006/relationships" xmlns:p="http://schemas.openxmlformats.org/presentationml/2006/main">
+  <p:cSld>
+    <p:spTree>
+      <p:nvGrpSpPr>
+        <p:cNvPr id="1" name=""/>
+        <p:cNvGrpSpPr/>
+        <p:nvPr/>
+      </p:nvGrpSpPr>
+      <p:grpSpPr>
+        <a:xfrm>
+          <a:off x="0" y="0"/>
+          <a:ext cx="0" cy="0"/>
+          <a:chOff x="0" y="0"/>
+          <a:chExt cx="0" cy="0"/>
+        </a:xfrm>
+      </p:grpSpPr>
+      <p:sp>
+        <p:nvSpPr>
+          <p:cNvPr id="2" name="Slide Image Placeholder 1"/>
+          <p:cNvSpPr>
+            <a:spLocks noGrp="1" noRot="1" noChangeAspect="1"/>
+          </p:cNvSpPr>
+          <p:nvPr>
+            <p:ph type="sldImg"/>
+          </p:nvPr>
+        </p:nvSpPr>
+        <p:spPr/>
+      </p:sp>
+      <p:sp>
+        <p:nvSpPr>
+          <p:cNvPr id="3" name="Notes Placeholder 2"/>
+          <p:cNvSpPr>
+            <a:spLocks noGrp="1"/>
+          </p:cNvSpPr>
+          <p:nvPr>
+            <p:ph type="body" idx="1"/>
+          </p:nvPr>
+        </p:nvSpPr>
+        <p:spPr/>
+        <p:txBody>
+          <a:bodyPr/>
+          <a:lstStyle/>
+          <a:p>
+            <a:r>
+              <a:rPr lang="en-US" dirty="0" smtClean="0"/>
+              <a:t>Controllability --- resources will react to management (i.e., management can control populations)</a:t>
+            </a:r>
+          </a:p>
+          <a:p>
+            <a:endParaRPr lang="en-US" dirty="0" smtClean="0"/>
+          </a:p>
+          <a:p>
+            <a:r>
+              <a:rPr lang="en-US" dirty="0" smtClean="0"/>
+              <a:t>If little control then AM will have little impact.  If there is little uncertainty, then little</a:t>
+            </a:r>
+            <a:r>
+              <a:rPr lang="en-US" baseline="0" dirty="0" smtClean="0"/>
+              <a:t> is gained by AM.</a:t>
+            </a:r>
+            <a:endParaRPr lang="en-US" dirty="0"/>
+          </a:p>
+        </p:txBody>
+      </p:sp>
+      <p:sp>
+        <p:nvSpPr>
+          <p:cNvPr id="4" name="Slide Number Placeholder 3"/>
+          <p:cNvSpPr>
+            <a:spLocks noGrp="1"/>
+          </p:cNvSpPr>
+          <p:nvPr>
+            <p:ph type="sldNum" sz="quarter" idx="10"/>
+          </p:nvPr>
+        </p:nvSpPr>
+        <p:spPr/>
+        <p:txBody>
+          <a:bodyPr/>
+          <a:lstStyle/>
+          <a:p>
+            <a:pPr>
+              <a:defRPr/>
+            </a:pPr>
+            <a:fld id="{F0EDB3E7-DD78-4A95-B5AA-6C1EE68AF305}" type="slidenum">
+              <a:rPr lang="en-US" smtClean="0"/>
+              <a:pPr>
+                <a:defRPr/>
+              </a:pPr>
+              <a:t>14</a:t>
+            </a:fld>
+            <a:endParaRPr lang="en-US"/>
+          </a:p>
+        </p:txBody>
+      </p:sp>
+    </p:spTree>
+    <p:extLst>
+      <p:ext uri="{BB962C8B-B14F-4D97-AF65-F5344CB8AC3E}">
+        <p14:creationId xmlns:p14="http://schemas.microsoft.com/office/powerpoint/2010/main" val="2937071969"/>
+      </p:ext>
+    </p:extLst>
+  </p:cSld>
+  <p:clrMapOvr>
+    <a:masterClrMapping/>
+  </p:clrMapOvr>
+</p:notes>
+</file>
+
+<file path=ppt/notesSlides/notesSlide13.xml><?xml version="1.0" encoding="utf-8"?>
+<p:notes xmlns:a="http://schemas.openxmlformats.org/drawingml/2006/main" xmlns:r="http://schemas.openxmlformats.org/officeDocument/2006/relationships" xmlns:p="http://schemas.openxmlformats.org/presentationml/2006/main">
+  <p:cSld>
+    <p:spTree>
+      <p:nvGrpSpPr>
+        <p:cNvPr id="1" name=""/>
+        <p:cNvGrpSpPr/>
+        <p:nvPr/>
+      </p:nvGrpSpPr>
+      <p:grpSpPr>
+        <a:xfrm>
+          <a:off x="0" y="0"/>
+          <a:ext cx="0" cy="0"/>
+          <a:chOff x="0" y="0"/>
+          <a:chExt cx="0" cy="0"/>
+        </a:xfrm>
+      </p:grpSpPr>
+      <p:sp>
+        <p:nvSpPr>
+          <p:cNvPr id="2" name="Slide Image Placeholder 1"/>
+          <p:cNvSpPr>
+            <a:spLocks noGrp="1" noRot="1" noChangeAspect="1"/>
+          </p:cNvSpPr>
+          <p:nvPr>
+            <p:ph type="sldImg"/>
+          </p:nvPr>
+        </p:nvSpPr>
+        <p:spPr/>
+      </p:sp>
+      <p:sp>
+        <p:nvSpPr>
+          <p:cNvPr id="3" name="Notes Placeholder 2"/>
+          <p:cNvSpPr>
+            <a:spLocks noGrp="1"/>
+          </p:cNvSpPr>
+          <p:nvPr>
+            <p:ph type="body" idx="1"/>
+          </p:nvPr>
+        </p:nvSpPr>
+        <p:spPr/>
+        <p:txBody>
+          <a:bodyPr/>
+          <a:lstStyle/>
+          <a:p>
+            <a:pPr eaLnBrk="1" hangingPunct="1"/>
+            <a:r>
+              <a:rPr lang="en-US" altLang="en-US" dirty="0" smtClean="0"/>
+              <a:t>Point is – there are a lot of different cycles out there, but if you really look closely at them, they are conceptually very similar.  Once you learn one cycle, you probably know 90% of what you would see in any other cycle.</a:t>
+            </a:r>
+          </a:p>
+          <a:p>
+            <a:pPr eaLnBrk="1" hangingPunct="1"/>
+            <a:r>
+              <a:rPr lang="en-US" altLang="en-US" smtClean="0"/>
+              <a:t>It doesn’t matter which cycle you use – what’s important is that you follow a systematic process</a:t>
+            </a:r>
+          </a:p>
+          <a:p>
+            <a:endParaRPr lang="en-US"/>
+          </a:p>
+        </p:txBody>
+      </p:sp>
+      <p:sp>
+        <p:nvSpPr>
+          <p:cNvPr id="4" name="Slide Number Placeholder 3"/>
+          <p:cNvSpPr>
+            <a:spLocks noGrp="1"/>
+          </p:cNvSpPr>
+          <p:nvPr>
+            <p:ph type="sldNum" sz="quarter" idx="10"/>
+          </p:nvPr>
+        </p:nvSpPr>
+        <p:spPr/>
+        <p:txBody>
+          <a:bodyPr/>
+          <a:lstStyle/>
+          <a:p>
+            <a:pPr>
+              <a:defRPr/>
+            </a:pPr>
+            <a:fld id="{F0EDB3E7-DD78-4A95-B5AA-6C1EE68AF305}" type="slidenum">
+              <a:rPr lang="en-US" smtClean="0"/>
+              <a:pPr>
+                <a:defRPr/>
+              </a:pPr>
+              <a:t>15</a:t>
+            </a:fld>
+            <a:endParaRPr lang="en-US"/>
+          </a:p>
+        </p:txBody>
+      </p:sp>
+    </p:spTree>
+    <p:extLst>
+      <p:ext uri="{BB962C8B-B14F-4D97-AF65-F5344CB8AC3E}">
+        <p14:creationId xmlns:p14="http://schemas.microsoft.com/office/powerpoint/2010/main" val="78918543"/>
+      </p:ext>
+    </p:extLst>
+  </p:cSld>
+  <p:clrMapOvr>
+    <a:masterClrMapping/>
+  </p:clrMapOvr>
+</p:notes>
+</file>
+
 <file path=ppt/notesSlides/notesSlide2.xml><?xml version="1.0" encoding="utf-8"?>
 <p:notes xmlns:a="http://schemas.openxmlformats.org/drawingml/2006/main" xmlns:r="http://schemas.openxmlformats.org/officeDocument/2006/relationships" xmlns:p="http://schemas.openxmlformats.org/presentationml/2006/main">
   <p:cSld>
@@ -1075,9 +1489,15 @@
           <a:bodyPr/>
           <a:lstStyle/>
           <a:p>
-            <a:fld id="{F925A5F2-6E39-4BCC-937B-630D87233522}" type="slidenum">
+            <a:pPr>
+              <a:defRPr/>
+            </a:pPr>
+            <a:fld id="{F0EDB3E7-DD78-4A95-B5AA-6C1EE68AF305}" type="slidenum">
               <a:rPr lang="en-US" smtClean="0"/>
-              <a:t>6</a:t>
+              <a:pPr>
+                <a:defRPr/>
+              </a:pPr>
+              <a:t>4</a:t>
             </a:fld>
             <a:endParaRPr lang="en-US"/>
           </a:p>
@@ -1086,7 +1506,7 @@
     </p:spTree>
     <p:extLst>
       <p:ext uri="{BB962C8B-B14F-4D97-AF65-F5344CB8AC3E}">
-        <p14:creationId xmlns:p14="http://schemas.microsoft.com/office/powerpoint/2010/main" val="3276960781"/>
+        <p14:creationId xmlns:p14="http://schemas.microsoft.com/office/powerpoint/2010/main" val="2728441583"/>
       </p:ext>
     </p:extLst>
   </p:cSld>
@@ -1140,14 +1560,47 @@
           <a:bodyPr/>
           <a:lstStyle/>
           <a:p>
+            <a:pPr marL="228600" indent="-228600">
+              <a:buAutoNum type="arabicPeriod"/>
+            </a:pPr>
             <a:r>
               <a:rPr lang="en-US" dirty="0" smtClean="0"/>
-              <a:t>It is possible that changes in the abundance of both</a:t>
+              <a:t>Environmental variation</a:t>
+            </a:r>
+          </a:p>
+          <a:p>
+            <a:pPr marL="228600" indent="-228600">
+              <a:buAutoNum type="arabicPeriod"/>
+            </a:pPr>
+            <a:r>
+              <a:rPr lang="en-US" dirty="0" smtClean="0"/>
+              <a:t>Partial observability (due to</a:t>
             </a:r>
             <a:r>
               <a:rPr lang="en-US" baseline="0" dirty="0" smtClean="0"/>
-              <a:t> species are indicators of other changes in the environment: that both bass and walleye are simply passengers of other changes, rather than bass driving changes in walleye. So this is an example of uncertainty in interactions that it might be possible to do something about. If we manage in a way that allows us to learn about which of these interactions are important, we will be better to able to manage in the future. This is where adaptive management comes in.</a:t>
+              <a:t> sampling variability)</a:t>
             </a:r>
+          </a:p>
+          <a:p>
+            <a:pPr marL="228600" indent="-228600">
+              <a:buAutoNum type="arabicPeriod"/>
+            </a:pPr>
+            <a:r>
+              <a:rPr lang="en-US" baseline="0" dirty="0" smtClean="0"/>
+              <a:t>Partial controllability (using indirect means (i.e., regulations) to implement an action (harvest regulation))</a:t>
+            </a:r>
+          </a:p>
+          <a:p>
+            <a:pPr marL="228600" indent="-228600">
+              <a:buAutoNum type="arabicPeriod"/>
+            </a:pPr>
+            <a:r>
+              <a:rPr lang="en-US" baseline="0" dirty="0" smtClean="0"/>
+              <a:t>Structural or process uncertainty (lack of understanding of complex dynamics)</a:t>
+            </a:r>
+            <a:endParaRPr lang="en-US" dirty="0" smtClean="0"/>
+          </a:p>
+          <a:p>
             <a:endParaRPr lang="en-US" dirty="0"/>
           </a:p>
         </p:txBody>
@@ -1167,9 +1620,15 @@
           <a:bodyPr/>
           <a:lstStyle/>
           <a:p>
-            <a:fld id="{F925A5F2-6E39-4BCC-937B-630D87233522}" type="slidenum">
+            <a:pPr>
+              <a:defRPr/>
+            </a:pPr>
+            <a:fld id="{F0EDB3E7-DD78-4A95-B5AA-6C1EE68AF305}" type="slidenum">
               <a:rPr lang="en-US" smtClean="0"/>
-              <a:t>7</a:t>
+              <a:pPr>
+                <a:defRPr/>
+              </a:pPr>
+              <a:t>5</a:t>
             </a:fld>
             <a:endParaRPr lang="en-US"/>
           </a:p>
@@ -1178,7 +1637,7 @@
     </p:spTree>
     <p:extLst>
       <p:ext uri="{BB962C8B-B14F-4D97-AF65-F5344CB8AC3E}">
-        <p14:creationId xmlns:p14="http://schemas.microsoft.com/office/powerpoint/2010/main" val="4087283428"/>
+        <p14:creationId xmlns:p14="http://schemas.microsoft.com/office/powerpoint/2010/main" val="3044380419"/>
       </p:ext>
     </p:extLst>
   </p:cSld>
@@ -1232,13 +1691,94 @@
           <a:bodyPr/>
           <a:lstStyle/>
           <a:p>
+            <a:pPr marL="228600" indent="-228600">
+              <a:buAutoNum type="arabicParenR"/>
+            </a:pPr>
             <a:r>
-              <a:rPr lang="en-US" dirty="0" smtClean="0"/>
-              <a:t>Let’s go</a:t>
+              <a:rPr lang="en-US" sz="1200" b="0" i="0" u="none" strike="noStrike" kern="1200" baseline="0" dirty="0" smtClean="0">
+                <a:solidFill>
+                  <a:schemeClr val="tx1"/>
+                </a:solidFill>
+                <a:latin typeface="Arial" charset="0"/>
+                <a:ea typeface="+mn-ea"/>
+                <a:cs typeface="+mn-cs"/>
+              </a:rPr>
+              <a:t>a lack of clarity in definition and approach</a:t>
+            </a:r>
+          </a:p>
+          <a:p>
+            <a:pPr marL="228600" indent="-228600">
+              <a:buAutoNum type="arabicParenR"/>
+            </a:pPr>
+            <a:r>
+              <a:rPr lang="en-US" sz="1200" b="0" i="0" u="none" strike="noStrike" kern="1200" baseline="0" dirty="0" smtClean="0">
+                <a:solidFill>
+                  <a:schemeClr val="tx1"/>
+                </a:solidFill>
+                <a:latin typeface="Arial" charset="0"/>
+                <a:ea typeface="+mn-ea"/>
+                <a:cs typeface="+mn-cs"/>
+              </a:rPr>
+              <a:t>a paucity of success stories on which to build,</a:t>
+            </a:r>
+          </a:p>
+          <a:p>
+            <a:pPr marL="228600" indent="-228600">
+              <a:buAutoNum type="arabicParenR"/>
+            </a:pPr>
+            <a:r>
+              <a:rPr lang="en-US" sz="1200" b="0" i="0" u="none" strike="noStrike" kern="1200" baseline="0" dirty="0" smtClean="0">
+                <a:solidFill>
+                  <a:schemeClr val="tx1"/>
+                </a:solidFill>
+                <a:latin typeface="Arial" charset="0"/>
+                <a:ea typeface="+mn-ea"/>
+                <a:cs typeface="+mn-cs"/>
+              </a:rPr>
+              <a:t>management, policy, and funding paradigms that favor reactive rather than proactive approaches to natural resource </a:t>
             </a:r>
             <a:r>
-              <a:rPr lang="en-US" baseline="0" dirty="0" smtClean="0"/>
-              <a:t> through an example. As with any type of good management, it is important to start with specific objectives. For example,… The next step is more specific to AM – identify sources of uncertainty and hypotheses. These hypotheses could come from previous studies, modeling, or just your gut feeling, the important part is that they are articulated as hypotheses rather than known facts. For example,… Finally, the management intervention is chosen. This could be designed to explicitly test hypotheses and promote learning, or they could be chosen for other reasons. Sometimes management actions are designed for political or social reasons, and that is fine. The important thing is that they are implemented in a way that allows us to learn whether they work as intended, no matter what the reason. </a:t>
+              <a:rPr lang="de-DE" sz="1200" b="0" i="0" u="none" strike="noStrike" kern="1200" baseline="0" dirty="0" smtClean="0">
+                <a:solidFill>
+                  <a:schemeClr val="tx1"/>
+                </a:solidFill>
+                <a:latin typeface="Arial" charset="0"/>
+                <a:ea typeface="+mn-ea"/>
+                <a:cs typeface="+mn-cs"/>
+              </a:rPr>
+              <a:t>management,</a:t>
+            </a:r>
+          </a:p>
+          <a:p>
+            <a:pPr marL="228600" indent="-228600">
+              <a:buAutoNum type="arabicParenR"/>
+            </a:pPr>
+            <a:r>
+              <a:rPr lang="en-US" sz="1200" b="0" i="0" u="none" strike="noStrike" kern="1200" baseline="0" dirty="0" smtClean="0">
+                <a:solidFill>
+                  <a:schemeClr val="tx1"/>
+                </a:solidFill>
+                <a:latin typeface="Arial" charset="0"/>
+                <a:ea typeface="+mn-ea"/>
+                <a:cs typeface="+mn-cs"/>
+              </a:rPr>
+              <a:t>failure to recognize the potential for shifting objectives, and</a:t>
+            </a:r>
+          </a:p>
+          <a:p>
+            <a:pPr marL="228600" indent="-228600">
+              <a:buAutoNum type="arabicParenR"/>
+            </a:pPr>
+            <a:r>
+              <a:rPr lang="en-US" sz="1200" b="0" i="0" u="none" strike="noStrike" kern="1200" baseline="0" dirty="0" smtClean="0">
+                <a:solidFill>
+                  <a:schemeClr val="tx1"/>
+                </a:solidFill>
+                <a:latin typeface="Arial" charset="0"/>
+                <a:ea typeface="+mn-ea"/>
+                <a:cs typeface="+mn-cs"/>
+              </a:rPr>
+              <a:t>failure to acknowledge the social source of uncertainty, and hence increased risk of surprise</a:t>
             </a:r>
             <a:endParaRPr lang="en-US" dirty="0"/>
           </a:p>
@@ -1259,9 +1799,15 @@
           <a:bodyPr/>
           <a:lstStyle/>
           <a:p>
-            <a:fld id="{F925A5F2-6E39-4BCC-937B-630D87233522}" type="slidenum">
+            <a:pPr>
+              <a:defRPr/>
+            </a:pPr>
+            <a:fld id="{F0EDB3E7-DD78-4A95-B5AA-6C1EE68AF305}" type="slidenum">
               <a:rPr lang="en-US" smtClean="0"/>
-              <a:t>9</a:t>
+              <a:pPr>
+                <a:defRPr/>
+              </a:pPr>
+              <a:t>6</a:t>
             </a:fld>
             <a:endParaRPr lang="en-US"/>
           </a:p>
@@ -1270,7 +1816,7 @@
     </p:spTree>
     <p:extLst>
       <p:ext uri="{BB962C8B-B14F-4D97-AF65-F5344CB8AC3E}">
-        <p14:creationId xmlns:p14="http://schemas.microsoft.com/office/powerpoint/2010/main" val="988348827"/>
+        <p14:creationId xmlns:p14="http://schemas.microsoft.com/office/powerpoint/2010/main" val="3167295195"/>
       </p:ext>
     </p:extLst>
   </p:cSld>
@@ -1324,13 +1870,38 @@
           <a:bodyPr/>
           <a:lstStyle/>
           <a:p>
+            <a:pPr marL="228600" indent="-228600">
+              <a:buAutoNum type="arabicParenR"/>
+            </a:pPr>
             <a:r>
               <a:rPr lang="en-US" dirty="0" smtClean="0"/>
-              <a:t>Identify </a:t>
+              <a:t>Lack of resources for the expanded monitoring</a:t>
             </a:r>
             <a:r>
               <a:rPr lang="en-US" baseline="0" dirty="0" smtClean="0"/>
-              <a:t>environmental/biological gradient in your lakes, implement regulation on SOME lakes in 2013 but leave others as a control, implement regulation on more lakes in 2018 to provide replication across time.  Monitor lakes with regard to objectives.  Document results for future use, make conclusions about actions taken.</a:t>
+              <a:t> required to carry-out large-scale experiments.</a:t>
+            </a:r>
+          </a:p>
+          <a:p>
+            <a:pPr marL="228600" indent="-228600">
+              <a:buAutoNum type="arabicParenR"/>
+            </a:pPr>
+            <a:r>
+              <a:rPr lang="en-US" dirty="0" smtClean="0"/>
+              <a:t>Unwillingness</a:t>
+            </a:r>
+            <a:r>
+              <a:rPr lang="en-US" baseline="0" dirty="0" smtClean="0"/>
+              <a:t> to acknowledge uncertainty in decision-making</a:t>
+            </a:r>
+          </a:p>
+          <a:p>
+            <a:pPr marL="228600" indent="-228600">
+              <a:buAutoNum type="arabicParenR"/>
+            </a:pPr>
+            <a:r>
+              <a:rPr lang="en-US" baseline="0" dirty="0" smtClean="0"/>
+              <a:t>Lack of leadership (lack of an individual to shoulder the major burden to plan and implement)</a:t>
             </a:r>
             <a:endParaRPr lang="en-US" dirty="0"/>
           </a:p>
@@ -1351,9 +1922,15 @@
           <a:bodyPr/>
           <a:lstStyle/>
           <a:p>
-            <a:fld id="{F925A5F2-6E39-4BCC-937B-630D87233522}" type="slidenum">
+            <a:pPr>
+              <a:defRPr/>
+            </a:pPr>
+            <a:fld id="{F0EDB3E7-DD78-4A95-B5AA-6C1EE68AF305}" type="slidenum">
               <a:rPr lang="en-US" smtClean="0"/>
-              <a:t>10</a:t>
+              <a:pPr>
+                <a:defRPr/>
+              </a:pPr>
+              <a:t>7</a:t>
             </a:fld>
             <a:endParaRPr lang="en-US"/>
           </a:p>
@@ -1362,7 +1939,7 @@
     </p:spTree>
     <p:extLst>
       <p:ext uri="{BB962C8B-B14F-4D97-AF65-F5344CB8AC3E}">
-        <p14:creationId xmlns:p14="http://schemas.microsoft.com/office/powerpoint/2010/main" val="4120890165"/>
+        <p14:creationId xmlns:p14="http://schemas.microsoft.com/office/powerpoint/2010/main" val="755621742"/>
       </p:ext>
     </p:extLst>
   </p:cSld>
@@ -1416,21 +1993,7 @@
           <a:bodyPr/>
           <a:lstStyle/>
           <a:p>
-            <a:pPr eaLnBrk="1" hangingPunct="1"/>
-            <a:r>
-              <a:rPr lang="en-US" altLang="en-US" dirty="0" smtClean="0"/>
-              <a:t>Point is – there are a lot of different cycles out there, but if you really look closely at them, they are conceptually very similar.  Once you learn one cycle, you probably know 90% of what you would see in any other cycle.</a:t>
-            </a:r>
-          </a:p>
-          <a:p>
-            <a:pPr eaLnBrk="1" hangingPunct="1"/>
-            <a:r>
-              <a:rPr lang="en-US" altLang="en-US" smtClean="0"/>
-              <a:t>It doesn’t matter which cycle you use – what’s important is that you follow a systematic process</a:t>
-            </a:r>
-          </a:p>
-          <a:p>
-            <a:endParaRPr lang="en-US"/>
+            <a:endParaRPr lang="en-US" dirty="0"/>
           </a:p>
         </p:txBody>
       </p:sp>
@@ -1449,15 +2012,9 @@
           <a:bodyPr/>
           <a:lstStyle/>
           <a:p>
-            <a:pPr>
-              <a:defRPr/>
-            </a:pPr>
-            <a:fld id="{F0EDB3E7-DD78-4A95-B5AA-6C1EE68AF305}" type="slidenum">
+            <a:fld id="{F925A5F2-6E39-4BCC-937B-630D87233522}" type="slidenum">
               <a:rPr lang="en-US" smtClean="0"/>
-              <a:pPr>
-                <a:defRPr/>
-              </a:pPr>
-              <a:t>11</a:t>
+              <a:t>8</a:t>
             </a:fld>
             <a:endParaRPr lang="en-US"/>
           </a:p>
@@ -1466,7 +2023,191 @@
     </p:spTree>
     <p:extLst>
       <p:ext uri="{BB962C8B-B14F-4D97-AF65-F5344CB8AC3E}">
-        <p14:creationId xmlns:p14="http://schemas.microsoft.com/office/powerpoint/2010/main" val="78918543"/>
+        <p14:creationId xmlns:p14="http://schemas.microsoft.com/office/powerpoint/2010/main" val="3276960781"/>
+      </p:ext>
+    </p:extLst>
+  </p:cSld>
+  <p:clrMapOvr>
+    <a:masterClrMapping/>
+  </p:clrMapOvr>
+</p:notes>
+</file>
+
+<file path=ppt/notesSlides/notesSlide8.xml><?xml version="1.0" encoding="utf-8"?>
+<p:notes xmlns:a="http://schemas.openxmlformats.org/drawingml/2006/main" xmlns:r="http://schemas.openxmlformats.org/officeDocument/2006/relationships" xmlns:p="http://schemas.openxmlformats.org/presentationml/2006/main">
+  <p:cSld>
+    <p:spTree>
+      <p:nvGrpSpPr>
+        <p:cNvPr id="1" name=""/>
+        <p:cNvGrpSpPr/>
+        <p:nvPr/>
+      </p:nvGrpSpPr>
+      <p:grpSpPr>
+        <a:xfrm>
+          <a:off x="0" y="0"/>
+          <a:ext cx="0" cy="0"/>
+          <a:chOff x="0" y="0"/>
+          <a:chExt cx="0" cy="0"/>
+        </a:xfrm>
+      </p:grpSpPr>
+      <p:sp>
+        <p:nvSpPr>
+          <p:cNvPr id="2" name="Slide Image Placeholder 1"/>
+          <p:cNvSpPr>
+            <a:spLocks noGrp="1" noRot="1" noChangeAspect="1"/>
+          </p:cNvSpPr>
+          <p:nvPr>
+            <p:ph type="sldImg"/>
+          </p:nvPr>
+        </p:nvSpPr>
+        <p:spPr/>
+      </p:sp>
+      <p:sp>
+        <p:nvSpPr>
+          <p:cNvPr id="3" name="Notes Placeholder 2"/>
+          <p:cNvSpPr>
+            <a:spLocks noGrp="1"/>
+          </p:cNvSpPr>
+          <p:nvPr>
+            <p:ph type="body" idx="1"/>
+          </p:nvPr>
+        </p:nvSpPr>
+        <p:spPr/>
+        <p:txBody>
+          <a:bodyPr/>
+          <a:lstStyle/>
+          <a:p>
+            <a:r>
+              <a:rPr lang="en-US" dirty="0" smtClean="0"/>
+              <a:t>It is possible that changes in the abundance of both</a:t>
+            </a:r>
+            <a:r>
+              <a:rPr lang="en-US" baseline="0" dirty="0" smtClean="0"/>
+              <a:t> species are indicators of other changes in the environment: that both bass and walleye are simply passengers of other changes, rather than bass driving changes in walleye. So this is an example of uncertainty in interactions that it might be possible to do something about. If we manage in a way that allows us to learn about which of these interactions are important, we will be better to able to manage in the future. This is where adaptive management comes in.</a:t>
+            </a:r>
+            <a:endParaRPr lang="en-US" dirty="0"/>
+          </a:p>
+        </p:txBody>
+      </p:sp>
+      <p:sp>
+        <p:nvSpPr>
+          <p:cNvPr id="4" name="Slide Number Placeholder 3"/>
+          <p:cNvSpPr>
+            <a:spLocks noGrp="1"/>
+          </p:cNvSpPr>
+          <p:nvPr>
+            <p:ph type="sldNum" sz="quarter" idx="10"/>
+          </p:nvPr>
+        </p:nvSpPr>
+        <p:spPr/>
+        <p:txBody>
+          <a:bodyPr/>
+          <a:lstStyle/>
+          <a:p>
+            <a:fld id="{F925A5F2-6E39-4BCC-937B-630D87233522}" type="slidenum">
+              <a:rPr lang="en-US" smtClean="0"/>
+              <a:t>9</a:t>
+            </a:fld>
+            <a:endParaRPr lang="en-US"/>
+          </a:p>
+        </p:txBody>
+      </p:sp>
+    </p:spTree>
+    <p:extLst>
+      <p:ext uri="{BB962C8B-B14F-4D97-AF65-F5344CB8AC3E}">
+        <p14:creationId xmlns:p14="http://schemas.microsoft.com/office/powerpoint/2010/main" val="4087283428"/>
+      </p:ext>
+    </p:extLst>
+  </p:cSld>
+  <p:clrMapOvr>
+    <a:masterClrMapping/>
+  </p:clrMapOvr>
+</p:notes>
+</file>
+
+<file path=ppt/notesSlides/notesSlide9.xml><?xml version="1.0" encoding="utf-8"?>
+<p:notes xmlns:a="http://schemas.openxmlformats.org/drawingml/2006/main" xmlns:r="http://schemas.openxmlformats.org/officeDocument/2006/relationships" xmlns:p="http://schemas.openxmlformats.org/presentationml/2006/main">
+  <p:cSld>
+    <p:spTree>
+      <p:nvGrpSpPr>
+        <p:cNvPr id="1" name=""/>
+        <p:cNvGrpSpPr/>
+        <p:nvPr/>
+      </p:nvGrpSpPr>
+      <p:grpSpPr>
+        <a:xfrm>
+          <a:off x="0" y="0"/>
+          <a:ext cx="0" cy="0"/>
+          <a:chOff x="0" y="0"/>
+          <a:chExt cx="0" cy="0"/>
+        </a:xfrm>
+      </p:grpSpPr>
+      <p:sp>
+        <p:nvSpPr>
+          <p:cNvPr id="2" name="Slide Image Placeholder 1"/>
+          <p:cNvSpPr>
+            <a:spLocks noGrp="1" noRot="1" noChangeAspect="1"/>
+          </p:cNvSpPr>
+          <p:nvPr>
+            <p:ph type="sldImg"/>
+          </p:nvPr>
+        </p:nvSpPr>
+        <p:spPr/>
+      </p:sp>
+      <p:sp>
+        <p:nvSpPr>
+          <p:cNvPr id="3" name="Notes Placeholder 2"/>
+          <p:cNvSpPr>
+            <a:spLocks noGrp="1"/>
+          </p:cNvSpPr>
+          <p:nvPr>
+            <p:ph type="body" idx="1"/>
+          </p:nvPr>
+        </p:nvSpPr>
+        <p:spPr/>
+        <p:txBody>
+          <a:bodyPr/>
+          <a:lstStyle/>
+          <a:p>
+            <a:r>
+              <a:rPr lang="en-US" dirty="0" smtClean="0"/>
+              <a:t>Let’s go</a:t>
+            </a:r>
+            <a:r>
+              <a:rPr lang="en-US" baseline="0" dirty="0" smtClean="0"/>
+              <a:t> through an example. As with any type of good management, it is important to start with specific objectives. For example,… The next step is more specific to AM – identify sources of uncertainty and hypotheses. These hypotheses could come from previous studies, modeling, or just your gut feeling, the important part is that they are articulated as hypotheses rather than known facts. For example,… Finally, the management intervention is chosen. This could be designed to explicitly test hypotheses and promote learning, or they could be chosen for other reasons. Sometimes management actions are designed for political or social reasons, and that is fine. The important thing is that they are implemented in a way that allows us to learn whether they work as intended, no matter what the reason. </a:t>
+            </a:r>
+            <a:endParaRPr lang="en-US" dirty="0"/>
+          </a:p>
+        </p:txBody>
+      </p:sp>
+      <p:sp>
+        <p:nvSpPr>
+          <p:cNvPr id="4" name="Slide Number Placeholder 3"/>
+          <p:cNvSpPr>
+            <a:spLocks noGrp="1"/>
+          </p:cNvSpPr>
+          <p:nvPr>
+            <p:ph type="sldNum" sz="quarter" idx="10"/>
+          </p:nvPr>
+        </p:nvSpPr>
+        <p:spPr/>
+        <p:txBody>
+          <a:bodyPr/>
+          <a:lstStyle/>
+          <a:p>
+            <a:fld id="{F925A5F2-6E39-4BCC-937B-630D87233522}" type="slidenum">
+              <a:rPr lang="en-US" smtClean="0"/>
+              <a:t>11</a:t>
+            </a:fld>
+            <a:endParaRPr lang="en-US"/>
+          </a:p>
+        </p:txBody>
+      </p:sp>
+    </p:spTree>
+    <p:extLst>
+      <p:ext uri="{BB962C8B-B14F-4D97-AF65-F5344CB8AC3E}">
+        <p14:creationId xmlns:p14="http://schemas.microsoft.com/office/powerpoint/2010/main" val="988348827"/>
       </p:ext>
     </p:extLst>
   </p:cSld>
@@ -4643,6 +5384,2152 @@
       </p:grpSpPr>
       <p:sp>
         <p:nvSpPr>
+          <p:cNvPr id="7170" name="Footer Placeholder 3"/>
+          <p:cNvSpPr>
+            <a:spLocks noGrp="1"/>
+          </p:cNvSpPr>
+          <p:nvPr>
+            <p:ph type="ftr" sz="quarter" idx="10"/>
+          </p:nvPr>
+        </p:nvSpPr>
+        <p:spPr>
+          <a:noFill/>
+          <a:ln/>
+          <a:extLst>
+            <a:ext uri="{909E8E84-426E-40DD-AFC4-6F175D3DCCD1}">
+              <a14:hiddenFill xmlns:a14="http://schemas.microsoft.com/office/drawing/2010/main">
+                <a:solidFill>
+                  <a:srgbClr val="FFFFFF"/>
+                </a:solidFill>
+              </a14:hiddenFill>
+            </a:ext>
+            <a:ext uri="{91240B29-F687-4F45-9708-019B960494DF}">
+              <a14:hiddenLine xmlns:a14="http://schemas.microsoft.com/office/drawing/2010/main" w="9525">
+                <a:solidFill>
+                  <a:srgbClr val="000000"/>
+                </a:solidFill>
+                <a:miter lim="800000"/>
+                <a:headEnd/>
+                <a:tailEnd/>
+              </a14:hiddenLine>
+            </a:ext>
+          </a:extLst>
+        </p:spPr>
+        <p:txBody>
+          <a:bodyPr/>
+          <a:lstStyle>
+            <a:lvl1pPr eaLnBrk="0" hangingPunct="0">
+              <a:defRPr>
+                <a:solidFill>
+                  <a:schemeClr val="tx1"/>
+                </a:solidFill>
+                <a:latin typeface="Arial" charset="0"/>
+              </a:defRPr>
+            </a:lvl1pPr>
+            <a:lvl2pPr marL="742950" indent="-285750" eaLnBrk="0" hangingPunct="0">
+              <a:defRPr>
+                <a:solidFill>
+                  <a:schemeClr val="tx1"/>
+                </a:solidFill>
+                <a:latin typeface="Arial" charset="0"/>
+              </a:defRPr>
+            </a:lvl2pPr>
+            <a:lvl3pPr marL="1143000" indent="-228600" eaLnBrk="0" hangingPunct="0">
+              <a:defRPr>
+                <a:solidFill>
+                  <a:schemeClr val="tx1"/>
+                </a:solidFill>
+                <a:latin typeface="Arial" charset="0"/>
+              </a:defRPr>
+            </a:lvl3pPr>
+            <a:lvl4pPr marL="1600200" indent="-228600" eaLnBrk="0" hangingPunct="0">
+              <a:defRPr>
+                <a:solidFill>
+                  <a:schemeClr val="tx1"/>
+                </a:solidFill>
+                <a:latin typeface="Arial" charset="0"/>
+              </a:defRPr>
+            </a:lvl4pPr>
+            <a:lvl5pPr marL="2057400" indent="-228600" eaLnBrk="0" hangingPunct="0">
+              <a:defRPr>
+                <a:solidFill>
+                  <a:schemeClr val="tx1"/>
+                </a:solidFill>
+                <a:latin typeface="Arial" charset="0"/>
+              </a:defRPr>
+            </a:lvl5pPr>
+            <a:lvl6pPr marL="2514600" indent="-228600" eaLnBrk="0" fontAlgn="base" hangingPunct="0">
+              <a:spcBef>
+                <a:spcPct val="0"/>
+              </a:spcBef>
+              <a:spcAft>
+                <a:spcPct val="0"/>
+              </a:spcAft>
+              <a:defRPr>
+                <a:solidFill>
+                  <a:schemeClr val="tx1"/>
+                </a:solidFill>
+                <a:latin typeface="Arial" charset="0"/>
+              </a:defRPr>
+            </a:lvl6pPr>
+            <a:lvl7pPr marL="2971800" indent="-228600" eaLnBrk="0" fontAlgn="base" hangingPunct="0">
+              <a:spcBef>
+                <a:spcPct val="0"/>
+              </a:spcBef>
+              <a:spcAft>
+                <a:spcPct val="0"/>
+              </a:spcAft>
+              <a:defRPr>
+                <a:solidFill>
+                  <a:schemeClr val="tx1"/>
+                </a:solidFill>
+                <a:latin typeface="Arial" charset="0"/>
+              </a:defRPr>
+            </a:lvl7pPr>
+            <a:lvl8pPr marL="3429000" indent="-228600" eaLnBrk="0" fontAlgn="base" hangingPunct="0">
+              <a:spcBef>
+                <a:spcPct val="0"/>
+              </a:spcBef>
+              <a:spcAft>
+                <a:spcPct val="0"/>
+              </a:spcAft>
+              <a:defRPr>
+                <a:solidFill>
+                  <a:schemeClr val="tx1"/>
+                </a:solidFill>
+                <a:latin typeface="Arial" charset="0"/>
+              </a:defRPr>
+            </a:lvl8pPr>
+            <a:lvl9pPr marL="3886200" indent="-228600" eaLnBrk="0" fontAlgn="base" hangingPunct="0">
+              <a:spcBef>
+                <a:spcPct val="0"/>
+              </a:spcBef>
+              <a:spcAft>
+                <a:spcPct val="0"/>
+              </a:spcAft>
+              <a:defRPr>
+                <a:solidFill>
+                  <a:schemeClr val="tx1"/>
+                </a:solidFill>
+                <a:latin typeface="Arial" charset="0"/>
+              </a:defRPr>
+            </a:lvl9pPr>
+          </a:lstStyle>
+          <a:p>
+            <a:pPr eaLnBrk="1" hangingPunct="1"/>
+            <a:r>
+              <a:rPr lang="en-US" smtClean="0"/>
+              <a:t>Adaptive Management</a:t>
+            </a:r>
+          </a:p>
+        </p:txBody>
+      </p:sp>
+      <p:sp>
+        <p:nvSpPr>
+          <p:cNvPr id="7171" name="Slide Number Placeholder 4"/>
+          <p:cNvSpPr>
+            <a:spLocks noGrp="1"/>
+          </p:cNvSpPr>
+          <p:nvPr>
+            <p:ph type="sldNum" sz="quarter" idx="11"/>
+          </p:nvPr>
+        </p:nvSpPr>
+        <p:spPr>
+          <a:noFill/>
+          <a:ln/>
+          <a:extLst>
+            <a:ext uri="{909E8E84-426E-40DD-AFC4-6F175D3DCCD1}">
+              <a14:hiddenFill xmlns:a14="http://schemas.microsoft.com/office/drawing/2010/main">
+                <a:solidFill>
+                  <a:srgbClr val="FFFFFF"/>
+                </a:solidFill>
+              </a14:hiddenFill>
+            </a:ext>
+            <a:ext uri="{91240B29-F687-4F45-9708-019B960494DF}">
+              <a14:hiddenLine xmlns:a14="http://schemas.microsoft.com/office/drawing/2010/main" w="9525">
+                <a:solidFill>
+                  <a:srgbClr val="000000"/>
+                </a:solidFill>
+                <a:miter lim="800000"/>
+                <a:headEnd/>
+                <a:tailEnd/>
+              </a14:hiddenLine>
+            </a:ext>
+          </a:extLst>
+        </p:spPr>
+        <p:txBody>
+          <a:bodyPr/>
+          <a:lstStyle>
+            <a:lvl1pPr eaLnBrk="0" hangingPunct="0">
+              <a:defRPr>
+                <a:solidFill>
+                  <a:schemeClr val="tx1"/>
+                </a:solidFill>
+                <a:latin typeface="Arial" charset="0"/>
+              </a:defRPr>
+            </a:lvl1pPr>
+            <a:lvl2pPr marL="742950" indent="-285750" eaLnBrk="0" hangingPunct="0">
+              <a:defRPr>
+                <a:solidFill>
+                  <a:schemeClr val="tx1"/>
+                </a:solidFill>
+                <a:latin typeface="Arial" charset="0"/>
+              </a:defRPr>
+            </a:lvl2pPr>
+            <a:lvl3pPr marL="1143000" indent="-228600" eaLnBrk="0" hangingPunct="0">
+              <a:defRPr>
+                <a:solidFill>
+                  <a:schemeClr val="tx1"/>
+                </a:solidFill>
+                <a:latin typeface="Arial" charset="0"/>
+              </a:defRPr>
+            </a:lvl3pPr>
+            <a:lvl4pPr marL="1600200" indent="-228600" eaLnBrk="0" hangingPunct="0">
+              <a:defRPr>
+                <a:solidFill>
+                  <a:schemeClr val="tx1"/>
+                </a:solidFill>
+                <a:latin typeface="Arial" charset="0"/>
+              </a:defRPr>
+            </a:lvl4pPr>
+            <a:lvl5pPr marL="2057400" indent="-228600" eaLnBrk="0" hangingPunct="0">
+              <a:defRPr>
+                <a:solidFill>
+                  <a:schemeClr val="tx1"/>
+                </a:solidFill>
+                <a:latin typeface="Arial" charset="0"/>
+              </a:defRPr>
+            </a:lvl5pPr>
+            <a:lvl6pPr marL="2514600" indent="-228600" eaLnBrk="0" fontAlgn="base" hangingPunct="0">
+              <a:spcBef>
+                <a:spcPct val="0"/>
+              </a:spcBef>
+              <a:spcAft>
+                <a:spcPct val="0"/>
+              </a:spcAft>
+              <a:defRPr>
+                <a:solidFill>
+                  <a:schemeClr val="tx1"/>
+                </a:solidFill>
+                <a:latin typeface="Arial" charset="0"/>
+              </a:defRPr>
+            </a:lvl6pPr>
+            <a:lvl7pPr marL="2971800" indent="-228600" eaLnBrk="0" fontAlgn="base" hangingPunct="0">
+              <a:spcBef>
+                <a:spcPct val="0"/>
+              </a:spcBef>
+              <a:spcAft>
+                <a:spcPct val="0"/>
+              </a:spcAft>
+              <a:defRPr>
+                <a:solidFill>
+                  <a:schemeClr val="tx1"/>
+                </a:solidFill>
+                <a:latin typeface="Arial" charset="0"/>
+              </a:defRPr>
+            </a:lvl7pPr>
+            <a:lvl8pPr marL="3429000" indent="-228600" eaLnBrk="0" fontAlgn="base" hangingPunct="0">
+              <a:spcBef>
+                <a:spcPct val="0"/>
+              </a:spcBef>
+              <a:spcAft>
+                <a:spcPct val="0"/>
+              </a:spcAft>
+              <a:defRPr>
+                <a:solidFill>
+                  <a:schemeClr val="tx1"/>
+                </a:solidFill>
+                <a:latin typeface="Arial" charset="0"/>
+              </a:defRPr>
+            </a:lvl8pPr>
+            <a:lvl9pPr marL="3886200" indent="-228600" eaLnBrk="0" fontAlgn="base" hangingPunct="0">
+              <a:spcBef>
+                <a:spcPct val="0"/>
+              </a:spcBef>
+              <a:spcAft>
+                <a:spcPct val="0"/>
+              </a:spcAft>
+              <a:defRPr>
+                <a:solidFill>
+                  <a:schemeClr val="tx1"/>
+                </a:solidFill>
+                <a:latin typeface="Arial" charset="0"/>
+              </a:defRPr>
+            </a:lvl9pPr>
+          </a:lstStyle>
+          <a:p>
+            <a:pPr eaLnBrk="1" hangingPunct="1"/>
+            <a:fld id="{815A897B-2BDE-4141-908B-F0568360B39B}" type="slidenum">
+              <a:rPr lang="en-US" smtClean="0"/>
+              <a:pPr eaLnBrk="1" hangingPunct="1"/>
+              <a:t>10</a:t>
+            </a:fld>
+            <a:endParaRPr lang="en-US" smtClean="0"/>
+          </a:p>
+        </p:txBody>
+      </p:sp>
+      <p:sp>
+        <p:nvSpPr>
+          <p:cNvPr id="40962" name="Rectangle 2"/>
+          <p:cNvSpPr>
+            <a:spLocks noGrp="1" noChangeArrowheads="1"/>
+          </p:cNvSpPr>
+          <p:nvPr>
+            <p:ph type="title"/>
+          </p:nvPr>
+        </p:nvSpPr>
+        <p:spPr/>
+        <p:txBody>
+          <a:bodyPr/>
+          <a:lstStyle/>
+          <a:p>
+            <a:pPr eaLnBrk="1" hangingPunct="1"/>
+            <a:r>
+              <a:rPr lang="en-US" dirty="0" smtClean="0"/>
+              <a:t>Adaptive Management Process</a:t>
+            </a:r>
+          </a:p>
+        </p:txBody>
+      </p:sp>
+      <p:sp>
+        <p:nvSpPr>
+          <p:cNvPr id="40964" name="AutoShape 4"/>
+          <p:cNvSpPr>
+            <a:spLocks noChangeArrowheads="1"/>
+          </p:cNvSpPr>
+          <p:nvPr/>
+        </p:nvSpPr>
+        <p:spPr bwMode="auto">
+          <a:xfrm>
+            <a:off x="3657600" y="1295400"/>
+            <a:ext cx="1984375" cy="1295400"/>
+          </a:xfrm>
+          <a:prstGeom prst="flowChartProcess">
+            <a:avLst/>
+          </a:prstGeom>
+          <a:solidFill>
+            <a:schemeClr val="accent1"/>
+          </a:solidFill>
+          <a:ln w="9525">
+            <a:solidFill>
+              <a:schemeClr val="tx1"/>
+            </a:solidFill>
+            <a:miter lim="800000"/>
+            <a:headEnd/>
+            <a:tailEnd/>
+          </a:ln>
+        </p:spPr>
+        <p:txBody>
+          <a:bodyPr wrap="none" anchor="ctr"/>
+          <a:lstStyle/>
+          <a:p>
+            <a:pPr algn="ctr"/>
+            <a:r>
+              <a:rPr lang="en-US" sz="2400" b="1"/>
+              <a:t>Goal</a:t>
+            </a:r>
+          </a:p>
+          <a:p>
+            <a:pPr algn="ctr"/>
+            <a:endParaRPr lang="en-US" sz="2400" b="1"/>
+          </a:p>
+          <a:p>
+            <a:pPr algn="ctr"/>
+            <a:r>
+              <a:rPr lang="en-US" sz="2400" b="1"/>
+              <a:t>Objective</a:t>
+            </a:r>
+          </a:p>
+        </p:txBody>
+      </p:sp>
+      <p:sp>
+        <p:nvSpPr>
+          <p:cNvPr id="40965" name="AutoShape 5"/>
+          <p:cNvSpPr>
+            <a:spLocks noChangeArrowheads="1"/>
+          </p:cNvSpPr>
+          <p:nvPr/>
+        </p:nvSpPr>
+        <p:spPr bwMode="auto">
+          <a:xfrm>
+            <a:off x="3657600" y="5105400"/>
+            <a:ext cx="1984375" cy="1295400"/>
+          </a:xfrm>
+          <a:prstGeom prst="flowChartProcess">
+            <a:avLst/>
+          </a:prstGeom>
+          <a:solidFill>
+            <a:schemeClr val="accent1"/>
+          </a:solidFill>
+          <a:ln w="9525">
+            <a:solidFill>
+              <a:schemeClr val="tx1"/>
+            </a:solidFill>
+            <a:miter lim="800000"/>
+            <a:headEnd/>
+            <a:tailEnd/>
+          </a:ln>
+        </p:spPr>
+        <p:txBody>
+          <a:bodyPr wrap="none" anchor="ctr"/>
+          <a:lstStyle/>
+          <a:p>
+            <a:pPr algn="ctr"/>
+            <a:r>
+              <a:rPr lang="en-US" sz="2400" b="1"/>
+              <a:t>Actions</a:t>
+            </a:r>
+          </a:p>
+        </p:txBody>
+      </p:sp>
+      <p:sp>
+        <p:nvSpPr>
+          <p:cNvPr id="40966" name="AutoShape 6"/>
+          <p:cNvSpPr>
+            <a:spLocks noChangeArrowheads="1"/>
+          </p:cNvSpPr>
+          <p:nvPr/>
+        </p:nvSpPr>
+        <p:spPr bwMode="auto">
+          <a:xfrm>
+            <a:off x="990600" y="3200400"/>
+            <a:ext cx="1984375" cy="1295400"/>
+          </a:xfrm>
+          <a:prstGeom prst="flowChartProcess">
+            <a:avLst/>
+          </a:prstGeom>
+          <a:solidFill>
+            <a:schemeClr val="accent1"/>
+          </a:solidFill>
+          <a:ln w="9525">
+            <a:solidFill>
+              <a:schemeClr val="tx1"/>
+            </a:solidFill>
+            <a:miter lim="800000"/>
+            <a:headEnd/>
+            <a:tailEnd/>
+          </a:ln>
+        </p:spPr>
+        <p:txBody>
+          <a:bodyPr wrap="none" anchor="ctr"/>
+          <a:lstStyle/>
+          <a:p>
+            <a:pPr algn="ctr"/>
+            <a:r>
+              <a:rPr lang="en-US" sz="2400" b="1" dirty="0"/>
+              <a:t>Problem</a:t>
+            </a:r>
+          </a:p>
+          <a:p>
+            <a:pPr algn="ctr"/>
+            <a:r>
+              <a:rPr lang="en-US" sz="2400" b="1" dirty="0"/>
+              <a:t>Identification</a:t>
+            </a:r>
+          </a:p>
+        </p:txBody>
+      </p:sp>
+      <p:sp>
+        <p:nvSpPr>
+          <p:cNvPr id="40967" name="AutoShape 7"/>
+          <p:cNvSpPr>
+            <a:spLocks noChangeArrowheads="1"/>
+          </p:cNvSpPr>
+          <p:nvPr/>
+        </p:nvSpPr>
+        <p:spPr bwMode="auto">
+          <a:xfrm>
+            <a:off x="6321425" y="3200400"/>
+            <a:ext cx="1984375" cy="1295400"/>
+          </a:xfrm>
+          <a:prstGeom prst="flowChartProcess">
+            <a:avLst/>
+          </a:prstGeom>
+          <a:solidFill>
+            <a:schemeClr val="accent1"/>
+          </a:solidFill>
+          <a:ln w="9525">
+            <a:solidFill>
+              <a:schemeClr val="tx1"/>
+            </a:solidFill>
+            <a:miter lim="800000"/>
+            <a:headEnd/>
+            <a:tailEnd/>
+          </a:ln>
+        </p:spPr>
+        <p:txBody>
+          <a:bodyPr wrap="none" anchor="ctr"/>
+          <a:lstStyle/>
+          <a:p>
+            <a:pPr algn="ctr"/>
+            <a:r>
+              <a:rPr lang="en-US" sz="2400" b="1"/>
+              <a:t>Evaluation</a:t>
+            </a:r>
+          </a:p>
+        </p:txBody>
+      </p:sp>
+      <p:sp>
+        <p:nvSpPr>
+          <p:cNvPr id="40969" name="Text Box 9"/>
+          <p:cNvSpPr txBox="1">
+            <a:spLocks noChangeArrowheads="1"/>
+          </p:cNvSpPr>
+          <p:nvPr/>
+        </p:nvSpPr>
+        <p:spPr bwMode="auto">
+          <a:xfrm>
+            <a:off x="3722688" y="3403600"/>
+            <a:ext cx="1858962" cy="822325"/>
+          </a:xfrm>
+          <a:prstGeom prst="rect">
+            <a:avLst/>
+          </a:prstGeom>
+          <a:noFill/>
+          <a:ln>
+            <a:noFill/>
+          </a:ln>
+          <a:extLst>
+            <a:ext uri="{909E8E84-426E-40DD-AFC4-6F175D3DCCD1}">
+              <a14:hiddenFill xmlns:a14="http://schemas.microsoft.com/office/drawing/2010/main">
+                <a:solidFill>
+                  <a:srgbClr val="FFFFFF"/>
+                </a:solidFill>
+              </a14:hiddenFill>
+            </a:ext>
+            <a:ext uri="{91240B29-F687-4F45-9708-019B960494DF}">
+              <a14:hiddenLine xmlns:a14="http://schemas.microsoft.com/office/drawing/2010/main" w="9525">
+                <a:solidFill>
+                  <a:srgbClr val="000000"/>
+                </a:solidFill>
+                <a:miter lim="800000"/>
+                <a:headEnd/>
+                <a:tailEnd/>
+              </a14:hiddenLine>
+            </a:ext>
+          </a:extLst>
+        </p:spPr>
+        <p:txBody>
+          <a:bodyPr wrap="none">
+            <a:spAutoFit/>
+          </a:bodyPr>
+          <a:lstStyle>
+            <a:lvl1pPr eaLnBrk="0" hangingPunct="0">
+              <a:defRPr>
+                <a:solidFill>
+                  <a:schemeClr val="tx1"/>
+                </a:solidFill>
+                <a:latin typeface="Arial" charset="0"/>
+              </a:defRPr>
+            </a:lvl1pPr>
+            <a:lvl2pPr marL="742950" indent="-285750" eaLnBrk="0" hangingPunct="0">
+              <a:defRPr>
+                <a:solidFill>
+                  <a:schemeClr val="tx1"/>
+                </a:solidFill>
+                <a:latin typeface="Arial" charset="0"/>
+              </a:defRPr>
+            </a:lvl2pPr>
+            <a:lvl3pPr marL="1143000" indent="-228600" eaLnBrk="0" hangingPunct="0">
+              <a:defRPr>
+                <a:solidFill>
+                  <a:schemeClr val="tx1"/>
+                </a:solidFill>
+                <a:latin typeface="Arial" charset="0"/>
+              </a:defRPr>
+            </a:lvl3pPr>
+            <a:lvl4pPr marL="1600200" indent="-228600" eaLnBrk="0" hangingPunct="0">
+              <a:defRPr>
+                <a:solidFill>
+                  <a:schemeClr val="tx1"/>
+                </a:solidFill>
+                <a:latin typeface="Arial" charset="0"/>
+              </a:defRPr>
+            </a:lvl4pPr>
+            <a:lvl5pPr marL="2057400" indent="-228600" eaLnBrk="0" hangingPunct="0">
+              <a:defRPr>
+                <a:solidFill>
+                  <a:schemeClr val="tx1"/>
+                </a:solidFill>
+                <a:latin typeface="Arial" charset="0"/>
+              </a:defRPr>
+            </a:lvl5pPr>
+            <a:lvl6pPr marL="2514600" indent="-228600" eaLnBrk="0" fontAlgn="base" hangingPunct="0">
+              <a:spcBef>
+                <a:spcPct val="0"/>
+              </a:spcBef>
+              <a:spcAft>
+                <a:spcPct val="0"/>
+              </a:spcAft>
+              <a:defRPr>
+                <a:solidFill>
+                  <a:schemeClr val="tx1"/>
+                </a:solidFill>
+                <a:latin typeface="Arial" charset="0"/>
+              </a:defRPr>
+            </a:lvl6pPr>
+            <a:lvl7pPr marL="2971800" indent="-228600" eaLnBrk="0" fontAlgn="base" hangingPunct="0">
+              <a:spcBef>
+                <a:spcPct val="0"/>
+              </a:spcBef>
+              <a:spcAft>
+                <a:spcPct val="0"/>
+              </a:spcAft>
+              <a:defRPr>
+                <a:solidFill>
+                  <a:schemeClr val="tx1"/>
+                </a:solidFill>
+                <a:latin typeface="Arial" charset="0"/>
+              </a:defRPr>
+            </a:lvl7pPr>
+            <a:lvl8pPr marL="3429000" indent="-228600" eaLnBrk="0" fontAlgn="base" hangingPunct="0">
+              <a:spcBef>
+                <a:spcPct val="0"/>
+              </a:spcBef>
+              <a:spcAft>
+                <a:spcPct val="0"/>
+              </a:spcAft>
+              <a:defRPr>
+                <a:solidFill>
+                  <a:schemeClr val="tx1"/>
+                </a:solidFill>
+                <a:latin typeface="Arial" charset="0"/>
+              </a:defRPr>
+            </a:lvl8pPr>
+            <a:lvl9pPr marL="3886200" indent="-228600" eaLnBrk="0" fontAlgn="base" hangingPunct="0">
+              <a:spcBef>
+                <a:spcPct val="0"/>
+              </a:spcBef>
+              <a:spcAft>
+                <a:spcPct val="0"/>
+              </a:spcAft>
+              <a:defRPr>
+                <a:solidFill>
+                  <a:schemeClr val="tx1"/>
+                </a:solidFill>
+                <a:latin typeface="Arial" charset="0"/>
+              </a:defRPr>
+            </a:lvl9pPr>
+          </a:lstStyle>
+          <a:p>
+            <a:pPr algn="ctr" eaLnBrk="1" hangingPunct="1"/>
+            <a:r>
+              <a:rPr lang="en-US" sz="2400" b="1">
+                <a:solidFill>
+                  <a:srgbClr val="FF0000"/>
+                </a:solidFill>
+              </a:rPr>
+              <a:t>Information</a:t>
+            </a:r>
+          </a:p>
+          <a:p>
+            <a:pPr algn="ctr" eaLnBrk="1" hangingPunct="1"/>
+            <a:r>
+              <a:rPr lang="en-US" sz="2400" b="1">
+                <a:solidFill>
+                  <a:srgbClr val="FF0000"/>
+                </a:solidFill>
+              </a:rPr>
+              <a:t>Base</a:t>
+            </a:r>
+          </a:p>
+        </p:txBody>
+      </p:sp>
+      <p:sp>
+        <p:nvSpPr>
+          <p:cNvPr id="40970" name="AutoShape 10"/>
+          <p:cNvSpPr>
+            <a:spLocks noChangeArrowheads="1"/>
+          </p:cNvSpPr>
+          <p:nvPr/>
+        </p:nvSpPr>
+        <p:spPr bwMode="auto">
+          <a:xfrm>
+            <a:off x="4572000" y="2765425"/>
+            <a:ext cx="152400" cy="609600"/>
+          </a:xfrm>
+          <a:prstGeom prst="upDownArrow">
+            <a:avLst>
+              <a:gd name="adj1" fmla="val 50000"/>
+              <a:gd name="adj2" fmla="val 80000"/>
+            </a:avLst>
+          </a:prstGeom>
+          <a:solidFill>
+            <a:srgbClr val="FF0000"/>
+          </a:solidFill>
+          <a:ln w="9525">
+            <a:solidFill>
+              <a:srgbClr val="FF0000"/>
+            </a:solidFill>
+            <a:miter lim="800000"/>
+            <a:headEnd/>
+            <a:tailEnd/>
+          </a:ln>
+        </p:spPr>
+        <p:txBody>
+          <a:bodyPr vert="eaVert" wrap="none" anchor="ctr"/>
+          <a:lstStyle/>
+          <a:p>
+            <a:endParaRPr lang="en-US"/>
+          </a:p>
+        </p:txBody>
+      </p:sp>
+      <p:sp>
+        <p:nvSpPr>
+          <p:cNvPr id="40971" name="AutoShape 11"/>
+          <p:cNvSpPr>
+            <a:spLocks noChangeArrowheads="1"/>
+          </p:cNvSpPr>
+          <p:nvPr/>
+        </p:nvSpPr>
+        <p:spPr bwMode="auto">
+          <a:xfrm>
+            <a:off x="4572000" y="4300538"/>
+            <a:ext cx="152400" cy="609600"/>
+          </a:xfrm>
+          <a:prstGeom prst="upDownArrow">
+            <a:avLst>
+              <a:gd name="adj1" fmla="val 50000"/>
+              <a:gd name="adj2" fmla="val 80000"/>
+            </a:avLst>
+          </a:prstGeom>
+          <a:solidFill>
+            <a:srgbClr val="FF0000"/>
+          </a:solidFill>
+          <a:ln w="9525">
+            <a:solidFill>
+              <a:srgbClr val="FF0000"/>
+            </a:solidFill>
+            <a:miter lim="800000"/>
+            <a:headEnd/>
+            <a:tailEnd/>
+          </a:ln>
+        </p:spPr>
+        <p:txBody>
+          <a:bodyPr vert="eaVert" wrap="none" anchor="ctr"/>
+          <a:lstStyle/>
+          <a:p>
+            <a:endParaRPr lang="en-US"/>
+          </a:p>
+        </p:txBody>
+      </p:sp>
+      <p:sp>
+        <p:nvSpPr>
+          <p:cNvPr id="40972" name="AutoShape 12"/>
+          <p:cNvSpPr>
+            <a:spLocks noChangeArrowheads="1"/>
+          </p:cNvSpPr>
+          <p:nvPr/>
+        </p:nvSpPr>
+        <p:spPr bwMode="auto">
+          <a:xfrm>
+            <a:off x="4616450" y="1806575"/>
+            <a:ext cx="76200" cy="304800"/>
+          </a:xfrm>
+          <a:prstGeom prst="downArrow">
+            <a:avLst>
+              <a:gd name="adj1" fmla="val 50000"/>
+              <a:gd name="adj2" fmla="val 100000"/>
+            </a:avLst>
+          </a:prstGeom>
+          <a:solidFill>
+            <a:schemeClr val="tx1"/>
+          </a:solidFill>
+          <a:ln w="9525">
+            <a:solidFill>
+              <a:schemeClr val="tx1"/>
+            </a:solidFill>
+            <a:miter lim="800000"/>
+            <a:headEnd/>
+            <a:tailEnd/>
+          </a:ln>
+        </p:spPr>
+        <p:txBody>
+          <a:bodyPr vert="eaVert" wrap="none" anchor="ctr"/>
+          <a:lstStyle/>
+          <a:p>
+            <a:endParaRPr lang="en-US"/>
+          </a:p>
+        </p:txBody>
+      </p:sp>
+      <p:sp>
+        <p:nvSpPr>
+          <p:cNvPr id="40973" name="AutoShape 13"/>
+          <p:cNvSpPr>
+            <a:spLocks noChangeArrowheads="1"/>
+          </p:cNvSpPr>
+          <p:nvPr/>
+        </p:nvSpPr>
+        <p:spPr bwMode="auto">
+          <a:xfrm>
+            <a:off x="3048000" y="3733800"/>
+            <a:ext cx="609600" cy="184150"/>
+          </a:xfrm>
+          <a:prstGeom prst="leftRightArrow">
+            <a:avLst>
+              <a:gd name="adj1" fmla="val 50000"/>
+              <a:gd name="adj2" fmla="val 66207"/>
+            </a:avLst>
+          </a:prstGeom>
+          <a:solidFill>
+            <a:srgbClr val="FF0000"/>
+          </a:solidFill>
+          <a:ln w="9525">
+            <a:solidFill>
+              <a:srgbClr val="FF0000"/>
+            </a:solidFill>
+            <a:miter lim="800000"/>
+            <a:headEnd/>
+            <a:tailEnd/>
+          </a:ln>
+        </p:spPr>
+        <p:txBody>
+          <a:bodyPr wrap="none" anchor="ctr"/>
+          <a:lstStyle/>
+          <a:p>
+            <a:endParaRPr lang="en-US"/>
+          </a:p>
+        </p:txBody>
+      </p:sp>
+      <p:sp>
+        <p:nvSpPr>
+          <p:cNvPr id="40974" name="AutoShape 14"/>
+          <p:cNvSpPr>
+            <a:spLocks noChangeArrowheads="1"/>
+          </p:cNvSpPr>
+          <p:nvPr/>
+        </p:nvSpPr>
+        <p:spPr bwMode="auto">
+          <a:xfrm>
+            <a:off x="5607050" y="3733800"/>
+            <a:ext cx="609600" cy="184150"/>
+          </a:xfrm>
+          <a:prstGeom prst="leftRightArrow">
+            <a:avLst>
+              <a:gd name="adj1" fmla="val 50000"/>
+              <a:gd name="adj2" fmla="val 66207"/>
+            </a:avLst>
+          </a:prstGeom>
+          <a:solidFill>
+            <a:srgbClr val="FF0000"/>
+          </a:solidFill>
+          <a:ln w="9525">
+            <a:solidFill>
+              <a:srgbClr val="FF0000"/>
+            </a:solidFill>
+            <a:miter lim="800000"/>
+            <a:headEnd/>
+            <a:tailEnd/>
+          </a:ln>
+        </p:spPr>
+        <p:txBody>
+          <a:bodyPr wrap="none" anchor="ctr"/>
+          <a:lstStyle/>
+          <a:p>
+            <a:endParaRPr lang="en-US"/>
+          </a:p>
+        </p:txBody>
+      </p:sp>
+      <p:cxnSp>
+        <p:nvCxnSpPr>
+          <p:cNvPr id="40978" name="AutoShape 18"/>
+          <p:cNvCxnSpPr>
+            <a:cxnSpLocks noChangeShapeType="1"/>
+            <a:stCxn id="40965" idx="3"/>
+            <a:endCxn id="40967" idx="2"/>
+          </p:cNvCxnSpPr>
+          <p:nvPr/>
+        </p:nvCxnSpPr>
+        <p:spPr bwMode="auto">
+          <a:xfrm flipV="1">
+            <a:off x="5641975" y="4495800"/>
+            <a:ext cx="1671638" cy="1257300"/>
+          </a:xfrm>
+          <a:prstGeom prst="curvedConnector2">
+            <a:avLst/>
+          </a:prstGeom>
+          <a:noFill/>
+          <a:ln w="50800">
+            <a:solidFill>
+              <a:schemeClr val="tx1"/>
+            </a:solidFill>
+            <a:round/>
+            <a:headEnd/>
+            <a:tailEnd type="stealth" w="med" len="med"/>
+          </a:ln>
+          <a:extLst>
+            <a:ext uri="{909E8E84-426E-40DD-AFC4-6F175D3DCCD1}">
+              <a14:hiddenFill xmlns:a14="http://schemas.microsoft.com/office/drawing/2010/main">
+                <a:noFill/>
+              </a14:hiddenFill>
+            </a:ext>
+          </a:extLst>
+        </p:spPr>
+      </p:cxnSp>
+      <p:cxnSp>
+        <p:nvCxnSpPr>
+          <p:cNvPr id="40979" name="AutoShape 19"/>
+          <p:cNvCxnSpPr>
+            <a:cxnSpLocks noChangeShapeType="1"/>
+            <a:stCxn id="40967" idx="0"/>
+            <a:endCxn id="40964" idx="3"/>
+          </p:cNvCxnSpPr>
+          <p:nvPr/>
+        </p:nvCxnSpPr>
+        <p:spPr bwMode="auto">
+          <a:xfrm rot="5400000" flipH="1">
+            <a:off x="5849144" y="1735931"/>
+            <a:ext cx="1257300" cy="1671638"/>
+          </a:xfrm>
+          <a:prstGeom prst="curvedConnector2">
+            <a:avLst/>
+          </a:prstGeom>
+          <a:noFill/>
+          <a:ln w="50800">
+            <a:solidFill>
+              <a:schemeClr val="tx1"/>
+            </a:solidFill>
+            <a:round/>
+            <a:headEnd/>
+            <a:tailEnd type="stealth" w="med" len="med"/>
+          </a:ln>
+          <a:extLst>
+            <a:ext uri="{909E8E84-426E-40DD-AFC4-6F175D3DCCD1}">
+              <a14:hiddenFill xmlns:a14="http://schemas.microsoft.com/office/drawing/2010/main">
+                <a:noFill/>
+              </a14:hiddenFill>
+            </a:ext>
+          </a:extLst>
+        </p:spPr>
+      </p:cxnSp>
+      <p:cxnSp>
+        <p:nvCxnSpPr>
+          <p:cNvPr id="40980" name="AutoShape 20"/>
+          <p:cNvCxnSpPr>
+            <a:cxnSpLocks noChangeShapeType="1"/>
+            <a:stCxn id="40964" idx="1"/>
+            <a:endCxn id="40966" idx="0"/>
+          </p:cNvCxnSpPr>
+          <p:nvPr/>
+        </p:nvCxnSpPr>
+        <p:spPr bwMode="auto">
+          <a:xfrm rot="10800000" flipV="1">
+            <a:off x="1982788" y="1943100"/>
+            <a:ext cx="1674812" cy="1257300"/>
+          </a:xfrm>
+          <a:prstGeom prst="curvedConnector2">
+            <a:avLst/>
+          </a:prstGeom>
+          <a:noFill/>
+          <a:ln w="50800">
+            <a:solidFill>
+              <a:schemeClr val="tx1"/>
+            </a:solidFill>
+            <a:round/>
+            <a:headEnd/>
+            <a:tailEnd type="stealth" w="med" len="med"/>
+          </a:ln>
+          <a:extLst>
+            <a:ext uri="{909E8E84-426E-40DD-AFC4-6F175D3DCCD1}">
+              <a14:hiddenFill xmlns:a14="http://schemas.microsoft.com/office/drawing/2010/main">
+                <a:noFill/>
+              </a14:hiddenFill>
+            </a:ext>
+          </a:extLst>
+        </p:spPr>
+      </p:cxnSp>
+      <p:cxnSp>
+        <p:nvCxnSpPr>
+          <p:cNvPr id="40981" name="AutoShape 21"/>
+          <p:cNvCxnSpPr>
+            <a:cxnSpLocks noChangeShapeType="1"/>
+            <a:stCxn id="40966" idx="2"/>
+          </p:cNvCxnSpPr>
+          <p:nvPr/>
+        </p:nvCxnSpPr>
+        <p:spPr bwMode="auto">
+          <a:xfrm rot="16200000" flipH="1">
+            <a:off x="2153444" y="4325144"/>
+            <a:ext cx="1333500" cy="1674812"/>
+          </a:xfrm>
+          <a:prstGeom prst="curvedConnector2">
+            <a:avLst/>
+          </a:prstGeom>
+          <a:noFill/>
+          <a:ln w="50800">
+            <a:solidFill>
+              <a:schemeClr val="tx1"/>
+            </a:solidFill>
+            <a:round/>
+            <a:headEnd/>
+            <a:tailEnd type="stealth" w="med" len="med"/>
+          </a:ln>
+          <a:extLst>
+            <a:ext uri="{909E8E84-426E-40DD-AFC4-6F175D3DCCD1}">
+              <a14:hiddenFill xmlns:a14="http://schemas.microsoft.com/office/drawing/2010/main">
+                <a:noFill/>
+              </a14:hiddenFill>
+            </a:ext>
+          </a:extLst>
+        </p:spPr>
+      </p:cxnSp>
+      <p:sp>
+        <p:nvSpPr>
+          <p:cNvPr id="40986" name="AutoShape 26"/>
+          <p:cNvSpPr>
+            <a:spLocks/>
+          </p:cNvSpPr>
+          <p:nvPr/>
+        </p:nvSpPr>
+        <p:spPr bwMode="auto">
+          <a:xfrm>
+            <a:off x="22225" y="1447800"/>
+            <a:ext cx="2416175" cy="342900"/>
+          </a:xfrm>
+          <a:prstGeom prst="borderCallout2">
+            <a:avLst>
+              <a:gd name="adj1" fmla="val 33333"/>
+              <a:gd name="adj2" fmla="val 103153"/>
+              <a:gd name="adj3" fmla="val 33333"/>
+              <a:gd name="adj4" fmla="val 111759"/>
+              <a:gd name="adj5" fmla="val 537500"/>
+              <a:gd name="adj6" fmla="val 120366"/>
+            </a:avLst>
+          </a:prstGeom>
+          <a:solidFill>
+            <a:srgbClr val="FFFF99"/>
+          </a:solidFill>
+          <a:ln w="9525">
+            <a:solidFill>
+              <a:schemeClr val="tx1"/>
+            </a:solidFill>
+            <a:miter lim="800000"/>
+            <a:headEnd/>
+            <a:tailEnd/>
+          </a:ln>
+        </p:spPr>
+        <p:txBody>
+          <a:bodyPr/>
+          <a:lstStyle/>
+          <a:p>
+            <a:pPr algn="ctr"/>
+            <a:r>
+              <a:rPr lang="en-US" dirty="0" smtClean="0"/>
+              <a:t>Identify </a:t>
+            </a:r>
+            <a:r>
+              <a:rPr lang="en-US" b="1" dirty="0" smtClean="0"/>
+              <a:t>uncertainties</a:t>
+            </a:r>
+            <a:endParaRPr lang="en-US" b="1" dirty="0"/>
+          </a:p>
+        </p:txBody>
+      </p:sp>
+      <p:sp>
+        <p:nvSpPr>
+          <p:cNvPr id="40990" name="AutoShape 30"/>
+          <p:cNvSpPr>
+            <a:spLocks/>
+          </p:cNvSpPr>
+          <p:nvPr/>
+        </p:nvSpPr>
+        <p:spPr bwMode="auto">
+          <a:xfrm>
+            <a:off x="152399" y="5753100"/>
+            <a:ext cx="2822575" cy="914400"/>
+          </a:xfrm>
+          <a:prstGeom prst="borderCallout2">
+            <a:avLst>
+              <a:gd name="adj1" fmla="val 33333"/>
+              <a:gd name="adj2" fmla="val 103125"/>
+              <a:gd name="adj3" fmla="val 33333"/>
+              <a:gd name="adj4" fmla="val 123505"/>
+              <a:gd name="adj5" fmla="val 15339"/>
+              <a:gd name="adj6" fmla="val 136197"/>
+            </a:avLst>
+          </a:prstGeom>
+          <a:solidFill>
+            <a:srgbClr val="FFFF99"/>
+          </a:solidFill>
+          <a:ln w="9525">
+            <a:solidFill>
+              <a:schemeClr val="tx1"/>
+            </a:solidFill>
+            <a:miter lim="800000"/>
+            <a:headEnd/>
+            <a:tailEnd/>
+          </a:ln>
+        </p:spPr>
+        <p:txBody>
+          <a:bodyPr/>
+          <a:lstStyle/>
+          <a:p>
+            <a:pPr algn="ctr"/>
+            <a:r>
+              <a:rPr lang="en-US" dirty="0" smtClean="0"/>
+              <a:t>Implemented as an </a:t>
+            </a:r>
+            <a:r>
+              <a:rPr lang="en-US" b="1" dirty="0" smtClean="0"/>
+              <a:t>experiment</a:t>
+            </a:r>
+            <a:r>
+              <a:rPr lang="en-US" dirty="0" smtClean="0"/>
+              <a:t> with controls, replication, etc.</a:t>
+            </a:r>
+            <a:endParaRPr lang="en-US" dirty="0"/>
+          </a:p>
+        </p:txBody>
+      </p:sp>
+      <p:sp>
+        <p:nvSpPr>
+          <p:cNvPr id="28" name="AutoShape 26"/>
+          <p:cNvSpPr>
+            <a:spLocks/>
+          </p:cNvSpPr>
+          <p:nvPr/>
+        </p:nvSpPr>
+        <p:spPr bwMode="auto">
+          <a:xfrm>
+            <a:off x="22225" y="1905000"/>
+            <a:ext cx="2416175" cy="342900"/>
+          </a:xfrm>
+          <a:prstGeom prst="borderCallout2">
+            <a:avLst>
+              <a:gd name="adj1" fmla="val 33333"/>
+              <a:gd name="adj2" fmla="val 103153"/>
+              <a:gd name="adj3" fmla="val 33333"/>
+              <a:gd name="adj4" fmla="val 111759"/>
+              <a:gd name="adj5" fmla="val 401268"/>
+              <a:gd name="adj6" fmla="val 120777"/>
+            </a:avLst>
+          </a:prstGeom>
+          <a:solidFill>
+            <a:srgbClr val="FFFF99"/>
+          </a:solidFill>
+          <a:ln w="9525">
+            <a:solidFill>
+              <a:schemeClr val="tx1"/>
+            </a:solidFill>
+            <a:miter lim="800000"/>
+            <a:headEnd/>
+            <a:tailEnd/>
+          </a:ln>
+        </p:spPr>
+        <p:txBody>
+          <a:bodyPr/>
+          <a:lstStyle/>
+          <a:p>
+            <a:pPr algn="ctr"/>
+            <a:r>
+              <a:rPr lang="en-US" dirty="0" smtClean="0"/>
+              <a:t>Form </a:t>
+            </a:r>
+            <a:r>
+              <a:rPr lang="en-US" b="1" dirty="0" smtClean="0"/>
+              <a:t>hypotheses</a:t>
+            </a:r>
+            <a:endParaRPr lang="en-US" b="1" dirty="0"/>
+          </a:p>
+        </p:txBody>
+      </p:sp>
+    </p:spTree>
+    <p:extLst>
+      <p:ext uri="{BB962C8B-B14F-4D97-AF65-F5344CB8AC3E}">
+        <p14:creationId xmlns:p14="http://schemas.microsoft.com/office/powerpoint/2010/main" val="2857067717"/>
+      </p:ext>
+    </p:extLst>
+  </p:cSld>
+  <p:clrMapOvr>
+    <a:masterClrMapping/>
+  </p:clrMapOvr>
+  <p:transition>
+    <p:wheel spokes="8"/>
+  </p:transition>
+  <p:timing>
+    <p:tnLst>
+      <p:par>
+        <p:cTn id="1" dur="indefinite" restart="never" nodeType="tmRoot">
+          <p:childTnLst>
+            <p:seq concurrent="1" nextAc="seek">
+              <p:cTn id="2" dur="indefinite" nodeType="mainSeq">
+                <p:childTnLst>
+                  <p:par>
+                    <p:cTn id="3" fill="hold" nodeType="clickPar">
+                      <p:stCondLst>
+                        <p:cond delay="indefinite"/>
+                      </p:stCondLst>
+                      <p:childTnLst>
+                        <p:par>
+                          <p:cTn id="4" fill="hold" nodeType="withGroup">
+                            <p:stCondLst>
+                              <p:cond delay="0"/>
+                            </p:stCondLst>
+                            <p:childTnLst>
+                              <p:par>
+                                <p:cTn id="5" presetID="22" presetClass="entr" presetSubtype="2" fill="hold" grpId="0" nodeType="clickEffect">
+                                  <p:stCondLst>
+                                    <p:cond delay="0"/>
+                                  </p:stCondLst>
+                                  <p:childTnLst>
+                                    <p:set>
+                                      <p:cBhvr>
+                                        <p:cTn id="6" dur="1" fill="hold">
+                                          <p:stCondLst>
+                                            <p:cond delay="0"/>
+                                          </p:stCondLst>
+                                        </p:cTn>
+                                        <p:tgtEl>
+                                          <p:spTgt spid="40986"/>
+                                        </p:tgtEl>
+                                        <p:attrNameLst>
+                                          <p:attrName>style.visibility</p:attrName>
+                                        </p:attrNameLst>
+                                      </p:cBhvr>
+                                      <p:to>
+                                        <p:strVal val="visible"/>
+                                      </p:to>
+                                    </p:set>
+                                    <p:animEffect transition="in" filter="wipe(right)">
+                                      <p:cBhvr>
+                                        <p:cTn id="7" dur="500"/>
+                                        <p:tgtEl>
+                                          <p:spTgt spid="40986"/>
+                                        </p:tgtEl>
+                                      </p:cBhvr>
+                                    </p:animEffect>
+                                  </p:childTnLst>
+                                </p:cTn>
+                              </p:par>
+                            </p:childTnLst>
+                          </p:cTn>
+                        </p:par>
+                        <p:par>
+                          <p:cTn id="8" fill="hold" nodeType="withGroup">
+                            <p:stCondLst>
+                              <p:cond delay="500"/>
+                            </p:stCondLst>
+                            <p:childTnLst>
+                              <p:par>
+                                <p:cTn id="9" presetID="22" presetClass="entr" presetSubtype="2" fill="hold" grpId="0" nodeType="afterEffect">
+                                  <p:stCondLst>
+                                    <p:cond delay="0"/>
+                                  </p:stCondLst>
+                                  <p:childTnLst>
+                                    <p:set>
+                                      <p:cBhvr>
+                                        <p:cTn id="10" dur="1" fill="hold">
+                                          <p:stCondLst>
+                                            <p:cond delay="0"/>
+                                          </p:stCondLst>
+                                        </p:cTn>
+                                        <p:tgtEl>
+                                          <p:spTgt spid="28"/>
+                                        </p:tgtEl>
+                                        <p:attrNameLst>
+                                          <p:attrName>style.visibility</p:attrName>
+                                        </p:attrNameLst>
+                                      </p:cBhvr>
+                                      <p:to>
+                                        <p:strVal val="visible"/>
+                                      </p:to>
+                                    </p:set>
+                                    <p:animEffect transition="in" filter="wipe(right)">
+                                      <p:cBhvr>
+                                        <p:cTn id="11" dur="500"/>
+                                        <p:tgtEl>
+                                          <p:spTgt spid="28"/>
+                                        </p:tgtEl>
+                                      </p:cBhvr>
+                                    </p:animEffect>
+                                  </p:childTnLst>
+                                </p:cTn>
+                              </p:par>
+                            </p:childTnLst>
+                          </p:cTn>
+                        </p:par>
+                      </p:childTnLst>
+                    </p:cTn>
+                  </p:par>
+                  <p:par>
+                    <p:cTn id="12" fill="hold">
+                      <p:stCondLst>
+                        <p:cond delay="indefinite"/>
+                      </p:stCondLst>
+                      <p:childTnLst>
+                        <p:par>
+                          <p:cTn id="13" fill="hold">
+                            <p:stCondLst>
+                              <p:cond delay="0"/>
+                            </p:stCondLst>
+                            <p:childTnLst>
+                              <p:par>
+                                <p:cTn id="14" presetID="22" presetClass="entr" presetSubtype="8" fill="hold" grpId="0" nodeType="clickEffect">
+                                  <p:stCondLst>
+                                    <p:cond delay="0"/>
+                                  </p:stCondLst>
+                                  <p:childTnLst>
+                                    <p:set>
+                                      <p:cBhvr>
+                                        <p:cTn id="15" dur="1" fill="hold">
+                                          <p:stCondLst>
+                                            <p:cond delay="0"/>
+                                          </p:stCondLst>
+                                        </p:cTn>
+                                        <p:tgtEl>
+                                          <p:spTgt spid="40990"/>
+                                        </p:tgtEl>
+                                        <p:attrNameLst>
+                                          <p:attrName>style.visibility</p:attrName>
+                                        </p:attrNameLst>
+                                      </p:cBhvr>
+                                      <p:to>
+                                        <p:strVal val="visible"/>
+                                      </p:to>
+                                    </p:set>
+                                    <p:animEffect transition="in" filter="wipe(left)">
+                                      <p:cBhvr>
+                                        <p:cTn id="16" dur="500"/>
+                                        <p:tgtEl>
+                                          <p:spTgt spid="40990"/>
+                                        </p:tgtEl>
+                                      </p:cBhvr>
+                                    </p:animEffect>
+                                  </p:childTnLst>
+                                </p:cTn>
+                              </p:par>
+                            </p:childTnLst>
+                          </p:cTn>
+                        </p:par>
+                      </p:childTnLst>
+                    </p:cTn>
+                  </p:par>
+                </p:childTnLst>
+              </p:cTn>
+              <p:prevCondLst>
+                <p:cond evt="onPrev" delay="0">
+                  <p:tgtEl>
+                    <p:sldTgt/>
+                  </p:tgtEl>
+                </p:cond>
+              </p:prevCondLst>
+              <p:nextCondLst>
+                <p:cond evt="onNext" delay="0">
+                  <p:tgtEl>
+                    <p:sldTgt/>
+                  </p:tgtEl>
+                </p:cond>
+              </p:nextCondLst>
+            </p:seq>
+          </p:childTnLst>
+        </p:cTn>
+      </p:par>
+    </p:tnLst>
+    <p:bldLst>
+      <p:bldP spid="40986" grpId="0" animBg="1"/>
+      <p:bldP spid="40990" grpId="0" animBg="1"/>
+      <p:bldP spid="28" grpId="0" animBg="1"/>
+    </p:bldLst>
+  </p:timing>
+</p:sld>
+</file>
+
+<file path=ppt/slides/slide11.xml><?xml version="1.0" encoding="utf-8"?>
+<p:sld xmlns:a="http://schemas.openxmlformats.org/drawingml/2006/main" xmlns:r="http://schemas.openxmlformats.org/officeDocument/2006/relationships" xmlns:p="http://schemas.openxmlformats.org/presentationml/2006/main">
+  <p:cSld>
+    <p:spTree>
+      <p:nvGrpSpPr>
+        <p:cNvPr id="1" name=""/>
+        <p:cNvGrpSpPr/>
+        <p:nvPr/>
+      </p:nvGrpSpPr>
+      <p:grpSpPr>
+        <a:xfrm>
+          <a:off x="0" y="0"/>
+          <a:ext cx="0" cy="0"/>
+          <a:chOff x="0" y="0"/>
+          <a:chExt cx="0" cy="0"/>
+        </a:xfrm>
+      </p:grpSpPr>
+      <p:sp>
+        <p:nvSpPr>
+          <p:cNvPr id="2" name="Title 1"/>
+          <p:cNvSpPr>
+            <a:spLocks noGrp="1"/>
+          </p:cNvSpPr>
+          <p:nvPr>
+            <p:ph type="title"/>
+          </p:nvPr>
+        </p:nvSpPr>
+        <p:spPr>
+          <a:xfrm>
+            <a:off x="0" y="76200"/>
+            <a:ext cx="9144000" cy="1143000"/>
+          </a:xfrm>
+        </p:spPr>
+        <p:txBody>
+          <a:bodyPr>
+            <a:normAutofit/>
+          </a:bodyPr>
+          <a:lstStyle/>
+          <a:p>
+            <a:r>
+              <a:rPr lang="en-US" dirty="0"/>
+              <a:t>A</a:t>
+            </a:r>
+            <a:r>
+              <a:rPr lang="en-US" dirty="0" smtClean="0"/>
+              <a:t>daptive Management: Planning</a:t>
+            </a:r>
+            <a:endParaRPr lang="en-US" dirty="0"/>
+          </a:p>
+        </p:txBody>
+      </p:sp>
+      <p:sp>
+        <p:nvSpPr>
+          <p:cNvPr id="3" name="Content Placeholder 2"/>
+          <p:cNvSpPr>
+            <a:spLocks noGrp="1"/>
+          </p:cNvSpPr>
+          <p:nvPr>
+            <p:ph idx="1"/>
+          </p:nvPr>
+        </p:nvSpPr>
+        <p:spPr>
+          <a:xfrm>
+            <a:off x="152400" y="1219200"/>
+            <a:ext cx="8915400" cy="5105400"/>
+          </a:xfrm>
+        </p:spPr>
+        <p:txBody>
+          <a:bodyPr>
+            <a:normAutofit fontScale="77500" lnSpcReduction="20000"/>
+          </a:bodyPr>
+          <a:lstStyle/>
+          <a:p>
+            <a:r>
+              <a:rPr lang="en-US" b="1" dirty="0" smtClean="0"/>
+              <a:t>Objective</a:t>
+            </a:r>
+            <a:endParaRPr lang="en-US" dirty="0" smtClean="0"/>
+          </a:p>
+          <a:p>
+            <a:pPr lvl="1"/>
+            <a:r>
+              <a:rPr lang="en-US" dirty="0" smtClean="0"/>
+              <a:t>Improve walleye fishing</a:t>
+            </a:r>
+          </a:p>
+          <a:p>
+            <a:pPr lvl="1"/>
+            <a:r>
+              <a:rPr lang="en-US" dirty="0" smtClean="0"/>
+              <a:t>YOY walleye catch rate of </a:t>
+            </a:r>
+            <a:r>
+              <a:rPr lang="en-US" u="sng" dirty="0" smtClean="0"/>
+              <a:t>&gt;</a:t>
+            </a:r>
+            <a:r>
+              <a:rPr lang="en-US" dirty="0" smtClean="0"/>
+              <a:t>30/mile in 75% of lakes within 10 </a:t>
+            </a:r>
+            <a:r>
+              <a:rPr lang="en-US" dirty="0" err="1" smtClean="0"/>
+              <a:t>yrs</a:t>
+            </a:r>
+            <a:endParaRPr lang="en-US" dirty="0" smtClean="0"/>
+          </a:p>
+          <a:p>
+            <a:pPr lvl="1"/>
+            <a:endParaRPr lang="en-US" dirty="0" smtClean="0"/>
+          </a:p>
+          <a:p>
+            <a:r>
+              <a:rPr lang="en-US" b="1" dirty="0" smtClean="0"/>
+              <a:t>Uncertainties</a:t>
+            </a:r>
+          </a:p>
+          <a:p>
+            <a:pPr lvl="1"/>
+            <a:r>
+              <a:rPr lang="en-US" dirty="0" smtClean="0"/>
+              <a:t>Effects of largemouth bass (LMB) on walleye</a:t>
+            </a:r>
+          </a:p>
+          <a:p>
+            <a:pPr lvl="1"/>
+            <a:r>
+              <a:rPr lang="en-US" dirty="0" smtClean="0"/>
+              <a:t>Role of harvest regulations in determining LMB abundance</a:t>
+            </a:r>
+          </a:p>
+          <a:p>
+            <a:pPr lvl="1"/>
+            <a:endParaRPr lang="en-US" dirty="0" smtClean="0"/>
+          </a:p>
+          <a:p>
+            <a:r>
+              <a:rPr lang="en-US" b="1" dirty="0" smtClean="0"/>
+              <a:t>Hypotheses</a:t>
+            </a:r>
+            <a:endParaRPr lang="en-US" dirty="0" smtClean="0"/>
+          </a:p>
+          <a:p>
+            <a:pPr lvl="1"/>
+            <a:r>
+              <a:rPr lang="en-US" dirty="0" smtClean="0"/>
+              <a:t>LMB are causing declines in </a:t>
+            </a:r>
+            <a:r>
+              <a:rPr lang="en-US" smtClean="0"/>
+              <a:t>walleye reproduction</a:t>
+            </a:r>
+            <a:endParaRPr lang="en-US" dirty="0" smtClean="0"/>
+          </a:p>
+          <a:p>
+            <a:pPr lvl="1"/>
+            <a:r>
+              <a:rPr lang="en-US" dirty="0" smtClean="0"/>
+              <a:t>Liberalized harvest regulations will decrease LMB population</a:t>
+            </a:r>
+          </a:p>
+          <a:p>
+            <a:pPr lvl="1"/>
+            <a:endParaRPr lang="en-US" dirty="0"/>
+          </a:p>
+          <a:p>
+            <a:r>
+              <a:rPr lang="en-US" b="1" dirty="0" smtClean="0"/>
+              <a:t>Action option</a:t>
+            </a:r>
+            <a:endParaRPr lang="en-US" dirty="0"/>
+          </a:p>
+          <a:p>
+            <a:pPr lvl="1"/>
+            <a:r>
+              <a:rPr lang="en-US" dirty="0" smtClean="0"/>
+              <a:t>Remove length and bag limits on LMB on </a:t>
+            </a:r>
+            <a:r>
+              <a:rPr lang="en-US" b="1" u="sng" dirty="0" smtClean="0"/>
+              <a:t>SOME</a:t>
+            </a:r>
+            <a:r>
+              <a:rPr lang="en-US" dirty="0" smtClean="0"/>
+              <a:t> lakes</a:t>
+            </a:r>
+          </a:p>
+        </p:txBody>
+      </p:sp>
+      <p:cxnSp>
+        <p:nvCxnSpPr>
+          <p:cNvPr id="5" name="Straight Connector 4"/>
+          <p:cNvCxnSpPr/>
+          <p:nvPr/>
+        </p:nvCxnSpPr>
+        <p:spPr>
+          <a:xfrm flipH="1">
+            <a:off x="990600" y="1752600"/>
+            <a:ext cx="3810000" cy="0"/>
+          </a:xfrm>
+          <a:prstGeom prst="line">
+            <a:avLst/>
+          </a:prstGeom>
+          <a:ln w="82550">
+            <a:solidFill>
+              <a:srgbClr val="FF0000"/>
+            </a:solidFill>
+          </a:ln>
+        </p:spPr>
+        <p:style>
+          <a:lnRef idx="1">
+            <a:schemeClr val="accent1"/>
+          </a:lnRef>
+          <a:fillRef idx="0">
+            <a:schemeClr val="accent1"/>
+          </a:fillRef>
+          <a:effectRef idx="0">
+            <a:schemeClr val="accent1"/>
+          </a:effectRef>
+          <a:fontRef idx="minor">
+            <a:schemeClr val="tx1"/>
+          </a:fontRef>
+        </p:style>
+      </p:cxnSp>
+      <p:sp>
+        <p:nvSpPr>
+          <p:cNvPr id="4" name="Footer Placeholder 3"/>
+          <p:cNvSpPr>
+            <a:spLocks noGrp="1"/>
+          </p:cNvSpPr>
+          <p:nvPr>
+            <p:ph type="ftr" sz="quarter" idx="10"/>
+          </p:nvPr>
+        </p:nvSpPr>
+        <p:spPr/>
+        <p:txBody>
+          <a:bodyPr/>
+          <a:lstStyle/>
+          <a:p>
+            <a:pPr>
+              <a:defRPr/>
+            </a:pPr>
+            <a:r>
+              <a:rPr lang="en-US" smtClean="0"/>
+              <a:t>Adaptive Management</a:t>
+            </a:r>
+            <a:endParaRPr lang="en-US"/>
+          </a:p>
+        </p:txBody>
+      </p:sp>
+      <p:sp>
+        <p:nvSpPr>
+          <p:cNvPr id="6" name="Slide Number Placeholder 5"/>
+          <p:cNvSpPr>
+            <a:spLocks noGrp="1"/>
+          </p:cNvSpPr>
+          <p:nvPr>
+            <p:ph type="sldNum" sz="quarter" idx="11"/>
+          </p:nvPr>
+        </p:nvSpPr>
+        <p:spPr/>
+        <p:txBody>
+          <a:bodyPr/>
+          <a:lstStyle/>
+          <a:p>
+            <a:pPr>
+              <a:defRPr/>
+            </a:pPr>
+            <a:fld id="{C6A2F5B4-2197-4B8F-A126-FB2FF53A65C9}" type="slidenum">
+              <a:rPr lang="en-US" smtClean="0"/>
+              <a:pPr>
+                <a:defRPr/>
+              </a:pPr>
+              <a:t>11</a:t>
+            </a:fld>
+            <a:endParaRPr lang="en-US"/>
+          </a:p>
+        </p:txBody>
+      </p:sp>
+    </p:spTree>
+    <p:extLst>
+      <p:ext uri="{BB962C8B-B14F-4D97-AF65-F5344CB8AC3E}">
+        <p14:creationId xmlns:p14="http://schemas.microsoft.com/office/powerpoint/2010/main" val="3786418359"/>
+      </p:ext>
+    </p:extLst>
+  </p:cSld>
+  <p:clrMapOvr>
+    <a:masterClrMapping/>
+  </p:clrMapOvr>
+  <p:timing>
+    <p:tnLst>
+      <p:par>
+        <p:cTn id="1" dur="indefinite" restart="never" nodeType="tmRoot">
+          <p:childTnLst>
+            <p:seq concurrent="1" nextAc="seek">
+              <p:cTn id="2" dur="indefinite" nodeType="mainSeq">
+                <p:childTnLst>
+                  <p:par>
+                    <p:cTn id="3" fill="hold">
+                      <p:stCondLst>
+                        <p:cond delay="indefinite"/>
+                      </p:stCondLst>
+                      <p:childTnLst>
+                        <p:par>
+                          <p:cTn id="4" fill="hold">
+                            <p:stCondLst>
+                              <p:cond delay="0"/>
+                            </p:stCondLst>
+                            <p:childTnLst>
+                              <p:par>
+                                <p:cTn id="5" presetID="1" presetClass="entr" presetSubtype="0" fill="hold" grpId="0" nodeType="clickEffect">
+                                  <p:stCondLst>
+                                    <p:cond delay="0"/>
+                                  </p:stCondLst>
+                                  <p:childTnLst>
+                                    <p:set>
+                                      <p:cBhvr>
+                                        <p:cTn id="6" dur="1" fill="hold">
+                                          <p:stCondLst>
+                                            <p:cond delay="0"/>
+                                          </p:stCondLst>
+                                        </p:cTn>
+                                        <p:tgtEl>
+                                          <p:spTgt spid="3">
+                                            <p:txEl>
+                                              <p:pRg st="1" end="1"/>
+                                            </p:txEl>
+                                          </p:spTgt>
+                                        </p:tgtEl>
+                                        <p:attrNameLst>
+                                          <p:attrName>style.visibility</p:attrName>
+                                        </p:attrNameLst>
+                                      </p:cBhvr>
+                                      <p:to>
+                                        <p:strVal val="visible"/>
+                                      </p:to>
+                                    </p:set>
+                                  </p:childTnLst>
+                                </p:cTn>
+                              </p:par>
+                            </p:childTnLst>
+                          </p:cTn>
+                        </p:par>
+                      </p:childTnLst>
+                    </p:cTn>
+                  </p:par>
+                  <p:par>
+                    <p:cTn id="7" fill="hold">
+                      <p:stCondLst>
+                        <p:cond delay="indefinite"/>
+                      </p:stCondLst>
+                      <p:childTnLst>
+                        <p:par>
+                          <p:cTn id="8" fill="hold">
+                            <p:stCondLst>
+                              <p:cond delay="0"/>
+                            </p:stCondLst>
+                            <p:childTnLst>
+                              <p:par>
+                                <p:cTn id="9" presetID="22" presetClass="entr" presetSubtype="8" fill="hold" nodeType="clickEffect">
+                                  <p:stCondLst>
+                                    <p:cond delay="0"/>
+                                  </p:stCondLst>
+                                  <p:childTnLst>
+                                    <p:set>
+                                      <p:cBhvr>
+                                        <p:cTn id="10" dur="1" fill="hold">
+                                          <p:stCondLst>
+                                            <p:cond delay="0"/>
+                                          </p:stCondLst>
+                                        </p:cTn>
+                                        <p:tgtEl>
+                                          <p:spTgt spid="5"/>
+                                        </p:tgtEl>
+                                        <p:attrNameLst>
+                                          <p:attrName>style.visibility</p:attrName>
+                                        </p:attrNameLst>
+                                      </p:cBhvr>
+                                      <p:to>
+                                        <p:strVal val="visible"/>
+                                      </p:to>
+                                    </p:set>
+                                    <p:animEffect transition="in" filter="wipe(left)">
+                                      <p:cBhvr>
+                                        <p:cTn id="11" dur="500"/>
+                                        <p:tgtEl>
+                                          <p:spTgt spid="5"/>
+                                        </p:tgtEl>
+                                      </p:cBhvr>
+                                    </p:animEffect>
+                                  </p:childTnLst>
+                                </p:cTn>
+                              </p:par>
+                            </p:childTnLst>
+                          </p:cTn>
+                        </p:par>
+                      </p:childTnLst>
+                    </p:cTn>
+                  </p:par>
+                  <p:par>
+                    <p:cTn id="12" fill="hold">
+                      <p:stCondLst>
+                        <p:cond delay="indefinite"/>
+                      </p:stCondLst>
+                      <p:childTnLst>
+                        <p:par>
+                          <p:cTn id="13" fill="hold">
+                            <p:stCondLst>
+                              <p:cond delay="0"/>
+                            </p:stCondLst>
+                            <p:childTnLst>
+                              <p:par>
+                                <p:cTn id="14" presetID="1" presetClass="entr" presetSubtype="0" fill="hold" grpId="0" nodeType="clickEffect">
+                                  <p:stCondLst>
+                                    <p:cond delay="0"/>
+                                  </p:stCondLst>
+                                  <p:childTnLst>
+                                    <p:set>
+                                      <p:cBhvr>
+                                        <p:cTn id="15" dur="1" fill="hold">
+                                          <p:stCondLst>
+                                            <p:cond delay="0"/>
+                                          </p:stCondLst>
+                                        </p:cTn>
+                                        <p:tgtEl>
+                                          <p:spTgt spid="3">
+                                            <p:txEl>
+                                              <p:pRg st="2" end="2"/>
+                                            </p:txEl>
+                                          </p:spTgt>
+                                        </p:tgtEl>
+                                        <p:attrNameLst>
+                                          <p:attrName>style.visibility</p:attrName>
+                                        </p:attrNameLst>
+                                      </p:cBhvr>
+                                      <p:to>
+                                        <p:strVal val="visible"/>
+                                      </p:to>
+                                    </p:set>
+                                  </p:childTnLst>
+                                </p:cTn>
+                              </p:par>
+                            </p:childTnLst>
+                          </p:cTn>
+                        </p:par>
+                      </p:childTnLst>
+                    </p:cTn>
+                  </p:par>
+                  <p:par>
+                    <p:cTn id="16" fill="hold">
+                      <p:stCondLst>
+                        <p:cond delay="indefinite"/>
+                      </p:stCondLst>
+                      <p:childTnLst>
+                        <p:par>
+                          <p:cTn id="17" fill="hold">
+                            <p:stCondLst>
+                              <p:cond delay="0"/>
+                            </p:stCondLst>
+                            <p:childTnLst>
+                              <p:par>
+                                <p:cTn id="18" presetID="1" presetClass="entr" presetSubtype="0" fill="hold" grpId="0" nodeType="clickEffect">
+                                  <p:stCondLst>
+                                    <p:cond delay="0"/>
+                                  </p:stCondLst>
+                                  <p:childTnLst>
+                                    <p:set>
+                                      <p:cBhvr>
+                                        <p:cTn id="19" dur="1" fill="hold">
+                                          <p:stCondLst>
+                                            <p:cond delay="0"/>
+                                          </p:stCondLst>
+                                        </p:cTn>
+                                        <p:tgtEl>
+                                          <p:spTgt spid="3">
+                                            <p:txEl>
+                                              <p:pRg st="4" end="4"/>
+                                            </p:txEl>
+                                          </p:spTgt>
+                                        </p:tgtEl>
+                                        <p:attrNameLst>
+                                          <p:attrName>style.visibility</p:attrName>
+                                        </p:attrNameLst>
+                                      </p:cBhvr>
+                                      <p:to>
+                                        <p:strVal val="visible"/>
+                                      </p:to>
+                                    </p:set>
+                                  </p:childTnLst>
+                                </p:cTn>
+                              </p:par>
+                              <p:par>
+                                <p:cTn id="20" presetID="1" presetClass="entr" presetSubtype="0" fill="hold" grpId="0" nodeType="withEffect">
+                                  <p:stCondLst>
+                                    <p:cond delay="0"/>
+                                  </p:stCondLst>
+                                  <p:childTnLst>
+                                    <p:set>
+                                      <p:cBhvr>
+                                        <p:cTn id="21" dur="1" fill="hold">
+                                          <p:stCondLst>
+                                            <p:cond delay="0"/>
+                                          </p:stCondLst>
+                                        </p:cTn>
+                                        <p:tgtEl>
+                                          <p:spTgt spid="3">
+                                            <p:txEl>
+                                              <p:pRg st="5" end="5"/>
+                                            </p:txEl>
+                                          </p:spTgt>
+                                        </p:tgtEl>
+                                        <p:attrNameLst>
+                                          <p:attrName>style.visibility</p:attrName>
+                                        </p:attrNameLst>
+                                      </p:cBhvr>
+                                      <p:to>
+                                        <p:strVal val="visible"/>
+                                      </p:to>
+                                    </p:set>
+                                  </p:childTnLst>
+                                </p:cTn>
+                              </p:par>
+                              <p:par>
+                                <p:cTn id="22" presetID="1" presetClass="entr" presetSubtype="0" fill="hold" grpId="0" nodeType="withEffect">
+                                  <p:stCondLst>
+                                    <p:cond delay="0"/>
+                                  </p:stCondLst>
+                                  <p:childTnLst>
+                                    <p:set>
+                                      <p:cBhvr>
+                                        <p:cTn id="23" dur="1" fill="hold">
+                                          <p:stCondLst>
+                                            <p:cond delay="0"/>
+                                          </p:stCondLst>
+                                        </p:cTn>
+                                        <p:tgtEl>
+                                          <p:spTgt spid="3">
+                                            <p:txEl>
+                                              <p:pRg st="6" end="6"/>
+                                            </p:txEl>
+                                          </p:spTgt>
+                                        </p:tgtEl>
+                                        <p:attrNameLst>
+                                          <p:attrName>style.visibility</p:attrName>
+                                        </p:attrNameLst>
+                                      </p:cBhvr>
+                                      <p:to>
+                                        <p:strVal val="visible"/>
+                                      </p:to>
+                                    </p:set>
+                                  </p:childTnLst>
+                                </p:cTn>
+                              </p:par>
+                            </p:childTnLst>
+                          </p:cTn>
+                        </p:par>
+                      </p:childTnLst>
+                    </p:cTn>
+                  </p:par>
+                  <p:par>
+                    <p:cTn id="24" fill="hold">
+                      <p:stCondLst>
+                        <p:cond delay="indefinite"/>
+                      </p:stCondLst>
+                      <p:childTnLst>
+                        <p:par>
+                          <p:cTn id="25" fill="hold">
+                            <p:stCondLst>
+                              <p:cond delay="0"/>
+                            </p:stCondLst>
+                            <p:childTnLst>
+                              <p:par>
+                                <p:cTn id="26" presetID="1" presetClass="entr" presetSubtype="0" fill="hold" grpId="0" nodeType="clickEffect">
+                                  <p:stCondLst>
+                                    <p:cond delay="0"/>
+                                  </p:stCondLst>
+                                  <p:childTnLst>
+                                    <p:set>
+                                      <p:cBhvr>
+                                        <p:cTn id="27" dur="1" fill="hold">
+                                          <p:stCondLst>
+                                            <p:cond delay="0"/>
+                                          </p:stCondLst>
+                                        </p:cTn>
+                                        <p:tgtEl>
+                                          <p:spTgt spid="3">
+                                            <p:txEl>
+                                              <p:pRg st="8" end="8"/>
+                                            </p:txEl>
+                                          </p:spTgt>
+                                        </p:tgtEl>
+                                        <p:attrNameLst>
+                                          <p:attrName>style.visibility</p:attrName>
+                                        </p:attrNameLst>
+                                      </p:cBhvr>
+                                      <p:to>
+                                        <p:strVal val="visible"/>
+                                      </p:to>
+                                    </p:set>
+                                  </p:childTnLst>
+                                </p:cTn>
+                              </p:par>
+                              <p:par>
+                                <p:cTn id="28" presetID="1" presetClass="entr" presetSubtype="0" fill="hold" grpId="0" nodeType="withEffect">
+                                  <p:stCondLst>
+                                    <p:cond delay="0"/>
+                                  </p:stCondLst>
+                                  <p:childTnLst>
+                                    <p:set>
+                                      <p:cBhvr>
+                                        <p:cTn id="29" dur="1" fill="hold">
+                                          <p:stCondLst>
+                                            <p:cond delay="0"/>
+                                          </p:stCondLst>
+                                        </p:cTn>
+                                        <p:tgtEl>
+                                          <p:spTgt spid="3">
+                                            <p:txEl>
+                                              <p:pRg st="9" end="9"/>
+                                            </p:txEl>
+                                          </p:spTgt>
+                                        </p:tgtEl>
+                                        <p:attrNameLst>
+                                          <p:attrName>style.visibility</p:attrName>
+                                        </p:attrNameLst>
+                                      </p:cBhvr>
+                                      <p:to>
+                                        <p:strVal val="visible"/>
+                                      </p:to>
+                                    </p:set>
+                                  </p:childTnLst>
+                                </p:cTn>
+                              </p:par>
+                              <p:par>
+                                <p:cTn id="30" presetID="1" presetClass="entr" presetSubtype="0" fill="hold" grpId="0" nodeType="withEffect">
+                                  <p:stCondLst>
+                                    <p:cond delay="0"/>
+                                  </p:stCondLst>
+                                  <p:childTnLst>
+                                    <p:set>
+                                      <p:cBhvr>
+                                        <p:cTn id="31" dur="1" fill="hold">
+                                          <p:stCondLst>
+                                            <p:cond delay="0"/>
+                                          </p:stCondLst>
+                                        </p:cTn>
+                                        <p:tgtEl>
+                                          <p:spTgt spid="3">
+                                            <p:txEl>
+                                              <p:pRg st="10" end="10"/>
+                                            </p:txEl>
+                                          </p:spTgt>
+                                        </p:tgtEl>
+                                        <p:attrNameLst>
+                                          <p:attrName>style.visibility</p:attrName>
+                                        </p:attrNameLst>
+                                      </p:cBhvr>
+                                      <p:to>
+                                        <p:strVal val="visible"/>
+                                      </p:to>
+                                    </p:set>
+                                  </p:childTnLst>
+                                </p:cTn>
+                              </p:par>
+                            </p:childTnLst>
+                          </p:cTn>
+                        </p:par>
+                      </p:childTnLst>
+                    </p:cTn>
+                  </p:par>
+                  <p:par>
+                    <p:cTn id="32" fill="hold">
+                      <p:stCondLst>
+                        <p:cond delay="indefinite"/>
+                      </p:stCondLst>
+                      <p:childTnLst>
+                        <p:par>
+                          <p:cTn id="33" fill="hold">
+                            <p:stCondLst>
+                              <p:cond delay="0"/>
+                            </p:stCondLst>
+                            <p:childTnLst>
+                              <p:par>
+                                <p:cTn id="34" presetID="1" presetClass="entr" presetSubtype="0" fill="hold" grpId="0" nodeType="clickEffect">
+                                  <p:stCondLst>
+                                    <p:cond delay="0"/>
+                                  </p:stCondLst>
+                                  <p:childTnLst>
+                                    <p:set>
+                                      <p:cBhvr>
+                                        <p:cTn id="35" dur="1" fill="hold">
+                                          <p:stCondLst>
+                                            <p:cond delay="0"/>
+                                          </p:stCondLst>
+                                        </p:cTn>
+                                        <p:tgtEl>
+                                          <p:spTgt spid="3">
+                                            <p:txEl>
+                                              <p:pRg st="12" end="12"/>
+                                            </p:txEl>
+                                          </p:spTgt>
+                                        </p:tgtEl>
+                                        <p:attrNameLst>
+                                          <p:attrName>style.visibility</p:attrName>
+                                        </p:attrNameLst>
+                                      </p:cBhvr>
+                                      <p:to>
+                                        <p:strVal val="visible"/>
+                                      </p:to>
+                                    </p:set>
+                                  </p:childTnLst>
+                                </p:cTn>
+                              </p:par>
+                              <p:par>
+                                <p:cTn id="36" presetID="1" presetClass="entr" presetSubtype="0" fill="hold" grpId="0" nodeType="withEffect">
+                                  <p:stCondLst>
+                                    <p:cond delay="0"/>
+                                  </p:stCondLst>
+                                  <p:childTnLst>
+                                    <p:set>
+                                      <p:cBhvr>
+                                        <p:cTn id="37" dur="1" fill="hold">
+                                          <p:stCondLst>
+                                            <p:cond delay="0"/>
+                                          </p:stCondLst>
+                                        </p:cTn>
+                                        <p:tgtEl>
+                                          <p:spTgt spid="3">
+                                            <p:txEl>
+                                              <p:pRg st="13" end="13"/>
+                                            </p:txEl>
+                                          </p:spTgt>
+                                        </p:tgtEl>
+                                        <p:attrNameLst>
+                                          <p:attrName>style.visibility</p:attrName>
+                                        </p:attrNameLst>
+                                      </p:cBhvr>
+                                      <p:to>
+                                        <p:strVal val="visible"/>
+                                      </p:to>
+                                    </p:set>
+                                  </p:childTnLst>
+                                </p:cTn>
+                              </p:par>
+                            </p:childTnLst>
+                          </p:cTn>
+                        </p:par>
+                      </p:childTnLst>
+                    </p:cTn>
+                  </p:par>
+                </p:childTnLst>
+              </p:cTn>
+              <p:prevCondLst>
+                <p:cond evt="onPrev" delay="0">
+                  <p:tgtEl>
+                    <p:sldTgt/>
+                  </p:tgtEl>
+                </p:cond>
+              </p:prevCondLst>
+              <p:nextCondLst>
+                <p:cond evt="onNext" delay="0">
+                  <p:tgtEl>
+                    <p:sldTgt/>
+                  </p:tgtEl>
+                </p:cond>
+              </p:nextCondLst>
+            </p:seq>
+          </p:childTnLst>
+        </p:cTn>
+      </p:par>
+    </p:tnLst>
+    <p:bldLst>
+      <p:bldP spid="3" grpId="0" uiExpand="1" build="p"/>
+    </p:bldLst>
+  </p:timing>
+</p:sld>
+</file>
+
+<file path=ppt/slides/slide12.xml><?xml version="1.0" encoding="utf-8"?>
+<p:sld xmlns:a="http://schemas.openxmlformats.org/drawingml/2006/main" xmlns:r="http://schemas.openxmlformats.org/officeDocument/2006/relationships" xmlns:p="http://schemas.openxmlformats.org/presentationml/2006/main">
+  <p:cSld>
+    <p:spTree>
+      <p:nvGrpSpPr>
+        <p:cNvPr id="1" name=""/>
+        <p:cNvGrpSpPr/>
+        <p:nvPr/>
+      </p:nvGrpSpPr>
+      <p:grpSpPr>
+        <a:xfrm>
+          <a:off x="0" y="0"/>
+          <a:ext cx="0" cy="0"/>
+          <a:chOff x="0" y="0"/>
+          <a:chExt cx="0" cy="0"/>
+        </a:xfrm>
+      </p:grpSpPr>
+      <p:sp>
+        <p:nvSpPr>
           <p:cNvPr id="4" name="Rectangle 3"/>
           <p:cNvSpPr/>
           <p:nvPr/>
@@ -6885,9 +9772,170 @@
               <a:pPr>
                 <a:defRPr/>
               </a:pPr>
-              <a:t>10</a:t>
+              <a:t>12</a:t>
             </a:fld>
             <a:endParaRPr lang="en-US"/>
+          </a:p>
+        </p:txBody>
+      </p:sp>
+      <p:sp>
+        <p:nvSpPr>
+          <p:cNvPr id="57" name="TextBox 50"/>
+          <p:cNvSpPr txBox="1">
+            <a:spLocks noChangeArrowheads="1"/>
+          </p:cNvSpPr>
+          <p:nvPr/>
+        </p:nvSpPr>
+        <p:spPr bwMode="auto">
+          <a:xfrm>
+            <a:off x="0" y="6592956"/>
+            <a:ext cx="2191626" cy="276999"/>
+          </a:xfrm>
+          <a:prstGeom prst="rect">
+            <a:avLst/>
+          </a:prstGeom>
+          <a:noFill/>
+          <a:ln>
+            <a:noFill/>
+          </a:ln>
+          <a:extLst>
+            <a:ext uri="{909E8E84-426E-40DD-AFC4-6F175D3DCCD1}">
+              <a14:hiddenFill xmlns:a14="http://schemas.microsoft.com/office/drawing/2010/main">
+                <a:solidFill>
+                  <a:srgbClr val="FFFFFF"/>
+                </a:solidFill>
+              </a14:hiddenFill>
+            </a:ext>
+            <a:ext uri="{91240B29-F687-4F45-9708-019B960494DF}">
+              <a14:hiddenLine xmlns:a14="http://schemas.microsoft.com/office/drawing/2010/main" w="9525">
+                <a:solidFill>
+                  <a:srgbClr val="000000"/>
+                </a:solidFill>
+                <a:miter lim="800000"/>
+                <a:headEnd/>
+                <a:tailEnd/>
+              </a14:hiddenLine>
+            </a:ext>
+          </a:extLst>
+        </p:spPr>
+        <p:txBody>
+          <a:bodyPr wrap="none">
+            <a:spAutoFit/>
+          </a:bodyPr>
+          <a:lstStyle>
+            <a:lvl1pPr eaLnBrk="0" hangingPunct="0">
+              <a:defRPr>
+                <a:solidFill>
+                  <a:schemeClr val="tx1"/>
+                </a:solidFill>
+                <a:latin typeface="Arial" charset="0"/>
+                <a:ea typeface="ＭＳ Ｐゴシック" pitchFamily="34" charset="-128"/>
+              </a:defRPr>
+            </a:lvl1pPr>
+            <a:lvl2pPr marL="742950" indent="-285750" eaLnBrk="0" hangingPunct="0">
+              <a:defRPr>
+                <a:solidFill>
+                  <a:schemeClr val="tx1"/>
+                </a:solidFill>
+                <a:latin typeface="Arial" charset="0"/>
+                <a:ea typeface="ＭＳ Ｐゴシック" pitchFamily="34" charset="-128"/>
+              </a:defRPr>
+            </a:lvl2pPr>
+            <a:lvl3pPr marL="1143000" indent="-228600" eaLnBrk="0" hangingPunct="0">
+              <a:defRPr>
+                <a:solidFill>
+                  <a:schemeClr val="tx1"/>
+                </a:solidFill>
+                <a:latin typeface="Arial" charset="0"/>
+                <a:ea typeface="ＭＳ Ｐゴシック" pitchFamily="34" charset="-128"/>
+              </a:defRPr>
+            </a:lvl3pPr>
+            <a:lvl4pPr marL="1600200" indent="-228600" eaLnBrk="0" hangingPunct="0">
+              <a:defRPr>
+                <a:solidFill>
+                  <a:schemeClr val="tx1"/>
+                </a:solidFill>
+                <a:latin typeface="Arial" charset="0"/>
+                <a:ea typeface="ＭＳ Ｐゴシック" pitchFamily="34" charset="-128"/>
+              </a:defRPr>
+            </a:lvl4pPr>
+            <a:lvl5pPr marL="2057400" indent="-228600" eaLnBrk="0" hangingPunct="0">
+              <a:defRPr>
+                <a:solidFill>
+                  <a:schemeClr val="tx1"/>
+                </a:solidFill>
+                <a:latin typeface="Arial" charset="0"/>
+                <a:ea typeface="ＭＳ Ｐゴシック" pitchFamily="34" charset="-128"/>
+              </a:defRPr>
+            </a:lvl5pPr>
+            <a:lvl6pPr marL="2514600" indent="-228600" eaLnBrk="0" fontAlgn="base" hangingPunct="0">
+              <a:spcBef>
+                <a:spcPct val="0"/>
+              </a:spcBef>
+              <a:spcAft>
+                <a:spcPct val="0"/>
+              </a:spcAft>
+              <a:defRPr>
+                <a:solidFill>
+                  <a:schemeClr val="tx1"/>
+                </a:solidFill>
+                <a:latin typeface="Arial" charset="0"/>
+                <a:ea typeface="ＭＳ Ｐゴシック" pitchFamily="34" charset="-128"/>
+              </a:defRPr>
+            </a:lvl6pPr>
+            <a:lvl7pPr marL="2971800" indent="-228600" eaLnBrk="0" fontAlgn="base" hangingPunct="0">
+              <a:spcBef>
+                <a:spcPct val="0"/>
+              </a:spcBef>
+              <a:spcAft>
+                <a:spcPct val="0"/>
+              </a:spcAft>
+              <a:defRPr>
+                <a:solidFill>
+                  <a:schemeClr val="tx1"/>
+                </a:solidFill>
+                <a:latin typeface="Arial" charset="0"/>
+                <a:ea typeface="ＭＳ Ｐゴシック" pitchFamily="34" charset="-128"/>
+              </a:defRPr>
+            </a:lvl7pPr>
+            <a:lvl8pPr marL="3429000" indent="-228600" eaLnBrk="0" fontAlgn="base" hangingPunct="0">
+              <a:spcBef>
+                <a:spcPct val="0"/>
+              </a:spcBef>
+              <a:spcAft>
+                <a:spcPct val="0"/>
+              </a:spcAft>
+              <a:defRPr>
+                <a:solidFill>
+                  <a:schemeClr val="tx1"/>
+                </a:solidFill>
+                <a:latin typeface="Arial" charset="0"/>
+                <a:ea typeface="ＭＳ Ｐゴシック" pitchFamily="34" charset="-128"/>
+              </a:defRPr>
+            </a:lvl8pPr>
+            <a:lvl9pPr marL="3886200" indent="-228600" eaLnBrk="0" fontAlgn="base" hangingPunct="0">
+              <a:spcBef>
+                <a:spcPct val="0"/>
+              </a:spcBef>
+              <a:spcAft>
+                <a:spcPct val="0"/>
+              </a:spcAft>
+              <a:defRPr>
+                <a:solidFill>
+                  <a:schemeClr val="tx1"/>
+                </a:solidFill>
+                <a:latin typeface="Arial" charset="0"/>
+                <a:ea typeface="ＭＳ Ｐゴシック" pitchFamily="34" charset="-128"/>
+              </a:defRPr>
+            </a:lvl9pPr>
+          </a:lstStyle>
+          <a:p>
+            <a:pPr eaLnBrk="1" hangingPunct="1"/>
+            <a:r>
+              <a:rPr lang="en-US" sz="1200" i="1" dirty="0" smtClean="0"/>
+              <a:t>From Gretchen Hansen (UW)</a:t>
+            </a:r>
+            <a:endParaRPr lang="en-US" sz="1200" i="1" dirty="0"/>
           </a:p>
         </p:txBody>
       </p:sp>
@@ -7532,7 +10580,7 @@
 </p:sld>
 </file>
 
-<file path=ppt/slides/slide11.xml><?xml version="1.0" encoding="utf-8"?>
+<file path=ppt/slides/slide13.xml><?xml version="1.0" encoding="utf-8"?>
 <p:sld xmlns:a="http://schemas.openxmlformats.org/drawingml/2006/main" xmlns:r="http://schemas.openxmlformats.org/officeDocument/2006/relationships" xmlns:p="http://schemas.openxmlformats.org/presentationml/2006/main">
   <p:cSld>
     <p:spTree>
@@ -7566,7 +10614,39 @@
           <a:p>
             <a:r>
               <a:rPr lang="en-US" dirty="0" smtClean="0"/>
-              <a:t>Adaptive Management Cycle</a:t>
+              <a:t>Red Snapper Case Study</a:t>
+            </a:r>
+            <a:endParaRPr lang="en-US" dirty="0"/>
+          </a:p>
+        </p:txBody>
+      </p:sp>
+      <p:sp>
+        <p:nvSpPr>
+          <p:cNvPr id="3" name="Content Placeholder 2"/>
+          <p:cNvSpPr>
+            <a:spLocks noGrp="1"/>
+          </p:cNvSpPr>
+          <p:nvPr>
+            <p:ph idx="1"/>
+          </p:nvPr>
+        </p:nvSpPr>
+        <p:spPr/>
+        <p:txBody>
+          <a:bodyPr/>
+          <a:lstStyle/>
+          <a:p>
+            <a:r>
+              <a:rPr lang="en-US" dirty="0" smtClean="0"/>
+              <a:t>Briefly explain this case study.</a:t>
+            </a:r>
+          </a:p>
+          <a:p>
+            <a:endParaRPr lang="en-US" dirty="0"/>
+          </a:p>
+          <a:p>
+            <a:r>
+              <a:rPr lang="en-US" dirty="0" smtClean="0"/>
+              <a:t>What point was the author trying to make with it?</a:t>
             </a:r>
             <a:endParaRPr lang="en-US" dirty="0"/>
           </a:p>
@@ -7621,7 +10701,261 @@
               <a:pPr>
                 <a:defRPr/>
               </a:pPr>
-              <a:t>11</a:t>
+              <a:t>13</a:t>
+            </a:fld>
+            <a:endParaRPr lang="en-US"/>
+          </a:p>
+        </p:txBody>
+      </p:sp>
+    </p:spTree>
+    <p:extLst>
+      <p:ext uri="{BB962C8B-B14F-4D97-AF65-F5344CB8AC3E}">
+        <p14:creationId xmlns:p14="http://schemas.microsoft.com/office/powerpoint/2010/main" val="3685868093"/>
+      </p:ext>
+    </p:extLst>
+  </p:cSld>
+  <p:clrMapOvr>
+    <a:masterClrMapping/>
+  </p:clrMapOvr>
+  <p:timing>
+    <p:tnLst>
+      <p:par>
+        <p:cTn id="1" dur="indefinite" restart="never" nodeType="tmRoot"/>
+      </p:par>
+    </p:tnLst>
+  </p:timing>
+</p:sld>
+</file>
+
+<file path=ppt/slides/slide14.xml><?xml version="1.0" encoding="utf-8"?>
+<p:sld xmlns:a="http://schemas.openxmlformats.org/drawingml/2006/main" xmlns:r="http://schemas.openxmlformats.org/officeDocument/2006/relationships" xmlns:p="http://schemas.openxmlformats.org/presentationml/2006/main">
+  <p:cSld>
+    <p:spTree>
+      <p:nvGrpSpPr>
+        <p:cNvPr id="1" name=""/>
+        <p:cNvGrpSpPr/>
+        <p:nvPr/>
+      </p:nvGrpSpPr>
+      <p:grpSpPr>
+        <a:xfrm>
+          <a:off x="0" y="0"/>
+          <a:ext cx="0" cy="0"/>
+          <a:chOff x="0" y="0"/>
+          <a:chExt cx="0" cy="0"/>
+        </a:xfrm>
+      </p:grpSpPr>
+      <p:sp>
+        <p:nvSpPr>
+          <p:cNvPr id="2" name="Title 1"/>
+          <p:cNvSpPr>
+            <a:spLocks noGrp="1"/>
+          </p:cNvSpPr>
+          <p:nvPr>
+            <p:ph type="title"/>
+          </p:nvPr>
+        </p:nvSpPr>
+        <p:spPr/>
+        <p:txBody>
+          <a:bodyPr/>
+          <a:lstStyle/>
+          <a:p>
+            <a:r>
+              <a:rPr lang="en-US" dirty="0" smtClean="0"/>
+              <a:t>Explain</a:t>
+            </a:r>
+            <a:endParaRPr lang="en-US" dirty="0"/>
+          </a:p>
+        </p:txBody>
+      </p:sp>
+      <p:sp>
+        <p:nvSpPr>
+          <p:cNvPr id="4" name="Footer Placeholder 3"/>
+          <p:cNvSpPr>
+            <a:spLocks noGrp="1"/>
+          </p:cNvSpPr>
+          <p:nvPr>
+            <p:ph type="ftr" sz="quarter" idx="10"/>
+          </p:nvPr>
+        </p:nvSpPr>
+        <p:spPr/>
+        <p:txBody>
+          <a:bodyPr/>
+          <a:lstStyle/>
+          <a:p>
+            <a:pPr>
+              <a:defRPr/>
+            </a:pPr>
+            <a:r>
+              <a:rPr lang="en-US" smtClean="0"/>
+              <a:t>Adaptive Management</a:t>
+            </a:r>
+            <a:endParaRPr lang="en-US"/>
+          </a:p>
+        </p:txBody>
+      </p:sp>
+      <p:sp>
+        <p:nvSpPr>
+          <p:cNvPr id="5" name="Slide Number Placeholder 4"/>
+          <p:cNvSpPr>
+            <a:spLocks noGrp="1"/>
+          </p:cNvSpPr>
+          <p:nvPr>
+            <p:ph type="sldNum" sz="quarter" idx="11"/>
+          </p:nvPr>
+        </p:nvSpPr>
+        <p:spPr/>
+        <p:txBody>
+          <a:bodyPr/>
+          <a:lstStyle/>
+          <a:p>
+            <a:pPr>
+              <a:defRPr/>
+            </a:pPr>
+            <a:fld id="{C6A2F5B4-2197-4B8F-A126-FB2FF53A65C9}" type="slidenum">
+              <a:rPr lang="en-US" smtClean="0"/>
+              <a:pPr>
+                <a:defRPr/>
+              </a:pPr>
+              <a:t>14</a:t>
+            </a:fld>
+            <a:endParaRPr lang="en-US"/>
+          </a:p>
+        </p:txBody>
+      </p:sp>
+      <p:pic>
+        <p:nvPicPr>
+          <p:cNvPr id="6" name="Picture 5"/>
+          <p:cNvPicPr>
+            <a:picLocks noChangeAspect="1"/>
+          </p:cNvPicPr>
+          <p:nvPr/>
+        </p:nvPicPr>
+        <p:blipFill>
+          <a:blip r:embed="rId3"/>
+          <a:stretch>
+            <a:fillRect/>
+          </a:stretch>
+        </p:blipFill>
+        <p:spPr>
+          <a:xfrm>
+            <a:off x="1201714" y="990600"/>
+            <a:ext cx="6738984" cy="5531634"/>
+          </a:xfrm>
+          <a:prstGeom prst="rect">
+            <a:avLst/>
+          </a:prstGeom>
+        </p:spPr>
+      </p:pic>
+    </p:spTree>
+    <p:extLst>
+      <p:ext uri="{BB962C8B-B14F-4D97-AF65-F5344CB8AC3E}">
+        <p14:creationId xmlns:p14="http://schemas.microsoft.com/office/powerpoint/2010/main" val="3673249280"/>
+      </p:ext>
+    </p:extLst>
+  </p:cSld>
+  <p:clrMapOvr>
+    <a:masterClrMapping/>
+  </p:clrMapOvr>
+  <p:timing>
+    <p:tnLst>
+      <p:par>
+        <p:cTn id="1" dur="indefinite" restart="never" nodeType="tmRoot"/>
+      </p:par>
+    </p:tnLst>
+  </p:timing>
+</p:sld>
+</file>
+
+<file path=ppt/slides/slide15.xml><?xml version="1.0" encoding="utf-8"?>
+<p:sld xmlns:a="http://schemas.openxmlformats.org/drawingml/2006/main" xmlns:r="http://schemas.openxmlformats.org/officeDocument/2006/relationships" xmlns:p="http://schemas.openxmlformats.org/presentationml/2006/main">
+  <p:cSld>
+    <p:spTree>
+      <p:nvGrpSpPr>
+        <p:cNvPr id="1" name=""/>
+        <p:cNvGrpSpPr/>
+        <p:nvPr/>
+      </p:nvGrpSpPr>
+      <p:grpSpPr>
+        <a:xfrm>
+          <a:off x="0" y="0"/>
+          <a:ext cx="0" cy="0"/>
+          <a:chOff x="0" y="0"/>
+          <a:chExt cx="0" cy="0"/>
+        </a:xfrm>
+      </p:grpSpPr>
+      <p:sp>
+        <p:nvSpPr>
+          <p:cNvPr id="2" name="Title 1"/>
+          <p:cNvSpPr>
+            <a:spLocks noGrp="1"/>
+          </p:cNvSpPr>
+          <p:nvPr>
+            <p:ph type="title"/>
+          </p:nvPr>
+        </p:nvSpPr>
+        <p:spPr/>
+        <p:txBody>
+          <a:bodyPr/>
+          <a:lstStyle/>
+          <a:p>
+            <a:r>
+              <a:rPr lang="en-US" dirty="0" smtClean="0"/>
+              <a:t>Adaptive Management Cycle</a:t>
+            </a:r>
+            <a:endParaRPr lang="en-US" dirty="0"/>
+          </a:p>
+        </p:txBody>
+      </p:sp>
+      <p:sp>
+        <p:nvSpPr>
+          <p:cNvPr id="4" name="Footer Placeholder 3"/>
+          <p:cNvSpPr>
+            <a:spLocks noGrp="1"/>
+          </p:cNvSpPr>
+          <p:nvPr>
+            <p:ph type="ftr" sz="quarter" idx="10"/>
+          </p:nvPr>
+        </p:nvSpPr>
+        <p:spPr/>
+        <p:txBody>
+          <a:bodyPr/>
+          <a:lstStyle/>
+          <a:p>
+            <a:pPr>
+              <a:defRPr/>
+            </a:pPr>
+            <a:r>
+              <a:rPr lang="en-US" smtClean="0"/>
+              <a:t>Adaptive Management</a:t>
+            </a:r>
+            <a:endParaRPr lang="en-US"/>
+          </a:p>
+        </p:txBody>
+      </p:sp>
+      <p:sp>
+        <p:nvSpPr>
+          <p:cNvPr id="5" name="Slide Number Placeholder 4"/>
+          <p:cNvSpPr>
+            <a:spLocks noGrp="1"/>
+          </p:cNvSpPr>
+          <p:nvPr>
+            <p:ph type="sldNum" sz="quarter" idx="11"/>
+          </p:nvPr>
+        </p:nvSpPr>
+        <p:spPr/>
+        <p:txBody>
+          <a:bodyPr/>
+          <a:lstStyle/>
+          <a:p>
+            <a:pPr>
+              <a:defRPr/>
+            </a:pPr>
+            <a:fld id="{C6A2F5B4-2197-4B8F-A126-FB2FF53A65C9}" type="slidenum">
+              <a:rPr lang="en-US" smtClean="0"/>
+              <a:pPr>
+                <a:defRPr/>
+              </a:pPr>
+              <a:t>15</a:t>
             </a:fld>
             <a:endParaRPr lang="en-US"/>
           </a:p>
@@ -8025,11 +11359,361 @@
   <p:clrMapOvr>
     <a:masterClrMapping/>
   </p:clrMapOvr>
+  <p:timing>
+    <p:tnLst>
+      <p:par>
+        <p:cTn id="1" dur="indefinite" restart="never" nodeType="tmRoot">
+          <p:childTnLst>
+            <p:seq concurrent="1" nextAc="seek">
+              <p:cTn id="2" dur="indefinite" nodeType="mainSeq">
+                <p:childTnLst>
+                  <p:par>
+                    <p:cTn id="3" fill="hold">
+                      <p:stCondLst>
+                        <p:cond delay="indefinite"/>
+                        <p:cond evt="onBegin" delay="0">
+                          <p:tn val="2"/>
+                        </p:cond>
+                      </p:stCondLst>
+                      <p:childTnLst>
+                        <p:par>
+                          <p:cTn id="4" fill="hold">
+                            <p:stCondLst>
+                              <p:cond delay="0"/>
+                            </p:stCondLst>
+                            <p:childTnLst>
+                              <p:par>
+                                <p:cTn id="5" presetID="10" presetClass="entr" presetSubtype="0" fill="hold" nodeType="afterEffect">
+                                  <p:stCondLst>
+                                    <p:cond delay="250"/>
+                                  </p:stCondLst>
+                                  <p:childTnLst>
+                                    <p:set>
+                                      <p:cBhvr>
+                                        <p:cTn id="6" dur="1" fill="hold">
+                                          <p:stCondLst>
+                                            <p:cond delay="0"/>
+                                          </p:stCondLst>
+                                        </p:cTn>
+                                        <p:tgtEl>
+                                          <p:spTgt spid="10"/>
+                                        </p:tgtEl>
+                                        <p:attrNameLst>
+                                          <p:attrName>style.visibility</p:attrName>
+                                        </p:attrNameLst>
+                                      </p:cBhvr>
+                                      <p:to>
+                                        <p:strVal val="visible"/>
+                                      </p:to>
+                                    </p:set>
+                                    <p:animEffect transition="in" filter="fade">
+                                      <p:cBhvr>
+                                        <p:cTn id="7" dur="500"/>
+                                        <p:tgtEl>
+                                          <p:spTgt spid="10"/>
+                                        </p:tgtEl>
+                                      </p:cBhvr>
+                                    </p:animEffect>
+                                  </p:childTnLst>
+                                </p:cTn>
+                              </p:par>
+                            </p:childTnLst>
+                          </p:cTn>
+                        </p:par>
+                        <p:par>
+                          <p:cTn id="8" fill="hold">
+                            <p:stCondLst>
+                              <p:cond delay="750"/>
+                            </p:stCondLst>
+                            <p:childTnLst>
+                              <p:par>
+                                <p:cTn id="9" presetID="10" presetClass="entr" presetSubtype="0" fill="hold" nodeType="afterEffect">
+                                  <p:stCondLst>
+                                    <p:cond delay="250"/>
+                                  </p:stCondLst>
+                                  <p:childTnLst>
+                                    <p:set>
+                                      <p:cBhvr>
+                                        <p:cTn id="10" dur="1" fill="hold">
+                                          <p:stCondLst>
+                                            <p:cond delay="0"/>
+                                          </p:stCondLst>
+                                        </p:cTn>
+                                        <p:tgtEl>
+                                          <p:spTgt spid="7"/>
+                                        </p:tgtEl>
+                                        <p:attrNameLst>
+                                          <p:attrName>style.visibility</p:attrName>
+                                        </p:attrNameLst>
+                                      </p:cBhvr>
+                                      <p:to>
+                                        <p:strVal val="visible"/>
+                                      </p:to>
+                                    </p:set>
+                                    <p:animEffect transition="in" filter="fade">
+                                      <p:cBhvr>
+                                        <p:cTn id="11" dur="500"/>
+                                        <p:tgtEl>
+                                          <p:spTgt spid="7"/>
+                                        </p:tgtEl>
+                                      </p:cBhvr>
+                                    </p:animEffect>
+                                  </p:childTnLst>
+                                </p:cTn>
+                              </p:par>
+                            </p:childTnLst>
+                          </p:cTn>
+                        </p:par>
+                        <p:par>
+                          <p:cTn id="12" fill="hold">
+                            <p:stCondLst>
+                              <p:cond delay="1500"/>
+                            </p:stCondLst>
+                            <p:childTnLst>
+                              <p:par>
+                                <p:cTn id="13" presetID="10" presetClass="entr" presetSubtype="0" fill="hold" nodeType="afterEffect">
+                                  <p:stCondLst>
+                                    <p:cond delay="250"/>
+                                  </p:stCondLst>
+                                  <p:childTnLst>
+                                    <p:set>
+                                      <p:cBhvr>
+                                        <p:cTn id="14" dur="1" fill="hold">
+                                          <p:stCondLst>
+                                            <p:cond delay="0"/>
+                                          </p:stCondLst>
+                                        </p:cTn>
+                                        <p:tgtEl>
+                                          <p:spTgt spid="8"/>
+                                        </p:tgtEl>
+                                        <p:attrNameLst>
+                                          <p:attrName>style.visibility</p:attrName>
+                                        </p:attrNameLst>
+                                      </p:cBhvr>
+                                      <p:to>
+                                        <p:strVal val="visible"/>
+                                      </p:to>
+                                    </p:set>
+                                    <p:animEffect transition="in" filter="fade">
+                                      <p:cBhvr>
+                                        <p:cTn id="15" dur="500"/>
+                                        <p:tgtEl>
+                                          <p:spTgt spid="8"/>
+                                        </p:tgtEl>
+                                      </p:cBhvr>
+                                    </p:animEffect>
+                                  </p:childTnLst>
+                                </p:cTn>
+                              </p:par>
+                            </p:childTnLst>
+                          </p:cTn>
+                        </p:par>
+                        <p:par>
+                          <p:cTn id="16" fill="hold">
+                            <p:stCondLst>
+                              <p:cond delay="2250"/>
+                            </p:stCondLst>
+                            <p:childTnLst>
+                              <p:par>
+                                <p:cTn id="17" presetID="10" presetClass="entr" presetSubtype="0" fill="hold" nodeType="afterEffect">
+                                  <p:stCondLst>
+                                    <p:cond delay="250"/>
+                                  </p:stCondLst>
+                                  <p:childTnLst>
+                                    <p:set>
+                                      <p:cBhvr>
+                                        <p:cTn id="18" dur="1" fill="hold">
+                                          <p:stCondLst>
+                                            <p:cond delay="0"/>
+                                          </p:stCondLst>
+                                        </p:cTn>
+                                        <p:tgtEl>
+                                          <p:spTgt spid="6"/>
+                                        </p:tgtEl>
+                                        <p:attrNameLst>
+                                          <p:attrName>style.visibility</p:attrName>
+                                        </p:attrNameLst>
+                                      </p:cBhvr>
+                                      <p:to>
+                                        <p:strVal val="visible"/>
+                                      </p:to>
+                                    </p:set>
+                                    <p:animEffect transition="in" filter="fade">
+                                      <p:cBhvr>
+                                        <p:cTn id="19" dur="500"/>
+                                        <p:tgtEl>
+                                          <p:spTgt spid="6"/>
+                                        </p:tgtEl>
+                                      </p:cBhvr>
+                                    </p:animEffect>
+                                  </p:childTnLst>
+                                </p:cTn>
+                              </p:par>
+                            </p:childTnLst>
+                          </p:cTn>
+                        </p:par>
+                        <p:par>
+                          <p:cTn id="20" fill="hold">
+                            <p:stCondLst>
+                              <p:cond delay="3000"/>
+                            </p:stCondLst>
+                            <p:childTnLst>
+                              <p:par>
+                                <p:cTn id="21" presetID="10" presetClass="entr" presetSubtype="0" fill="hold" nodeType="afterEffect">
+                                  <p:stCondLst>
+                                    <p:cond delay="250"/>
+                                  </p:stCondLst>
+                                  <p:childTnLst>
+                                    <p:set>
+                                      <p:cBhvr>
+                                        <p:cTn id="22" dur="1" fill="hold">
+                                          <p:stCondLst>
+                                            <p:cond delay="0"/>
+                                          </p:stCondLst>
+                                        </p:cTn>
+                                        <p:tgtEl>
+                                          <p:spTgt spid="12"/>
+                                        </p:tgtEl>
+                                        <p:attrNameLst>
+                                          <p:attrName>style.visibility</p:attrName>
+                                        </p:attrNameLst>
+                                      </p:cBhvr>
+                                      <p:to>
+                                        <p:strVal val="visible"/>
+                                      </p:to>
+                                    </p:set>
+                                    <p:animEffect transition="in" filter="fade">
+                                      <p:cBhvr>
+                                        <p:cTn id="23" dur="500"/>
+                                        <p:tgtEl>
+                                          <p:spTgt spid="12"/>
+                                        </p:tgtEl>
+                                      </p:cBhvr>
+                                    </p:animEffect>
+                                  </p:childTnLst>
+                                </p:cTn>
+                              </p:par>
+                            </p:childTnLst>
+                          </p:cTn>
+                        </p:par>
+                        <p:par>
+                          <p:cTn id="24" fill="hold">
+                            <p:stCondLst>
+                              <p:cond delay="3750"/>
+                            </p:stCondLst>
+                            <p:childTnLst>
+                              <p:par>
+                                <p:cTn id="25" presetID="10" presetClass="entr" presetSubtype="0" fill="hold" nodeType="afterEffect">
+                                  <p:stCondLst>
+                                    <p:cond delay="250"/>
+                                  </p:stCondLst>
+                                  <p:childTnLst>
+                                    <p:set>
+                                      <p:cBhvr>
+                                        <p:cTn id="26" dur="1" fill="hold">
+                                          <p:stCondLst>
+                                            <p:cond delay="0"/>
+                                          </p:stCondLst>
+                                        </p:cTn>
+                                        <p:tgtEl>
+                                          <p:spTgt spid="11"/>
+                                        </p:tgtEl>
+                                        <p:attrNameLst>
+                                          <p:attrName>style.visibility</p:attrName>
+                                        </p:attrNameLst>
+                                      </p:cBhvr>
+                                      <p:to>
+                                        <p:strVal val="visible"/>
+                                      </p:to>
+                                    </p:set>
+                                    <p:animEffect transition="in" filter="fade">
+                                      <p:cBhvr>
+                                        <p:cTn id="27" dur="500"/>
+                                        <p:tgtEl>
+                                          <p:spTgt spid="11"/>
+                                        </p:tgtEl>
+                                      </p:cBhvr>
+                                    </p:animEffect>
+                                  </p:childTnLst>
+                                </p:cTn>
+                              </p:par>
+                            </p:childTnLst>
+                          </p:cTn>
+                        </p:par>
+                        <p:par>
+                          <p:cTn id="28" fill="hold">
+                            <p:stCondLst>
+                              <p:cond delay="4500"/>
+                            </p:stCondLst>
+                            <p:childTnLst>
+                              <p:par>
+                                <p:cTn id="29" presetID="10" presetClass="entr" presetSubtype="0" fill="hold" nodeType="afterEffect">
+                                  <p:stCondLst>
+                                    <p:cond delay="250"/>
+                                  </p:stCondLst>
+                                  <p:childTnLst>
+                                    <p:set>
+                                      <p:cBhvr>
+                                        <p:cTn id="30" dur="1" fill="hold">
+                                          <p:stCondLst>
+                                            <p:cond delay="0"/>
+                                          </p:stCondLst>
+                                        </p:cTn>
+                                        <p:tgtEl>
+                                          <p:spTgt spid="9"/>
+                                        </p:tgtEl>
+                                        <p:attrNameLst>
+                                          <p:attrName>style.visibility</p:attrName>
+                                        </p:attrNameLst>
+                                      </p:cBhvr>
+                                      <p:to>
+                                        <p:strVal val="visible"/>
+                                      </p:to>
+                                    </p:set>
+                                    <p:animEffect transition="in" filter="fade">
+                                      <p:cBhvr>
+                                        <p:cTn id="31" dur="500"/>
+                                        <p:tgtEl>
+                                          <p:spTgt spid="9"/>
+                                        </p:tgtEl>
+                                      </p:cBhvr>
+                                    </p:animEffect>
+                                  </p:childTnLst>
+                                </p:cTn>
+                              </p:par>
+                            </p:childTnLst>
+                          </p:cTn>
+                        </p:par>
+                      </p:childTnLst>
+                    </p:cTn>
+                  </p:par>
+                </p:childTnLst>
+              </p:cTn>
+              <p:prevCondLst>
+                <p:cond evt="onPrev" delay="0">
+                  <p:tgtEl>
+                    <p:sldTgt/>
+                  </p:tgtEl>
+                </p:cond>
+              </p:prevCondLst>
+              <p:nextCondLst>
+                <p:cond evt="onNext" delay="0">
+                  <p:tgtEl>
+                    <p:sldTgt/>
+                  </p:tgtEl>
+                </p:cond>
+              </p:nextCondLst>
+            </p:seq>
+          </p:childTnLst>
+        </p:cTn>
+      </p:par>
+    </p:tnLst>
+  </p:timing>
 </p:sld>
 </file>
 
 <file path=ppt/slides/slide2.xml><?xml version="1.0" encoding="utf-8"?>
-<p:sld xmlns:a="http://schemas.openxmlformats.org/drawingml/2006/main" xmlns:r="http://schemas.openxmlformats.org/officeDocument/2006/relationships" xmlns:p="http://schemas.openxmlformats.org/presentationml/2006/main" showMasterPhAnim="0">
+<p:sld xmlns:a="http://schemas.openxmlformats.org/drawingml/2006/main" xmlns:r="http://schemas.openxmlformats.org/officeDocument/2006/relationships" xmlns:p="http://schemas.openxmlformats.org/presentationml/2006/main" showMasterPhAnim="0" show="0">
   <p:cSld>
     <p:spTree>
       <p:nvGrpSpPr>
@@ -14159,7 +17843,7 @@
           <a:p>
             <a:r>
               <a:rPr lang="en-US" dirty="0" smtClean="0"/>
-              <a:t>Adaptive Management</a:t>
+              <a:t>What is Adaptive Management?</a:t>
             </a:r>
             <a:endParaRPr lang="en-US" dirty="0"/>
           </a:p>
@@ -14193,52 +17877,13 @@
           <a:p>
             <a:r>
               <a:rPr lang="en-US" dirty="0" smtClean="0"/>
-              <a:t>Experimentation with management decisions</a:t>
+              <a:t>Experimentation with management </a:t>
             </a:r>
-          </a:p>
-          <a:p>
-            <a:endParaRPr lang="en-US" dirty="0" smtClean="0"/>
-          </a:p>
-          <a:p>
             <a:r>
               <a:rPr lang="en-US" dirty="0" smtClean="0"/>
-              <a:t>Aims</a:t>
+              <a:t>decisions</a:t>
             </a:r>
-          </a:p>
-          <a:p>
-            <a:pPr lvl="1"/>
-            <a:r>
-              <a:rPr lang="en-US" dirty="0" smtClean="0"/>
-              <a:t>Meet management objective(s)</a:t>
-            </a:r>
-          </a:p>
-          <a:p>
-            <a:pPr lvl="1"/>
-            <a:r>
-              <a:rPr lang="en-US" dirty="0" smtClean="0"/>
-              <a:t>Accrue information to inform future decisions</a:t>
-            </a:r>
-          </a:p>
-          <a:p>
-            <a:pPr lvl="1"/>
-            <a:r>
-              <a:rPr lang="en-US" dirty="0" smtClean="0"/>
-              <a:t>Reduce uncertainty over time</a:t>
-            </a:r>
-          </a:p>
-          <a:p>
-            <a:r>
-              <a:rPr lang="en-US" dirty="0" smtClean="0"/>
-              <a:t>Challenges</a:t>
-            </a:r>
-          </a:p>
-          <a:p>
-            <a:pPr lvl="1"/>
-            <a:r>
-              <a:rPr lang="en-US" dirty="0" smtClean="0"/>
-              <a:t>Balance short-term management outcome with long-term increase in knowledge</a:t>
-            </a:r>
-            <a:endParaRPr lang="en-US" dirty="0"/>
+            <a:endParaRPr lang="en-US" dirty="0" smtClean="0"/>
           </a:p>
         </p:txBody>
       </p:sp>
@@ -14292,6 +17937,436 @@
                 <a:defRPr/>
               </a:pPr>
               <a:t>4</a:t>
+            </a:fld>
+            <a:endParaRPr lang="en-US"/>
+          </a:p>
+        </p:txBody>
+      </p:sp>
+      <p:pic>
+        <p:nvPicPr>
+          <p:cNvPr id="6" name="Picture 2" descr="http://izquotes.com/quotes-pictures/quote-there-is-only-one-thing-more-painful-than-learning-from-experience-and-that-is-not-learning-from-archibald-mcleish-124610.jpg"/>
+          <p:cNvPicPr>
+            <a:picLocks noChangeAspect="1" noChangeArrowheads="1"/>
+          </p:cNvPicPr>
+          <p:nvPr/>
+        </p:nvPicPr>
+        <p:blipFill>
+          <a:blip r:embed="rId3">
+            <a:extLst>
+              <a:ext uri="{28A0092B-C50C-407E-A947-70E740481C1C}">
+                <a14:useLocalDpi xmlns:a14="http://schemas.microsoft.com/office/drawing/2010/main" val="0"/>
+              </a:ext>
+            </a:extLst>
+          </a:blip>
+          <a:srcRect/>
+          <a:stretch>
+            <a:fillRect/>
+          </a:stretch>
+        </p:blipFill>
+        <p:spPr bwMode="auto">
+          <a:xfrm>
+            <a:off x="197247" y="2468394"/>
+            <a:ext cx="8747917" cy="4114800"/>
+          </a:xfrm>
+          <a:prstGeom prst="rect">
+            <a:avLst/>
+          </a:prstGeom>
+          <a:noFill/>
+          <a:extLst>
+            <a:ext uri="{909E8E84-426E-40DD-AFC4-6F175D3DCCD1}">
+              <a14:hiddenFill xmlns:a14="http://schemas.microsoft.com/office/drawing/2010/main">
+                <a:solidFill>
+                  <a:srgbClr val="FFFFFF"/>
+                </a:solidFill>
+              </a14:hiddenFill>
+            </a:ext>
+          </a:extLst>
+        </p:spPr>
+      </p:pic>
+    </p:spTree>
+    <p:extLst>
+      <p:ext uri="{BB962C8B-B14F-4D97-AF65-F5344CB8AC3E}">
+        <p14:creationId xmlns:p14="http://schemas.microsoft.com/office/powerpoint/2010/main" val="3797374527"/>
+      </p:ext>
+    </p:extLst>
+  </p:cSld>
+  <p:clrMapOvr>
+    <a:masterClrMapping/>
+  </p:clrMapOvr>
+  <p:timing>
+    <p:tnLst>
+      <p:par>
+        <p:cTn id="1" dur="indefinite" restart="never" nodeType="tmRoot">
+          <p:childTnLst>
+            <p:seq concurrent="1" nextAc="seek">
+              <p:cTn id="2" dur="indefinite" nodeType="mainSeq">
+                <p:childTnLst>
+                  <p:par>
+                    <p:cTn id="3" fill="hold">
+                      <p:stCondLst>
+                        <p:cond delay="indefinite"/>
+                      </p:stCondLst>
+                      <p:childTnLst>
+                        <p:par>
+                          <p:cTn id="4" fill="hold">
+                            <p:stCondLst>
+                              <p:cond delay="0"/>
+                            </p:stCondLst>
+                            <p:childTnLst>
+                              <p:par>
+                                <p:cTn id="5" presetID="1" presetClass="entr" presetSubtype="0" fill="hold" grpId="0" nodeType="clickEffect">
+                                  <p:stCondLst>
+                                    <p:cond delay="0"/>
+                                  </p:stCondLst>
+                                  <p:childTnLst>
+                                    <p:set>
+                                      <p:cBhvr>
+                                        <p:cTn id="6" dur="1" fill="hold">
+                                          <p:stCondLst>
+                                            <p:cond delay="0"/>
+                                          </p:stCondLst>
+                                        </p:cTn>
+                                        <p:tgtEl>
+                                          <p:spTgt spid="3">
+                                            <p:txEl>
+                                              <p:pRg st="0" end="0"/>
+                                            </p:txEl>
+                                          </p:spTgt>
+                                        </p:tgtEl>
+                                        <p:attrNameLst>
+                                          <p:attrName>style.visibility</p:attrName>
+                                        </p:attrNameLst>
+                                      </p:cBhvr>
+                                      <p:to>
+                                        <p:strVal val="visible"/>
+                                      </p:to>
+                                    </p:set>
+                                  </p:childTnLst>
+                                </p:cTn>
+                              </p:par>
+                            </p:childTnLst>
+                          </p:cTn>
+                        </p:par>
+                      </p:childTnLst>
+                    </p:cTn>
+                  </p:par>
+                  <p:par>
+                    <p:cTn id="7" fill="hold">
+                      <p:stCondLst>
+                        <p:cond delay="indefinite"/>
+                      </p:stCondLst>
+                      <p:childTnLst>
+                        <p:par>
+                          <p:cTn id="8" fill="hold">
+                            <p:stCondLst>
+                              <p:cond delay="0"/>
+                            </p:stCondLst>
+                            <p:childTnLst>
+                              <p:par>
+                                <p:cTn id="9" presetID="1" presetClass="entr" presetSubtype="0" fill="hold" grpId="0" nodeType="clickEffect">
+                                  <p:stCondLst>
+                                    <p:cond delay="0"/>
+                                  </p:stCondLst>
+                                  <p:childTnLst>
+                                    <p:set>
+                                      <p:cBhvr>
+                                        <p:cTn id="10" dur="1" fill="hold">
+                                          <p:stCondLst>
+                                            <p:cond delay="0"/>
+                                          </p:stCondLst>
+                                        </p:cTn>
+                                        <p:tgtEl>
+                                          <p:spTgt spid="3">
+                                            <p:txEl>
+                                              <p:pRg st="1" end="1"/>
+                                            </p:txEl>
+                                          </p:spTgt>
+                                        </p:tgtEl>
+                                        <p:attrNameLst>
+                                          <p:attrName>style.visibility</p:attrName>
+                                        </p:attrNameLst>
+                                      </p:cBhvr>
+                                      <p:to>
+                                        <p:strVal val="visible"/>
+                                      </p:to>
+                                    </p:set>
+                                  </p:childTnLst>
+                                </p:cTn>
+                              </p:par>
+                            </p:childTnLst>
+                          </p:cTn>
+                        </p:par>
+                      </p:childTnLst>
+                    </p:cTn>
+                  </p:par>
+                  <p:par>
+                    <p:cTn id="11" fill="hold">
+                      <p:stCondLst>
+                        <p:cond delay="indefinite"/>
+                      </p:stCondLst>
+                      <p:childTnLst>
+                        <p:par>
+                          <p:cTn id="12" fill="hold">
+                            <p:stCondLst>
+                              <p:cond delay="0"/>
+                            </p:stCondLst>
+                            <p:childTnLst>
+                              <p:par>
+                                <p:cTn id="13" presetID="1" presetClass="entr" presetSubtype="0" fill="hold" nodeType="clickEffect">
+                                  <p:stCondLst>
+                                    <p:cond delay="0"/>
+                                  </p:stCondLst>
+                                  <p:childTnLst>
+                                    <p:set>
+                                      <p:cBhvr>
+                                        <p:cTn id="14" dur="1" fill="hold">
+                                          <p:stCondLst>
+                                            <p:cond delay="0"/>
+                                          </p:stCondLst>
+                                        </p:cTn>
+                                        <p:tgtEl>
+                                          <p:spTgt spid="6"/>
+                                        </p:tgtEl>
+                                        <p:attrNameLst>
+                                          <p:attrName>style.visibility</p:attrName>
+                                        </p:attrNameLst>
+                                      </p:cBhvr>
+                                      <p:to>
+                                        <p:strVal val="visible"/>
+                                      </p:to>
+                                    </p:set>
+                                  </p:childTnLst>
+                                </p:cTn>
+                              </p:par>
+                            </p:childTnLst>
+                          </p:cTn>
+                        </p:par>
+                      </p:childTnLst>
+                    </p:cTn>
+                  </p:par>
+                </p:childTnLst>
+              </p:cTn>
+              <p:prevCondLst>
+                <p:cond evt="onPrev" delay="0">
+                  <p:tgtEl>
+                    <p:sldTgt/>
+                  </p:tgtEl>
+                </p:cond>
+              </p:prevCondLst>
+              <p:nextCondLst>
+                <p:cond evt="onNext" delay="0">
+                  <p:tgtEl>
+                    <p:sldTgt/>
+                  </p:tgtEl>
+                </p:cond>
+              </p:nextCondLst>
+            </p:seq>
+          </p:childTnLst>
+        </p:cTn>
+      </p:par>
+    </p:tnLst>
+    <p:bldLst>
+      <p:bldP spid="3" grpId="0" build="p"/>
+    </p:bldLst>
+  </p:timing>
+</p:sld>
+</file>
+
+<file path=ppt/slides/slide5.xml><?xml version="1.0" encoding="utf-8"?>
+<p:sld xmlns:a="http://schemas.openxmlformats.org/drawingml/2006/main" xmlns:r="http://schemas.openxmlformats.org/officeDocument/2006/relationships" xmlns:p="http://schemas.openxmlformats.org/presentationml/2006/main">
+  <p:cSld>
+    <p:spTree>
+      <p:nvGrpSpPr>
+        <p:cNvPr id="1" name=""/>
+        <p:cNvGrpSpPr/>
+        <p:nvPr/>
+      </p:nvGrpSpPr>
+      <p:grpSpPr>
+        <a:xfrm>
+          <a:off x="0" y="0"/>
+          <a:ext cx="0" cy="0"/>
+          <a:chOff x="0" y="0"/>
+          <a:chExt cx="0" cy="0"/>
+        </a:xfrm>
+      </p:grpSpPr>
+      <p:sp>
+        <p:nvSpPr>
+          <p:cNvPr id="2" name="Title 1"/>
+          <p:cNvSpPr>
+            <a:spLocks noGrp="1"/>
+          </p:cNvSpPr>
+          <p:nvPr>
+            <p:ph type="title"/>
+          </p:nvPr>
+        </p:nvSpPr>
+        <p:spPr/>
+        <p:txBody>
+          <a:bodyPr/>
+          <a:lstStyle/>
+          <a:p>
+            <a:r>
+              <a:rPr lang="en-US" dirty="0" smtClean="0"/>
+              <a:t>Goals of Adaptive </a:t>
+            </a:r>
+            <a:r>
+              <a:rPr lang="en-US" dirty="0" smtClean="0"/>
+              <a:t>Management</a:t>
+            </a:r>
+            <a:endParaRPr lang="en-US" dirty="0"/>
+          </a:p>
+        </p:txBody>
+      </p:sp>
+      <p:sp>
+        <p:nvSpPr>
+          <p:cNvPr id="3" name="Content Placeholder 2"/>
+          <p:cNvSpPr>
+            <a:spLocks noGrp="1"/>
+          </p:cNvSpPr>
+          <p:nvPr>
+            <p:ph idx="1"/>
+          </p:nvPr>
+        </p:nvSpPr>
+        <p:spPr>
+          <a:xfrm>
+            <a:off x="76200" y="1143000"/>
+            <a:ext cx="8839200" cy="5334000"/>
+          </a:xfrm>
+        </p:spPr>
+        <p:txBody>
+          <a:bodyPr/>
+          <a:lstStyle/>
+          <a:p>
+            <a:pPr marL="342900" lvl="2" indent="-342900"/>
+            <a:r>
+              <a:rPr lang="en-US" sz="3200" dirty="0" smtClean="0"/>
+              <a:t>Primary </a:t>
+            </a:r>
+            <a:r>
+              <a:rPr lang="en-US" sz="2000" dirty="0" smtClean="0"/>
+              <a:t>(</a:t>
+            </a:r>
+            <a:r>
+              <a:rPr lang="en-US" sz="2000" dirty="0"/>
+              <a:t>from Allen </a:t>
+            </a:r>
+            <a:r>
+              <a:rPr lang="en-US" sz="2000" i="1" dirty="0"/>
+              <a:t>et al. </a:t>
+            </a:r>
+            <a:r>
+              <a:rPr lang="en-US" sz="2000" dirty="0"/>
+              <a:t>(2011</a:t>
+            </a:r>
+            <a:r>
+              <a:rPr lang="en-US" sz="2000" dirty="0" smtClean="0"/>
+              <a:t>) &amp; Walters (2007)</a:t>
+            </a:r>
+            <a:r>
+              <a:rPr lang="en-US" sz="2000" dirty="0" smtClean="0"/>
+              <a:t>)</a:t>
+            </a:r>
+            <a:endParaRPr lang="en-US" sz="3200" dirty="0" smtClean="0"/>
+          </a:p>
+          <a:p>
+            <a:pPr lvl="1"/>
+            <a:r>
+              <a:rPr lang="en-US" dirty="0"/>
+              <a:t>Reduce uncertainty over </a:t>
+            </a:r>
+            <a:r>
+              <a:rPr lang="en-US" dirty="0" smtClean="0"/>
+              <a:t>time</a:t>
+            </a:r>
+          </a:p>
+          <a:p>
+            <a:pPr lvl="2"/>
+            <a:r>
+              <a:rPr lang="en-US" dirty="0" smtClean="0"/>
+              <a:t>What are four sources of uncertainty?</a:t>
+            </a:r>
+          </a:p>
+          <a:p>
+            <a:pPr lvl="2"/>
+            <a:endParaRPr lang="en-US" sz="1800" dirty="0" smtClean="0"/>
+          </a:p>
+          <a:p>
+            <a:r>
+              <a:rPr lang="en-US" dirty="0" smtClean="0"/>
+              <a:t>Secondary</a:t>
+            </a:r>
+            <a:endParaRPr lang="en-US" dirty="0" smtClean="0"/>
+          </a:p>
+          <a:p>
+            <a:pPr lvl="1"/>
+            <a:r>
+              <a:rPr lang="en-US" dirty="0" smtClean="0"/>
+              <a:t>Meet management objective(s)</a:t>
+            </a:r>
+          </a:p>
+          <a:p>
+            <a:pPr lvl="1"/>
+            <a:r>
+              <a:rPr lang="en-US" dirty="0" smtClean="0"/>
+              <a:t>Accrue information to inform future </a:t>
+            </a:r>
+            <a:r>
+              <a:rPr lang="en-US" dirty="0" smtClean="0"/>
+              <a:t>decisions</a:t>
+            </a:r>
+            <a:endParaRPr lang="en-US" dirty="0" smtClean="0"/>
+          </a:p>
+        </p:txBody>
+      </p:sp>
+      <p:sp>
+        <p:nvSpPr>
+          <p:cNvPr id="4" name="Footer Placeholder 3"/>
+          <p:cNvSpPr>
+            <a:spLocks noGrp="1"/>
+          </p:cNvSpPr>
+          <p:nvPr>
+            <p:ph type="ftr" sz="quarter" idx="10"/>
+          </p:nvPr>
+        </p:nvSpPr>
+        <p:spPr/>
+        <p:txBody>
+          <a:bodyPr/>
+          <a:lstStyle/>
+          <a:p>
+            <a:pPr>
+              <a:defRPr/>
+            </a:pPr>
+            <a:r>
+              <a:rPr lang="en-US" smtClean="0"/>
+              <a:t>Adaptive Management</a:t>
+            </a:r>
+            <a:endParaRPr lang="en-US"/>
+          </a:p>
+        </p:txBody>
+      </p:sp>
+      <p:sp>
+        <p:nvSpPr>
+          <p:cNvPr id="5" name="Slide Number Placeholder 4"/>
+          <p:cNvSpPr>
+            <a:spLocks noGrp="1"/>
+          </p:cNvSpPr>
+          <p:nvPr>
+            <p:ph type="sldNum" sz="quarter" idx="11"/>
+          </p:nvPr>
+        </p:nvSpPr>
+        <p:spPr/>
+        <p:txBody>
+          <a:bodyPr/>
+          <a:lstStyle/>
+          <a:p>
+            <a:pPr>
+              <a:defRPr/>
+            </a:pPr>
+            <a:fld id="{C6A2F5B4-2197-4B8F-A126-FB2FF53A65C9}" type="slidenum">
+              <a:rPr lang="en-US" smtClean="0"/>
+              <a:pPr>
+                <a:defRPr/>
+              </a:pPr>
+              <a:t>5</a:t>
             </a:fld>
             <a:endParaRPr lang="en-US"/>
           </a:p>
@@ -14343,7 +18418,38 @@
                                         <p:tgtEl>
                                           <p:spTgt spid="3">
                                             <p:txEl>
-                                              <p:pRg st="0" end="0"/>
+                                              <p:pRg st="1" end="1"/>
+                                            </p:txEl>
+                                          </p:spTgt>
+                                        </p:tgtEl>
+                                        <p:attrNameLst>
+                                          <p:attrName>style.visibility</p:attrName>
+                                        </p:attrNameLst>
+                                      </p:cBhvr>
+                                      <p:to>
+                                        <p:strVal val="visible"/>
+                                      </p:to>
+                                    </p:set>
+                                  </p:childTnLst>
+                                </p:cTn>
+                              </p:par>
+                              <p:par>
+                                <p:cTn id="7" presetID="1" presetClass="entr" presetSubtype="0" fill="hold" grpId="0" nodeType="withEffect">
+                                  <p:stCondLst>
+                                    <p:cond delay="0"/>
+                                  </p:stCondLst>
+                                  <p:childTnLst>
+                                    <p:set>
+                                      <p:cBhvr>
+                                        <p:cTn id="8" dur="1" fill="hold">
+                                          <p:stCondLst>
+                                            <p:cond delay="0"/>
+                                          </p:stCondLst>
+                                        </p:cTn>
+                                        <p:tgtEl>
+                                          <p:spTgt spid="3">
+                                            <p:txEl>
+                                              <p:pRg st="2" end="2"/>
                                             </p:txEl>
                                           </p:spTgt>
                                         </p:tgtEl>
@@ -14365,26 +18471,26 @@
                     </p:cTn>
                   </p:par>
                   <p:par>
-                    <p:cTn id="7" fill="hold">
+                    <p:cTn id="9" fill="hold">
                       <p:stCondLst>
                         <p:cond delay="indefinite"/>
                       </p:stCondLst>
                       <p:childTnLst>
                         <p:par>
-                          <p:cTn id="8" fill="hold">
+                          <p:cTn id="10" fill="hold">
                             <p:stCondLst>
                               <p:cond delay="0"/>
                             </p:stCondLst>
                             <p:childTnLst>
                               <p:par>
-                                <p:cTn id="9" presetID="1" presetClass="entr" presetSubtype="0" fill="hold" grpId="0" nodeType="clickEffect">
+                                <p:cTn id="11" presetID="1" presetClass="entr" presetSubtype="0" fill="hold" grpId="0" nodeType="clickEffect">
                                   <p:stCondLst>
                                     <p:cond delay="0"/>
                                   </p:stCondLst>
                                   <p:childTnLst>
                                     <p:set>
                                       <p:cBhvr>
-                                        <p:cTn id="10" dur="1" fill="hold">
+                                        <p:cTn id="12" dur="1" fill="hold">
                                           <p:stCondLst>
                                             <p:cond delay="0"/>
                                           </p:stCondLst>
@@ -14392,7 +18498,7 @@
                                         <p:tgtEl>
                                           <p:spTgt spid="3">
                                             <p:txEl>
-                                              <p:pRg st="1" end="1"/>
+                                              <p:pRg st="5" end="5"/>
                                             </p:txEl>
                                           </p:spTgt>
                                         </p:tgtEl>
@@ -14414,56 +18520,25 @@
                     </p:cTn>
                   </p:par>
                   <p:par>
-                    <p:cTn id="11" fill="hold">
+                    <p:cTn id="13" fill="hold">
                       <p:stCondLst>
                         <p:cond delay="indefinite"/>
                       </p:stCondLst>
                       <p:childTnLst>
                         <p:par>
-                          <p:cTn id="12" fill="hold">
+                          <p:cTn id="14" fill="hold">
                             <p:stCondLst>
                               <p:cond delay="0"/>
                             </p:stCondLst>
                             <p:childTnLst>
                               <p:par>
-                                <p:cTn id="13" presetID="1" presetClass="entr" presetSubtype="0" fill="hold" grpId="0" nodeType="clickEffect">
+                                <p:cTn id="15" presetID="1" presetClass="entr" presetSubtype="0" fill="hold" grpId="0" nodeType="clickEffect">
                                   <p:stCondLst>
                                     <p:cond delay="0"/>
                                   </p:stCondLst>
                                   <p:childTnLst>
                                     <p:set>
                                       <p:cBhvr>
-                                        <p:cTn id="14" dur="1" fill="hold">
-                                          <p:stCondLst>
-                                            <p:cond delay="0"/>
-                                          </p:stCondLst>
-                                        </p:cTn>
-                                        <p:tgtEl>
-                                          <p:spTgt spid="3">
-                                            <p:txEl>
-                                              <p:pRg st="3" end="3"/>
-                                            </p:txEl>
-                                          </p:spTgt>
-                                        </p:tgtEl>
-                                        <p:attrNameLst>
-                                          <p:attrName>style.visibility</p:attrName>
-                                        </p:attrNameLst>
-                                      </p:cBhvr>
-                                      <p:to>
-                                        <p:strVal val="visible"/>
-                                      </p:to>
-                                    </p:set>
-                                  </p:childTnLst>
-                                </p:cTn>
-                              </p:par>
-                              <p:par>
-                                <p:cTn id="15" presetID="1" presetClass="entr" presetSubtype="0" fill="hold" grpId="0" nodeType="withEffect">
-                                  <p:stCondLst>
-                                    <p:cond delay="0"/>
-                                  </p:stCondLst>
-                                  <p:childTnLst>
-                                    <p:set>
-                                      <p:cBhvr>
                                         <p:cTn id="16" dur="1" fill="hold">
                                           <p:stCondLst>
                                             <p:cond delay="0"/>
@@ -14472,185 +18547,7 @@
                                         <p:tgtEl>
                                           <p:spTgt spid="3">
                                             <p:txEl>
-                                              <p:pRg st="4" end="4"/>
-                                            </p:txEl>
-                                          </p:spTgt>
-                                        </p:tgtEl>
-                                        <p:attrNameLst>
-                                          <p:attrName>style.visibility</p:attrName>
-                                        </p:attrNameLst>
-                                      </p:cBhvr>
-                                      <p:to>
-                                        <p:strVal val="visible"/>
-                                      </p:to>
-                                    </p:set>
-                                  </p:childTnLst>
-                                </p:cTn>
-                              </p:par>
-                            </p:childTnLst>
-                          </p:cTn>
-                        </p:par>
-                      </p:childTnLst>
-                    </p:cTn>
-                  </p:par>
-                  <p:par>
-                    <p:cTn id="17" fill="hold">
-                      <p:stCondLst>
-                        <p:cond delay="indefinite"/>
-                      </p:stCondLst>
-                      <p:childTnLst>
-                        <p:par>
-                          <p:cTn id="18" fill="hold">
-                            <p:stCondLst>
-                              <p:cond delay="0"/>
-                            </p:stCondLst>
-                            <p:childTnLst>
-                              <p:par>
-                                <p:cTn id="19" presetID="1" presetClass="entr" presetSubtype="0" fill="hold" grpId="0" nodeType="clickEffect">
-                                  <p:stCondLst>
-                                    <p:cond delay="0"/>
-                                  </p:stCondLst>
-                                  <p:childTnLst>
-                                    <p:set>
-                                      <p:cBhvr>
-                                        <p:cTn id="20" dur="1" fill="hold">
-                                          <p:stCondLst>
-                                            <p:cond delay="0"/>
-                                          </p:stCondLst>
-                                        </p:cTn>
-                                        <p:tgtEl>
-                                          <p:spTgt spid="3">
-                                            <p:txEl>
-                                              <p:pRg st="5" end="5"/>
-                                            </p:txEl>
-                                          </p:spTgt>
-                                        </p:tgtEl>
-                                        <p:attrNameLst>
-                                          <p:attrName>style.visibility</p:attrName>
-                                        </p:attrNameLst>
-                                      </p:cBhvr>
-                                      <p:to>
-                                        <p:strVal val="visible"/>
-                                      </p:to>
-                                    </p:set>
-                                  </p:childTnLst>
-                                </p:cTn>
-                              </p:par>
-                            </p:childTnLst>
-                          </p:cTn>
-                        </p:par>
-                      </p:childTnLst>
-                    </p:cTn>
-                  </p:par>
-                  <p:par>
-                    <p:cTn id="21" fill="hold">
-                      <p:stCondLst>
-                        <p:cond delay="indefinite"/>
-                      </p:stCondLst>
-                      <p:childTnLst>
-                        <p:par>
-                          <p:cTn id="22" fill="hold">
-                            <p:stCondLst>
-                              <p:cond delay="0"/>
-                            </p:stCondLst>
-                            <p:childTnLst>
-                              <p:par>
-                                <p:cTn id="23" presetID="1" presetClass="entr" presetSubtype="0" fill="hold" grpId="0" nodeType="clickEffect">
-                                  <p:stCondLst>
-                                    <p:cond delay="0"/>
-                                  </p:stCondLst>
-                                  <p:childTnLst>
-                                    <p:set>
-                                      <p:cBhvr>
-                                        <p:cTn id="24" dur="1" fill="hold">
-                                          <p:stCondLst>
-                                            <p:cond delay="0"/>
-                                          </p:stCondLst>
-                                        </p:cTn>
-                                        <p:tgtEl>
-                                          <p:spTgt spid="3">
-                                            <p:txEl>
                                               <p:pRg st="6" end="6"/>
-                                            </p:txEl>
-                                          </p:spTgt>
-                                        </p:tgtEl>
-                                        <p:attrNameLst>
-                                          <p:attrName>style.visibility</p:attrName>
-                                        </p:attrNameLst>
-                                      </p:cBhvr>
-                                      <p:to>
-                                        <p:strVal val="visible"/>
-                                      </p:to>
-                                    </p:set>
-                                  </p:childTnLst>
-                                </p:cTn>
-                              </p:par>
-                            </p:childTnLst>
-                          </p:cTn>
-                        </p:par>
-                      </p:childTnLst>
-                    </p:cTn>
-                  </p:par>
-                  <p:par>
-                    <p:cTn id="25" fill="hold">
-                      <p:stCondLst>
-                        <p:cond delay="indefinite"/>
-                      </p:stCondLst>
-                      <p:childTnLst>
-                        <p:par>
-                          <p:cTn id="26" fill="hold">
-                            <p:stCondLst>
-                              <p:cond delay="0"/>
-                            </p:stCondLst>
-                            <p:childTnLst>
-                              <p:par>
-                                <p:cTn id="27" presetID="1" presetClass="entr" presetSubtype="0" fill="hold" grpId="0" nodeType="clickEffect">
-                                  <p:stCondLst>
-                                    <p:cond delay="0"/>
-                                  </p:stCondLst>
-                                  <p:childTnLst>
-                                    <p:set>
-                                      <p:cBhvr>
-                                        <p:cTn id="28" dur="1" fill="hold">
-                                          <p:stCondLst>
-                                            <p:cond delay="0"/>
-                                          </p:stCondLst>
-                                        </p:cTn>
-                                        <p:tgtEl>
-                                          <p:spTgt spid="3">
-                                            <p:txEl>
-                                              <p:pRg st="7" end="7"/>
-                                            </p:txEl>
-                                          </p:spTgt>
-                                        </p:tgtEl>
-                                        <p:attrNameLst>
-                                          <p:attrName>style.visibility</p:attrName>
-                                        </p:attrNameLst>
-                                      </p:cBhvr>
-                                      <p:to>
-                                        <p:strVal val="visible"/>
-                                      </p:to>
-                                    </p:set>
-                                  </p:childTnLst>
-                                </p:cTn>
-                              </p:par>
-                              <p:par>
-                                <p:cTn id="29" presetID="1" presetClass="entr" presetSubtype="0" fill="hold" grpId="0" nodeType="withEffect">
-                                  <p:stCondLst>
-                                    <p:cond delay="0"/>
-                                  </p:stCondLst>
-                                  <p:childTnLst>
-                                    <p:set>
-                                      <p:cBhvr>
-                                        <p:cTn id="30" dur="1" fill="hold">
-                                          <p:stCondLst>
-                                            <p:cond delay="0"/>
-                                          </p:stCondLst>
-                                        </p:cTn>
-                                        <p:tgtEl>
-                                          <p:spTgt spid="3">
-                                            <p:txEl>
-                                              <p:pRg st="8" end="8"/>
                                             </p:txEl>
                                           </p:spTgt>
                                         </p:tgtEl>
@@ -14699,7 +18596,7 @@
 </p:sld>
 </file>
 
-<file path=ppt/slides/slide5.xml><?xml version="1.0" encoding="utf-8"?>
+<file path=ppt/slides/slide6.xml><?xml version="1.0" encoding="utf-8"?>
 <p:sld xmlns:a="http://schemas.openxmlformats.org/drawingml/2006/main" xmlns:r="http://schemas.openxmlformats.org/officeDocument/2006/relationships" xmlns:p="http://schemas.openxmlformats.org/presentationml/2006/main">
   <p:cSld>
     <p:spTree>
@@ -14726,15 +18623,65 @@
             <p:ph type="title"/>
           </p:nvPr>
         </p:nvSpPr>
-        <p:spPr/>
+        <p:spPr>
+          <a:xfrm>
+            <a:off x="56459" y="228600"/>
+            <a:ext cx="9012237" cy="868362"/>
+          </a:xfrm>
+        </p:spPr>
         <p:txBody>
           <a:bodyPr/>
           <a:lstStyle/>
           <a:p>
             <a:r>
               <a:rPr lang="en-US" dirty="0" smtClean="0"/>
-              <a:t>Adaptive Management</a:t>
+              <a:t>Challenges to Adaptive </a:t>
             </a:r>
+            <a:r>
+              <a:rPr lang="en-US" dirty="0" smtClean="0"/>
+              <a:t>Management</a:t>
+            </a:r>
+            <a:endParaRPr lang="en-US" dirty="0"/>
+          </a:p>
+        </p:txBody>
+      </p:sp>
+      <p:sp>
+        <p:nvSpPr>
+          <p:cNvPr id="6" name="Content Placeholder 5"/>
+          <p:cNvSpPr>
+            <a:spLocks noGrp="1"/>
+          </p:cNvSpPr>
+          <p:nvPr>
+            <p:ph idx="1"/>
+          </p:nvPr>
+        </p:nvSpPr>
+        <p:spPr>
+          <a:xfrm>
+            <a:off x="457200" y="1447800"/>
+            <a:ext cx="8229600" cy="5029200"/>
+          </a:xfrm>
+        </p:spPr>
+        <p:txBody>
+          <a:bodyPr/>
+          <a:lstStyle/>
+          <a:p>
+            <a:r>
+              <a:rPr lang="en-US" dirty="0" smtClean="0"/>
+              <a:t>What are five challenges to implementing AM according to Allen </a:t>
+            </a:r>
+            <a:r>
+              <a:rPr lang="en-US" i="1" dirty="0" smtClean="0"/>
+              <a:t>et al. </a:t>
+            </a:r>
+            <a:r>
+              <a:rPr lang="en-US" dirty="0" smtClean="0"/>
+              <a:t>(2011)?</a:t>
+            </a:r>
+          </a:p>
+          <a:p>
+            <a:endParaRPr lang="en-US" dirty="0"/>
+          </a:p>
+          <a:p>
             <a:endParaRPr lang="en-US" dirty="0"/>
           </a:p>
         </p:txBody>
@@ -14788,53 +18735,12 @@
               <a:pPr>
                 <a:defRPr/>
               </a:pPr>
-              <a:t>5</a:t>
+              <a:t>6</a:t>
             </a:fld>
             <a:endParaRPr lang="en-US"/>
           </a:p>
         </p:txBody>
       </p:sp>
-      <p:pic>
-        <p:nvPicPr>
-          <p:cNvPr id="7" name="Picture 2" descr="http://izquotes.com/quotes-pictures/quote-there-is-only-one-thing-more-painful-than-learning-from-experience-and-that-is-not-learning-from-archibald-mcleish-124610.jpg"/>
-          <p:cNvPicPr>
-            <a:picLocks noChangeAspect="1" noChangeArrowheads="1"/>
-          </p:cNvPicPr>
-          <p:nvPr/>
-        </p:nvPicPr>
-        <p:blipFill>
-          <a:blip r:embed="rId2">
-            <a:extLst>
-              <a:ext uri="{28A0092B-C50C-407E-A947-70E740481C1C}">
-                <a14:useLocalDpi xmlns:a14="http://schemas.microsoft.com/office/drawing/2010/main" val="0"/>
-              </a:ext>
-            </a:extLst>
-          </a:blip>
-          <a:srcRect/>
-          <a:stretch>
-            <a:fillRect/>
-          </a:stretch>
-        </p:blipFill>
-        <p:spPr bwMode="auto">
-          <a:xfrm>
-            <a:off x="152400" y="1524000"/>
-            <a:ext cx="8747917" cy="4114800"/>
-          </a:xfrm>
-          <a:prstGeom prst="rect">
-            <a:avLst/>
-          </a:prstGeom>
-          <a:noFill/>
-          <a:extLst>
-            <a:ext uri="{909E8E84-426E-40DD-AFC4-6F175D3DCCD1}">
-              <a14:hiddenFill xmlns:a14="http://schemas.microsoft.com/office/drawing/2010/main">
-                <a:solidFill>
-                  <a:srgbClr val="FFFFFF"/>
-                </a:solidFill>
-              </a14:hiddenFill>
-            </a:ext>
-          </a:extLst>
-        </p:spPr>
-      </p:pic>
     </p:spTree>
     <p:extLst>
       <p:ext uri="{BB962C8B-B14F-4D97-AF65-F5344CB8AC3E}">
@@ -14855,7 +18761,164 @@
 </p:sld>
 </file>
 
-<file path=ppt/slides/slide6.xml><?xml version="1.0" encoding="utf-8"?>
+<file path=ppt/slides/slide7.xml><?xml version="1.0" encoding="utf-8"?>
+<p:sld xmlns:a="http://schemas.openxmlformats.org/drawingml/2006/main" xmlns:r="http://schemas.openxmlformats.org/officeDocument/2006/relationships" xmlns:p="http://schemas.openxmlformats.org/presentationml/2006/main">
+  <p:cSld>
+    <p:spTree>
+      <p:nvGrpSpPr>
+        <p:cNvPr id="1" name=""/>
+        <p:cNvGrpSpPr/>
+        <p:nvPr/>
+      </p:nvGrpSpPr>
+      <p:grpSpPr>
+        <a:xfrm>
+          <a:off x="0" y="0"/>
+          <a:ext cx="0" cy="0"/>
+          <a:chOff x="0" y="0"/>
+          <a:chExt cx="0" cy="0"/>
+        </a:xfrm>
+      </p:grpSpPr>
+      <p:sp>
+        <p:nvSpPr>
+          <p:cNvPr id="2" name="Title 1"/>
+          <p:cNvSpPr>
+            <a:spLocks noGrp="1"/>
+          </p:cNvSpPr>
+          <p:nvPr>
+            <p:ph type="title"/>
+          </p:nvPr>
+        </p:nvSpPr>
+        <p:spPr>
+          <a:xfrm>
+            <a:off x="56459" y="228600"/>
+            <a:ext cx="9012237" cy="868362"/>
+          </a:xfrm>
+        </p:spPr>
+        <p:txBody>
+          <a:bodyPr/>
+          <a:lstStyle/>
+          <a:p>
+            <a:r>
+              <a:rPr lang="en-US" dirty="0" smtClean="0"/>
+              <a:t>Challenges to Adaptive </a:t>
+            </a:r>
+            <a:r>
+              <a:rPr lang="en-US" dirty="0" smtClean="0"/>
+              <a:t>Management</a:t>
+            </a:r>
+            <a:endParaRPr lang="en-US" dirty="0"/>
+          </a:p>
+        </p:txBody>
+      </p:sp>
+      <p:sp>
+        <p:nvSpPr>
+          <p:cNvPr id="6" name="Content Placeholder 5"/>
+          <p:cNvSpPr>
+            <a:spLocks noGrp="1"/>
+          </p:cNvSpPr>
+          <p:nvPr>
+            <p:ph idx="1"/>
+          </p:nvPr>
+        </p:nvSpPr>
+        <p:spPr>
+          <a:xfrm>
+            <a:off x="457200" y="1447800"/>
+            <a:ext cx="8534400" cy="5029200"/>
+          </a:xfrm>
+        </p:spPr>
+        <p:txBody>
+          <a:bodyPr/>
+          <a:lstStyle/>
+          <a:p>
+            <a:r>
+              <a:rPr lang="en-US" dirty="0" smtClean="0"/>
+              <a:t>What are three challenges to implementing AM according to Walters (2007)?</a:t>
+            </a:r>
+          </a:p>
+          <a:p>
+            <a:endParaRPr lang="en-US" dirty="0"/>
+          </a:p>
+          <a:p>
+            <a:endParaRPr lang="en-US" dirty="0"/>
+          </a:p>
+        </p:txBody>
+      </p:sp>
+      <p:sp>
+        <p:nvSpPr>
+          <p:cNvPr id="4" name="Footer Placeholder 3"/>
+          <p:cNvSpPr>
+            <a:spLocks noGrp="1"/>
+          </p:cNvSpPr>
+          <p:nvPr>
+            <p:ph type="ftr" sz="quarter" idx="10"/>
+          </p:nvPr>
+        </p:nvSpPr>
+        <p:spPr/>
+        <p:txBody>
+          <a:bodyPr/>
+          <a:lstStyle/>
+          <a:p>
+            <a:pPr>
+              <a:defRPr/>
+            </a:pPr>
+            <a:r>
+              <a:rPr lang="en-US" smtClean="0"/>
+              <a:t>Adaptive Management</a:t>
+            </a:r>
+            <a:endParaRPr lang="en-US"/>
+          </a:p>
+        </p:txBody>
+      </p:sp>
+      <p:sp>
+        <p:nvSpPr>
+          <p:cNvPr id="5" name="Slide Number Placeholder 4"/>
+          <p:cNvSpPr>
+            <a:spLocks noGrp="1"/>
+          </p:cNvSpPr>
+          <p:nvPr>
+            <p:ph type="sldNum" sz="quarter" idx="11"/>
+          </p:nvPr>
+        </p:nvSpPr>
+        <p:spPr/>
+        <p:txBody>
+          <a:bodyPr/>
+          <a:lstStyle/>
+          <a:p>
+            <a:pPr>
+              <a:defRPr/>
+            </a:pPr>
+            <a:fld id="{C6A2F5B4-2197-4B8F-A126-FB2FF53A65C9}" type="slidenum">
+              <a:rPr lang="en-US" smtClean="0"/>
+              <a:pPr>
+                <a:defRPr/>
+              </a:pPr>
+              <a:t>7</a:t>
+            </a:fld>
+            <a:endParaRPr lang="en-US"/>
+          </a:p>
+        </p:txBody>
+      </p:sp>
+    </p:spTree>
+    <p:extLst>
+      <p:ext uri="{BB962C8B-B14F-4D97-AF65-F5344CB8AC3E}">
+        <p14:creationId xmlns:p14="http://schemas.microsoft.com/office/powerpoint/2010/main" val="355461934"/>
+      </p:ext>
+    </p:extLst>
+  </p:cSld>
+  <p:clrMapOvr>
+    <a:masterClrMapping/>
+  </p:clrMapOvr>
+  <p:timing>
+    <p:tnLst>
+      <p:par>
+        <p:cTn id="1" dur="indefinite" restart="never" nodeType="tmRoot"/>
+      </p:par>
+    </p:tnLst>
+  </p:timing>
+</p:sld>
+</file>
+
+<file path=ppt/slides/slide8.xml><?xml version="1.0" encoding="utf-8"?>
 <p:sld xmlns:a="http://schemas.openxmlformats.org/drawingml/2006/main" xmlns:r="http://schemas.openxmlformats.org/officeDocument/2006/relationships" xmlns:p="http://schemas.openxmlformats.org/presentationml/2006/main">
   <p:cSld>
     <p:spTree>
@@ -14928,7 +18991,19 @@
           <a:p>
             <a:r>
               <a:rPr lang="en-US" dirty="0" smtClean="0"/>
-              <a:t>Example: Black bass and walleye</a:t>
+              <a:t>Example: Black </a:t>
+            </a:r>
+            <a:r>
+              <a:rPr lang="en-US" dirty="0" smtClean="0"/>
+              <a:t>Bass </a:t>
+            </a:r>
+            <a:r>
+              <a:rPr lang="en-US" dirty="0" smtClean="0"/>
+              <a:t>and </a:t>
+            </a:r>
+            <a:r>
+              <a:rPr lang="en-US" dirty="0" smtClean="0"/>
+              <a:t>Walleye</a:t>
             </a:r>
             <a:endParaRPr lang="en-US" dirty="0"/>
           </a:p>
@@ -15357,7 +19432,7 @@
         </p:nvSpPr>
         <p:spPr bwMode="auto">
           <a:xfrm>
-            <a:off x="6952374" y="6592956"/>
+            <a:off x="0" y="6592956"/>
             <a:ext cx="2191626" cy="276999"/>
           </a:xfrm>
           <a:prstGeom prst="rect">
@@ -15557,7 +19632,7 @@
               <a:pPr>
                 <a:defRPr/>
               </a:pPr>
-              <a:t>6</a:t>
+              <a:t>8</a:t>
             </a:fld>
             <a:endParaRPr lang="en-US"/>
           </a:p>
@@ -15583,7 +19658,7 @@
 </p:sld>
 </file>
 
-<file path=ppt/slides/slide7.xml><?xml version="1.0" encoding="utf-8"?>
+<file path=ppt/slides/slide9.xml><?xml version="1.0" encoding="utf-8"?>
 <p:sld xmlns:a="http://schemas.openxmlformats.org/drawingml/2006/main" xmlns:r="http://schemas.openxmlformats.org/officeDocument/2006/relationships" xmlns:p="http://schemas.openxmlformats.org/presentationml/2006/main">
   <p:cSld>
     <p:spTree>
@@ -18813,167 +22888,6 @@
       </p:sp>
       <p:sp>
         <p:nvSpPr>
-          <p:cNvPr id="28723" name="TextBox 50"/>
-          <p:cNvSpPr txBox="1">
-            <a:spLocks noChangeArrowheads="1"/>
-          </p:cNvSpPr>
-          <p:nvPr/>
-        </p:nvSpPr>
-        <p:spPr bwMode="auto">
-          <a:xfrm>
-            <a:off x="6952374" y="6581001"/>
-            <a:ext cx="2191626" cy="276999"/>
-          </a:xfrm>
-          <a:prstGeom prst="rect">
-            <a:avLst/>
-          </a:prstGeom>
-          <a:noFill/>
-          <a:ln>
-            <a:noFill/>
-          </a:ln>
-          <a:extLst>
-            <a:ext uri="{909E8E84-426E-40DD-AFC4-6F175D3DCCD1}">
-              <a14:hiddenFill xmlns:a14="http://schemas.microsoft.com/office/drawing/2010/main">
-                <a:solidFill>
-                  <a:srgbClr val="FFFFFF"/>
-                </a:solidFill>
-              </a14:hiddenFill>
-            </a:ext>
-            <a:ext uri="{91240B29-F687-4F45-9708-019B960494DF}">
-              <a14:hiddenLine xmlns:a14="http://schemas.microsoft.com/office/drawing/2010/main" w="9525">
-                <a:solidFill>
-                  <a:srgbClr val="000000"/>
-                </a:solidFill>
-                <a:miter lim="800000"/>
-                <a:headEnd/>
-                <a:tailEnd/>
-              </a14:hiddenLine>
-            </a:ext>
-          </a:extLst>
-        </p:spPr>
-        <p:txBody>
-          <a:bodyPr wrap="none">
-            <a:spAutoFit/>
-          </a:bodyPr>
-          <a:lstStyle>
-            <a:lvl1pPr eaLnBrk="0" hangingPunct="0">
-              <a:defRPr>
-                <a:solidFill>
-                  <a:schemeClr val="tx1"/>
-                </a:solidFill>
-                <a:latin typeface="Arial" charset="0"/>
-                <a:ea typeface="ＭＳ Ｐゴシック" pitchFamily="34" charset="-128"/>
-              </a:defRPr>
-            </a:lvl1pPr>
-            <a:lvl2pPr marL="742950" indent="-285750" eaLnBrk="0" hangingPunct="0">
-              <a:defRPr>
-                <a:solidFill>
-                  <a:schemeClr val="tx1"/>
-                </a:solidFill>
-                <a:latin typeface="Arial" charset="0"/>
-                <a:ea typeface="ＭＳ Ｐゴシック" pitchFamily="34" charset="-128"/>
-              </a:defRPr>
-            </a:lvl2pPr>
-            <a:lvl3pPr marL="1143000" indent="-228600" eaLnBrk="0" hangingPunct="0">
-              <a:defRPr>
-                <a:solidFill>
-                  <a:schemeClr val="tx1"/>
-                </a:solidFill>
-                <a:latin typeface="Arial" charset="0"/>
-                <a:ea typeface="ＭＳ Ｐゴシック" pitchFamily="34" charset="-128"/>
-              </a:defRPr>
-            </a:lvl3pPr>
-            <a:lvl4pPr marL="1600200" indent="-228600" eaLnBrk="0" hangingPunct="0">
-              <a:defRPr>
-                <a:solidFill>
-                  <a:schemeClr val="tx1"/>
-                </a:solidFill>
-                <a:latin typeface="Arial" charset="0"/>
-                <a:ea typeface="ＭＳ Ｐゴシック" pitchFamily="34" charset="-128"/>
-              </a:defRPr>
-            </a:lvl4pPr>
-            <a:lvl5pPr marL="2057400" indent="-228600" eaLnBrk="0" hangingPunct="0">
-              <a:defRPr>
-                <a:solidFill>
-                  <a:schemeClr val="tx1"/>
-                </a:solidFill>
-                <a:latin typeface="Arial" charset="0"/>
-                <a:ea typeface="ＭＳ Ｐゴシック" pitchFamily="34" charset="-128"/>
-              </a:defRPr>
-            </a:lvl5pPr>
-            <a:lvl6pPr marL="2514600" indent="-228600" eaLnBrk="0" fontAlgn="base" hangingPunct="0">
-              <a:spcBef>
-                <a:spcPct val="0"/>
-              </a:spcBef>
-              <a:spcAft>
-                <a:spcPct val="0"/>
-              </a:spcAft>
-              <a:defRPr>
-                <a:solidFill>
-                  <a:schemeClr val="tx1"/>
-                </a:solidFill>
-                <a:latin typeface="Arial" charset="0"/>
-                <a:ea typeface="ＭＳ Ｐゴシック" pitchFamily="34" charset="-128"/>
-              </a:defRPr>
-            </a:lvl6pPr>
-            <a:lvl7pPr marL="2971800" indent="-228600" eaLnBrk="0" fontAlgn="base" hangingPunct="0">
-              <a:spcBef>
-                <a:spcPct val="0"/>
-              </a:spcBef>
-              <a:spcAft>
-                <a:spcPct val="0"/>
-              </a:spcAft>
-              <a:defRPr>
-                <a:solidFill>
-                  <a:schemeClr val="tx1"/>
-                </a:solidFill>
-                <a:latin typeface="Arial" charset="0"/>
-                <a:ea typeface="ＭＳ Ｐゴシック" pitchFamily="34" charset="-128"/>
-              </a:defRPr>
-            </a:lvl7pPr>
-            <a:lvl8pPr marL="3429000" indent="-228600" eaLnBrk="0" fontAlgn="base" hangingPunct="0">
-              <a:spcBef>
-                <a:spcPct val="0"/>
-              </a:spcBef>
-              <a:spcAft>
-                <a:spcPct val="0"/>
-              </a:spcAft>
-              <a:defRPr>
-                <a:solidFill>
-                  <a:schemeClr val="tx1"/>
-                </a:solidFill>
-                <a:latin typeface="Arial" charset="0"/>
-                <a:ea typeface="ＭＳ Ｐゴシック" pitchFamily="34" charset="-128"/>
-              </a:defRPr>
-            </a:lvl8pPr>
-            <a:lvl9pPr marL="3886200" indent="-228600" eaLnBrk="0" fontAlgn="base" hangingPunct="0">
-              <a:spcBef>
-                <a:spcPct val="0"/>
-              </a:spcBef>
-              <a:spcAft>
-                <a:spcPct val="0"/>
-              </a:spcAft>
-              <a:defRPr>
-                <a:solidFill>
-                  <a:schemeClr val="tx1"/>
-                </a:solidFill>
-                <a:latin typeface="Arial" charset="0"/>
-                <a:ea typeface="ＭＳ Ｐゴシック" pitchFamily="34" charset="-128"/>
-              </a:defRPr>
-            </a:lvl9pPr>
-          </a:lstStyle>
-          <a:p>
-            <a:pPr eaLnBrk="1" hangingPunct="1"/>
-            <a:r>
-              <a:rPr lang="en-US" sz="1200" i="1" dirty="0" smtClean="0"/>
-              <a:t>From Gretchen Hansen (UW)</a:t>
-            </a:r>
-            <a:endParaRPr lang="en-US" sz="1200" i="1" dirty="0"/>
-          </a:p>
-        </p:txBody>
-      </p:sp>
-      <p:sp>
-        <p:nvSpPr>
           <p:cNvPr id="4" name="TextBox 3"/>
           <p:cNvSpPr txBox="1"/>
           <p:nvPr/>
@@ -19074,9 +22988,170 @@
               <a:pPr>
                 <a:defRPr/>
               </a:pPr>
-              <a:t>7</a:t>
+              <a:t>9</a:t>
             </a:fld>
             <a:endParaRPr lang="en-US"/>
+          </a:p>
+        </p:txBody>
+      </p:sp>
+      <p:sp>
+        <p:nvSpPr>
+          <p:cNvPr id="54" name="TextBox 50"/>
+          <p:cNvSpPr txBox="1">
+            <a:spLocks noChangeArrowheads="1"/>
+          </p:cNvSpPr>
+          <p:nvPr/>
+        </p:nvSpPr>
+        <p:spPr bwMode="auto">
+          <a:xfrm>
+            <a:off x="0" y="6592956"/>
+            <a:ext cx="2191626" cy="276999"/>
+          </a:xfrm>
+          <a:prstGeom prst="rect">
+            <a:avLst/>
+          </a:prstGeom>
+          <a:noFill/>
+          <a:ln>
+            <a:noFill/>
+          </a:ln>
+          <a:extLst>
+            <a:ext uri="{909E8E84-426E-40DD-AFC4-6F175D3DCCD1}">
+              <a14:hiddenFill xmlns:a14="http://schemas.microsoft.com/office/drawing/2010/main">
+                <a:solidFill>
+                  <a:srgbClr val="FFFFFF"/>
+                </a:solidFill>
+              </a14:hiddenFill>
+            </a:ext>
+            <a:ext uri="{91240B29-F687-4F45-9708-019B960494DF}">
+              <a14:hiddenLine xmlns:a14="http://schemas.microsoft.com/office/drawing/2010/main" w="9525">
+                <a:solidFill>
+                  <a:srgbClr val="000000"/>
+                </a:solidFill>
+                <a:miter lim="800000"/>
+                <a:headEnd/>
+                <a:tailEnd/>
+              </a14:hiddenLine>
+            </a:ext>
+          </a:extLst>
+        </p:spPr>
+        <p:txBody>
+          <a:bodyPr wrap="none">
+            <a:spAutoFit/>
+          </a:bodyPr>
+          <a:lstStyle>
+            <a:lvl1pPr eaLnBrk="0" hangingPunct="0">
+              <a:defRPr>
+                <a:solidFill>
+                  <a:schemeClr val="tx1"/>
+                </a:solidFill>
+                <a:latin typeface="Arial" charset="0"/>
+                <a:ea typeface="ＭＳ Ｐゴシック" pitchFamily="34" charset="-128"/>
+              </a:defRPr>
+            </a:lvl1pPr>
+            <a:lvl2pPr marL="742950" indent="-285750" eaLnBrk="0" hangingPunct="0">
+              <a:defRPr>
+                <a:solidFill>
+                  <a:schemeClr val="tx1"/>
+                </a:solidFill>
+                <a:latin typeface="Arial" charset="0"/>
+                <a:ea typeface="ＭＳ Ｐゴシック" pitchFamily="34" charset="-128"/>
+              </a:defRPr>
+            </a:lvl2pPr>
+            <a:lvl3pPr marL="1143000" indent="-228600" eaLnBrk="0" hangingPunct="0">
+              <a:defRPr>
+                <a:solidFill>
+                  <a:schemeClr val="tx1"/>
+                </a:solidFill>
+                <a:latin typeface="Arial" charset="0"/>
+                <a:ea typeface="ＭＳ Ｐゴシック" pitchFamily="34" charset="-128"/>
+              </a:defRPr>
+            </a:lvl3pPr>
+            <a:lvl4pPr marL="1600200" indent="-228600" eaLnBrk="0" hangingPunct="0">
+              <a:defRPr>
+                <a:solidFill>
+                  <a:schemeClr val="tx1"/>
+                </a:solidFill>
+                <a:latin typeface="Arial" charset="0"/>
+                <a:ea typeface="ＭＳ Ｐゴシック" pitchFamily="34" charset="-128"/>
+              </a:defRPr>
+            </a:lvl4pPr>
+            <a:lvl5pPr marL="2057400" indent="-228600" eaLnBrk="0" hangingPunct="0">
+              <a:defRPr>
+                <a:solidFill>
+                  <a:schemeClr val="tx1"/>
+                </a:solidFill>
+                <a:latin typeface="Arial" charset="0"/>
+                <a:ea typeface="ＭＳ Ｐゴシック" pitchFamily="34" charset="-128"/>
+              </a:defRPr>
+            </a:lvl5pPr>
+            <a:lvl6pPr marL="2514600" indent="-228600" eaLnBrk="0" fontAlgn="base" hangingPunct="0">
+              <a:spcBef>
+                <a:spcPct val="0"/>
+              </a:spcBef>
+              <a:spcAft>
+                <a:spcPct val="0"/>
+              </a:spcAft>
+              <a:defRPr>
+                <a:solidFill>
+                  <a:schemeClr val="tx1"/>
+                </a:solidFill>
+                <a:latin typeface="Arial" charset="0"/>
+                <a:ea typeface="ＭＳ Ｐゴシック" pitchFamily="34" charset="-128"/>
+              </a:defRPr>
+            </a:lvl6pPr>
+            <a:lvl7pPr marL="2971800" indent="-228600" eaLnBrk="0" fontAlgn="base" hangingPunct="0">
+              <a:spcBef>
+                <a:spcPct val="0"/>
+              </a:spcBef>
+              <a:spcAft>
+                <a:spcPct val="0"/>
+              </a:spcAft>
+              <a:defRPr>
+                <a:solidFill>
+                  <a:schemeClr val="tx1"/>
+                </a:solidFill>
+                <a:latin typeface="Arial" charset="0"/>
+                <a:ea typeface="ＭＳ Ｐゴシック" pitchFamily="34" charset="-128"/>
+              </a:defRPr>
+            </a:lvl7pPr>
+            <a:lvl8pPr marL="3429000" indent="-228600" eaLnBrk="0" fontAlgn="base" hangingPunct="0">
+              <a:spcBef>
+                <a:spcPct val="0"/>
+              </a:spcBef>
+              <a:spcAft>
+                <a:spcPct val="0"/>
+              </a:spcAft>
+              <a:defRPr>
+                <a:solidFill>
+                  <a:schemeClr val="tx1"/>
+                </a:solidFill>
+                <a:latin typeface="Arial" charset="0"/>
+                <a:ea typeface="ＭＳ Ｐゴシック" pitchFamily="34" charset="-128"/>
+              </a:defRPr>
+            </a:lvl8pPr>
+            <a:lvl9pPr marL="3886200" indent="-228600" eaLnBrk="0" fontAlgn="base" hangingPunct="0">
+              <a:spcBef>
+                <a:spcPct val="0"/>
+              </a:spcBef>
+              <a:spcAft>
+                <a:spcPct val="0"/>
+              </a:spcAft>
+              <a:defRPr>
+                <a:solidFill>
+                  <a:schemeClr val="tx1"/>
+                </a:solidFill>
+                <a:latin typeface="Arial" charset="0"/>
+                <a:ea typeface="ＭＳ Ｐゴシック" pitchFamily="34" charset="-128"/>
+              </a:defRPr>
+            </a:lvl9pPr>
+          </a:lstStyle>
+          <a:p>
+            <a:pPr eaLnBrk="1" hangingPunct="1"/>
+            <a:r>
+              <a:rPr lang="en-US" sz="1200" i="1" dirty="0" smtClean="0"/>
+              <a:t>From Gretchen Hansen (UW)</a:t>
+            </a:r>
+            <a:endParaRPr lang="en-US" sz="1200" i="1" dirty="0"/>
           </a:p>
         </p:txBody>
       </p:sp>
@@ -22752,2152 +26827,6 @@
       <p:bldP spid="28721" grpId="0" animBg="1"/>
       <p:bldP spid="28722" grpId="0" animBg="1"/>
       <p:bldP spid="4" grpId="0" animBg="1"/>
-    </p:bldLst>
-  </p:timing>
-</p:sld>
-</file>
-
-<file path=ppt/slides/slide8.xml><?xml version="1.0" encoding="utf-8"?>
-<p:sld xmlns:a="http://schemas.openxmlformats.org/drawingml/2006/main" xmlns:r="http://schemas.openxmlformats.org/officeDocument/2006/relationships" xmlns:p="http://schemas.openxmlformats.org/presentationml/2006/main">
-  <p:cSld>
-    <p:spTree>
-      <p:nvGrpSpPr>
-        <p:cNvPr id="1" name=""/>
-        <p:cNvGrpSpPr/>
-        <p:nvPr/>
-      </p:nvGrpSpPr>
-      <p:grpSpPr>
-        <a:xfrm>
-          <a:off x="0" y="0"/>
-          <a:ext cx="0" cy="0"/>
-          <a:chOff x="0" y="0"/>
-          <a:chExt cx="0" cy="0"/>
-        </a:xfrm>
-      </p:grpSpPr>
-      <p:sp>
-        <p:nvSpPr>
-          <p:cNvPr id="7170" name="Footer Placeholder 3"/>
-          <p:cNvSpPr>
-            <a:spLocks noGrp="1"/>
-          </p:cNvSpPr>
-          <p:nvPr>
-            <p:ph type="ftr" sz="quarter" idx="10"/>
-          </p:nvPr>
-        </p:nvSpPr>
-        <p:spPr>
-          <a:noFill/>
-          <a:ln/>
-          <a:extLst>
-            <a:ext uri="{909E8E84-426E-40DD-AFC4-6F175D3DCCD1}">
-              <a14:hiddenFill xmlns:a14="http://schemas.microsoft.com/office/drawing/2010/main">
-                <a:solidFill>
-                  <a:srgbClr val="FFFFFF"/>
-                </a:solidFill>
-              </a14:hiddenFill>
-            </a:ext>
-            <a:ext uri="{91240B29-F687-4F45-9708-019B960494DF}">
-              <a14:hiddenLine xmlns:a14="http://schemas.microsoft.com/office/drawing/2010/main" w="9525">
-                <a:solidFill>
-                  <a:srgbClr val="000000"/>
-                </a:solidFill>
-                <a:miter lim="800000"/>
-                <a:headEnd/>
-                <a:tailEnd/>
-              </a14:hiddenLine>
-            </a:ext>
-          </a:extLst>
-        </p:spPr>
-        <p:txBody>
-          <a:bodyPr/>
-          <a:lstStyle>
-            <a:lvl1pPr eaLnBrk="0" hangingPunct="0">
-              <a:defRPr>
-                <a:solidFill>
-                  <a:schemeClr val="tx1"/>
-                </a:solidFill>
-                <a:latin typeface="Arial" charset="0"/>
-              </a:defRPr>
-            </a:lvl1pPr>
-            <a:lvl2pPr marL="742950" indent="-285750" eaLnBrk="0" hangingPunct="0">
-              <a:defRPr>
-                <a:solidFill>
-                  <a:schemeClr val="tx1"/>
-                </a:solidFill>
-                <a:latin typeface="Arial" charset="0"/>
-              </a:defRPr>
-            </a:lvl2pPr>
-            <a:lvl3pPr marL="1143000" indent="-228600" eaLnBrk="0" hangingPunct="0">
-              <a:defRPr>
-                <a:solidFill>
-                  <a:schemeClr val="tx1"/>
-                </a:solidFill>
-                <a:latin typeface="Arial" charset="0"/>
-              </a:defRPr>
-            </a:lvl3pPr>
-            <a:lvl4pPr marL="1600200" indent="-228600" eaLnBrk="0" hangingPunct="0">
-              <a:defRPr>
-                <a:solidFill>
-                  <a:schemeClr val="tx1"/>
-                </a:solidFill>
-                <a:latin typeface="Arial" charset="0"/>
-              </a:defRPr>
-            </a:lvl4pPr>
-            <a:lvl5pPr marL="2057400" indent="-228600" eaLnBrk="0" hangingPunct="0">
-              <a:defRPr>
-                <a:solidFill>
-                  <a:schemeClr val="tx1"/>
-                </a:solidFill>
-                <a:latin typeface="Arial" charset="0"/>
-              </a:defRPr>
-            </a:lvl5pPr>
-            <a:lvl6pPr marL="2514600" indent="-228600" eaLnBrk="0" fontAlgn="base" hangingPunct="0">
-              <a:spcBef>
-                <a:spcPct val="0"/>
-              </a:spcBef>
-              <a:spcAft>
-                <a:spcPct val="0"/>
-              </a:spcAft>
-              <a:defRPr>
-                <a:solidFill>
-                  <a:schemeClr val="tx1"/>
-                </a:solidFill>
-                <a:latin typeface="Arial" charset="0"/>
-              </a:defRPr>
-            </a:lvl6pPr>
-            <a:lvl7pPr marL="2971800" indent="-228600" eaLnBrk="0" fontAlgn="base" hangingPunct="0">
-              <a:spcBef>
-                <a:spcPct val="0"/>
-              </a:spcBef>
-              <a:spcAft>
-                <a:spcPct val="0"/>
-              </a:spcAft>
-              <a:defRPr>
-                <a:solidFill>
-                  <a:schemeClr val="tx1"/>
-                </a:solidFill>
-                <a:latin typeface="Arial" charset="0"/>
-              </a:defRPr>
-            </a:lvl7pPr>
-            <a:lvl8pPr marL="3429000" indent="-228600" eaLnBrk="0" fontAlgn="base" hangingPunct="0">
-              <a:spcBef>
-                <a:spcPct val="0"/>
-              </a:spcBef>
-              <a:spcAft>
-                <a:spcPct val="0"/>
-              </a:spcAft>
-              <a:defRPr>
-                <a:solidFill>
-                  <a:schemeClr val="tx1"/>
-                </a:solidFill>
-                <a:latin typeface="Arial" charset="0"/>
-              </a:defRPr>
-            </a:lvl8pPr>
-            <a:lvl9pPr marL="3886200" indent="-228600" eaLnBrk="0" fontAlgn="base" hangingPunct="0">
-              <a:spcBef>
-                <a:spcPct val="0"/>
-              </a:spcBef>
-              <a:spcAft>
-                <a:spcPct val="0"/>
-              </a:spcAft>
-              <a:defRPr>
-                <a:solidFill>
-                  <a:schemeClr val="tx1"/>
-                </a:solidFill>
-                <a:latin typeface="Arial" charset="0"/>
-              </a:defRPr>
-            </a:lvl9pPr>
-          </a:lstStyle>
-          <a:p>
-            <a:pPr eaLnBrk="1" hangingPunct="1"/>
-            <a:r>
-              <a:rPr lang="en-US" smtClean="0"/>
-              <a:t>Adaptive Management</a:t>
-            </a:r>
-          </a:p>
-        </p:txBody>
-      </p:sp>
-      <p:sp>
-        <p:nvSpPr>
-          <p:cNvPr id="7171" name="Slide Number Placeholder 4"/>
-          <p:cNvSpPr>
-            <a:spLocks noGrp="1"/>
-          </p:cNvSpPr>
-          <p:nvPr>
-            <p:ph type="sldNum" sz="quarter" idx="11"/>
-          </p:nvPr>
-        </p:nvSpPr>
-        <p:spPr>
-          <a:noFill/>
-          <a:ln/>
-          <a:extLst>
-            <a:ext uri="{909E8E84-426E-40DD-AFC4-6F175D3DCCD1}">
-              <a14:hiddenFill xmlns:a14="http://schemas.microsoft.com/office/drawing/2010/main">
-                <a:solidFill>
-                  <a:srgbClr val="FFFFFF"/>
-                </a:solidFill>
-              </a14:hiddenFill>
-            </a:ext>
-            <a:ext uri="{91240B29-F687-4F45-9708-019B960494DF}">
-              <a14:hiddenLine xmlns:a14="http://schemas.microsoft.com/office/drawing/2010/main" w="9525">
-                <a:solidFill>
-                  <a:srgbClr val="000000"/>
-                </a:solidFill>
-                <a:miter lim="800000"/>
-                <a:headEnd/>
-                <a:tailEnd/>
-              </a14:hiddenLine>
-            </a:ext>
-          </a:extLst>
-        </p:spPr>
-        <p:txBody>
-          <a:bodyPr/>
-          <a:lstStyle>
-            <a:lvl1pPr eaLnBrk="0" hangingPunct="0">
-              <a:defRPr>
-                <a:solidFill>
-                  <a:schemeClr val="tx1"/>
-                </a:solidFill>
-                <a:latin typeface="Arial" charset="0"/>
-              </a:defRPr>
-            </a:lvl1pPr>
-            <a:lvl2pPr marL="742950" indent="-285750" eaLnBrk="0" hangingPunct="0">
-              <a:defRPr>
-                <a:solidFill>
-                  <a:schemeClr val="tx1"/>
-                </a:solidFill>
-                <a:latin typeface="Arial" charset="0"/>
-              </a:defRPr>
-            </a:lvl2pPr>
-            <a:lvl3pPr marL="1143000" indent="-228600" eaLnBrk="0" hangingPunct="0">
-              <a:defRPr>
-                <a:solidFill>
-                  <a:schemeClr val="tx1"/>
-                </a:solidFill>
-                <a:latin typeface="Arial" charset="0"/>
-              </a:defRPr>
-            </a:lvl3pPr>
-            <a:lvl4pPr marL="1600200" indent="-228600" eaLnBrk="0" hangingPunct="0">
-              <a:defRPr>
-                <a:solidFill>
-                  <a:schemeClr val="tx1"/>
-                </a:solidFill>
-                <a:latin typeface="Arial" charset="0"/>
-              </a:defRPr>
-            </a:lvl4pPr>
-            <a:lvl5pPr marL="2057400" indent="-228600" eaLnBrk="0" hangingPunct="0">
-              <a:defRPr>
-                <a:solidFill>
-                  <a:schemeClr val="tx1"/>
-                </a:solidFill>
-                <a:latin typeface="Arial" charset="0"/>
-              </a:defRPr>
-            </a:lvl5pPr>
-            <a:lvl6pPr marL="2514600" indent="-228600" eaLnBrk="0" fontAlgn="base" hangingPunct="0">
-              <a:spcBef>
-                <a:spcPct val="0"/>
-              </a:spcBef>
-              <a:spcAft>
-                <a:spcPct val="0"/>
-              </a:spcAft>
-              <a:defRPr>
-                <a:solidFill>
-                  <a:schemeClr val="tx1"/>
-                </a:solidFill>
-                <a:latin typeface="Arial" charset="0"/>
-              </a:defRPr>
-            </a:lvl6pPr>
-            <a:lvl7pPr marL="2971800" indent="-228600" eaLnBrk="0" fontAlgn="base" hangingPunct="0">
-              <a:spcBef>
-                <a:spcPct val="0"/>
-              </a:spcBef>
-              <a:spcAft>
-                <a:spcPct val="0"/>
-              </a:spcAft>
-              <a:defRPr>
-                <a:solidFill>
-                  <a:schemeClr val="tx1"/>
-                </a:solidFill>
-                <a:latin typeface="Arial" charset="0"/>
-              </a:defRPr>
-            </a:lvl7pPr>
-            <a:lvl8pPr marL="3429000" indent="-228600" eaLnBrk="0" fontAlgn="base" hangingPunct="0">
-              <a:spcBef>
-                <a:spcPct val="0"/>
-              </a:spcBef>
-              <a:spcAft>
-                <a:spcPct val="0"/>
-              </a:spcAft>
-              <a:defRPr>
-                <a:solidFill>
-                  <a:schemeClr val="tx1"/>
-                </a:solidFill>
-                <a:latin typeface="Arial" charset="0"/>
-              </a:defRPr>
-            </a:lvl8pPr>
-            <a:lvl9pPr marL="3886200" indent="-228600" eaLnBrk="0" fontAlgn="base" hangingPunct="0">
-              <a:spcBef>
-                <a:spcPct val="0"/>
-              </a:spcBef>
-              <a:spcAft>
-                <a:spcPct val="0"/>
-              </a:spcAft>
-              <a:defRPr>
-                <a:solidFill>
-                  <a:schemeClr val="tx1"/>
-                </a:solidFill>
-                <a:latin typeface="Arial" charset="0"/>
-              </a:defRPr>
-            </a:lvl9pPr>
-          </a:lstStyle>
-          <a:p>
-            <a:pPr eaLnBrk="1" hangingPunct="1"/>
-            <a:fld id="{815A897B-2BDE-4141-908B-F0568360B39B}" type="slidenum">
-              <a:rPr lang="en-US" smtClean="0"/>
-              <a:pPr eaLnBrk="1" hangingPunct="1"/>
-              <a:t>8</a:t>
-            </a:fld>
-            <a:endParaRPr lang="en-US" smtClean="0"/>
-          </a:p>
-        </p:txBody>
-      </p:sp>
-      <p:sp>
-        <p:nvSpPr>
-          <p:cNvPr id="40962" name="Rectangle 2"/>
-          <p:cNvSpPr>
-            <a:spLocks noGrp="1" noChangeArrowheads="1"/>
-          </p:cNvSpPr>
-          <p:nvPr>
-            <p:ph type="title"/>
-          </p:nvPr>
-        </p:nvSpPr>
-        <p:spPr/>
-        <p:txBody>
-          <a:bodyPr/>
-          <a:lstStyle/>
-          <a:p>
-            <a:pPr eaLnBrk="1" hangingPunct="1"/>
-            <a:r>
-              <a:rPr lang="en-US" dirty="0" smtClean="0"/>
-              <a:t>Adaptive Management Process</a:t>
-            </a:r>
-          </a:p>
-        </p:txBody>
-      </p:sp>
-      <p:sp>
-        <p:nvSpPr>
-          <p:cNvPr id="40964" name="AutoShape 4"/>
-          <p:cNvSpPr>
-            <a:spLocks noChangeArrowheads="1"/>
-          </p:cNvSpPr>
-          <p:nvPr/>
-        </p:nvSpPr>
-        <p:spPr bwMode="auto">
-          <a:xfrm>
-            <a:off x="3657600" y="1295400"/>
-            <a:ext cx="1984375" cy="1295400"/>
-          </a:xfrm>
-          <a:prstGeom prst="flowChartProcess">
-            <a:avLst/>
-          </a:prstGeom>
-          <a:solidFill>
-            <a:schemeClr val="accent1"/>
-          </a:solidFill>
-          <a:ln w="9525">
-            <a:solidFill>
-              <a:schemeClr val="tx1"/>
-            </a:solidFill>
-            <a:miter lim="800000"/>
-            <a:headEnd/>
-            <a:tailEnd/>
-          </a:ln>
-        </p:spPr>
-        <p:txBody>
-          <a:bodyPr wrap="none" anchor="ctr"/>
-          <a:lstStyle/>
-          <a:p>
-            <a:pPr algn="ctr"/>
-            <a:r>
-              <a:rPr lang="en-US" sz="2400" b="1"/>
-              <a:t>Goal</a:t>
-            </a:r>
-          </a:p>
-          <a:p>
-            <a:pPr algn="ctr"/>
-            <a:endParaRPr lang="en-US" sz="2400" b="1"/>
-          </a:p>
-          <a:p>
-            <a:pPr algn="ctr"/>
-            <a:r>
-              <a:rPr lang="en-US" sz="2400" b="1"/>
-              <a:t>Objective</a:t>
-            </a:r>
-          </a:p>
-        </p:txBody>
-      </p:sp>
-      <p:sp>
-        <p:nvSpPr>
-          <p:cNvPr id="40965" name="AutoShape 5"/>
-          <p:cNvSpPr>
-            <a:spLocks noChangeArrowheads="1"/>
-          </p:cNvSpPr>
-          <p:nvPr/>
-        </p:nvSpPr>
-        <p:spPr bwMode="auto">
-          <a:xfrm>
-            <a:off x="3657600" y="5105400"/>
-            <a:ext cx="1984375" cy="1295400"/>
-          </a:xfrm>
-          <a:prstGeom prst="flowChartProcess">
-            <a:avLst/>
-          </a:prstGeom>
-          <a:solidFill>
-            <a:schemeClr val="accent1"/>
-          </a:solidFill>
-          <a:ln w="9525">
-            <a:solidFill>
-              <a:schemeClr val="tx1"/>
-            </a:solidFill>
-            <a:miter lim="800000"/>
-            <a:headEnd/>
-            <a:tailEnd/>
-          </a:ln>
-        </p:spPr>
-        <p:txBody>
-          <a:bodyPr wrap="none" anchor="ctr"/>
-          <a:lstStyle/>
-          <a:p>
-            <a:pPr algn="ctr"/>
-            <a:r>
-              <a:rPr lang="en-US" sz="2400" b="1"/>
-              <a:t>Actions</a:t>
-            </a:r>
-          </a:p>
-        </p:txBody>
-      </p:sp>
-      <p:sp>
-        <p:nvSpPr>
-          <p:cNvPr id="40966" name="AutoShape 6"/>
-          <p:cNvSpPr>
-            <a:spLocks noChangeArrowheads="1"/>
-          </p:cNvSpPr>
-          <p:nvPr/>
-        </p:nvSpPr>
-        <p:spPr bwMode="auto">
-          <a:xfrm>
-            <a:off x="990600" y="3200400"/>
-            <a:ext cx="1984375" cy="1295400"/>
-          </a:xfrm>
-          <a:prstGeom prst="flowChartProcess">
-            <a:avLst/>
-          </a:prstGeom>
-          <a:solidFill>
-            <a:schemeClr val="accent1"/>
-          </a:solidFill>
-          <a:ln w="9525">
-            <a:solidFill>
-              <a:schemeClr val="tx1"/>
-            </a:solidFill>
-            <a:miter lim="800000"/>
-            <a:headEnd/>
-            <a:tailEnd/>
-          </a:ln>
-        </p:spPr>
-        <p:txBody>
-          <a:bodyPr wrap="none" anchor="ctr"/>
-          <a:lstStyle/>
-          <a:p>
-            <a:pPr algn="ctr"/>
-            <a:r>
-              <a:rPr lang="en-US" sz="2400" b="1" dirty="0"/>
-              <a:t>Problem</a:t>
-            </a:r>
-          </a:p>
-          <a:p>
-            <a:pPr algn="ctr"/>
-            <a:r>
-              <a:rPr lang="en-US" sz="2400" b="1" dirty="0"/>
-              <a:t>Identification</a:t>
-            </a:r>
-          </a:p>
-        </p:txBody>
-      </p:sp>
-      <p:sp>
-        <p:nvSpPr>
-          <p:cNvPr id="40967" name="AutoShape 7"/>
-          <p:cNvSpPr>
-            <a:spLocks noChangeArrowheads="1"/>
-          </p:cNvSpPr>
-          <p:nvPr/>
-        </p:nvSpPr>
-        <p:spPr bwMode="auto">
-          <a:xfrm>
-            <a:off x="6321425" y="3200400"/>
-            <a:ext cx="1984375" cy="1295400"/>
-          </a:xfrm>
-          <a:prstGeom prst="flowChartProcess">
-            <a:avLst/>
-          </a:prstGeom>
-          <a:solidFill>
-            <a:schemeClr val="accent1"/>
-          </a:solidFill>
-          <a:ln w="9525">
-            <a:solidFill>
-              <a:schemeClr val="tx1"/>
-            </a:solidFill>
-            <a:miter lim="800000"/>
-            <a:headEnd/>
-            <a:tailEnd/>
-          </a:ln>
-        </p:spPr>
-        <p:txBody>
-          <a:bodyPr wrap="none" anchor="ctr"/>
-          <a:lstStyle/>
-          <a:p>
-            <a:pPr algn="ctr"/>
-            <a:r>
-              <a:rPr lang="en-US" sz="2400" b="1"/>
-              <a:t>Evaluation</a:t>
-            </a:r>
-          </a:p>
-        </p:txBody>
-      </p:sp>
-      <p:sp>
-        <p:nvSpPr>
-          <p:cNvPr id="40969" name="Text Box 9"/>
-          <p:cNvSpPr txBox="1">
-            <a:spLocks noChangeArrowheads="1"/>
-          </p:cNvSpPr>
-          <p:nvPr/>
-        </p:nvSpPr>
-        <p:spPr bwMode="auto">
-          <a:xfrm>
-            <a:off x="3722688" y="3403600"/>
-            <a:ext cx="1858962" cy="822325"/>
-          </a:xfrm>
-          <a:prstGeom prst="rect">
-            <a:avLst/>
-          </a:prstGeom>
-          <a:noFill/>
-          <a:ln>
-            <a:noFill/>
-          </a:ln>
-          <a:extLst>
-            <a:ext uri="{909E8E84-426E-40DD-AFC4-6F175D3DCCD1}">
-              <a14:hiddenFill xmlns:a14="http://schemas.microsoft.com/office/drawing/2010/main">
-                <a:solidFill>
-                  <a:srgbClr val="FFFFFF"/>
-                </a:solidFill>
-              </a14:hiddenFill>
-            </a:ext>
-            <a:ext uri="{91240B29-F687-4F45-9708-019B960494DF}">
-              <a14:hiddenLine xmlns:a14="http://schemas.microsoft.com/office/drawing/2010/main" w="9525">
-                <a:solidFill>
-                  <a:srgbClr val="000000"/>
-                </a:solidFill>
-                <a:miter lim="800000"/>
-                <a:headEnd/>
-                <a:tailEnd/>
-              </a14:hiddenLine>
-            </a:ext>
-          </a:extLst>
-        </p:spPr>
-        <p:txBody>
-          <a:bodyPr wrap="none">
-            <a:spAutoFit/>
-          </a:bodyPr>
-          <a:lstStyle>
-            <a:lvl1pPr eaLnBrk="0" hangingPunct="0">
-              <a:defRPr>
-                <a:solidFill>
-                  <a:schemeClr val="tx1"/>
-                </a:solidFill>
-                <a:latin typeface="Arial" charset="0"/>
-              </a:defRPr>
-            </a:lvl1pPr>
-            <a:lvl2pPr marL="742950" indent="-285750" eaLnBrk="0" hangingPunct="0">
-              <a:defRPr>
-                <a:solidFill>
-                  <a:schemeClr val="tx1"/>
-                </a:solidFill>
-                <a:latin typeface="Arial" charset="0"/>
-              </a:defRPr>
-            </a:lvl2pPr>
-            <a:lvl3pPr marL="1143000" indent="-228600" eaLnBrk="0" hangingPunct="0">
-              <a:defRPr>
-                <a:solidFill>
-                  <a:schemeClr val="tx1"/>
-                </a:solidFill>
-                <a:latin typeface="Arial" charset="0"/>
-              </a:defRPr>
-            </a:lvl3pPr>
-            <a:lvl4pPr marL="1600200" indent="-228600" eaLnBrk="0" hangingPunct="0">
-              <a:defRPr>
-                <a:solidFill>
-                  <a:schemeClr val="tx1"/>
-                </a:solidFill>
-                <a:latin typeface="Arial" charset="0"/>
-              </a:defRPr>
-            </a:lvl4pPr>
-            <a:lvl5pPr marL="2057400" indent="-228600" eaLnBrk="0" hangingPunct="0">
-              <a:defRPr>
-                <a:solidFill>
-                  <a:schemeClr val="tx1"/>
-                </a:solidFill>
-                <a:latin typeface="Arial" charset="0"/>
-              </a:defRPr>
-            </a:lvl5pPr>
-            <a:lvl6pPr marL="2514600" indent="-228600" eaLnBrk="0" fontAlgn="base" hangingPunct="0">
-              <a:spcBef>
-                <a:spcPct val="0"/>
-              </a:spcBef>
-              <a:spcAft>
-                <a:spcPct val="0"/>
-              </a:spcAft>
-              <a:defRPr>
-                <a:solidFill>
-                  <a:schemeClr val="tx1"/>
-                </a:solidFill>
-                <a:latin typeface="Arial" charset="0"/>
-              </a:defRPr>
-            </a:lvl6pPr>
-            <a:lvl7pPr marL="2971800" indent="-228600" eaLnBrk="0" fontAlgn="base" hangingPunct="0">
-              <a:spcBef>
-                <a:spcPct val="0"/>
-              </a:spcBef>
-              <a:spcAft>
-                <a:spcPct val="0"/>
-              </a:spcAft>
-              <a:defRPr>
-                <a:solidFill>
-                  <a:schemeClr val="tx1"/>
-                </a:solidFill>
-                <a:latin typeface="Arial" charset="0"/>
-              </a:defRPr>
-            </a:lvl7pPr>
-            <a:lvl8pPr marL="3429000" indent="-228600" eaLnBrk="0" fontAlgn="base" hangingPunct="0">
-              <a:spcBef>
-                <a:spcPct val="0"/>
-              </a:spcBef>
-              <a:spcAft>
-                <a:spcPct val="0"/>
-              </a:spcAft>
-              <a:defRPr>
-                <a:solidFill>
-                  <a:schemeClr val="tx1"/>
-                </a:solidFill>
-                <a:latin typeface="Arial" charset="0"/>
-              </a:defRPr>
-            </a:lvl8pPr>
-            <a:lvl9pPr marL="3886200" indent="-228600" eaLnBrk="0" fontAlgn="base" hangingPunct="0">
-              <a:spcBef>
-                <a:spcPct val="0"/>
-              </a:spcBef>
-              <a:spcAft>
-                <a:spcPct val="0"/>
-              </a:spcAft>
-              <a:defRPr>
-                <a:solidFill>
-                  <a:schemeClr val="tx1"/>
-                </a:solidFill>
-                <a:latin typeface="Arial" charset="0"/>
-              </a:defRPr>
-            </a:lvl9pPr>
-          </a:lstStyle>
-          <a:p>
-            <a:pPr algn="ctr" eaLnBrk="1" hangingPunct="1"/>
-            <a:r>
-              <a:rPr lang="en-US" sz="2400" b="1">
-                <a:solidFill>
-                  <a:srgbClr val="FF0000"/>
-                </a:solidFill>
-              </a:rPr>
-              <a:t>Information</a:t>
-            </a:r>
-          </a:p>
-          <a:p>
-            <a:pPr algn="ctr" eaLnBrk="1" hangingPunct="1"/>
-            <a:r>
-              <a:rPr lang="en-US" sz="2400" b="1">
-                <a:solidFill>
-                  <a:srgbClr val="FF0000"/>
-                </a:solidFill>
-              </a:rPr>
-              <a:t>Base</a:t>
-            </a:r>
-          </a:p>
-        </p:txBody>
-      </p:sp>
-      <p:sp>
-        <p:nvSpPr>
-          <p:cNvPr id="40970" name="AutoShape 10"/>
-          <p:cNvSpPr>
-            <a:spLocks noChangeArrowheads="1"/>
-          </p:cNvSpPr>
-          <p:nvPr/>
-        </p:nvSpPr>
-        <p:spPr bwMode="auto">
-          <a:xfrm>
-            <a:off x="4572000" y="2765425"/>
-            <a:ext cx="152400" cy="609600"/>
-          </a:xfrm>
-          <a:prstGeom prst="upDownArrow">
-            <a:avLst>
-              <a:gd name="adj1" fmla="val 50000"/>
-              <a:gd name="adj2" fmla="val 80000"/>
-            </a:avLst>
-          </a:prstGeom>
-          <a:solidFill>
-            <a:srgbClr val="FF0000"/>
-          </a:solidFill>
-          <a:ln w="9525">
-            <a:solidFill>
-              <a:srgbClr val="FF0000"/>
-            </a:solidFill>
-            <a:miter lim="800000"/>
-            <a:headEnd/>
-            <a:tailEnd/>
-          </a:ln>
-        </p:spPr>
-        <p:txBody>
-          <a:bodyPr vert="eaVert" wrap="none" anchor="ctr"/>
-          <a:lstStyle/>
-          <a:p>
-            <a:endParaRPr lang="en-US"/>
-          </a:p>
-        </p:txBody>
-      </p:sp>
-      <p:sp>
-        <p:nvSpPr>
-          <p:cNvPr id="40971" name="AutoShape 11"/>
-          <p:cNvSpPr>
-            <a:spLocks noChangeArrowheads="1"/>
-          </p:cNvSpPr>
-          <p:nvPr/>
-        </p:nvSpPr>
-        <p:spPr bwMode="auto">
-          <a:xfrm>
-            <a:off x="4572000" y="4300538"/>
-            <a:ext cx="152400" cy="609600"/>
-          </a:xfrm>
-          <a:prstGeom prst="upDownArrow">
-            <a:avLst>
-              <a:gd name="adj1" fmla="val 50000"/>
-              <a:gd name="adj2" fmla="val 80000"/>
-            </a:avLst>
-          </a:prstGeom>
-          <a:solidFill>
-            <a:srgbClr val="FF0000"/>
-          </a:solidFill>
-          <a:ln w="9525">
-            <a:solidFill>
-              <a:srgbClr val="FF0000"/>
-            </a:solidFill>
-            <a:miter lim="800000"/>
-            <a:headEnd/>
-            <a:tailEnd/>
-          </a:ln>
-        </p:spPr>
-        <p:txBody>
-          <a:bodyPr vert="eaVert" wrap="none" anchor="ctr"/>
-          <a:lstStyle/>
-          <a:p>
-            <a:endParaRPr lang="en-US"/>
-          </a:p>
-        </p:txBody>
-      </p:sp>
-      <p:sp>
-        <p:nvSpPr>
-          <p:cNvPr id="40972" name="AutoShape 12"/>
-          <p:cNvSpPr>
-            <a:spLocks noChangeArrowheads="1"/>
-          </p:cNvSpPr>
-          <p:nvPr/>
-        </p:nvSpPr>
-        <p:spPr bwMode="auto">
-          <a:xfrm>
-            <a:off x="4616450" y="1806575"/>
-            <a:ext cx="76200" cy="304800"/>
-          </a:xfrm>
-          <a:prstGeom prst="downArrow">
-            <a:avLst>
-              <a:gd name="adj1" fmla="val 50000"/>
-              <a:gd name="adj2" fmla="val 100000"/>
-            </a:avLst>
-          </a:prstGeom>
-          <a:solidFill>
-            <a:schemeClr val="tx1"/>
-          </a:solidFill>
-          <a:ln w="9525">
-            <a:solidFill>
-              <a:schemeClr val="tx1"/>
-            </a:solidFill>
-            <a:miter lim="800000"/>
-            <a:headEnd/>
-            <a:tailEnd/>
-          </a:ln>
-        </p:spPr>
-        <p:txBody>
-          <a:bodyPr vert="eaVert" wrap="none" anchor="ctr"/>
-          <a:lstStyle/>
-          <a:p>
-            <a:endParaRPr lang="en-US"/>
-          </a:p>
-        </p:txBody>
-      </p:sp>
-      <p:sp>
-        <p:nvSpPr>
-          <p:cNvPr id="40973" name="AutoShape 13"/>
-          <p:cNvSpPr>
-            <a:spLocks noChangeArrowheads="1"/>
-          </p:cNvSpPr>
-          <p:nvPr/>
-        </p:nvSpPr>
-        <p:spPr bwMode="auto">
-          <a:xfrm>
-            <a:off x="3048000" y="3733800"/>
-            <a:ext cx="609600" cy="184150"/>
-          </a:xfrm>
-          <a:prstGeom prst="leftRightArrow">
-            <a:avLst>
-              <a:gd name="adj1" fmla="val 50000"/>
-              <a:gd name="adj2" fmla="val 66207"/>
-            </a:avLst>
-          </a:prstGeom>
-          <a:solidFill>
-            <a:srgbClr val="FF0000"/>
-          </a:solidFill>
-          <a:ln w="9525">
-            <a:solidFill>
-              <a:srgbClr val="FF0000"/>
-            </a:solidFill>
-            <a:miter lim="800000"/>
-            <a:headEnd/>
-            <a:tailEnd/>
-          </a:ln>
-        </p:spPr>
-        <p:txBody>
-          <a:bodyPr wrap="none" anchor="ctr"/>
-          <a:lstStyle/>
-          <a:p>
-            <a:endParaRPr lang="en-US"/>
-          </a:p>
-        </p:txBody>
-      </p:sp>
-      <p:sp>
-        <p:nvSpPr>
-          <p:cNvPr id="40974" name="AutoShape 14"/>
-          <p:cNvSpPr>
-            <a:spLocks noChangeArrowheads="1"/>
-          </p:cNvSpPr>
-          <p:nvPr/>
-        </p:nvSpPr>
-        <p:spPr bwMode="auto">
-          <a:xfrm>
-            <a:off x="5607050" y="3733800"/>
-            <a:ext cx="609600" cy="184150"/>
-          </a:xfrm>
-          <a:prstGeom prst="leftRightArrow">
-            <a:avLst>
-              <a:gd name="adj1" fmla="val 50000"/>
-              <a:gd name="adj2" fmla="val 66207"/>
-            </a:avLst>
-          </a:prstGeom>
-          <a:solidFill>
-            <a:srgbClr val="FF0000"/>
-          </a:solidFill>
-          <a:ln w="9525">
-            <a:solidFill>
-              <a:srgbClr val="FF0000"/>
-            </a:solidFill>
-            <a:miter lim="800000"/>
-            <a:headEnd/>
-            <a:tailEnd/>
-          </a:ln>
-        </p:spPr>
-        <p:txBody>
-          <a:bodyPr wrap="none" anchor="ctr"/>
-          <a:lstStyle/>
-          <a:p>
-            <a:endParaRPr lang="en-US"/>
-          </a:p>
-        </p:txBody>
-      </p:sp>
-      <p:cxnSp>
-        <p:nvCxnSpPr>
-          <p:cNvPr id="40978" name="AutoShape 18"/>
-          <p:cNvCxnSpPr>
-            <a:cxnSpLocks noChangeShapeType="1"/>
-            <a:stCxn id="40965" idx="3"/>
-            <a:endCxn id="40967" idx="2"/>
-          </p:cNvCxnSpPr>
-          <p:nvPr/>
-        </p:nvCxnSpPr>
-        <p:spPr bwMode="auto">
-          <a:xfrm flipV="1">
-            <a:off x="5641975" y="4495800"/>
-            <a:ext cx="1671638" cy="1257300"/>
-          </a:xfrm>
-          <a:prstGeom prst="curvedConnector2">
-            <a:avLst/>
-          </a:prstGeom>
-          <a:noFill/>
-          <a:ln w="50800">
-            <a:solidFill>
-              <a:schemeClr val="tx1"/>
-            </a:solidFill>
-            <a:round/>
-            <a:headEnd/>
-            <a:tailEnd type="stealth" w="med" len="med"/>
-          </a:ln>
-          <a:extLst>
-            <a:ext uri="{909E8E84-426E-40DD-AFC4-6F175D3DCCD1}">
-              <a14:hiddenFill xmlns:a14="http://schemas.microsoft.com/office/drawing/2010/main">
-                <a:noFill/>
-              </a14:hiddenFill>
-            </a:ext>
-          </a:extLst>
-        </p:spPr>
-      </p:cxnSp>
-      <p:cxnSp>
-        <p:nvCxnSpPr>
-          <p:cNvPr id="40979" name="AutoShape 19"/>
-          <p:cNvCxnSpPr>
-            <a:cxnSpLocks noChangeShapeType="1"/>
-            <a:stCxn id="40967" idx="0"/>
-            <a:endCxn id="40964" idx="3"/>
-          </p:cNvCxnSpPr>
-          <p:nvPr/>
-        </p:nvCxnSpPr>
-        <p:spPr bwMode="auto">
-          <a:xfrm rot="5400000" flipH="1">
-            <a:off x="5849144" y="1735931"/>
-            <a:ext cx="1257300" cy="1671638"/>
-          </a:xfrm>
-          <a:prstGeom prst="curvedConnector2">
-            <a:avLst/>
-          </a:prstGeom>
-          <a:noFill/>
-          <a:ln w="50800">
-            <a:solidFill>
-              <a:schemeClr val="tx1"/>
-            </a:solidFill>
-            <a:round/>
-            <a:headEnd/>
-            <a:tailEnd type="stealth" w="med" len="med"/>
-          </a:ln>
-          <a:extLst>
-            <a:ext uri="{909E8E84-426E-40DD-AFC4-6F175D3DCCD1}">
-              <a14:hiddenFill xmlns:a14="http://schemas.microsoft.com/office/drawing/2010/main">
-                <a:noFill/>
-              </a14:hiddenFill>
-            </a:ext>
-          </a:extLst>
-        </p:spPr>
-      </p:cxnSp>
-      <p:cxnSp>
-        <p:nvCxnSpPr>
-          <p:cNvPr id="40980" name="AutoShape 20"/>
-          <p:cNvCxnSpPr>
-            <a:cxnSpLocks noChangeShapeType="1"/>
-            <a:stCxn id="40964" idx="1"/>
-            <a:endCxn id="40966" idx="0"/>
-          </p:cNvCxnSpPr>
-          <p:nvPr/>
-        </p:nvCxnSpPr>
-        <p:spPr bwMode="auto">
-          <a:xfrm rot="10800000" flipV="1">
-            <a:off x="1982788" y="1943100"/>
-            <a:ext cx="1674812" cy="1257300"/>
-          </a:xfrm>
-          <a:prstGeom prst="curvedConnector2">
-            <a:avLst/>
-          </a:prstGeom>
-          <a:noFill/>
-          <a:ln w="50800">
-            <a:solidFill>
-              <a:schemeClr val="tx1"/>
-            </a:solidFill>
-            <a:round/>
-            <a:headEnd/>
-            <a:tailEnd type="stealth" w="med" len="med"/>
-          </a:ln>
-          <a:extLst>
-            <a:ext uri="{909E8E84-426E-40DD-AFC4-6F175D3DCCD1}">
-              <a14:hiddenFill xmlns:a14="http://schemas.microsoft.com/office/drawing/2010/main">
-                <a:noFill/>
-              </a14:hiddenFill>
-            </a:ext>
-          </a:extLst>
-        </p:spPr>
-      </p:cxnSp>
-      <p:cxnSp>
-        <p:nvCxnSpPr>
-          <p:cNvPr id="40981" name="AutoShape 21"/>
-          <p:cNvCxnSpPr>
-            <a:cxnSpLocks noChangeShapeType="1"/>
-            <a:stCxn id="40966" idx="2"/>
-          </p:cNvCxnSpPr>
-          <p:nvPr/>
-        </p:nvCxnSpPr>
-        <p:spPr bwMode="auto">
-          <a:xfrm rot="16200000" flipH="1">
-            <a:off x="2153444" y="4325144"/>
-            <a:ext cx="1333500" cy="1674812"/>
-          </a:xfrm>
-          <a:prstGeom prst="curvedConnector2">
-            <a:avLst/>
-          </a:prstGeom>
-          <a:noFill/>
-          <a:ln w="50800">
-            <a:solidFill>
-              <a:schemeClr val="tx1"/>
-            </a:solidFill>
-            <a:round/>
-            <a:headEnd/>
-            <a:tailEnd type="stealth" w="med" len="med"/>
-          </a:ln>
-          <a:extLst>
-            <a:ext uri="{909E8E84-426E-40DD-AFC4-6F175D3DCCD1}">
-              <a14:hiddenFill xmlns:a14="http://schemas.microsoft.com/office/drawing/2010/main">
-                <a:noFill/>
-              </a14:hiddenFill>
-            </a:ext>
-          </a:extLst>
-        </p:spPr>
-      </p:cxnSp>
-      <p:sp>
-        <p:nvSpPr>
-          <p:cNvPr id="40986" name="AutoShape 26"/>
-          <p:cNvSpPr>
-            <a:spLocks/>
-          </p:cNvSpPr>
-          <p:nvPr/>
-        </p:nvSpPr>
-        <p:spPr bwMode="auto">
-          <a:xfrm>
-            <a:off x="22225" y="1447800"/>
-            <a:ext cx="2416175" cy="342900"/>
-          </a:xfrm>
-          <a:prstGeom prst="borderCallout2">
-            <a:avLst>
-              <a:gd name="adj1" fmla="val 33333"/>
-              <a:gd name="adj2" fmla="val 103153"/>
-              <a:gd name="adj3" fmla="val 33333"/>
-              <a:gd name="adj4" fmla="val 111759"/>
-              <a:gd name="adj5" fmla="val 537500"/>
-              <a:gd name="adj6" fmla="val 120366"/>
-            </a:avLst>
-          </a:prstGeom>
-          <a:solidFill>
-            <a:srgbClr val="FFFF99"/>
-          </a:solidFill>
-          <a:ln w="9525">
-            <a:solidFill>
-              <a:schemeClr val="tx1"/>
-            </a:solidFill>
-            <a:miter lim="800000"/>
-            <a:headEnd/>
-            <a:tailEnd/>
-          </a:ln>
-        </p:spPr>
-        <p:txBody>
-          <a:bodyPr/>
-          <a:lstStyle/>
-          <a:p>
-            <a:pPr algn="ctr"/>
-            <a:r>
-              <a:rPr lang="en-US" dirty="0" smtClean="0"/>
-              <a:t>Identify </a:t>
-            </a:r>
-            <a:r>
-              <a:rPr lang="en-US" b="1" dirty="0" smtClean="0"/>
-              <a:t>uncertainties</a:t>
-            </a:r>
-            <a:endParaRPr lang="en-US" b="1" dirty="0"/>
-          </a:p>
-        </p:txBody>
-      </p:sp>
-      <p:sp>
-        <p:nvSpPr>
-          <p:cNvPr id="40990" name="AutoShape 30"/>
-          <p:cNvSpPr>
-            <a:spLocks/>
-          </p:cNvSpPr>
-          <p:nvPr/>
-        </p:nvSpPr>
-        <p:spPr bwMode="auto">
-          <a:xfrm>
-            <a:off x="152399" y="5753100"/>
-            <a:ext cx="2822575" cy="914400"/>
-          </a:xfrm>
-          <a:prstGeom prst="borderCallout2">
-            <a:avLst>
-              <a:gd name="adj1" fmla="val 33333"/>
-              <a:gd name="adj2" fmla="val 103125"/>
-              <a:gd name="adj3" fmla="val 33333"/>
-              <a:gd name="adj4" fmla="val 123505"/>
-              <a:gd name="adj5" fmla="val 15339"/>
-              <a:gd name="adj6" fmla="val 136197"/>
-            </a:avLst>
-          </a:prstGeom>
-          <a:solidFill>
-            <a:srgbClr val="FFFF99"/>
-          </a:solidFill>
-          <a:ln w="9525">
-            <a:solidFill>
-              <a:schemeClr val="tx1"/>
-            </a:solidFill>
-            <a:miter lim="800000"/>
-            <a:headEnd/>
-            <a:tailEnd/>
-          </a:ln>
-        </p:spPr>
-        <p:txBody>
-          <a:bodyPr/>
-          <a:lstStyle/>
-          <a:p>
-            <a:pPr algn="ctr"/>
-            <a:r>
-              <a:rPr lang="en-US" dirty="0" smtClean="0"/>
-              <a:t>Implemented as an </a:t>
-            </a:r>
-            <a:r>
-              <a:rPr lang="en-US" b="1" dirty="0" smtClean="0"/>
-              <a:t>experiment</a:t>
-            </a:r>
-            <a:r>
-              <a:rPr lang="en-US" dirty="0" smtClean="0"/>
-              <a:t> with controls, replication, etc.</a:t>
-            </a:r>
-            <a:endParaRPr lang="en-US" dirty="0"/>
-          </a:p>
-        </p:txBody>
-      </p:sp>
-      <p:sp>
-        <p:nvSpPr>
-          <p:cNvPr id="28" name="AutoShape 26"/>
-          <p:cNvSpPr>
-            <a:spLocks/>
-          </p:cNvSpPr>
-          <p:nvPr/>
-        </p:nvSpPr>
-        <p:spPr bwMode="auto">
-          <a:xfrm>
-            <a:off x="22225" y="1905000"/>
-            <a:ext cx="2416175" cy="342900"/>
-          </a:xfrm>
-          <a:prstGeom prst="borderCallout2">
-            <a:avLst>
-              <a:gd name="adj1" fmla="val 33333"/>
-              <a:gd name="adj2" fmla="val 103153"/>
-              <a:gd name="adj3" fmla="val 33333"/>
-              <a:gd name="adj4" fmla="val 111759"/>
-              <a:gd name="adj5" fmla="val 401268"/>
-              <a:gd name="adj6" fmla="val 120777"/>
-            </a:avLst>
-          </a:prstGeom>
-          <a:solidFill>
-            <a:srgbClr val="FFFF99"/>
-          </a:solidFill>
-          <a:ln w="9525">
-            <a:solidFill>
-              <a:schemeClr val="tx1"/>
-            </a:solidFill>
-            <a:miter lim="800000"/>
-            <a:headEnd/>
-            <a:tailEnd/>
-          </a:ln>
-        </p:spPr>
-        <p:txBody>
-          <a:bodyPr/>
-          <a:lstStyle/>
-          <a:p>
-            <a:pPr algn="ctr"/>
-            <a:r>
-              <a:rPr lang="en-US" dirty="0" smtClean="0"/>
-              <a:t>Form </a:t>
-            </a:r>
-            <a:r>
-              <a:rPr lang="en-US" b="1" dirty="0" smtClean="0"/>
-              <a:t>hypotheses</a:t>
-            </a:r>
-            <a:endParaRPr lang="en-US" b="1" dirty="0"/>
-          </a:p>
-        </p:txBody>
-      </p:sp>
-    </p:spTree>
-    <p:extLst>
-      <p:ext uri="{BB962C8B-B14F-4D97-AF65-F5344CB8AC3E}">
-        <p14:creationId xmlns:p14="http://schemas.microsoft.com/office/powerpoint/2010/main" val="2857067717"/>
-      </p:ext>
-    </p:extLst>
-  </p:cSld>
-  <p:clrMapOvr>
-    <a:masterClrMapping/>
-  </p:clrMapOvr>
-  <p:transition>
-    <p:wheel spokes="8"/>
-  </p:transition>
-  <p:timing>
-    <p:tnLst>
-      <p:par>
-        <p:cTn id="1" dur="indefinite" restart="never" nodeType="tmRoot">
-          <p:childTnLst>
-            <p:seq concurrent="1" nextAc="seek">
-              <p:cTn id="2" dur="indefinite" nodeType="mainSeq">
-                <p:childTnLst>
-                  <p:par>
-                    <p:cTn id="3" fill="hold" nodeType="clickPar">
-                      <p:stCondLst>
-                        <p:cond delay="indefinite"/>
-                      </p:stCondLst>
-                      <p:childTnLst>
-                        <p:par>
-                          <p:cTn id="4" fill="hold" nodeType="withGroup">
-                            <p:stCondLst>
-                              <p:cond delay="0"/>
-                            </p:stCondLst>
-                            <p:childTnLst>
-                              <p:par>
-                                <p:cTn id="5" presetID="22" presetClass="entr" presetSubtype="2" fill="hold" grpId="0" nodeType="clickEffect">
-                                  <p:stCondLst>
-                                    <p:cond delay="0"/>
-                                  </p:stCondLst>
-                                  <p:childTnLst>
-                                    <p:set>
-                                      <p:cBhvr>
-                                        <p:cTn id="6" dur="1" fill="hold">
-                                          <p:stCondLst>
-                                            <p:cond delay="0"/>
-                                          </p:stCondLst>
-                                        </p:cTn>
-                                        <p:tgtEl>
-                                          <p:spTgt spid="40986"/>
-                                        </p:tgtEl>
-                                        <p:attrNameLst>
-                                          <p:attrName>style.visibility</p:attrName>
-                                        </p:attrNameLst>
-                                      </p:cBhvr>
-                                      <p:to>
-                                        <p:strVal val="visible"/>
-                                      </p:to>
-                                    </p:set>
-                                    <p:animEffect transition="in" filter="wipe(right)">
-                                      <p:cBhvr>
-                                        <p:cTn id="7" dur="500"/>
-                                        <p:tgtEl>
-                                          <p:spTgt spid="40986"/>
-                                        </p:tgtEl>
-                                      </p:cBhvr>
-                                    </p:animEffect>
-                                  </p:childTnLst>
-                                </p:cTn>
-                              </p:par>
-                            </p:childTnLst>
-                          </p:cTn>
-                        </p:par>
-                        <p:par>
-                          <p:cTn id="8" fill="hold" nodeType="withGroup">
-                            <p:stCondLst>
-                              <p:cond delay="500"/>
-                            </p:stCondLst>
-                            <p:childTnLst>
-                              <p:par>
-                                <p:cTn id="9" presetID="22" presetClass="entr" presetSubtype="2" fill="hold" grpId="0" nodeType="afterEffect">
-                                  <p:stCondLst>
-                                    <p:cond delay="0"/>
-                                  </p:stCondLst>
-                                  <p:childTnLst>
-                                    <p:set>
-                                      <p:cBhvr>
-                                        <p:cTn id="10" dur="1" fill="hold">
-                                          <p:stCondLst>
-                                            <p:cond delay="0"/>
-                                          </p:stCondLst>
-                                        </p:cTn>
-                                        <p:tgtEl>
-                                          <p:spTgt spid="28"/>
-                                        </p:tgtEl>
-                                        <p:attrNameLst>
-                                          <p:attrName>style.visibility</p:attrName>
-                                        </p:attrNameLst>
-                                      </p:cBhvr>
-                                      <p:to>
-                                        <p:strVal val="visible"/>
-                                      </p:to>
-                                    </p:set>
-                                    <p:animEffect transition="in" filter="wipe(right)">
-                                      <p:cBhvr>
-                                        <p:cTn id="11" dur="500"/>
-                                        <p:tgtEl>
-                                          <p:spTgt spid="28"/>
-                                        </p:tgtEl>
-                                      </p:cBhvr>
-                                    </p:animEffect>
-                                  </p:childTnLst>
-                                </p:cTn>
-                              </p:par>
-                            </p:childTnLst>
-                          </p:cTn>
-                        </p:par>
-                      </p:childTnLst>
-                    </p:cTn>
-                  </p:par>
-                  <p:par>
-                    <p:cTn id="12" fill="hold">
-                      <p:stCondLst>
-                        <p:cond delay="indefinite"/>
-                      </p:stCondLst>
-                      <p:childTnLst>
-                        <p:par>
-                          <p:cTn id="13" fill="hold">
-                            <p:stCondLst>
-                              <p:cond delay="0"/>
-                            </p:stCondLst>
-                            <p:childTnLst>
-                              <p:par>
-                                <p:cTn id="14" presetID="22" presetClass="entr" presetSubtype="8" fill="hold" grpId="0" nodeType="clickEffect">
-                                  <p:stCondLst>
-                                    <p:cond delay="0"/>
-                                  </p:stCondLst>
-                                  <p:childTnLst>
-                                    <p:set>
-                                      <p:cBhvr>
-                                        <p:cTn id="15" dur="1" fill="hold">
-                                          <p:stCondLst>
-                                            <p:cond delay="0"/>
-                                          </p:stCondLst>
-                                        </p:cTn>
-                                        <p:tgtEl>
-                                          <p:spTgt spid="40990"/>
-                                        </p:tgtEl>
-                                        <p:attrNameLst>
-                                          <p:attrName>style.visibility</p:attrName>
-                                        </p:attrNameLst>
-                                      </p:cBhvr>
-                                      <p:to>
-                                        <p:strVal val="visible"/>
-                                      </p:to>
-                                    </p:set>
-                                    <p:animEffect transition="in" filter="wipe(left)">
-                                      <p:cBhvr>
-                                        <p:cTn id="16" dur="500"/>
-                                        <p:tgtEl>
-                                          <p:spTgt spid="40990"/>
-                                        </p:tgtEl>
-                                      </p:cBhvr>
-                                    </p:animEffect>
-                                  </p:childTnLst>
-                                </p:cTn>
-                              </p:par>
-                            </p:childTnLst>
-                          </p:cTn>
-                        </p:par>
-                      </p:childTnLst>
-                    </p:cTn>
-                  </p:par>
-                </p:childTnLst>
-              </p:cTn>
-              <p:prevCondLst>
-                <p:cond evt="onPrev" delay="0">
-                  <p:tgtEl>
-                    <p:sldTgt/>
-                  </p:tgtEl>
-                </p:cond>
-              </p:prevCondLst>
-              <p:nextCondLst>
-                <p:cond evt="onNext" delay="0">
-                  <p:tgtEl>
-                    <p:sldTgt/>
-                  </p:tgtEl>
-                </p:cond>
-              </p:nextCondLst>
-            </p:seq>
-          </p:childTnLst>
-        </p:cTn>
-      </p:par>
-    </p:tnLst>
-    <p:bldLst>
-      <p:bldP spid="40986" grpId="0" animBg="1"/>
-      <p:bldP spid="40990" grpId="0" animBg="1"/>
-      <p:bldP spid="28" grpId="0" animBg="1"/>
-    </p:bldLst>
-  </p:timing>
-</p:sld>
-</file>
-
-<file path=ppt/slides/slide9.xml><?xml version="1.0" encoding="utf-8"?>
-<p:sld xmlns:a="http://schemas.openxmlformats.org/drawingml/2006/main" xmlns:r="http://schemas.openxmlformats.org/officeDocument/2006/relationships" xmlns:p="http://schemas.openxmlformats.org/presentationml/2006/main">
-  <p:cSld>
-    <p:spTree>
-      <p:nvGrpSpPr>
-        <p:cNvPr id="1" name=""/>
-        <p:cNvGrpSpPr/>
-        <p:nvPr/>
-      </p:nvGrpSpPr>
-      <p:grpSpPr>
-        <a:xfrm>
-          <a:off x="0" y="0"/>
-          <a:ext cx="0" cy="0"/>
-          <a:chOff x="0" y="0"/>
-          <a:chExt cx="0" cy="0"/>
-        </a:xfrm>
-      </p:grpSpPr>
-      <p:sp>
-        <p:nvSpPr>
-          <p:cNvPr id="2" name="Title 1"/>
-          <p:cNvSpPr>
-            <a:spLocks noGrp="1"/>
-          </p:cNvSpPr>
-          <p:nvPr>
-            <p:ph type="title"/>
-          </p:nvPr>
-        </p:nvSpPr>
-        <p:spPr>
-          <a:xfrm>
-            <a:off x="0" y="76200"/>
-            <a:ext cx="9144000" cy="1143000"/>
-          </a:xfrm>
-        </p:spPr>
-        <p:txBody>
-          <a:bodyPr>
-            <a:normAutofit/>
-          </a:bodyPr>
-          <a:lstStyle/>
-          <a:p>
-            <a:r>
-              <a:rPr lang="en-US" dirty="0"/>
-              <a:t>A</a:t>
-            </a:r>
-            <a:r>
-              <a:rPr lang="en-US" dirty="0" smtClean="0"/>
-              <a:t>daptive Management: Planning</a:t>
-            </a:r>
-            <a:endParaRPr lang="en-US" dirty="0"/>
-          </a:p>
-        </p:txBody>
-      </p:sp>
-      <p:sp>
-        <p:nvSpPr>
-          <p:cNvPr id="3" name="Content Placeholder 2"/>
-          <p:cNvSpPr>
-            <a:spLocks noGrp="1"/>
-          </p:cNvSpPr>
-          <p:nvPr>
-            <p:ph idx="1"/>
-          </p:nvPr>
-        </p:nvSpPr>
-        <p:spPr>
-          <a:xfrm>
-            <a:off x="152400" y="1219200"/>
-            <a:ext cx="8915400" cy="5105400"/>
-          </a:xfrm>
-        </p:spPr>
-        <p:txBody>
-          <a:bodyPr>
-            <a:normAutofit fontScale="77500" lnSpcReduction="20000"/>
-          </a:bodyPr>
-          <a:lstStyle/>
-          <a:p>
-            <a:r>
-              <a:rPr lang="en-US" b="1" dirty="0" smtClean="0"/>
-              <a:t>Objective</a:t>
-            </a:r>
-            <a:endParaRPr lang="en-US" dirty="0" smtClean="0"/>
-          </a:p>
-          <a:p>
-            <a:pPr lvl="1"/>
-            <a:r>
-              <a:rPr lang="en-US" dirty="0" smtClean="0"/>
-              <a:t>Improve walleye fishing</a:t>
-            </a:r>
-          </a:p>
-          <a:p>
-            <a:pPr lvl="1"/>
-            <a:r>
-              <a:rPr lang="en-US" dirty="0" smtClean="0"/>
-              <a:t>YOY walleye catch rate of </a:t>
-            </a:r>
-            <a:r>
-              <a:rPr lang="en-US" u="sng" dirty="0" smtClean="0"/>
-              <a:t>&gt;</a:t>
-            </a:r>
-            <a:r>
-              <a:rPr lang="en-US" dirty="0" smtClean="0"/>
-              <a:t>30/mile in 75% of lakes within 10 </a:t>
-            </a:r>
-            <a:r>
-              <a:rPr lang="en-US" dirty="0" err="1" smtClean="0"/>
-              <a:t>yrs</a:t>
-            </a:r>
-            <a:endParaRPr lang="en-US" dirty="0" smtClean="0"/>
-          </a:p>
-          <a:p>
-            <a:pPr lvl="1"/>
-            <a:endParaRPr lang="en-US" dirty="0" smtClean="0"/>
-          </a:p>
-          <a:p>
-            <a:r>
-              <a:rPr lang="en-US" b="1" dirty="0" smtClean="0"/>
-              <a:t>Uncertainties</a:t>
-            </a:r>
-          </a:p>
-          <a:p>
-            <a:pPr lvl="1"/>
-            <a:r>
-              <a:rPr lang="en-US" dirty="0" smtClean="0"/>
-              <a:t>Effects of largemouth bass (LMB) on walleye</a:t>
-            </a:r>
-          </a:p>
-          <a:p>
-            <a:pPr lvl="1"/>
-            <a:r>
-              <a:rPr lang="en-US" dirty="0" smtClean="0"/>
-              <a:t>Role of harvest regulations in determining LMB abundance</a:t>
-            </a:r>
-          </a:p>
-          <a:p>
-            <a:pPr lvl="1"/>
-            <a:endParaRPr lang="en-US" dirty="0" smtClean="0"/>
-          </a:p>
-          <a:p>
-            <a:r>
-              <a:rPr lang="en-US" b="1" dirty="0" smtClean="0"/>
-              <a:t>Hypotheses</a:t>
-            </a:r>
-            <a:endParaRPr lang="en-US" dirty="0" smtClean="0"/>
-          </a:p>
-          <a:p>
-            <a:pPr lvl="1"/>
-            <a:r>
-              <a:rPr lang="en-US" dirty="0" smtClean="0"/>
-              <a:t>LMB are causing declines in </a:t>
-            </a:r>
-            <a:r>
-              <a:rPr lang="en-US" smtClean="0"/>
-              <a:t>walleye reproduction</a:t>
-            </a:r>
-            <a:endParaRPr lang="en-US" dirty="0" smtClean="0"/>
-          </a:p>
-          <a:p>
-            <a:pPr lvl="1"/>
-            <a:r>
-              <a:rPr lang="en-US" dirty="0" smtClean="0"/>
-              <a:t>Liberalized harvest regulations will decrease LMB population</a:t>
-            </a:r>
-          </a:p>
-          <a:p>
-            <a:pPr lvl="1"/>
-            <a:endParaRPr lang="en-US" dirty="0"/>
-          </a:p>
-          <a:p>
-            <a:r>
-              <a:rPr lang="en-US" b="1" dirty="0" smtClean="0"/>
-              <a:t>Action option</a:t>
-            </a:r>
-            <a:endParaRPr lang="en-US" dirty="0"/>
-          </a:p>
-          <a:p>
-            <a:pPr lvl="1"/>
-            <a:r>
-              <a:rPr lang="en-US" dirty="0" smtClean="0"/>
-              <a:t>Remove length and bag limits on LMB on </a:t>
-            </a:r>
-            <a:r>
-              <a:rPr lang="en-US" b="1" u="sng" dirty="0" smtClean="0"/>
-              <a:t>SOME</a:t>
-            </a:r>
-            <a:r>
-              <a:rPr lang="en-US" dirty="0" smtClean="0"/>
-              <a:t> lakes</a:t>
-            </a:r>
-          </a:p>
-        </p:txBody>
-      </p:sp>
-      <p:cxnSp>
-        <p:nvCxnSpPr>
-          <p:cNvPr id="5" name="Straight Connector 4"/>
-          <p:cNvCxnSpPr/>
-          <p:nvPr/>
-        </p:nvCxnSpPr>
-        <p:spPr>
-          <a:xfrm flipH="1">
-            <a:off x="990600" y="1752600"/>
-            <a:ext cx="3810000" cy="0"/>
-          </a:xfrm>
-          <a:prstGeom prst="line">
-            <a:avLst/>
-          </a:prstGeom>
-          <a:ln w="82550">
-            <a:solidFill>
-              <a:srgbClr val="FF0000"/>
-            </a:solidFill>
-          </a:ln>
-        </p:spPr>
-        <p:style>
-          <a:lnRef idx="1">
-            <a:schemeClr val="accent1"/>
-          </a:lnRef>
-          <a:fillRef idx="0">
-            <a:schemeClr val="accent1"/>
-          </a:fillRef>
-          <a:effectRef idx="0">
-            <a:schemeClr val="accent1"/>
-          </a:effectRef>
-          <a:fontRef idx="minor">
-            <a:schemeClr val="tx1"/>
-          </a:fontRef>
-        </p:style>
-      </p:cxnSp>
-      <p:sp>
-        <p:nvSpPr>
-          <p:cNvPr id="4" name="Footer Placeholder 3"/>
-          <p:cNvSpPr>
-            <a:spLocks noGrp="1"/>
-          </p:cNvSpPr>
-          <p:nvPr>
-            <p:ph type="ftr" sz="quarter" idx="10"/>
-          </p:nvPr>
-        </p:nvSpPr>
-        <p:spPr/>
-        <p:txBody>
-          <a:bodyPr/>
-          <a:lstStyle/>
-          <a:p>
-            <a:pPr>
-              <a:defRPr/>
-            </a:pPr>
-            <a:r>
-              <a:rPr lang="en-US" smtClean="0"/>
-              <a:t>Adaptive Management</a:t>
-            </a:r>
-            <a:endParaRPr lang="en-US"/>
-          </a:p>
-        </p:txBody>
-      </p:sp>
-      <p:sp>
-        <p:nvSpPr>
-          <p:cNvPr id="6" name="Slide Number Placeholder 5"/>
-          <p:cNvSpPr>
-            <a:spLocks noGrp="1"/>
-          </p:cNvSpPr>
-          <p:nvPr>
-            <p:ph type="sldNum" sz="quarter" idx="11"/>
-          </p:nvPr>
-        </p:nvSpPr>
-        <p:spPr/>
-        <p:txBody>
-          <a:bodyPr/>
-          <a:lstStyle/>
-          <a:p>
-            <a:pPr>
-              <a:defRPr/>
-            </a:pPr>
-            <a:fld id="{C6A2F5B4-2197-4B8F-A126-FB2FF53A65C9}" type="slidenum">
-              <a:rPr lang="en-US" smtClean="0"/>
-              <a:pPr>
-                <a:defRPr/>
-              </a:pPr>
-              <a:t>9</a:t>
-            </a:fld>
-            <a:endParaRPr lang="en-US"/>
-          </a:p>
-        </p:txBody>
-      </p:sp>
-    </p:spTree>
-    <p:extLst>
-      <p:ext uri="{BB962C8B-B14F-4D97-AF65-F5344CB8AC3E}">
-        <p14:creationId xmlns:p14="http://schemas.microsoft.com/office/powerpoint/2010/main" val="3786418359"/>
-      </p:ext>
-    </p:extLst>
-  </p:cSld>
-  <p:clrMapOvr>
-    <a:masterClrMapping/>
-  </p:clrMapOvr>
-  <p:timing>
-    <p:tnLst>
-      <p:par>
-        <p:cTn id="1" dur="indefinite" restart="never" nodeType="tmRoot">
-          <p:childTnLst>
-            <p:seq concurrent="1" nextAc="seek">
-              <p:cTn id="2" dur="indefinite" nodeType="mainSeq">
-                <p:childTnLst>
-                  <p:par>
-                    <p:cTn id="3" fill="hold">
-                      <p:stCondLst>
-                        <p:cond delay="indefinite"/>
-                      </p:stCondLst>
-                      <p:childTnLst>
-                        <p:par>
-                          <p:cTn id="4" fill="hold">
-                            <p:stCondLst>
-                              <p:cond delay="0"/>
-                            </p:stCondLst>
-                            <p:childTnLst>
-                              <p:par>
-                                <p:cTn id="5" presetID="1" presetClass="entr" presetSubtype="0" fill="hold" grpId="0" nodeType="clickEffect">
-                                  <p:stCondLst>
-                                    <p:cond delay="0"/>
-                                  </p:stCondLst>
-                                  <p:childTnLst>
-                                    <p:set>
-                                      <p:cBhvr>
-                                        <p:cTn id="6" dur="1" fill="hold">
-                                          <p:stCondLst>
-                                            <p:cond delay="0"/>
-                                          </p:stCondLst>
-                                        </p:cTn>
-                                        <p:tgtEl>
-                                          <p:spTgt spid="3">
-                                            <p:txEl>
-                                              <p:pRg st="1" end="1"/>
-                                            </p:txEl>
-                                          </p:spTgt>
-                                        </p:tgtEl>
-                                        <p:attrNameLst>
-                                          <p:attrName>style.visibility</p:attrName>
-                                        </p:attrNameLst>
-                                      </p:cBhvr>
-                                      <p:to>
-                                        <p:strVal val="visible"/>
-                                      </p:to>
-                                    </p:set>
-                                  </p:childTnLst>
-                                </p:cTn>
-                              </p:par>
-                            </p:childTnLst>
-                          </p:cTn>
-                        </p:par>
-                      </p:childTnLst>
-                    </p:cTn>
-                  </p:par>
-                  <p:par>
-                    <p:cTn id="7" fill="hold">
-                      <p:stCondLst>
-                        <p:cond delay="indefinite"/>
-                      </p:stCondLst>
-                      <p:childTnLst>
-                        <p:par>
-                          <p:cTn id="8" fill="hold">
-                            <p:stCondLst>
-                              <p:cond delay="0"/>
-                            </p:stCondLst>
-                            <p:childTnLst>
-                              <p:par>
-                                <p:cTn id="9" presetID="22" presetClass="entr" presetSubtype="8" fill="hold" nodeType="clickEffect">
-                                  <p:stCondLst>
-                                    <p:cond delay="0"/>
-                                  </p:stCondLst>
-                                  <p:childTnLst>
-                                    <p:set>
-                                      <p:cBhvr>
-                                        <p:cTn id="10" dur="1" fill="hold">
-                                          <p:stCondLst>
-                                            <p:cond delay="0"/>
-                                          </p:stCondLst>
-                                        </p:cTn>
-                                        <p:tgtEl>
-                                          <p:spTgt spid="5"/>
-                                        </p:tgtEl>
-                                        <p:attrNameLst>
-                                          <p:attrName>style.visibility</p:attrName>
-                                        </p:attrNameLst>
-                                      </p:cBhvr>
-                                      <p:to>
-                                        <p:strVal val="visible"/>
-                                      </p:to>
-                                    </p:set>
-                                    <p:animEffect transition="in" filter="wipe(left)">
-                                      <p:cBhvr>
-                                        <p:cTn id="11" dur="500"/>
-                                        <p:tgtEl>
-                                          <p:spTgt spid="5"/>
-                                        </p:tgtEl>
-                                      </p:cBhvr>
-                                    </p:animEffect>
-                                  </p:childTnLst>
-                                </p:cTn>
-                              </p:par>
-                            </p:childTnLst>
-                          </p:cTn>
-                        </p:par>
-                      </p:childTnLst>
-                    </p:cTn>
-                  </p:par>
-                  <p:par>
-                    <p:cTn id="12" fill="hold">
-                      <p:stCondLst>
-                        <p:cond delay="indefinite"/>
-                      </p:stCondLst>
-                      <p:childTnLst>
-                        <p:par>
-                          <p:cTn id="13" fill="hold">
-                            <p:stCondLst>
-                              <p:cond delay="0"/>
-                            </p:stCondLst>
-                            <p:childTnLst>
-                              <p:par>
-                                <p:cTn id="14" presetID="1" presetClass="entr" presetSubtype="0" fill="hold" grpId="0" nodeType="clickEffect">
-                                  <p:stCondLst>
-                                    <p:cond delay="0"/>
-                                  </p:stCondLst>
-                                  <p:childTnLst>
-                                    <p:set>
-                                      <p:cBhvr>
-                                        <p:cTn id="15" dur="1" fill="hold">
-                                          <p:stCondLst>
-                                            <p:cond delay="0"/>
-                                          </p:stCondLst>
-                                        </p:cTn>
-                                        <p:tgtEl>
-                                          <p:spTgt spid="3">
-                                            <p:txEl>
-                                              <p:pRg st="2" end="2"/>
-                                            </p:txEl>
-                                          </p:spTgt>
-                                        </p:tgtEl>
-                                        <p:attrNameLst>
-                                          <p:attrName>style.visibility</p:attrName>
-                                        </p:attrNameLst>
-                                      </p:cBhvr>
-                                      <p:to>
-                                        <p:strVal val="visible"/>
-                                      </p:to>
-                                    </p:set>
-                                  </p:childTnLst>
-                                </p:cTn>
-                              </p:par>
-                            </p:childTnLst>
-                          </p:cTn>
-                        </p:par>
-                      </p:childTnLst>
-                    </p:cTn>
-                  </p:par>
-                  <p:par>
-                    <p:cTn id="16" fill="hold">
-                      <p:stCondLst>
-                        <p:cond delay="indefinite"/>
-                      </p:stCondLst>
-                      <p:childTnLst>
-                        <p:par>
-                          <p:cTn id="17" fill="hold">
-                            <p:stCondLst>
-                              <p:cond delay="0"/>
-                            </p:stCondLst>
-                            <p:childTnLst>
-                              <p:par>
-                                <p:cTn id="18" presetID="1" presetClass="entr" presetSubtype="0" fill="hold" grpId="0" nodeType="clickEffect">
-                                  <p:stCondLst>
-                                    <p:cond delay="0"/>
-                                  </p:stCondLst>
-                                  <p:childTnLst>
-                                    <p:set>
-                                      <p:cBhvr>
-                                        <p:cTn id="19" dur="1" fill="hold">
-                                          <p:stCondLst>
-                                            <p:cond delay="0"/>
-                                          </p:stCondLst>
-                                        </p:cTn>
-                                        <p:tgtEl>
-                                          <p:spTgt spid="3">
-                                            <p:txEl>
-                                              <p:pRg st="4" end="4"/>
-                                            </p:txEl>
-                                          </p:spTgt>
-                                        </p:tgtEl>
-                                        <p:attrNameLst>
-                                          <p:attrName>style.visibility</p:attrName>
-                                        </p:attrNameLst>
-                                      </p:cBhvr>
-                                      <p:to>
-                                        <p:strVal val="visible"/>
-                                      </p:to>
-                                    </p:set>
-                                  </p:childTnLst>
-                                </p:cTn>
-                              </p:par>
-                              <p:par>
-                                <p:cTn id="20" presetID="1" presetClass="entr" presetSubtype="0" fill="hold" grpId="0" nodeType="withEffect">
-                                  <p:stCondLst>
-                                    <p:cond delay="0"/>
-                                  </p:stCondLst>
-                                  <p:childTnLst>
-                                    <p:set>
-                                      <p:cBhvr>
-                                        <p:cTn id="21" dur="1" fill="hold">
-                                          <p:stCondLst>
-                                            <p:cond delay="0"/>
-                                          </p:stCondLst>
-                                        </p:cTn>
-                                        <p:tgtEl>
-                                          <p:spTgt spid="3">
-                                            <p:txEl>
-                                              <p:pRg st="5" end="5"/>
-                                            </p:txEl>
-                                          </p:spTgt>
-                                        </p:tgtEl>
-                                        <p:attrNameLst>
-                                          <p:attrName>style.visibility</p:attrName>
-                                        </p:attrNameLst>
-                                      </p:cBhvr>
-                                      <p:to>
-                                        <p:strVal val="visible"/>
-                                      </p:to>
-                                    </p:set>
-                                  </p:childTnLst>
-                                </p:cTn>
-                              </p:par>
-                              <p:par>
-                                <p:cTn id="22" presetID="1" presetClass="entr" presetSubtype="0" fill="hold" grpId="0" nodeType="withEffect">
-                                  <p:stCondLst>
-                                    <p:cond delay="0"/>
-                                  </p:stCondLst>
-                                  <p:childTnLst>
-                                    <p:set>
-                                      <p:cBhvr>
-                                        <p:cTn id="23" dur="1" fill="hold">
-                                          <p:stCondLst>
-                                            <p:cond delay="0"/>
-                                          </p:stCondLst>
-                                        </p:cTn>
-                                        <p:tgtEl>
-                                          <p:spTgt spid="3">
-                                            <p:txEl>
-                                              <p:pRg st="6" end="6"/>
-                                            </p:txEl>
-                                          </p:spTgt>
-                                        </p:tgtEl>
-                                        <p:attrNameLst>
-                                          <p:attrName>style.visibility</p:attrName>
-                                        </p:attrNameLst>
-                                      </p:cBhvr>
-                                      <p:to>
-                                        <p:strVal val="visible"/>
-                                      </p:to>
-                                    </p:set>
-                                  </p:childTnLst>
-                                </p:cTn>
-                              </p:par>
-                            </p:childTnLst>
-                          </p:cTn>
-                        </p:par>
-                      </p:childTnLst>
-                    </p:cTn>
-                  </p:par>
-                  <p:par>
-                    <p:cTn id="24" fill="hold">
-                      <p:stCondLst>
-                        <p:cond delay="indefinite"/>
-                      </p:stCondLst>
-                      <p:childTnLst>
-                        <p:par>
-                          <p:cTn id="25" fill="hold">
-                            <p:stCondLst>
-                              <p:cond delay="0"/>
-                            </p:stCondLst>
-                            <p:childTnLst>
-                              <p:par>
-                                <p:cTn id="26" presetID="1" presetClass="entr" presetSubtype="0" fill="hold" grpId="0" nodeType="clickEffect">
-                                  <p:stCondLst>
-                                    <p:cond delay="0"/>
-                                  </p:stCondLst>
-                                  <p:childTnLst>
-                                    <p:set>
-                                      <p:cBhvr>
-                                        <p:cTn id="27" dur="1" fill="hold">
-                                          <p:stCondLst>
-                                            <p:cond delay="0"/>
-                                          </p:stCondLst>
-                                        </p:cTn>
-                                        <p:tgtEl>
-                                          <p:spTgt spid="3">
-                                            <p:txEl>
-                                              <p:pRg st="8" end="8"/>
-                                            </p:txEl>
-                                          </p:spTgt>
-                                        </p:tgtEl>
-                                        <p:attrNameLst>
-                                          <p:attrName>style.visibility</p:attrName>
-                                        </p:attrNameLst>
-                                      </p:cBhvr>
-                                      <p:to>
-                                        <p:strVal val="visible"/>
-                                      </p:to>
-                                    </p:set>
-                                  </p:childTnLst>
-                                </p:cTn>
-                              </p:par>
-                              <p:par>
-                                <p:cTn id="28" presetID="1" presetClass="entr" presetSubtype="0" fill="hold" grpId="0" nodeType="withEffect">
-                                  <p:stCondLst>
-                                    <p:cond delay="0"/>
-                                  </p:stCondLst>
-                                  <p:childTnLst>
-                                    <p:set>
-                                      <p:cBhvr>
-                                        <p:cTn id="29" dur="1" fill="hold">
-                                          <p:stCondLst>
-                                            <p:cond delay="0"/>
-                                          </p:stCondLst>
-                                        </p:cTn>
-                                        <p:tgtEl>
-                                          <p:spTgt spid="3">
-                                            <p:txEl>
-                                              <p:pRg st="9" end="9"/>
-                                            </p:txEl>
-                                          </p:spTgt>
-                                        </p:tgtEl>
-                                        <p:attrNameLst>
-                                          <p:attrName>style.visibility</p:attrName>
-                                        </p:attrNameLst>
-                                      </p:cBhvr>
-                                      <p:to>
-                                        <p:strVal val="visible"/>
-                                      </p:to>
-                                    </p:set>
-                                  </p:childTnLst>
-                                </p:cTn>
-                              </p:par>
-                              <p:par>
-                                <p:cTn id="30" presetID="1" presetClass="entr" presetSubtype="0" fill="hold" grpId="0" nodeType="withEffect">
-                                  <p:stCondLst>
-                                    <p:cond delay="0"/>
-                                  </p:stCondLst>
-                                  <p:childTnLst>
-                                    <p:set>
-                                      <p:cBhvr>
-                                        <p:cTn id="31" dur="1" fill="hold">
-                                          <p:stCondLst>
-                                            <p:cond delay="0"/>
-                                          </p:stCondLst>
-                                        </p:cTn>
-                                        <p:tgtEl>
-                                          <p:spTgt spid="3">
-                                            <p:txEl>
-                                              <p:pRg st="10" end="10"/>
-                                            </p:txEl>
-                                          </p:spTgt>
-                                        </p:tgtEl>
-                                        <p:attrNameLst>
-                                          <p:attrName>style.visibility</p:attrName>
-                                        </p:attrNameLst>
-                                      </p:cBhvr>
-                                      <p:to>
-                                        <p:strVal val="visible"/>
-                                      </p:to>
-                                    </p:set>
-                                  </p:childTnLst>
-                                </p:cTn>
-                              </p:par>
-                            </p:childTnLst>
-                          </p:cTn>
-                        </p:par>
-                      </p:childTnLst>
-                    </p:cTn>
-                  </p:par>
-                  <p:par>
-                    <p:cTn id="32" fill="hold">
-                      <p:stCondLst>
-                        <p:cond delay="indefinite"/>
-                      </p:stCondLst>
-                      <p:childTnLst>
-                        <p:par>
-                          <p:cTn id="33" fill="hold">
-                            <p:stCondLst>
-                              <p:cond delay="0"/>
-                            </p:stCondLst>
-                            <p:childTnLst>
-                              <p:par>
-                                <p:cTn id="34" presetID="1" presetClass="entr" presetSubtype="0" fill="hold" grpId="0" nodeType="clickEffect">
-                                  <p:stCondLst>
-                                    <p:cond delay="0"/>
-                                  </p:stCondLst>
-                                  <p:childTnLst>
-                                    <p:set>
-                                      <p:cBhvr>
-                                        <p:cTn id="35" dur="1" fill="hold">
-                                          <p:stCondLst>
-                                            <p:cond delay="0"/>
-                                          </p:stCondLst>
-                                        </p:cTn>
-                                        <p:tgtEl>
-                                          <p:spTgt spid="3">
-                                            <p:txEl>
-                                              <p:pRg st="12" end="12"/>
-                                            </p:txEl>
-                                          </p:spTgt>
-                                        </p:tgtEl>
-                                        <p:attrNameLst>
-                                          <p:attrName>style.visibility</p:attrName>
-                                        </p:attrNameLst>
-                                      </p:cBhvr>
-                                      <p:to>
-                                        <p:strVal val="visible"/>
-                                      </p:to>
-                                    </p:set>
-                                  </p:childTnLst>
-                                </p:cTn>
-                              </p:par>
-                              <p:par>
-                                <p:cTn id="36" presetID="1" presetClass="entr" presetSubtype="0" fill="hold" grpId="0" nodeType="withEffect">
-                                  <p:stCondLst>
-                                    <p:cond delay="0"/>
-                                  </p:stCondLst>
-                                  <p:childTnLst>
-                                    <p:set>
-                                      <p:cBhvr>
-                                        <p:cTn id="37" dur="1" fill="hold">
-                                          <p:stCondLst>
-                                            <p:cond delay="0"/>
-                                          </p:stCondLst>
-                                        </p:cTn>
-                                        <p:tgtEl>
-                                          <p:spTgt spid="3">
-                                            <p:txEl>
-                                              <p:pRg st="13" end="13"/>
-                                            </p:txEl>
-                                          </p:spTgt>
-                                        </p:tgtEl>
-                                        <p:attrNameLst>
-                                          <p:attrName>style.visibility</p:attrName>
-                                        </p:attrNameLst>
-                                      </p:cBhvr>
-                                      <p:to>
-                                        <p:strVal val="visible"/>
-                                      </p:to>
-                                    </p:set>
-                                  </p:childTnLst>
-                                </p:cTn>
-                              </p:par>
-                            </p:childTnLst>
-                          </p:cTn>
-                        </p:par>
-                      </p:childTnLst>
-                    </p:cTn>
-                  </p:par>
-                </p:childTnLst>
-              </p:cTn>
-              <p:prevCondLst>
-                <p:cond evt="onPrev" delay="0">
-                  <p:tgtEl>
-                    <p:sldTgt/>
-                  </p:tgtEl>
-                </p:cond>
-              </p:prevCondLst>
-              <p:nextCondLst>
-                <p:cond evt="onNext" delay="0">
-                  <p:tgtEl>
-                    <p:sldTgt/>
-                  </p:tgtEl>
-                </p:cond>
-              </p:nextCondLst>
-            </p:seq>
-          </p:childTnLst>
-        </p:cTn>
-      </p:par>
-    </p:tnLst>
-    <p:bldLst>
-      <p:bldP spid="3" grpId="0" uiExpand="1" build="p"/>
     </p:bldLst>
   </p:timing>
 </p:sld>

--- a/modules/MgmntAdaptive/PPT.pptx
+++ b/modules/MgmntAdaptive/PPT.pptx
@@ -7043,7 +7043,7 @@
                             </p:stCondLst>
                             <p:childTnLst>
                               <p:par>
-                                <p:cTn id="5" presetID="1" presetClass="entr" presetSubtype="0" fill="hold" grpId="0" nodeType="clickEffect">
+                                <p:cTn id="5" presetID="22" presetClass="entr" presetSubtype="8" fill="hold" nodeType="clickEffect">
                                   <p:stCondLst>
                                     <p:cond delay="0"/>
                                   </p:stCondLst>
@@ -7056,11 +7056,7 @@
                                           </p:stCondLst>
                                         </p:cTn>
                                         <p:tgtEl>
-                                          <p:spTgt spid="3">
-                                            <p:txEl>
-                                              <p:pRg st="1" end="1"/>
-                                            </p:txEl>
-                                          </p:spTgt>
+                                          <p:spTgt spid="5"/>
                                         </p:tgtEl>
                                         <p:attrNameLst>
                                           <p:attrName>style.visibility</p:attrName>
@@ -7070,6 +7066,14 @@
                                         <p:strVal val="visible"/>
                                       </p:to>
                                     </p:set>
+                                    <p:animEffect transition="in" filter="wipe(left)">
+                                      <p:cBhvr>
+                                        <p:cTn id="7" dur="500"/>
+                                        <p:tgtEl>
+                                          <p:spTgt spid="5"/>
+                                        </p:tgtEl>
+                                      </p:cBhvr>
+                                    </p:animEffect>
                                   </p:childTnLst>
                                 </p:cTn>
                               </p:par>
@@ -7080,32 +7084,36 @@
                     </p:cTn>
                   </p:par>
                   <p:par>
-                    <p:cTn id="7" fill="hold">
+                    <p:cTn id="8" fill="hold">
                       <p:stCondLst>
                         <p:cond delay="indefinite"/>
                       </p:stCondLst>
                       <p:childTnLst>
                         <p:par>
-                          <p:cTn id="8" fill="hold">
+                          <p:cTn id="9" fill="hold">
                             <p:stCondLst>
                               <p:cond delay="0"/>
                             </p:stCondLst>
                             <p:childTnLst>
                               <p:par>
-                                <p:cTn id="9" presetID="22" presetClass="entr" presetSubtype="8" fill="hold" nodeType="clickEffect">
+                                <p:cTn id="10" presetID="1" presetClass="entr" presetSubtype="0" fill="hold" grpId="0" nodeType="clickEffect">
                                   <p:stCondLst>
                                     <p:cond delay="0"/>
                                   </p:stCondLst>
                                   <p:childTnLst>
                                     <p:set>
                                       <p:cBhvr>
-                                        <p:cTn id="10" dur="1" fill="hold">
+                                        <p:cTn id="11" dur="1" fill="hold">
                                           <p:stCondLst>
                                             <p:cond delay="0"/>
                                           </p:stCondLst>
                                         </p:cTn>
                                         <p:tgtEl>
-                                          <p:spTgt spid="5"/>
+                                          <p:spTgt spid="3">
+                                            <p:txEl>
+                                              <p:pRg st="2" end="2"/>
+                                            </p:txEl>
+                                          </p:spTgt>
                                         </p:tgtEl>
                                         <p:attrNameLst>
                                           <p:attrName>style.visibility</p:attrName>
@@ -7115,14 +7123,6 @@
                                         <p:strVal val="visible"/>
                                       </p:to>
                                     </p:set>
-                                    <p:animEffect transition="in" filter="wipe(left)">
-                                      <p:cBhvr>
-                                        <p:cTn id="11" dur="500"/>
-                                        <p:tgtEl>
-                                          <p:spTgt spid="5"/>
-                                        </p:tgtEl>
-                                      </p:cBhvr>
-                                    </p:animEffect>
                                   </p:childTnLst>
                                 </p:cTn>
                               </p:par>
@@ -7160,7 +7160,69 @@
                                         <p:tgtEl>
                                           <p:spTgt spid="3">
                                             <p:txEl>
-                                              <p:pRg st="2" end="2"/>
+                                              <p:pRg st="4" end="4"/>
+                                            </p:txEl>
+                                          </p:spTgt>
+                                        </p:tgtEl>
+                                        <p:attrNameLst>
+                                          <p:attrName>style.visibility</p:attrName>
+                                        </p:attrNameLst>
+                                      </p:cBhvr>
+                                      <p:to>
+                                        <p:strVal val="visible"/>
+                                      </p:to>
+                                    </p:set>
+                                  </p:childTnLst>
+                                </p:cTn>
+                              </p:par>
+                              <p:par>
+                                <p:cTn id="16" presetID="1" presetClass="entr" presetSubtype="0" fill="hold" grpId="0" nodeType="withEffect">
+                                  <p:stCondLst>
+                                    <p:cond delay="0"/>
+                                  </p:stCondLst>
+                                  <p:childTnLst>
+                                    <p:set>
+                                      <p:cBhvr>
+                                        <p:cTn id="17" dur="1" fill="hold">
+                                          <p:stCondLst>
+                                            <p:cond delay="0"/>
+                                          </p:stCondLst>
+                                        </p:cTn>
+                                        <p:tgtEl>
+                                          <p:spTgt spid="3">
+                                            <p:txEl>
+                                              <p:pRg st="5" end="5"/>
+                                            </p:txEl>
+                                          </p:spTgt>
+                                        </p:tgtEl>
+                                        <p:attrNameLst>
+                                          <p:attrName>style.visibility</p:attrName>
+                                        </p:attrNameLst>
+                                      </p:cBhvr>
+                                      <p:to>
+                                        <p:strVal val="visible"/>
+                                      </p:to>
+                                    </p:set>
+                                  </p:childTnLst>
+                                </p:cTn>
+                              </p:par>
+                              <p:par>
+                                <p:cTn id="18" presetID="1" presetClass="entr" presetSubtype="0" fill="hold" grpId="0" nodeType="withEffect">
+                                  <p:stCondLst>
+                                    <p:cond delay="0"/>
+                                  </p:stCondLst>
+                                  <p:childTnLst>
+                                    <p:set>
+                                      <p:cBhvr>
+                                        <p:cTn id="19" dur="1" fill="hold">
+                                          <p:stCondLst>
+                                            <p:cond delay="0"/>
+                                          </p:stCondLst>
+                                        </p:cTn>
+                                        <p:tgtEl>
+                                          <p:spTgt spid="3">
+                                            <p:txEl>
+                                              <p:pRg st="6" end="6"/>
                                             </p:txEl>
                                           </p:spTgt>
                                         </p:tgtEl>
@@ -7182,26 +7244,26 @@
                     </p:cTn>
                   </p:par>
                   <p:par>
-                    <p:cTn id="16" fill="hold">
+                    <p:cTn id="20" fill="hold">
                       <p:stCondLst>
                         <p:cond delay="indefinite"/>
                       </p:stCondLst>
                       <p:childTnLst>
                         <p:par>
-                          <p:cTn id="17" fill="hold">
+                          <p:cTn id="21" fill="hold">
                             <p:stCondLst>
                               <p:cond delay="0"/>
                             </p:stCondLst>
                             <p:childTnLst>
                               <p:par>
-                                <p:cTn id="18" presetID="1" presetClass="entr" presetSubtype="0" fill="hold" grpId="0" nodeType="clickEffect">
+                                <p:cTn id="22" presetID="1" presetClass="entr" presetSubtype="0" fill="hold" grpId="0" nodeType="clickEffect">
                                   <p:stCondLst>
                                     <p:cond delay="0"/>
                                   </p:stCondLst>
                                   <p:childTnLst>
                                     <p:set>
                                       <p:cBhvr>
-                                        <p:cTn id="19" dur="1" fill="hold">
+                                        <p:cTn id="23" dur="1" fill="hold">
                                           <p:stCondLst>
                                             <p:cond delay="0"/>
                                           </p:stCondLst>
@@ -7209,7 +7271,7 @@
                                         <p:tgtEl>
                                           <p:spTgt spid="3">
                                             <p:txEl>
-                                              <p:pRg st="4" end="4"/>
+                                              <p:pRg st="8" end="8"/>
                                             </p:txEl>
                                           </p:spTgt>
                                         </p:tgtEl>
@@ -7225,14 +7287,14 @@
                                 </p:cTn>
                               </p:par>
                               <p:par>
-                                <p:cTn id="20" presetID="1" presetClass="entr" presetSubtype="0" fill="hold" grpId="0" nodeType="withEffect">
+                                <p:cTn id="24" presetID="1" presetClass="entr" presetSubtype="0" fill="hold" grpId="0" nodeType="withEffect">
                                   <p:stCondLst>
                                     <p:cond delay="0"/>
                                   </p:stCondLst>
                                   <p:childTnLst>
                                     <p:set>
                                       <p:cBhvr>
-                                        <p:cTn id="21" dur="1" fill="hold">
+                                        <p:cTn id="25" dur="1" fill="hold">
                                           <p:stCondLst>
                                             <p:cond delay="0"/>
                                           </p:stCondLst>
@@ -7240,7 +7302,7 @@
                                         <p:tgtEl>
                                           <p:spTgt spid="3">
                                             <p:txEl>
-                                              <p:pRg st="5" end="5"/>
+                                              <p:pRg st="9" end="9"/>
                                             </p:txEl>
                                           </p:spTgt>
                                         </p:tgtEl>
@@ -7256,14 +7318,14 @@
                                 </p:cTn>
                               </p:par>
                               <p:par>
-                                <p:cTn id="22" presetID="1" presetClass="entr" presetSubtype="0" fill="hold" grpId="0" nodeType="withEffect">
+                                <p:cTn id="26" presetID="1" presetClass="entr" presetSubtype="0" fill="hold" grpId="0" nodeType="withEffect">
                                   <p:stCondLst>
                                     <p:cond delay="0"/>
                                   </p:stCondLst>
                                   <p:childTnLst>
                                     <p:set>
                                       <p:cBhvr>
-                                        <p:cTn id="23" dur="1" fill="hold">
+                                        <p:cTn id="27" dur="1" fill="hold">
                                           <p:stCondLst>
                                             <p:cond delay="0"/>
                                           </p:stCondLst>
@@ -7271,7 +7333,7 @@
                                         <p:tgtEl>
                                           <p:spTgt spid="3">
                                             <p:txEl>
-                                              <p:pRg st="6" end="6"/>
+                                              <p:pRg st="10" end="10"/>
                                             </p:txEl>
                                           </p:spTgt>
                                         </p:tgtEl>
@@ -7293,26 +7355,26 @@
                     </p:cTn>
                   </p:par>
                   <p:par>
-                    <p:cTn id="24" fill="hold">
+                    <p:cTn id="28" fill="hold">
                       <p:stCondLst>
                         <p:cond delay="indefinite"/>
                       </p:stCondLst>
                       <p:childTnLst>
                         <p:par>
-                          <p:cTn id="25" fill="hold">
+                          <p:cTn id="29" fill="hold">
                             <p:stCondLst>
                               <p:cond delay="0"/>
                             </p:stCondLst>
                             <p:childTnLst>
                               <p:par>
-                                <p:cTn id="26" presetID="1" presetClass="entr" presetSubtype="0" fill="hold" grpId="0" nodeType="clickEffect">
+                                <p:cTn id="30" presetID="1" presetClass="entr" presetSubtype="0" fill="hold" grpId="0" nodeType="clickEffect">
                                   <p:stCondLst>
                                     <p:cond delay="0"/>
                                   </p:stCondLst>
                                   <p:childTnLst>
                                     <p:set>
                                       <p:cBhvr>
-                                        <p:cTn id="27" dur="1" fill="hold">
+                                        <p:cTn id="31" dur="1" fill="hold">
                                           <p:stCondLst>
                                             <p:cond delay="0"/>
                                           </p:stCondLst>
@@ -7320,7 +7382,7 @@
                                         <p:tgtEl>
                                           <p:spTgt spid="3">
                                             <p:txEl>
-                                              <p:pRg st="8" end="8"/>
+                                              <p:pRg st="12" end="12"/>
                                             </p:txEl>
                                           </p:spTgt>
                                         </p:tgtEl>
@@ -7336,125 +7398,14 @@
                                 </p:cTn>
                               </p:par>
                               <p:par>
-                                <p:cTn id="28" presetID="1" presetClass="entr" presetSubtype="0" fill="hold" grpId="0" nodeType="withEffect">
+                                <p:cTn id="32" presetID="1" presetClass="entr" presetSubtype="0" fill="hold" grpId="0" nodeType="withEffect">
                                   <p:stCondLst>
                                     <p:cond delay="0"/>
                                   </p:stCondLst>
                                   <p:childTnLst>
                                     <p:set>
                                       <p:cBhvr>
-                                        <p:cTn id="29" dur="1" fill="hold">
-                                          <p:stCondLst>
-                                            <p:cond delay="0"/>
-                                          </p:stCondLst>
-                                        </p:cTn>
-                                        <p:tgtEl>
-                                          <p:spTgt spid="3">
-                                            <p:txEl>
-                                              <p:pRg st="9" end="9"/>
-                                            </p:txEl>
-                                          </p:spTgt>
-                                        </p:tgtEl>
-                                        <p:attrNameLst>
-                                          <p:attrName>style.visibility</p:attrName>
-                                        </p:attrNameLst>
-                                      </p:cBhvr>
-                                      <p:to>
-                                        <p:strVal val="visible"/>
-                                      </p:to>
-                                    </p:set>
-                                  </p:childTnLst>
-                                </p:cTn>
-                              </p:par>
-                              <p:par>
-                                <p:cTn id="30" presetID="1" presetClass="entr" presetSubtype="0" fill="hold" grpId="0" nodeType="withEffect">
-                                  <p:stCondLst>
-                                    <p:cond delay="0"/>
-                                  </p:stCondLst>
-                                  <p:childTnLst>
-                                    <p:set>
-                                      <p:cBhvr>
-                                        <p:cTn id="31" dur="1" fill="hold">
-                                          <p:stCondLst>
-                                            <p:cond delay="0"/>
-                                          </p:stCondLst>
-                                        </p:cTn>
-                                        <p:tgtEl>
-                                          <p:spTgt spid="3">
-                                            <p:txEl>
-                                              <p:pRg st="10" end="10"/>
-                                            </p:txEl>
-                                          </p:spTgt>
-                                        </p:tgtEl>
-                                        <p:attrNameLst>
-                                          <p:attrName>style.visibility</p:attrName>
-                                        </p:attrNameLst>
-                                      </p:cBhvr>
-                                      <p:to>
-                                        <p:strVal val="visible"/>
-                                      </p:to>
-                                    </p:set>
-                                  </p:childTnLst>
-                                </p:cTn>
-                              </p:par>
-                            </p:childTnLst>
-                          </p:cTn>
-                        </p:par>
-                      </p:childTnLst>
-                    </p:cTn>
-                  </p:par>
-                  <p:par>
-                    <p:cTn id="32" fill="hold">
-                      <p:stCondLst>
-                        <p:cond delay="indefinite"/>
-                      </p:stCondLst>
-                      <p:childTnLst>
-                        <p:par>
-                          <p:cTn id="33" fill="hold">
-                            <p:stCondLst>
-                              <p:cond delay="0"/>
-                            </p:stCondLst>
-                            <p:childTnLst>
-                              <p:par>
-                                <p:cTn id="34" presetID="1" presetClass="entr" presetSubtype="0" fill="hold" grpId="0" nodeType="clickEffect">
-                                  <p:stCondLst>
-                                    <p:cond delay="0"/>
-                                  </p:stCondLst>
-                                  <p:childTnLst>
-                                    <p:set>
-                                      <p:cBhvr>
-                                        <p:cTn id="35" dur="1" fill="hold">
-                                          <p:stCondLst>
-                                            <p:cond delay="0"/>
-                                          </p:stCondLst>
-                                        </p:cTn>
-                                        <p:tgtEl>
-                                          <p:spTgt spid="3">
-                                            <p:txEl>
-                                              <p:pRg st="12" end="12"/>
-                                            </p:txEl>
-                                          </p:spTgt>
-                                        </p:tgtEl>
-                                        <p:attrNameLst>
-                                          <p:attrName>style.visibility</p:attrName>
-                                        </p:attrNameLst>
-                                      </p:cBhvr>
-                                      <p:to>
-                                        <p:strVal val="visible"/>
-                                      </p:to>
-                                    </p:set>
-                                  </p:childTnLst>
-                                </p:cTn>
-                              </p:par>
-                              <p:par>
-                                <p:cTn id="36" presetID="1" presetClass="entr" presetSubtype="0" fill="hold" grpId="0" nodeType="withEffect">
-                                  <p:stCondLst>
-                                    <p:cond delay="0"/>
-                                  </p:stCondLst>
-                                  <p:childTnLst>
-                                    <p:set>
-                                      <p:cBhvr>
-                                        <p:cTn id="37" dur="1" fill="hold">
+                                        <p:cTn id="33" dur="1" fill="hold">
                                           <p:stCondLst>
                                             <p:cond delay="0"/>
                                           </p:stCondLst>
@@ -17877,13 +17828,8 @@
           <a:p>
             <a:r>
               <a:rPr lang="en-US" dirty="0" smtClean="0"/>
-              <a:t>Experimentation with management </a:t>
+              <a:t>Experimentation with management decisions</a:t>
             </a:r>
-            <a:r>
-              <a:rPr lang="en-US" dirty="0" smtClean="0"/>
-              <a:t>decisions</a:t>
-            </a:r>
-            <a:endParaRPr lang="en-US" dirty="0" smtClean="0"/>
           </a:p>
         </p:txBody>
       </p:sp>
@@ -18206,11 +18152,7 @@
           <a:p>
             <a:r>
               <a:rPr lang="en-US" dirty="0" smtClean="0"/>
-              <a:t>Goals of Adaptive </a:t>
-            </a:r>
-            <a:r>
-              <a:rPr lang="en-US" dirty="0" smtClean="0"/>
-              <a:t>Management</a:t>
+              <a:t>Goals of Adaptive Management</a:t>
             </a:r>
             <a:endParaRPr lang="en-US" dirty="0"/>
           </a:p>
@@ -18259,11 +18201,7 @@
             </a:r>
             <a:r>
               <a:rPr lang="en-US" sz="2000" dirty="0" smtClean="0"/>
-              <a:t>) &amp; Walters (2007)</a:t>
-            </a:r>
-            <a:r>
-              <a:rPr lang="en-US" sz="2000" dirty="0" smtClean="0"/>
-              <a:t>)</a:t>
+              <a:t>) &amp; Walters (2007))</a:t>
             </a:r>
             <a:endParaRPr lang="en-US" sz="3200" dirty="0" smtClean="0"/>
           </a:p>
@@ -18294,7 +18232,6 @@
               <a:rPr lang="en-US" dirty="0" smtClean="0"/>
               <a:t>Secondary</a:t>
             </a:r>
-            <a:endParaRPr lang="en-US" dirty="0" smtClean="0"/>
           </a:p>
           <a:p>
             <a:pPr lvl="1"/>
@@ -18307,13 +18244,8 @@
             <a:pPr lvl="1"/>
             <a:r>
               <a:rPr lang="en-US" dirty="0" smtClean="0"/>
-              <a:t>Accrue information to inform future </a:t>
+              <a:t>Accrue information to inform future decisions</a:t>
             </a:r>
-            <a:r>
-              <a:rPr lang="en-US" dirty="0" smtClean="0"/>
-              <a:t>decisions</a:t>
-            </a:r>
-            <a:endParaRPr lang="en-US" dirty="0" smtClean="0"/>
           </a:p>
         </p:txBody>
       </p:sp>
@@ -18635,11 +18567,7 @@
           <a:p>
             <a:r>
               <a:rPr lang="en-US" dirty="0" smtClean="0"/>
-              <a:t>Challenges to Adaptive </a:t>
-            </a:r>
-            <a:r>
-              <a:rPr lang="en-US" dirty="0" smtClean="0"/>
-              <a:t>Management</a:t>
+              <a:t>Challenges to Adaptive Management</a:t>
             </a:r>
             <a:endParaRPr lang="en-US" dirty="0"/>
           </a:p>
@@ -18800,11 +18728,7 @@
           <a:p>
             <a:r>
               <a:rPr lang="en-US" dirty="0" smtClean="0"/>
-              <a:t>Challenges to Adaptive </a:t>
-            </a:r>
-            <a:r>
-              <a:rPr lang="en-US" dirty="0" smtClean="0"/>
-              <a:t>Management</a:t>
+              <a:t>Challenges to Adaptive Management</a:t>
             </a:r>
             <a:endParaRPr lang="en-US" dirty="0"/>
           </a:p>
@@ -18991,19 +18915,7 @@
           <a:p>
             <a:r>
               <a:rPr lang="en-US" dirty="0" smtClean="0"/>
-              <a:t>Example: Black </a:t>
-            </a:r>
-            <a:r>
-              <a:rPr lang="en-US" dirty="0" smtClean="0"/>
-              <a:t>Bass </a:t>
-            </a:r>
-            <a:r>
-              <a:rPr lang="en-US" dirty="0" smtClean="0"/>
-              <a:t>and </a:t>
-            </a:r>
-            <a:r>
-              <a:rPr lang="en-US" dirty="0" smtClean="0"/>
-              <a:t>Walleye</a:t>
+              <a:t>Example: Black Bass and Walleye</a:t>
             </a:r>
             <a:endParaRPr lang="en-US" dirty="0"/>
           </a:p>
